--- a/doc/xkocic01.pptx
+++ b/doc/xkocic01.pptx
@@ -3445,6 +3445,21 @@
             <a:r>
               <a:rPr lang="cs-CZ" sz="2000" dirty="0"/>
               <a:t>ástroj</a:t>
+            </a:r>
+            <a:endParaRPr lang="en-US" sz="2000" dirty="0"/>
+          </a:p>
+          <a:p>
+            <a:pPr marL="457200" indent="-457200" algn="l">
+              <a:buFont typeface="Arial" panose="020B0604020202020204" pitchFamily="34" charset="0"/>
+              <a:buChar char="•"/>
+            </a:pPr>
+            <a:r>
+              <a:rPr lang="en-US" sz="2000" dirty="0"/>
+              <a:t>Nez</a:t>
+            </a:r>
+            <a:r>
+              <a:rPr lang="cs-CZ" sz="2000" dirty="0"/>
+              <a:t>ávislost na modelu (layoutu) skladu</a:t>
             </a:r>
           </a:p>
           <a:p>

--- a/doc/xkocic01.pptx
+++ b/doc/xkocic01.pptx
@@ -5,7 +5,7 @@
     <p:sldMasterId id="2147483648" r:id="rId1"/>
   </p:sldMasterIdLst>
   <p:notesMasterIdLst>
-    <p:notesMasterId r:id="rId16"/>
+    <p:notesMasterId r:id="rId18"/>
   </p:notesMasterIdLst>
   <p:sldIdLst>
     <p:sldId id="285" r:id="rId2"/>
@@ -20,8 +20,10 @@
     <p:sldId id="291" r:id="rId11"/>
     <p:sldId id="298" r:id="rId12"/>
     <p:sldId id="292" r:id="rId13"/>
-    <p:sldId id="294" r:id="rId14"/>
-    <p:sldId id="282" r:id="rId15"/>
+    <p:sldId id="299" r:id="rId14"/>
+    <p:sldId id="300" r:id="rId15"/>
+    <p:sldId id="294" r:id="rId16"/>
+    <p:sldId id="282" r:id="rId17"/>
   </p:sldIdLst>
   <p:sldSz cx="9144000" cy="6858000" type="screen4x3"/>
   <p:notesSz cx="6858000" cy="9144000"/>
@@ -221,7 +223,7 @@
           <a:p>
             <a:fld id="{8A47B827-01B0-40C7-BA68-3ACC7CEACCE7}" type="datetimeFigureOut">
               <a:rPr lang="cs-CZ" smtClean="0"/>
-              <a:t>18.12.2020</a:t>
+              <a:t>21.12.2020</a:t>
             </a:fld>
             <a:endParaRPr lang="cs-CZ"/>
           </a:p>
@@ -637,7 +639,7 @@
           <a:p>
             <a:fld id="{EE1BD250-9BF5-4AE8-86BD-080F3A22271A}" type="slidenum">
               <a:rPr lang="cs-CZ" smtClean="0"/>
-              <a:t>14</a:t>
+              <a:t>16</a:t>
             </a:fld>
             <a:endParaRPr lang="cs-CZ"/>
           </a:p>
@@ -2631,7 +2633,7 @@
                   <a:schemeClr val="bg1"/>
                 </a:solidFill>
               </a:rPr>
-              <a:t>8</a:t>
+              <a:t>9</a:t>
             </a:r>
           </a:p>
         </p:txBody>
@@ -2919,7 +2921,7 @@
                   <a:schemeClr val="bg1"/>
                 </a:solidFill>
               </a:rPr>
-              <a:t>8</a:t>
+              <a:t>9</a:t>
             </a:r>
           </a:p>
         </p:txBody>
@@ -3299,7 +3301,7 @@
                   <a:schemeClr val="bg1"/>
                 </a:solidFill>
               </a:rPr>
-              <a:t>8</a:t>
+              <a:t>9</a:t>
             </a:r>
           </a:p>
         </p:txBody>
@@ -3339,6 +3341,1122 @@
           <p:cNvPr id="2" name="Title 1">
             <a:extLst>
               <a:ext uri="{FF2B5EF4-FFF2-40B4-BE49-F238E27FC236}">
+                <a16:creationId xmlns:a16="http://schemas.microsoft.com/office/drawing/2014/main" id="{93592D1C-6C6C-4D52-A673-B0BB7B343B60}"/>
+              </a:ext>
+            </a:extLst>
+          </p:cNvPr>
+          <p:cNvSpPr>
+            <a:spLocks noGrp="1"/>
+          </p:cNvSpPr>
+          <p:nvPr>
+            <p:ph type="title"/>
+          </p:nvPr>
+        </p:nvSpPr>
+        <p:spPr/>
+        <p:txBody>
+          <a:bodyPr/>
+          <a:lstStyle/>
+          <a:p>
+            <a:r>
+              <a:rPr lang="en-US" dirty="0" err="1"/>
+              <a:t>Experimenty</a:t>
+            </a:r>
+            <a:endParaRPr lang="en-US" dirty="0"/>
+          </a:p>
+        </p:txBody>
+      </p:sp>
+      <p:pic>
+        <p:nvPicPr>
+          <p:cNvPr id="8" name="Picture 7" descr="Chart, line chart&#10;&#10;Description automatically generated">
+            <a:extLst>
+              <a:ext uri="{FF2B5EF4-FFF2-40B4-BE49-F238E27FC236}">
+                <a16:creationId xmlns:a16="http://schemas.microsoft.com/office/drawing/2014/main" id="{BCC198F4-C106-4954-AFBB-2EA9BFCD4BDC}"/>
+              </a:ext>
+            </a:extLst>
+          </p:cNvPr>
+          <p:cNvPicPr>
+            <a:picLocks noChangeAspect="1"/>
+          </p:cNvPicPr>
+          <p:nvPr/>
+        </p:nvPicPr>
+        <p:blipFill>
+          <a:blip r:embed="rId2">
+            <a:extLst>
+              <a:ext uri="{28A0092B-C50C-407E-A947-70E740481C1C}">
+                <a14:useLocalDpi xmlns:a14="http://schemas.microsoft.com/office/drawing/2010/main" val="0"/>
+              </a:ext>
+            </a:extLst>
+          </a:blip>
+          <a:stretch>
+            <a:fillRect/>
+          </a:stretch>
+        </p:blipFill>
+        <p:spPr>
+          <a:xfrm>
+            <a:off x="3085533" y="1404256"/>
+            <a:ext cx="2926086" cy="2194565"/>
+          </a:xfrm>
+          <a:prstGeom prst="rect">
+            <a:avLst/>
+          </a:prstGeom>
+        </p:spPr>
+      </p:pic>
+      <p:pic>
+        <p:nvPicPr>
+          <p:cNvPr id="10" name="Picture 9" descr="Chart, line chart&#10;&#10;Description automatically generated">
+            <a:extLst>
+              <a:ext uri="{FF2B5EF4-FFF2-40B4-BE49-F238E27FC236}">
+                <a16:creationId xmlns:a16="http://schemas.microsoft.com/office/drawing/2014/main" id="{CAEDE647-BFFA-4156-8D3F-035DD699F05B}"/>
+              </a:ext>
+            </a:extLst>
+          </p:cNvPr>
+          <p:cNvPicPr>
+            <a:picLocks noChangeAspect="1"/>
+          </p:cNvPicPr>
+          <p:nvPr/>
+        </p:nvPicPr>
+        <p:blipFill>
+          <a:blip r:embed="rId3">
+            <a:extLst>
+              <a:ext uri="{28A0092B-C50C-407E-A947-70E740481C1C}">
+                <a14:useLocalDpi xmlns:a14="http://schemas.microsoft.com/office/drawing/2010/main" val="0"/>
+              </a:ext>
+            </a:extLst>
+          </a:blip>
+          <a:stretch>
+            <a:fillRect/>
+          </a:stretch>
+        </p:blipFill>
+        <p:spPr>
+          <a:xfrm>
+            <a:off x="61737" y="1409976"/>
+            <a:ext cx="2926087" cy="2194565"/>
+          </a:xfrm>
+          <a:prstGeom prst="rect">
+            <a:avLst/>
+          </a:prstGeom>
+        </p:spPr>
+      </p:pic>
+      <p:pic>
+        <p:nvPicPr>
+          <p:cNvPr id="12" name="Picture 11" descr="Chart, line chart&#10;&#10;Description automatically generated">
+            <a:extLst>
+              <a:ext uri="{FF2B5EF4-FFF2-40B4-BE49-F238E27FC236}">
+                <a16:creationId xmlns:a16="http://schemas.microsoft.com/office/drawing/2014/main" id="{8BCC6B44-4FC6-4EB8-B76E-2A86BEBCCCE8}"/>
+              </a:ext>
+            </a:extLst>
+          </p:cNvPr>
+          <p:cNvPicPr>
+            <a:picLocks noChangeAspect="1"/>
+          </p:cNvPicPr>
+          <p:nvPr/>
+        </p:nvPicPr>
+        <p:blipFill>
+          <a:blip r:embed="rId4">
+            <a:extLst>
+              <a:ext uri="{28A0092B-C50C-407E-A947-70E740481C1C}">
+                <a14:useLocalDpi xmlns:a14="http://schemas.microsoft.com/office/drawing/2010/main" val="0"/>
+              </a:ext>
+            </a:extLst>
+          </a:blip>
+          <a:stretch>
+            <a:fillRect/>
+          </a:stretch>
+        </p:blipFill>
+        <p:spPr>
+          <a:xfrm>
+            <a:off x="6109329" y="1404257"/>
+            <a:ext cx="2926086" cy="2194565"/>
+          </a:xfrm>
+          <a:prstGeom prst="rect">
+            <a:avLst/>
+          </a:prstGeom>
+        </p:spPr>
+      </p:pic>
+      <p:pic>
+        <p:nvPicPr>
+          <p:cNvPr id="14" name="Picture 13" descr="Chart, line chart&#10;&#10;Description automatically generated">
+            <a:extLst>
+              <a:ext uri="{FF2B5EF4-FFF2-40B4-BE49-F238E27FC236}">
+                <a16:creationId xmlns:a16="http://schemas.microsoft.com/office/drawing/2014/main" id="{3C955874-418F-4666-B5F8-533C7713C73D}"/>
+              </a:ext>
+            </a:extLst>
+          </p:cNvPr>
+          <p:cNvPicPr>
+            <a:picLocks noChangeAspect="1"/>
+          </p:cNvPicPr>
+          <p:nvPr/>
+        </p:nvPicPr>
+        <p:blipFill>
+          <a:blip r:embed="rId5">
+            <a:extLst>
+              <a:ext uri="{28A0092B-C50C-407E-A947-70E740481C1C}">
+                <a14:useLocalDpi xmlns:a14="http://schemas.microsoft.com/office/drawing/2010/main" val="0"/>
+              </a:ext>
+            </a:extLst>
+          </a:blip>
+          <a:stretch>
+            <a:fillRect/>
+          </a:stretch>
+        </p:blipFill>
+        <p:spPr>
+          <a:xfrm>
+            <a:off x="61738" y="3789040"/>
+            <a:ext cx="2926086" cy="2194565"/>
+          </a:xfrm>
+          <a:prstGeom prst="rect">
+            <a:avLst/>
+          </a:prstGeom>
+        </p:spPr>
+      </p:pic>
+      <p:pic>
+        <p:nvPicPr>
+          <p:cNvPr id="16" name="Picture 15" descr="Chart, line chart&#10;&#10;Description automatically generated">
+            <a:extLst>
+              <a:ext uri="{FF2B5EF4-FFF2-40B4-BE49-F238E27FC236}">
+                <a16:creationId xmlns:a16="http://schemas.microsoft.com/office/drawing/2014/main" id="{760A9458-1B3B-4FB9-A55C-CC3BD289EE2E}"/>
+              </a:ext>
+            </a:extLst>
+          </p:cNvPr>
+          <p:cNvPicPr>
+            <a:picLocks noChangeAspect="1"/>
+          </p:cNvPicPr>
+          <p:nvPr/>
+        </p:nvPicPr>
+        <p:blipFill>
+          <a:blip r:embed="rId6">
+            <a:extLst>
+              <a:ext uri="{28A0092B-C50C-407E-A947-70E740481C1C}">
+                <a14:useLocalDpi xmlns:a14="http://schemas.microsoft.com/office/drawing/2010/main" val="0"/>
+              </a:ext>
+            </a:extLst>
+          </a:blip>
+          <a:stretch>
+            <a:fillRect/>
+          </a:stretch>
+        </p:blipFill>
+        <p:spPr>
+          <a:xfrm>
+            <a:off x="3085533" y="3788295"/>
+            <a:ext cx="2926087" cy="2194565"/>
+          </a:xfrm>
+          <a:prstGeom prst="rect">
+            <a:avLst/>
+          </a:prstGeom>
+        </p:spPr>
+      </p:pic>
+      <p:pic>
+        <p:nvPicPr>
+          <p:cNvPr id="18" name="Picture 17" descr="Chart, line chart&#10;&#10;Description automatically generated">
+            <a:extLst>
+              <a:ext uri="{FF2B5EF4-FFF2-40B4-BE49-F238E27FC236}">
+                <a16:creationId xmlns:a16="http://schemas.microsoft.com/office/drawing/2014/main" id="{4380C17B-06FD-4D93-973B-7EC86B832825}"/>
+              </a:ext>
+            </a:extLst>
+          </p:cNvPr>
+          <p:cNvPicPr>
+            <a:picLocks noChangeAspect="1"/>
+          </p:cNvPicPr>
+          <p:nvPr/>
+        </p:nvPicPr>
+        <p:blipFill>
+          <a:blip r:embed="rId7">
+            <a:extLst>
+              <a:ext uri="{28A0092B-C50C-407E-A947-70E740481C1C}">
+                <a14:useLocalDpi xmlns:a14="http://schemas.microsoft.com/office/drawing/2010/main" val="0"/>
+              </a:ext>
+            </a:extLst>
+          </a:blip>
+          <a:stretch>
+            <a:fillRect/>
+          </a:stretch>
+        </p:blipFill>
+        <p:spPr>
+          <a:xfrm>
+            <a:off x="6109328" y="3788295"/>
+            <a:ext cx="2926087" cy="2194565"/>
+          </a:xfrm>
+          <a:prstGeom prst="rect">
+            <a:avLst/>
+          </a:prstGeom>
+        </p:spPr>
+      </p:pic>
+      <p:sp>
+        <p:nvSpPr>
+          <p:cNvPr id="19" name="Text Placeholder 6">
+            <a:extLst>
+              <a:ext uri="{FF2B5EF4-FFF2-40B4-BE49-F238E27FC236}">
+                <a16:creationId xmlns:a16="http://schemas.microsoft.com/office/drawing/2014/main" id="{60295802-DE30-45B3-9C83-EDEA2969AE0D}"/>
+              </a:ext>
+            </a:extLst>
+          </p:cNvPr>
+          <p:cNvSpPr txBox="1">
+            <a:spLocks/>
+          </p:cNvSpPr>
+          <p:nvPr/>
+        </p:nvSpPr>
+        <p:spPr>
+          <a:xfrm>
+            <a:off x="8388424" y="6450130"/>
+            <a:ext cx="863575" cy="431800"/>
+          </a:xfrm>
+          <a:prstGeom prst="rect">
+            <a:avLst/>
+          </a:prstGeom>
+        </p:spPr>
+        <p:txBody>
+          <a:bodyPr/>
+          <a:lstStyle>
+            <a:lvl1pPr marL="342900" indent="-342900" algn="l" defTabSz="914400" rtl="0" eaLnBrk="1" latinLnBrk="0" hangingPunct="1">
+              <a:spcBef>
+                <a:spcPct val="20000"/>
+              </a:spcBef>
+              <a:buFont typeface="Arial" panose="020B0604020202020204" pitchFamily="34" charset="0"/>
+              <a:buChar char="•"/>
+              <a:defRPr sz="3200" kern="1200">
+                <a:solidFill>
+                  <a:schemeClr val="tx1"/>
+                </a:solidFill>
+                <a:latin typeface="+mn-lt"/>
+                <a:ea typeface="+mn-ea"/>
+                <a:cs typeface="+mn-cs"/>
+              </a:defRPr>
+            </a:lvl1pPr>
+            <a:lvl2pPr marL="742950" indent="-285750" algn="l" defTabSz="914400" rtl="0" eaLnBrk="1" latinLnBrk="0" hangingPunct="1">
+              <a:spcBef>
+                <a:spcPct val="20000"/>
+              </a:spcBef>
+              <a:buFont typeface="Arial" panose="020B0604020202020204" pitchFamily="34" charset="0"/>
+              <a:buChar char="–"/>
+              <a:defRPr sz="2800" kern="1200">
+                <a:solidFill>
+                  <a:schemeClr val="tx1"/>
+                </a:solidFill>
+                <a:latin typeface="+mn-lt"/>
+                <a:ea typeface="+mn-ea"/>
+                <a:cs typeface="+mn-cs"/>
+              </a:defRPr>
+            </a:lvl2pPr>
+            <a:lvl3pPr marL="1143000" indent="-228600" algn="l" defTabSz="914400" rtl="0" eaLnBrk="1" latinLnBrk="0" hangingPunct="1">
+              <a:spcBef>
+                <a:spcPct val="20000"/>
+              </a:spcBef>
+              <a:buFont typeface="Arial" panose="020B0604020202020204" pitchFamily="34" charset="0"/>
+              <a:buChar char="•"/>
+              <a:defRPr sz="2400" kern="1200">
+                <a:solidFill>
+                  <a:schemeClr val="tx1"/>
+                </a:solidFill>
+                <a:latin typeface="+mn-lt"/>
+                <a:ea typeface="+mn-ea"/>
+                <a:cs typeface="+mn-cs"/>
+              </a:defRPr>
+            </a:lvl3pPr>
+            <a:lvl4pPr marL="1600200" indent="-228600" algn="l" defTabSz="914400" rtl="0" eaLnBrk="1" latinLnBrk="0" hangingPunct="1">
+              <a:spcBef>
+                <a:spcPct val="20000"/>
+              </a:spcBef>
+              <a:buFont typeface="Arial" panose="020B0604020202020204" pitchFamily="34" charset="0"/>
+              <a:buChar char="–"/>
+              <a:defRPr sz="2000" kern="1200">
+                <a:solidFill>
+                  <a:schemeClr val="tx1"/>
+                </a:solidFill>
+                <a:latin typeface="+mn-lt"/>
+                <a:ea typeface="+mn-ea"/>
+                <a:cs typeface="+mn-cs"/>
+              </a:defRPr>
+            </a:lvl4pPr>
+            <a:lvl5pPr marL="2057400" indent="-228600" algn="l" defTabSz="914400" rtl="0" eaLnBrk="1" latinLnBrk="0" hangingPunct="1">
+              <a:spcBef>
+                <a:spcPct val="20000"/>
+              </a:spcBef>
+              <a:buFont typeface="Arial" panose="020B0604020202020204" pitchFamily="34" charset="0"/>
+              <a:buChar char="»"/>
+              <a:defRPr sz="2000" kern="1200">
+                <a:solidFill>
+                  <a:schemeClr val="tx1"/>
+                </a:solidFill>
+                <a:latin typeface="+mn-lt"/>
+                <a:ea typeface="+mn-ea"/>
+                <a:cs typeface="+mn-cs"/>
+              </a:defRPr>
+            </a:lvl5pPr>
+            <a:lvl6pPr marL="2514600" indent="-228600" algn="l" defTabSz="914400" rtl="0" eaLnBrk="1" latinLnBrk="0" hangingPunct="1">
+              <a:spcBef>
+                <a:spcPct val="20000"/>
+              </a:spcBef>
+              <a:buFont typeface="Arial" panose="020B0604020202020204" pitchFamily="34" charset="0"/>
+              <a:buChar char="•"/>
+              <a:defRPr sz="2000" kern="1200">
+                <a:solidFill>
+                  <a:schemeClr val="tx1"/>
+                </a:solidFill>
+                <a:latin typeface="+mn-lt"/>
+                <a:ea typeface="+mn-ea"/>
+                <a:cs typeface="+mn-cs"/>
+              </a:defRPr>
+            </a:lvl6pPr>
+            <a:lvl7pPr marL="2971800" indent="-228600" algn="l" defTabSz="914400" rtl="0" eaLnBrk="1" latinLnBrk="0" hangingPunct="1">
+              <a:spcBef>
+                <a:spcPct val="20000"/>
+              </a:spcBef>
+              <a:buFont typeface="Arial" panose="020B0604020202020204" pitchFamily="34" charset="0"/>
+              <a:buChar char="•"/>
+              <a:defRPr sz="2000" kern="1200">
+                <a:solidFill>
+                  <a:schemeClr val="tx1"/>
+                </a:solidFill>
+                <a:latin typeface="+mn-lt"/>
+                <a:ea typeface="+mn-ea"/>
+                <a:cs typeface="+mn-cs"/>
+              </a:defRPr>
+            </a:lvl7pPr>
+            <a:lvl8pPr marL="3429000" indent="-228600" algn="l" defTabSz="914400" rtl="0" eaLnBrk="1" latinLnBrk="0" hangingPunct="1">
+              <a:spcBef>
+                <a:spcPct val="20000"/>
+              </a:spcBef>
+              <a:buFont typeface="Arial" panose="020B0604020202020204" pitchFamily="34" charset="0"/>
+              <a:buChar char="•"/>
+              <a:defRPr sz="2000" kern="1200">
+                <a:solidFill>
+                  <a:schemeClr val="tx1"/>
+                </a:solidFill>
+                <a:latin typeface="+mn-lt"/>
+                <a:ea typeface="+mn-ea"/>
+                <a:cs typeface="+mn-cs"/>
+              </a:defRPr>
+            </a:lvl8pPr>
+            <a:lvl9pPr marL="3886200" indent="-228600" algn="l" defTabSz="914400" rtl="0" eaLnBrk="1" latinLnBrk="0" hangingPunct="1">
+              <a:spcBef>
+                <a:spcPct val="20000"/>
+              </a:spcBef>
+              <a:buFont typeface="Arial" panose="020B0604020202020204" pitchFamily="34" charset="0"/>
+              <a:buChar char="•"/>
+              <a:defRPr sz="2000" kern="1200">
+                <a:solidFill>
+                  <a:schemeClr val="tx1"/>
+                </a:solidFill>
+                <a:latin typeface="+mn-lt"/>
+                <a:ea typeface="+mn-ea"/>
+                <a:cs typeface="+mn-cs"/>
+              </a:defRPr>
+            </a:lvl9pPr>
+          </a:lstStyle>
+          <a:p>
+            <a:pPr marL="0" indent="0">
+              <a:buNone/>
+            </a:pPr>
+            <a:r>
+              <a:rPr lang="en-US" sz="1600" dirty="0">
+                <a:solidFill>
+                  <a:schemeClr val="bg1"/>
+                </a:solidFill>
+              </a:rPr>
+              <a:t>8</a:t>
+            </a:r>
+            <a:r>
+              <a:rPr lang="cs-CZ" sz="1600" dirty="0">
+                <a:solidFill>
+                  <a:schemeClr val="bg1"/>
+                </a:solidFill>
+              </a:rPr>
+              <a:t>/</a:t>
+            </a:r>
+            <a:r>
+              <a:rPr lang="en-US" sz="1600" dirty="0">
+                <a:solidFill>
+                  <a:schemeClr val="bg1"/>
+                </a:solidFill>
+              </a:rPr>
+              <a:t>9</a:t>
+            </a:r>
+          </a:p>
+        </p:txBody>
+      </p:sp>
+    </p:spTree>
+    <p:extLst>
+      <p:ext uri="{BB962C8B-B14F-4D97-AF65-F5344CB8AC3E}">
+        <p14:creationId xmlns:p14="http://schemas.microsoft.com/office/powerpoint/2010/main" val="413743455"/>
+      </p:ext>
+    </p:extLst>
+  </p:cSld>
+  <p:clrMapOvr>
+    <a:masterClrMapping/>
+  </p:clrMapOvr>
+</p:sld>
+</file>
+
+<file path=ppt/slides/slide14.xml><?xml version="1.0" encoding="utf-8"?>
+<p:sld xmlns:a="http://schemas.openxmlformats.org/drawingml/2006/main" xmlns:r="http://schemas.openxmlformats.org/officeDocument/2006/relationships" xmlns:p="http://schemas.openxmlformats.org/presentationml/2006/main">
+  <p:cSld>
+    <p:spTree>
+      <p:nvGrpSpPr>
+        <p:cNvPr id="1" name=""/>
+        <p:cNvGrpSpPr/>
+        <p:nvPr/>
+      </p:nvGrpSpPr>
+      <p:grpSpPr>
+        <a:xfrm>
+          <a:off x="0" y="0"/>
+          <a:ext cx="0" cy="0"/>
+          <a:chOff x="0" y="0"/>
+          <a:chExt cx="0" cy="0"/>
+        </a:xfrm>
+      </p:grpSpPr>
+      <p:sp>
+        <p:nvSpPr>
+          <p:cNvPr id="2" name="Title 1">
+            <a:extLst>
+              <a:ext uri="{FF2B5EF4-FFF2-40B4-BE49-F238E27FC236}">
+                <a16:creationId xmlns:a16="http://schemas.microsoft.com/office/drawing/2014/main" id="{77B776A7-2175-46DF-BEA0-6F9D753A88B1}"/>
+              </a:ext>
+            </a:extLst>
+          </p:cNvPr>
+          <p:cNvSpPr>
+            <a:spLocks noGrp="1"/>
+          </p:cNvSpPr>
+          <p:nvPr>
+            <p:ph type="title"/>
+          </p:nvPr>
+        </p:nvSpPr>
+        <p:spPr/>
+        <p:txBody>
+          <a:bodyPr/>
+          <a:lstStyle/>
+          <a:p>
+            <a:r>
+              <a:rPr lang="en-US" dirty="0" err="1"/>
+              <a:t>Experimenty</a:t>
+            </a:r>
+            <a:r>
+              <a:rPr lang="en-US" dirty="0"/>
+              <a:t> - </a:t>
+            </a:r>
+            <a:r>
+              <a:rPr lang="en-US" dirty="0" err="1"/>
+              <a:t>Nejl</a:t>
+            </a:r>
+            <a:r>
+              <a:rPr lang="cs-CZ" dirty="0"/>
+              <a:t>epší konfigurace</a:t>
+            </a:r>
+            <a:endParaRPr lang="en-US" dirty="0"/>
+          </a:p>
+        </p:txBody>
+      </p:sp>
+      <p:graphicFrame>
+        <p:nvGraphicFramePr>
+          <p:cNvPr id="8" name="Table 8">
+            <a:extLst>
+              <a:ext uri="{FF2B5EF4-FFF2-40B4-BE49-F238E27FC236}">
+                <a16:creationId xmlns:a16="http://schemas.microsoft.com/office/drawing/2014/main" id="{EF70886E-F64E-4F5F-9710-2F4D88C03C56}"/>
+              </a:ext>
+            </a:extLst>
+          </p:cNvPr>
+          <p:cNvGraphicFramePr>
+            <a:graphicFrameLocks noGrp="1"/>
+          </p:cNvGraphicFramePr>
+          <p:nvPr>
+            <p:extLst>
+              <p:ext uri="{D42A27DB-BD31-4B8C-83A1-F6EECF244321}">
+                <p14:modId xmlns:p14="http://schemas.microsoft.com/office/powerpoint/2010/main" val="4148111160"/>
+              </p:ext>
+            </p:extLst>
+          </p:nvPr>
+        </p:nvGraphicFramePr>
+        <p:xfrm>
+          <a:off x="1524000" y="2204864"/>
+          <a:ext cx="6096000" cy="3337560"/>
+        </p:xfrm>
+        <a:graphic>
+          <a:graphicData uri="http://schemas.openxmlformats.org/drawingml/2006/table">
+            <a:tbl>
+              <a:tblPr firstRow="1" bandRow="1">
+                <a:tableStyleId>{5C22544A-7EE6-4342-B048-85BDC9FD1C3A}</a:tableStyleId>
+              </a:tblPr>
+              <a:tblGrid>
+                <a:gridCol w="3048000">
+                  <a:extLst>
+                    <a:ext uri="{9D8B030D-6E8A-4147-A177-3AD203B41FA5}">
+                      <a16:colId xmlns:a16="http://schemas.microsoft.com/office/drawing/2014/main" val="198817247"/>
+                    </a:ext>
+                  </a:extLst>
+                </a:gridCol>
+                <a:gridCol w="3048000">
+                  <a:extLst>
+                    <a:ext uri="{9D8B030D-6E8A-4147-A177-3AD203B41FA5}">
+                      <a16:colId xmlns:a16="http://schemas.microsoft.com/office/drawing/2014/main" val="1572285448"/>
+                    </a:ext>
+                  </a:extLst>
+                </a:gridCol>
+              </a:tblGrid>
+              <a:tr h="370840">
+                <a:tc>
+                  <a:txBody>
+                    <a:bodyPr/>
+                    <a:lstStyle/>
+                    <a:p>
+                      <a:r>
+                        <a:rPr lang="en-US" dirty="0"/>
+                        <a:t>Polo</a:t>
+                      </a:r>
+                      <a:r>
+                        <a:rPr lang="cs-CZ" dirty="0"/>
+                        <a:t>žka</a:t>
+                      </a:r>
+                      <a:endParaRPr lang="en-US" dirty="0"/>
+                    </a:p>
+                  </a:txBody>
+                  <a:tcPr/>
+                </a:tc>
+                <a:tc>
+                  <a:txBody>
+                    <a:bodyPr/>
+                    <a:lstStyle/>
+                    <a:p>
+                      <a:r>
+                        <a:rPr lang="cs-CZ" dirty="0"/>
+                        <a:t>Hodnota</a:t>
+                      </a:r>
+                      <a:endParaRPr lang="en-US" dirty="0"/>
+                    </a:p>
+                  </a:txBody>
+                  <a:tcPr/>
+                </a:tc>
+                <a:extLst>
+                  <a:ext uri="{0D108BD9-81ED-4DB2-BD59-A6C34878D82A}">
+                    <a16:rowId xmlns:a16="http://schemas.microsoft.com/office/drawing/2014/main" val="1545040324"/>
+                  </a:ext>
+                </a:extLst>
+              </a:tr>
+              <a:tr h="370840">
+                <a:tc>
+                  <a:txBody>
+                    <a:bodyPr/>
+                    <a:lstStyle/>
+                    <a:p>
+                      <a:r>
+                        <a:rPr lang="en-US" dirty="0"/>
+                        <a:t>K</a:t>
+                      </a:r>
+                      <a:r>
+                        <a:rPr lang="cs-CZ" dirty="0"/>
+                        <a:t>řížení</a:t>
+                      </a:r>
+                      <a:endParaRPr lang="en-US" dirty="0"/>
+                    </a:p>
+                  </a:txBody>
+                  <a:tcPr/>
+                </a:tc>
+                <a:tc>
+                  <a:txBody>
+                    <a:bodyPr/>
+                    <a:lstStyle/>
+                    <a:p>
+                      <a:r>
+                        <a:rPr lang="cs-CZ" dirty="0"/>
+                        <a:t>Turnaj (k</a:t>
+                      </a:r>
+                      <a:r>
+                        <a:rPr lang="en-US" dirty="0"/>
+                        <a:t>=5)</a:t>
+                      </a:r>
+                    </a:p>
+                  </a:txBody>
+                  <a:tcPr/>
+                </a:tc>
+                <a:extLst>
+                  <a:ext uri="{0D108BD9-81ED-4DB2-BD59-A6C34878D82A}">
+                    <a16:rowId xmlns:a16="http://schemas.microsoft.com/office/drawing/2014/main" val="1131489879"/>
+                  </a:ext>
+                </a:extLst>
+              </a:tr>
+              <a:tr h="370840">
+                <a:tc>
+                  <a:txBody>
+                    <a:bodyPr/>
+                    <a:lstStyle/>
+                    <a:p>
+                      <a:r>
+                        <a:rPr lang="cs-CZ" dirty="0"/>
+                        <a:t>Selekce</a:t>
+                      </a:r>
+                      <a:endParaRPr lang="en-US" dirty="0"/>
+                    </a:p>
+                  </a:txBody>
+                  <a:tcPr/>
+                </a:tc>
+                <a:tc>
+                  <a:txBody>
+                    <a:bodyPr/>
+                    <a:lstStyle/>
+                    <a:p>
+                      <a:r>
+                        <a:rPr lang="en-US" dirty="0"/>
+                        <a:t>Se</a:t>
+                      </a:r>
+                      <a:r>
+                        <a:rPr lang="cs-CZ" dirty="0"/>
+                        <a:t>řazená</a:t>
+                      </a:r>
+                      <a:endParaRPr lang="en-US" dirty="0"/>
+                    </a:p>
+                  </a:txBody>
+                  <a:tcPr/>
+                </a:tc>
+                <a:extLst>
+                  <a:ext uri="{0D108BD9-81ED-4DB2-BD59-A6C34878D82A}">
+                    <a16:rowId xmlns:a16="http://schemas.microsoft.com/office/drawing/2014/main" val="2670080557"/>
+                  </a:ext>
+                </a:extLst>
+              </a:tr>
+              <a:tr h="370840">
+                <a:tc>
+                  <a:txBody>
+                    <a:bodyPr/>
+                    <a:lstStyle/>
+                    <a:p>
+                      <a:r>
+                        <a:rPr lang="cs-CZ" dirty="0"/>
+                        <a:t>Mutace</a:t>
+                      </a:r>
+                      <a:endParaRPr lang="en-US" dirty="0"/>
+                    </a:p>
+                  </a:txBody>
+                  <a:tcPr/>
+                </a:tc>
+                <a:tc>
+                  <a:txBody>
+                    <a:bodyPr/>
+                    <a:lstStyle/>
+                    <a:p>
+                      <a:r>
+                        <a:rPr lang="en-US" dirty="0"/>
+                        <a:t>Se</a:t>
+                      </a:r>
+                      <a:r>
+                        <a:rPr lang="cs-CZ" dirty="0"/>
+                        <a:t>řazená</a:t>
+                      </a:r>
+                      <a:endParaRPr lang="en-US" dirty="0"/>
+                    </a:p>
+                  </a:txBody>
+                  <a:tcPr/>
+                </a:tc>
+                <a:extLst>
+                  <a:ext uri="{0D108BD9-81ED-4DB2-BD59-A6C34878D82A}">
+                    <a16:rowId xmlns:a16="http://schemas.microsoft.com/office/drawing/2014/main" val="3769269061"/>
+                  </a:ext>
+                </a:extLst>
+              </a:tr>
+              <a:tr h="370840">
+                <a:tc>
+                  <a:txBody>
+                    <a:bodyPr/>
+                    <a:lstStyle/>
+                    <a:p>
+                      <a:r>
+                        <a:rPr lang="cs-CZ" dirty="0"/>
+                        <a:t>Hodnota trial (pokusů)</a:t>
+                      </a:r>
+                      <a:endParaRPr lang="en-US" dirty="0"/>
+                    </a:p>
+                  </a:txBody>
+                  <a:tcPr/>
+                </a:tc>
+                <a:tc>
+                  <a:txBody>
+                    <a:bodyPr/>
+                    <a:lstStyle/>
+                    <a:p>
+                      <a:r>
+                        <a:rPr lang="en-US" dirty="0"/>
+                        <a:t>10</a:t>
+                      </a:r>
+                    </a:p>
+                  </a:txBody>
+                  <a:tcPr/>
+                </a:tc>
+                <a:extLst>
+                  <a:ext uri="{0D108BD9-81ED-4DB2-BD59-A6C34878D82A}">
+                    <a16:rowId xmlns:a16="http://schemas.microsoft.com/office/drawing/2014/main" val="70843649"/>
+                  </a:ext>
+                </a:extLst>
+              </a:tr>
+              <a:tr h="370840">
+                <a:tc>
+                  <a:txBody>
+                    <a:bodyPr/>
+                    <a:lstStyle/>
+                    <a:p>
+                      <a:r>
+                        <a:rPr lang="cs-CZ" dirty="0"/>
+                        <a:t>Pst. křížení</a:t>
+                      </a:r>
+                      <a:endParaRPr lang="en-US" dirty="0"/>
+                    </a:p>
+                  </a:txBody>
+                  <a:tcPr/>
+                </a:tc>
+                <a:tc>
+                  <a:txBody>
+                    <a:bodyPr/>
+                    <a:lstStyle/>
+                    <a:p>
+                      <a:r>
+                        <a:rPr lang="en-US" dirty="0"/>
+                        <a:t>0.6</a:t>
+                      </a:r>
+                    </a:p>
+                  </a:txBody>
+                  <a:tcPr/>
+                </a:tc>
+                <a:extLst>
+                  <a:ext uri="{0D108BD9-81ED-4DB2-BD59-A6C34878D82A}">
+                    <a16:rowId xmlns:a16="http://schemas.microsoft.com/office/drawing/2014/main" val="570325493"/>
+                  </a:ext>
+                </a:extLst>
+              </a:tr>
+              <a:tr h="370840">
+                <a:tc>
+                  <a:txBody>
+                    <a:bodyPr/>
+                    <a:lstStyle/>
+                    <a:p>
+                      <a:r>
+                        <a:rPr lang="cs-CZ" dirty="0"/>
+                        <a:t>Pst. mutace jedince</a:t>
+                      </a:r>
+                      <a:endParaRPr lang="en-US" dirty="0"/>
+                    </a:p>
+                  </a:txBody>
+                  <a:tcPr/>
+                </a:tc>
+                <a:tc>
+                  <a:txBody>
+                    <a:bodyPr/>
+                    <a:lstStyle/>
+                    <a:p>
+                      <a:r>
+                        <a:rPr lang="en-US" dirty="0"/>
+                        <a:t>0.5</a:t>
+                      </a:r>
+                    </a:p>
+                  </a:txBody>
+                  <a:tcPr/>
+                </a:tc>
+                <a:extLst>
+                  <a:ext uri="{0D108BD9-81ED-4DB2-BD59-A6C34878D82A}">
+                    <a16:rowId xmlns:a16="http://schemas.microsoft.com/office/drawing/2014/main" val="3037056842"/>
+                  </a:ext>
+                </a:extLst>
+              </a:tr>
+              <a:tr h="370840">
+                <a:tc>
+                  <a:txBody>
+                    <a:bodyPr/>
+                    <a:lstStyle/>
+                    <a:p>
+                      <a:r>
+                        <a:rPr lang="cs-CZ" dirty="0"/>
+                        <a:t>Pst. mutace genu</a:t>
+                      </a:r>
+                      <a:endParaRPr lang="en-US" dirty="0"/>
+                    </a:p>
+                  </a:txBody>
+                  <a:tcPr/>
+                </a:tc>
+                <a:tc>
+                  <a:txBody>
+                    <a:bodyPr/>
+                    <a:lstStyle/>
+                    <a:p>
+                      <a:r>
+                        <a:rPr lang="cs-CZ" dirty="0"/>
+                        <a:t>0</a:t>
+                      </a:r>
+                      <a:r>
+                        <a:rPr lang="en-US" dirty="0"/>
+                        <a:t>.3</a:t>
+                      </a:r>
+                    </a:p>
+                  </a:txBody>
+                  <a:tcPr/>
+                </a:tc>
+                <a:extLst>
+                  <a:ext uri="{0D108BD9-81ED-4DB2-BD59-A6C34878D82A}">
+                    <a16:rowId xmlns:a16="http://schemas.microsoft.com/office/drawing/2014/main" val="32833877"/>
+                  </a:ext>
+                </a:extLst>
+              </a:tr>
+              <a:tr h="370840">
+                <a:tc>
+                  <a:txBody>
+                    <a:bodyPr/>
+                    <a:lstStyle/>
+                    <a:p>
+                      <a:r>
+                        <a:rPr lang="cs-CZ" dirty="0"/>
+                        <a:t>Uspořádání</a:t>
+                      </a:r>
+                      <a:endParaRPr lang="en-US" dirty="0"/>
+                    </a:p>
+                  </a:txBody>
+                  <a:tcPr/>
+                </a:tc>
+                <a:tc>
+                  <a:txBody>
+                    <a:bodyPr/>
+                    <a:lstStyle/>
+                    <a:p>
+                      <a:r>
+                        <a:rPr lang="cs-CZ" dirty="0"/>
+                        <a:t>Vypnuto</a:t>
+                      </a:r>
+                      <a:endParaRPr lang="en-US" dirty="0"/>
+                    </a:p>
+                  </a:txBody>
+                  <a:tcPr/>
+                </a:tc>
+                <a:extLst>
+                  <a:ext uri="{0D108BD9-81ED-4DB2-BD59-A6C34878D82A}">
+                    <a16:rowId xmlns:a16="http://schemas.microsoft.com/office/drawing/2014/main" val="937075197"/>
+                  </a:ext>
+                </a:extLst>
+              </a:tr>
+            </a:tbl>
+          </a:graphicData>
+        </a:graphic>
+      </p:graphicFrame>
+      <p:sp>
+        <p:nvSpPr>
+          <p:cNvPr id="9" name="Text Placeholder 6">
+            <a:extLst>
+              <a:ext uri="{FF2B5EF4-FFF2-40B4-BE49-F238E27FC236}">
+                <a16:creationId xmlns:a16="http://schemas.microsoft.com/office/drawing/2014/main" id="{0C1AA3B5-2C28-4C51-919E-60F4FA95A7EB}"/>
+              </a:ext>
+            </a:extLst>
+          </p:cNvPr>
+          <p:cNvSpPr txBox="1">
+            <a:spLocks/>
+          </p:cNvSpPr>
+          <p:nvPr/>
+        </p:nvSpPr>
+        <p:spPr>
+          <a:xfrm>
+            <a:off x="8388424" y="6450130"/>
+            <a:ext cx="863575" cy="431800"/>
+          </a:xfrm>
+          <a:prstGeom prst="rect">
+            <a:avLst/>
+          </a:prstGeom>
+        </p:spPr>
+        <p:txBody>
+          <a:bodyPr/>
+          <a:lstStyle>
+            <a:lvl1pPr marL="342900" indent="-342900" algn="l" defTabSz="914400" rtl="0" eaLnBrk="1" latinLnBrk="0" hangingPunct="1">
+              <a:spcBef>
+                <a:spcPct val="20000"/>
+              </a:spcBef>
+              <a:buFont typeface="Arial" panose="020B0604020202020204" pitchFamily="34" charset="0"/>
+              <a:buChar char="•"/>
+              <a:defRPr sz="3200" kern="1200">
+                <a:solidFill>
+                  <a:schemeClr val="tx1"/>
+                </a:solidFill>
+                <a:latin typeface="+mn-lt"/>
+                <a:ea typeface="+mn-ea"/>
+                <a:cs typeface="+mn-cs"/>
+              </a:defRPr>
+            </a:lvl1pPr>
+            <a:lvl2pPr marL="742950" indent="-285750" algn="l" defTabSz="914400" rtl="0" eaLnBrk="1" latinLnBrk="0" hangingPunct="1">
+              <a:spcBef>
+                <a:spcPct val="20000"/>
+              </a:spcBef>
+              <a:buFont typeface="Arial" panose="020B0604020202020204" pitchFamily="34" charset="0"/>
+              <a:buChar char="–"/>
+              <a:defRPr sz="2800" kern="1200">
+                <a:solidFill>
+                  <a:schemeClr val="tx1"/>
+                </a:solidFill>
+                <a:latin typeface="+mn-lt"/>
+                <a:ea typeface="+mn-ea"/>
+                <a:cs typeface="+mn-cs"/>
+              </a:defRPr>
+            </a:lvl2pPr>
+            <a:lvl3pPr marL="1143000" indent="-228600" algn="l" defTabSz="914400" rtl="0" eaLnBrk="1" latinLnBrk="0" hangingPunct="1">
+              <a:spcBef>
+                <a:spcPct val="20000"/>
+              </a:spcBef>
+              <a:buFont typeface="Arial" panose="020B0604020202020204" pitchFamily="34" charset="0"/>
+              <a:buChar char="•"/>
+              <a:defRPr sz="2400" kern="1200">
+                <a:solidFill>
+                  <a:schemeClr val="tx1"/>
+                </a:solidFill>
+                <a:latin typeface="+mn-lt"/>
+                <a:ea typeface="+mn-ea"/>
+                <a:cs typeface="+mn-cs"/>
+              </a:defRPr>
+            </a:lvl3pPr>
+            <a:lvl4pPr marL="1600200" indent="-228600" algn="l" defTabSz="914400" rtl="0" eaLnBrk="1" latinLnBrk="0" hangingPunct="1">
+              <a:spcBef>
+                <a:spcPct val="20000"/>
+              </a:spcBef>
+              <a:buFont typeface="Arial" panose="020B0604020202020204" pitchFamily="34" charset="0"/>
+              <a:buChar char="–"/>
+              <a:defRPr sz="2000" kern="1200">
+                <a:solidFill>
+                  <a:schemeClr val="tx1"/>
+                </a:solidFill>
+                <a:latin typeface="+mn-lt"/>
+                <a:ea typeface="+mn-ea"/>
+                <a:cs typeface="+mn-cs"/>
+              </a:defRPr>
+            </a:lvl4pPr>
+            <a:lvl5pPr marL="2057400" indent="-228600" algn="l" defTabSz="914400" rtl="0" eaLnBrk="1" latinLnBrk="0" hangingPunct="1">
+              <a:spcBef>
+                <a:spcPct val="20000"/>
+              </a:spcBef>
+              <a:buFont typeface="Arial" panose="020B0604020202020204" pitchFamily="34" charset="0"/>
+              <a:buChar char="»"/>
+              <a:defRPr sz="2000" kern="1200">
+                <a:solidFill>
+                  <a:schemeClr val="tx1"/>
+                </a:solidFill>
+                <a:latin typeface="+mn-lt"/>
+                <a:ea typeface="+mn-ea"/>
+                <a:cs typeface="+mn-cs"/>
+              </a:defRPr>
+            </a:lvl5pPr>
+            <a:lvl6pPr marL="2514600" indent="-228600" algn="l" defTabSz="914400" rtl="0" eaLnBrk="1" latinLnBrk="0" hangingPunct="1">
+              <a:spcBef>
+                <a:spcPct val="20000"/>
+              </a:spcBef>
+              <a:buFont typeface="Arial" panose="020B0604020202020204" pitchFamily="34" charset="0"/>
+              <a:buChar char="•"/>
+              <a:defRPr sz="2000" kern="1200">
+                <a:solidFill>
+                  <a:schemeClr val="tx1"/>
+                </a:solidFill>
+                <a:latin typeface="+mn-lt"/>
+                <a:ea typeface="+mn-ea"/>
+                <a:cs typeface="+mn-cs"/>
+              </a:defRPr>
+            </a:lvl6pPr>
+            <a:lvl7pPr marL="2971800" indent="-228600" algn="l" defTabSz="914400" rtl="0" eaLnBrk="1" latinLnBrk="0" hangingPunct="1">
+              <a:spcBef>
+                <a:spcPct val="20000"/>
+              </a:spcBef>
+              <a:buFont typeface="Arial" panose="020B0604020202020204" pitchFamily="34" charset="0"/>
+              <a:buChar char="•"/>
+              <a:defRPr sz="2000" kern="1200">
+                <a:solidFill>
+                  <a:schemeClr val="tx1"/>
+                </a:solidFill>
+                <a:latin typeface="+mn-lt"/>
+                <a:ea typeface="+mn-ea"/>
+                <a:cs typeface="+mn-cs"/>
+              </a:defRPr>
+            </a:lvl7pPr>
+            <a:lvl8pPr marL="3429000" indent="-228600" algn="l" defTabSz="914400" rtl="0" eaLnBrk="1" latinLnBrk="0" hangingPunct="1">
+              <a:spcBef>
+                <a:spcPct val="20000"/>
+              </a:spcBef>
+              <a:buFont typeface="Arial" panose="020B0604020202020204" pitchFamily="34" charset="0"/>
+              <a:buChar char="•"/>
+              <a:defRPr sz="2000" kern="1200">
+                <a:solidFill>
+                  <a:schemeClr val="tx1"/>
+                </a:solidFill>
+                <a:latin typeface="+mn-lt"/>
+                <a:ea typeface="+mn-ea"/>
+                <a:cs typeface="+mn-cs"/>
+              </a:defRPr>
+            </a:lvl8pPr>
+            <a:lvl9pPr marL="3886200" indent="-228600" algn="l" defTabSz="914400" rtl="0" eaLnBrk="1" latinLnBrk="0" hangingPunct="1">
+              <a:spcBef>
+                <a:spcPct val="20000"/>
+              </a:spcBef>
+              <a:buFont typeface="Arial" panose="020B0604020202020204" pitchFamily="34" charset="0"/>
+              <a:buChar char="•"/>
+              <a:defRPr sz="2000" kern="1200">
+                <a:solidFill>
+                  <a:schemeClr val="tx1"/>
+                </a:solidFill>
+                <a:latin typeface="+mn-lt"/>
+                <a:ea typeface="+mn-ea"/>
+                <a:cs typeface="+mn-cs"/>
+              </a:defRPr>
+            </a:lvl9pPr>
+          </a:lstStyle>
+          <a:p>
+            <a:pPr marL="0" indent="0">
+              <a:buNone/>
+            </a:pPr>
+            <a:r>
+              <a:rPr lang="en-US" sz="1600" dirty="0">
+                <a:solidFill>
+                  <a:schemeClr val="bg1"/>
+                </a:solidFill>
+              </a:rPr>
+              <a:t>8</a:t>
+            </a:r>
+            <a:r>
+              <a:rPr lang="cs-CZ" sz="1600" dirty="0">
+                <a:solidFill>
+                  <a:schemeClr val="bg1"/>
+                </a:solidFill>
+              </a:rPr>
+              <a:t>/</a:t>
+            </a:r>
+            <a:r>
+              <a:rPr lang="en-US" sz="1600" dirty="0">
+                <a:solidFill>
+                  <a:schemeClr val="bg1"/>
+                </a:solidFill>
+              </a:rPr>
+              <a:t>9</a:t>
+            </a:r>
+          </a:p>
+        </p:txBody>
+      </p:sp>
+    </p:spTree>
+    <p:extLst>
+      <p:ext uri="{BB962C8B-B14F-4D97-AF65-F5344CB8AC3E}">
+        <p14:creationId xmlns:p14="http://schemas.microsoft.com/office/powerpoint/2010/main" val="1506632442"/>
+      </p:ext>
+    </p:extLst>
+  </p:cSld>
+  <p:clrMapOvr>
+    <a:masterClrMapping/>
+  </p:clrMapOvr>
+</p:sld>
+</file>
+
+<file path=ppt/slides/slide15.xml><?xml version="1.0" encoding="utf-8"?>
+<p:sld xmlns:a="http://schemas.openxmlformats.org/drawingml/2006/main" xmlns:r="http://schemas.openxmlformats.org/officeDocument/2006/relationships" xmlns:p="http://schemas.openxmlformats.org/presentationml/2006/main">
+  <p:cSld>
+    <p:spTree>
+      <p:nvGrpSpPr>
+        <p:cNvPr id="1" name=""/>
+        <p:cNvGrpSpPr/>
+        <p:nvPr/>
+      </p:nvGrpSpPr>
+      <p:grpSpPr>
+        <a:xfrm>
+          <a:off x="0" y="0"/>
+          <a:ext cx="0" cy="0"/>
+          <a:chOff x="0" y="0"/>
+          <a:chExt cx="0" cy="0"/>
+        </a:xfrm>
+      </p:grpSpPr>
+      <p:sp>
+        <p:nvSpPr>
+          <p:cNvPr id="2" name="Title 1">
+            <a:extLst>
+              <a:ext uri="{FF2B5EF4-FFF2-40B4-BE49-F238E27FC236}">
                 <a16:creationId xmlns:a16="http://schemas.microsoft.com/office/drawing/2014/main" id="{D19FAB46-F338-4B38-9579-2953DBA03866}"/>
               </a:ext>
             </a:extLst>
@@ -3701,29 +4819,18 @@
               <a:buNone/>
             </a:pPr>
             <a:r>
-              <a:rPr lang="en-US" sz="1600" dirty="0">
+              <a:rPr lang="en-US" sz="1600">
                 <a:solidFill>
                   <a:schemeClr val="bg1"/>
                 </a:solidFill>
               </a:rPr>
-              <a:t>8</a:t>
-            </a:r>
-            <a:r>
-              <a:rPr lang="cs-CZ" sz="1600" dirty="0">
-                <a:solidFill>
-                  <a:schemeClr val="bg1"/>
-                </a:solidFill>
-              </a:rPr>
-              <a:t>/</a:t>
-            </a:r>
-            <a:r>
-              <a:rPr lang="en-US" sz="1600" dirty="0">
-                <a:solidFill>
-                  <a:schemeClr val="bg1"/>
-                </a:solidFill>
-              </a:rPr>
-              <a:t>8</a:t>
-            </a:r>
+              <a:t>9/9</a:t>
+            </a:r>
+            <a:endParaRPr lang="en-US" sz="1600" dirty="0">
+              <a:solidFill>
+                <a:schemeClr val="bg1"/>
+              </a:solidFill>
+            </a:endParaRPr>
           </a:p>
         </p:txBody>
       </p:sp>
@@ -3740,7 +4847,7 @@
 </p:sld>
 </file>
 
-<file path=ppt/slides/slide14.xml><?xml version="1.0" encoding="utf-8"?>
+<file path=ppt/slides/slide16.xml><?xml version="1.0" encoding="utf-8"?>
 <p:sld xmlns:a="http://schemas.openxmlformats.org/drawingml/2006/main" xmlns:r="http://schemas.openxmlformats.org/officeDocument/2006/relationships" xmlns:p="http://schemas.openxmlformats.org/presentationml/2006/main">
   <p:cSld>
     <p:spTree>
@@ -4105,7 +5212,7 @@
                   <a:schemeClr val="bg1"/>
                 </a:solidFill>
               </a:rPr>
-              <a:t>8</a:t>
+              <a:t>9</a:t>
             </a:r>
           </a:p>
         </p:txBody>
@@ -4427,7 +5534,7 @@
                   <a:schemeClr val="bg1"/>
                 </a:solidFill>
               </a:rPr>
-              <a:t>8</a:t>
+              <a:t>9</a:t>
             </a:r>
           </a:p>
         </p:txBody>
@@ -4981,7 +6088,7 @@
                   <a:schemeClr val="bg1"/>
                 </a:solidFill>
               </a:rPr>
-              <a:t>8</a:t>
+              <a:t>9</a:t>
             </a:r>
           </a:p>
         </p:txBody>
@@ -5269,7 +6376,7 @@
                   <a:schemeClr val="bg1"/>
                 </a:solidFill>
               </a:rPr>
-              <a:t>8</a:t>
+              <a:t>9</a:t>
             </a:r>
           </a:p>
         </p:txBody>
@@ -5618,7 +6725,7 @@
                   <a:schemeClr val="bg1"/>
                 </a:solidFill>
               </a:rPr>
-              <a:t>8</a:t>
+              <a:t>9</a:t>
             </a:r>
           </a:p>
         </p:txBody>
@@ -5913,7 +7020,7 @@
                   <a:schemeClr val="bg1"/>
                 </a:solidFill>
               </a:rPr>
-              <a:t>8</a:t>
+              <a:t>9</a:t>
             </a:r>
           </a:p>
         </p:txBody>
@@ -6233,7 +7340,7 @@
                   <a:schemeClr val="bg1"/>
                 </a:solidFill>
               </a:rPr>
-              <a:t>8</a:t>
+              <a:t>9</a:t>
             </a:r>
           </a:p>
         </p:txBody>
@@ -6521,7 +7628,7 @@
                   <a:schemeClr val="bg1"/>
                 </a:solidFill>
               </a:rPr>
-              <a:t>8</a:t>
+              <a:t>9</a:t>
             </a:r>
           </a:p>
         </p:txBody>

--- a/doc/xkocic01.pptx
+++ b/doc/xkocic01.pptx
@@ -5,7 +5,7 @@
     <p:sldMasterId id="2147483648" r:id="rId1"/>
   </p:sldMasterIdLst>
   <p:notesMasterIdLst>
-    <p:notesMasterId r:id="rId18"/>
+    <p:notesMasterId r:id="rId17"/>
   </p:notesMasterIdLst>
   <p:sldIdLst>
     <p:sldId id="285" r:id="rId2"/>
@@ -21,9 +21,8 @@
     <p:sldId id="298" r:id="rId12"/>
     <p:sldId id="292" r:id="rId13"/>
     <p:sldId id="299" r:id="rId14"/>
-    <p:sldId id="300" r:id="rId15"/>
-    <p:sldId id="294" r:id="rId16"/>
-    <p:sldId id="282" r:id="rId17"/>
+    <p:sldId id="294" r:id="rId15"/>
+    <p:sldId id="282" r:id="rId16"/>
   </p:sldIdLst>
   <p:sldSz cx="9144000" cy="6858000" type="screen4x3"/>
   <p:notesSz cx="6858000" cy="9144000"/>
@@ -223,7 +222,7 @@
           <a:p>
             <a:fld id="{8A47B827-01B0-40C7-BA68-3ACC7CEACCE7}" type="datetimeFigureOut">
               <a:rPr lang="cs-CZ" smtClean="0"/>
-              <a:t>21.12.2020</a:t>
+              <a:t>28.01.2021</a:t>
             </a:fld>
             <a:endParaRPr lang="cs-CZ"/>
           </a:p>
@@ -639,7 +638,7 @@
           <a:p>
             <a:fld id="{EE1BD250-9BF5-4AE8-86BD-080F3A22271A}" type="slidenum">
               <a:rPr lang="cs-CZ" smtClean="0"/>
-              <a:t>16</a:t>
+              <a:t>15</a:t>
             </a:fld>
             <a:endParaRPr lang="cs-CZ"/>
           </a:p>
@@ -2372,6 +2371,23 @@
               <a:buChar char="•"/>
             </a:pPr>
             <a:r>
+              <a:rPr lang="cs-CZ" sz="2000" dirty="0"/>
+              <a:t>Nalezení optimálního rozložení produktů ve skladu</a:t>
+            </a:r>
+          </a:p>
+          <a:p>
+            <a:pPr marL="342900" indent="-342900">
+              <a:buFont typeface="Arial" panose="020B0604020202020204" pitchFamily="34" charset="0"/>
+              <a:buChar char="•"/>
+            </a:pPr>
+            <a:endParaRPr lang="cs-CZ" dirty="0"/>
+          </a:p>
+          <a:p>
+            <a:pPr marL="342900" indent="-342900">
+              <a:buFont typeface="Arial" panose="020B0604020202020204" pitchFamily="34" charset="0"/>
+              <a:buChar char="•"/>
+            </a:pPr>
+            <a:r>
               <a:rPr lang="cs-CZ" dirty="0"/>
               <a:t>Implementace čtyř evolučních algoritmů</a:t>
             </a:r>
@@ -3809,654 +3825,6 @@
           <p:cNvPr id="2" name="Title 1">
             <a:extLst>
               <a:ext uri="{FF2B5EF4-FFF2-40B4-BE49-F238E27FC236}">
-                <a16:creationId xmlns:a16="http://schemas.microsoft.com/office/drawing/2014/main" id="{77B776A7-2175-46DF-BEA0-6F9D753A88B1}"/>
-              </a:ext>
-            </a:extLst>
-          </p:cNvPr>
-          <p:cNvSpPr>
-            <a:spLocks noGrp="1"/>
-          </p:cNvSpPr>
-          <p:nvPr>
-            <p:ph type="title"/>
-          </p:nvPr>
-        </p:nvSpPr>
-        <p:spPr/>
-        <p:txBody>
-          <a:bodyPr/>
-          <a:lstStyle/>
-          <a:p>
-            <a:r>
-              <a:rPr lang="en-US" dirty="0" err="1"/>
-              <a:t>Experimenty</a:t>
-            </a:r>
-            <a:r>
-              <a:rPr lang="en-US" dirty="0"/>
-              <a:t> - </a:t>
-            </a:r>
-            <a:r>
-              <a:rPr lang="en-US" dirty="0" err="1"/>
-              <a:t>Nejl</a:t>
-            </a:r>
-            <a:r>
-              <a:rPr lang="cs-CZ" dirty="0"/>
-              <a:t>epší konfigurace</a:t>
-            </a:r>
-            <a:endParaRPr lang="en-US" dirty="0"/>
-          </a:p>
-        </p:txBody>
-      </p:sp>
-      <p:graphicFrame>
-        <p:nvGraphicFramePr>
-          <p:cNvPr id="8" name="Table 8">
-            <a:extLst>
-              <a:ext uri="{FF2B5EF4-FFF2-40B4-BE49-F238E27FC236}">
-                <a16:creationId xmlns:a16="http://schemas.microsoft.com/office/drawing/2014/main" id="{EF70886E-F64E-4F5F-9710-2F4D88C03C56}"/>
-              </a:ext>
-            </a:extLst>
-          </p:cNvPr>
-          <p:cNvGraphicFramePr>
-            <a:graphicFrameLocks noGrp="1"/>
-          </p:cNvGraphicFramePr>
-          <p:nvPr>
-            <p:extLst>
-              <p:ext uri="{D42A27DB-BD31-4B8C-83A1-F6EECF244321}">
-                <p14:modId xmlns:p14="http://schemas.microsoft.com/office/powerpoint/2010/main" val="4148111160"/>
-              </p:ext>
-            </p:extLst>
-          </p:nvPr>
-        </p:nvGraphicFramePr>
-        <p:xfrm>
-          <a:off x="1524000" y="2204864"/>
-          <a:ext cx="6096000" cy="3337560"/>
-        </p:xfrm>
-        <a:graphic>
-          <a:graphicData uri="http://schemas.openxmlformats.org/drawingml/2006/table">
-            <a:tbl>
-              <a:tblPr firstRow="1" bandRow="1">
-                <a:tableStyleId>{5C22544A-7EE6-4342-B048-85BDC9FD1C3A}</a:tableStyleId>
-              </a:tblPr>
-              <a:tblGrid>
-                <a:gridCol w="3048000">
-                  <a:extLst>
-                    <a:ext uri="{9D8B030D-6E8A-4147-A177-3AD203B41FA5}">
-                      <a16:colId xmlns:a16="http://schemas.microsoft.com/office/drawing/2014/main" val="198817247"/>
-                    </a:ext>
-                  </a:extLst>
-                </a:gridCol>
-                <a:gridCol w="3048000">
-                  <a:extLst>
-                    <a:ext uri="{9D8B030D-6E8A-4147-A177-3AD203B41FA5}">
-                      <a16:colId xmlns:a16="http://schemas.microsoft.com/office/drawing/2014/main" val="1572285448"/>
-                    </a:ext>
-                  </a:extLst>
-                </a:gridCol>
-              </a:tblGrid>
-              <a:tr h="370840">
-                <a:tc>
-                  <a:txBody>
-                    <a:bodyPr/>
-                    <a:lstStyle/>
-                    <a:p>
-                      <a:r>
-                        <a:rPr lang="en-US" dirty="0"/>
-                        <a:t>Polo</a:t>
-                      </a:r>
-                      <a:r>
-                        <a:rPr lang="cs-CZ" dirty="0"/>
-                        <a:t>žka</a:t>
-                      </a:r>
-                      <a:endParaRPr lang="en-US" dirty="0"/>
-                    </a:p>
-                  </a:txBody>
-                  <a:tcPr/>
-                </a:tc>
-                <a:tc>
-                  <a:txBody>
-                    <a:bodyPr/>
-                    <a:lstStyle/>
-                    <a:p>
-                      <a:r>
-                        <a:rPr lang="cs-CZ" dirty="0"/>
-                        <a:t>Hodnota</a:t>
-                      </a:r>
-                      <a:endParaRPr lang="en-US" dirty="0"/>
-                    </a:p>
-                  </a:txBody>
-                  <a:tcPr/>
-                </a:tc>
-                <a:extLst>
-                  <a:ext uri="{0D108BD9-81ED-4DB2-BD59-A6C34878D82A}">
-                    <a16:rowId xmlns:a16="http://schemas.microsoft.com/office/drawing/2014/main" val="1545040324"/>
-                  </a:ext>
-                </a:extLst>
-              </a:tr>
-              <a:tr h="370840">
-                <a:tc>
-                  <a:txBody>
-                    <a:bodyPr/>
-                    <a:lstStyle/>
-                    <a:p>
-                      <a:r>
-                        <a:rPr lang="en-US" dirty="0"/>
-                        <a:t>K</a:t>
-                      </a:r>
-                      <a:r>
-                        <a:rPr lang="cs-CZ" dirty="0"/>
-                        <a:t>řížení</a:t>
-                      </a:r>
-                      <a:endParaRPr lang="en-US" dirty="0"/>
-                    </a:p>
-                  </a:txBody>
-                  <a:tcPr/>
-                </a:tc>
-                <a:tc>
-                  <a:txBody>
-                    <a:bodyPr/>
-                    <a:lstStyle/>
-                    <a:p>
-                      <a:r>
-                        <a:rPr lang="cs-CZ" dirty="0"/>
-                        <a:t>Turnaj (k</a:t>
-                      </a:r>
-                      <a:r>
-                        <a:rPr lang="en-US" dirty="0"/>
-                        <a:t>=5)</a:t>
-                      </a:r>
-                    </a:p>
-                  </a:txBody>
-                  <a:tcPr/>
-                </a:tc>
-                <a:extLst>
-                  <a:ext uri="{0D108BD9-81ED-4DB2-BD59-A6C34878D82A}">
-                    <a16:rowId xmlns:a16="http://schemas.microsoft.com/office/drawing/2014/main" val="1131489879"/>
-                  </a:ext>
-                </a:extLst>
-              </a:tr>
-              <a:tr h="370840">
-                <a:tc>
-                  <a:txBody>
-                    <a:bodyPr/>
-                    <a:lstStyle/>
-                    <a:p>
-                      <a:r>
-                        <a:rPr lang="cs-CZ" dirty="0"/>
-                        <a:t>Selekce</a:t>
-                      </a:r>
-                      <a:endParaRPr lang="en-US" dirty="0"/>
-                    </a:p>
-                  </a:txBody>
-                  <a:tcPr/>
-                </a:tc>
-                <a:tc>
-                  <a:txBody>
-                    <a:bodyPr/>
-                    <a:lstStyle/>
-                    <a:p>
-                      <a:r>
-                        <a:rPr lang="en-US" dirty="0"/>
-                        <a:t>Se</a:t>
-                      </a:r>
-                      <a:r>
-                        <a:rPr lang="cs-CZ" dirty="0"/>
-                        <a:t>řazená</a:t>
-                      </a:r>
-                      <a:endParaRPr lang="en-US" dirty="0"/>
-                    </a:p>
-                  </a:txBody>
-                  <a:tcPr/>
-                </a:tc>
-                <a:extLst>
-                  <a:ext uri="{0D108BD9-81ED-4DB2-BD59-A6C34878D82A}">
-                    <a16:rowId xmlns:a16="http://schemas.microsoft.com/office/drawing/2014/main" val="2670080557"/>
-                  </a:ext>
-                </a:extLst>
-              </a:tr>
-              <a:tr h="370840">
-                <a:tc>
-                  <a:txBody>
-                    <a:bodyPr/>
-                    <a:lstStyle/>
-                    <a:p>
-                      <a:r>
-                        <a:rPr lang="cs-CZ" dirty="0"/>
-                        <a:t>Mutace</a:t>
-                      </a:r>
-                      <a:endParaRPr lang="en-US" dirty="0"/>
-                    </a:p>
-                  </a:txBody>
-                  <a:tcPr/>
-                </a:tc>
-                <a:tc>
-                  <a:txBody>
-                    <a:bodyPr/>
-                    <a:lstStyle/>
-                    <a:p>
-                      <a:r>
-                        <a:rPr lang="en-US" dirty="0"/>
-                        <a:t>Se</a:t>
-                      </a:r>
-                      <a:r>
-                        <a:rPr lang="cs-CZ" dirty="0"/>
-                        <a:t>řazená</a:t>
-                      </a:r>
-                      <a:endParaRPr lang="en-US" dirty="0"/>
-                    </a:p>
-                  </a:txBody>
-                  <a:tcPr/>
-                </a:tc>
-                <a:extLst>
-                  <a:ext uri="{0D108BD9-81ED-4DB2-BD59-A6C34878D82A}">
-                    <a16:rowId xmlns:a16="http://schemas.microsoft.com/office/drawing/2014/main" val="3769269061"/>
-                  </a:ext>
-                </a:extLst>
-              </a:tr>
-              <a:tr h="370840">
-                <a:tc>
-                  <a:txBody>
-                    <a:bodyPr/>
-                    <a:lstStyle/>
-                    <a:p>
-                      <a:r>
-                        <a:rPr lang="cs-CZ" dirty="0"/>
-                        <a:t>Hodnota trial (pokusů)</a:t>
-                      </a:r>
-                      <a:endParaRPr lang="en-US" dirty="0"/>
-                    </a:p>
-                  </a:txBody>
-                  <a:tcPr/>
-                </a:tc>
-                <a:tc>
-                  <a:txBody>
-                    <a:bodyPr/>
-                    <a:lstStyle/>
-                    <a:p>
-                      <a:r>
-                        <a:rPr lang="en-US" dirty="0"/>
-                        <a:t>10</a:t>
-                      </a:r>
-                    </a:p>
-                  </a:txBody>
-                  <a:tcPr/>
-                </a:tc>
-                <a:extLst>
-                  <a:ext uri="{0D108BD9-81ED-4DB2-BD59-A6C34878D82A}">
-                    <a16:rowId xmlns:a16="http://schemas.microsoft.com/office/drawing/2014/main" val="70843649"/>
-                  </a:ext>
-                </a:extLst>
-              </a:tr>
-              <a:tr h="370840">
-                <a:tc>
-                  <a:txBody>
-                    <a:bodyPr/>
-                    <a:lstStyle/>
-                    <a:p>
-                      <a:r>
-                        <a:rPr lang="cs-CZ" dirty="0"/>
-                        <a:t>Pst. křížení</a:t>
-                      </a:r>
-                      <a:endParaRPr lang="en-US" dirty="0"/>
-                    </a:p>
-                  </a:txBody>
-                  <a:tcPr/>
-                </a:tc>
-                <a:tc>
-                  <a:txBody>
-                    <a:bodyPr/>
-                    <a:lstStyle/>
-                    <a:p>
-                      <a:r>
-                        <a:rPr lang="en-US" dirty="0"/>
-                        <a:t>0.6</a:t>
-                      </a:r>
-                    </a:p>
-                  </a:txBody>
-                  <a:tcPr/>
-                </a:tc>
-                <a:extLst>
-                  <a:ext uri="{0D108BD9-81ED-4DB2-BD59-A6C34878D82A}">
-                    <a16:rowId xmlns:a16="http://schemas.microsoft.com/office/drawing/2014/main" val="570325493"/>
-                  </a:ext>
-                </a:extLst>
-              </a:tr>
-              <a:tr h="370840">
-                <a:tc>
-                  <a:txBody>
-                    <a:bodyPr/>
-                    <a:lstStyle/>
-                    <a:p>
-                      <a:r>
-                        <a:rPr lang="cs-CZ" dirty="0"/>
-                        <a:t>Pst. mutace jedince</a:t>
-                      </a:r>
-                      <a:endParaRPr lang="en-US" dirty="0"/>
-                    </a:p>
-                  </a:txBody>
-                  <a:tcPr/>
-                </a:tc>
-                <a:tc>
-                  <a:txBody>
-                    <a:bodyPr/>
-                    <a:lstStyle/>
-                    <a:p>
-                      <a:r>
-                        <a:rPr lang="en-US" dirty="0"/>
-                        <a:t>0.5</a:t>
-                      </a:r>
-                    </a:p>
-                  </a:txBody>
-                  <a:tcPr/>
-                </a:tc>
-                <a:extLst>
-                  <a:ext uri="{0D108BD9-81ED-4DB2-BD59-A6C34878D82A}">
-                    <a16:rowId xmlns:a16="http://schemas.microsoft.com/office/drawing/2014/main" val="3037056842"/>
-                  </a:ext>
-                </a:extLst>
-              </a:tr>
-              <a:tr h="370840">
-                <a:tc>
-                  <a:txBody>
-                    <a:bodyPr/>
-                    <a:lstStyle/>
-                    <a:p>
-                      <a:r>
-                        <a:rPr lang="cs-CZ" dirty="0"/>
-                        <a:t>Pst. mutace genu</a:t>
-                      </a:r>
-                      <a:endParaRPr lang="en-US" dirty="0"/>
-                    </a:p>
-                  </a:txBody>
-                  <a:tcPr/>
-                </a:tc>
-                <a:tc>
-                  <a:txBody>
-                    <a:bodyPr/>
-                    <a:lstStyle/>
-                    <a:p>
-                      <a:r>
-                        <a:rPr lang="cs-CZ" dirty="0"/>
-                        <a:t>0</a:t>
-                      </a:r>
-                      <a:r>
-                        <a:rPr lang="en-US" dirty="0"/>
-                        <a:t>.3</a:t>
-                      </a:r>
-                    </a:p>
-                  </a:txBody>
-                  <a:tcPr/>
-                </a:tc>
-                <a:extLst>
-                  <a:ext uri="{0D108BD9-81ED-4DB2-BD59-A6C34878D82A}">
-                    <a16:rowId xmlns:a16="http://schemas.microsoft.com/office/drawing/2014/main" val="32833877"/>
-                  </a:ext>
-                </a:extLst>
-              </a:tr>
-              <a:tr h="370840">
-                <a:tc>
-                  <a:txBody>
-                    <a:bodyPr/>
-                    <a:lstStyle/>
-                    <a:p>
-                      <a:r>
-                        <a:rPr lang="cs-CZ" dirty="0"/>
-                        <a:t>Uspořádání</a:t>
-                      </a:r>
-                      <a:endParaRPr lang="en-US" dirty="0"/>
-                    </a:p>
-                  </a:txBody>
-                  <a:tcPr/>
-                </a:tc>
-                <a:tc>
-                  <a:txBody>
-                    <a:bodyPr/>
-                    <a:lstStyle/>
-                    <a:p>
-                      <a:r>
-                        <a:rPr lang="cs-CZ" dirty="0"/>
-                        <a:t>Vypnuto</a:t>
-                      </a:r>
-                      <a:endParaRPr lang="en-US" dirty="0"/>
-                    </a:p>
-                  </a:txBody>
-                  <a:tcPr/>
-                </a:tc>
-                <a:extLst>
-                  <a:ext uri="{0D108BD9-81ED-4DB2-BD59-A6C34878D82A}">
-                    <a16:rowId xmlns:a16="http://schemas.microsoft.com/office/drawing/2014/main" val="937075197"/>
-                  </a:ext>
-                </a:extLst>
-              </a:tr>
-            </a:tbl>
-          </a:graphicData>
-        </a:graphic>
-      </p:graphicFrame>
-      <p:sp>
-        <p:nvSpPr>
-          <p:cNvPr id="9" name="Text Placeholder 6">
-            <a:extLst>
-              <a:ext uri="{FF2B5EF4-FFF2-40B4-BE49-F238E27FC236}">
-                <a16:creationId xmlns:a16="http://schemas.microsoft.com/office/drawing/2014/main" id="{0C1AA3B5-2C28-4C51-919E-60F4FA95A7EB}"/>
-              </a:ext>
-            </a:extLst>
-          </p:cNvPr>
-          <p:cNvSpPr txBox="1">
-            <a:spLocks/>
-          </p:cNvSpPr>
-          <p:nvPr/>
-        </p:nvSpPr>
-        <p:spPr>
-          <a:xfrm>
-            <a:off x="8388424" y="6450130"/>
-            <a:ext cx="863575" cy="431800"/>
-          </a:xfrm>
-          <a:prstGeom prst="rect">
-            <a:avLst/>
-          </a:prstGeom>
-        </p:spPr>
-        <p:txBody>
-          <a:bodyPr/>
-          <a:lstStyle>
-            <a:lvl1pPr marL="342900" indent="-342900" algn="l" defTabSz="914400" rtl="0" eaLnBrk="1" latinLnBrk="0" hangingPunct="1">
-              <a:spcBef>
-                <a:spcPct val="20000"/>
-              </a:spcBef>
-              <a:buFont typeface="Arial" panose="020B0604020202020204" pitchFamily="34" charset="0"/>
-              <a:buChar char="•"/>
-              <a:defRPr sz="3200" kern="1200">
-                <a:solidFill>
-                  <a:schemeClr val="tx1"/>
-                </a:solidFill>
-                <a:latin typeface="+mn-lt"/>
-                <a:ea typeface="+mn-ea"/>
-                <a:cs typeface="+mn-cs"/>
-              </a:defRPr>
-            </a:lvl1pPr>
-            <a:lvl2pPr marL="742950" indent="-285750" algn="l" defTabSz="914400" rtl="0" eaLnBrk="1" latinLnBrk="0" hangingPunct="1">
-              <a:spcBef>
-                <a:spcPct val="20000"/>
-              </a:spcBef>
-              <a:buFont typeface="Arial" panose="020B0604020202020204" pitchFamily="34" charset="0"/>
-              <a:buChar char="–"/>
-              <a:defRPr sz="2800" kern="1200">
-                <a:solidFill>
-                  <a:schemeClr val="tx1"/>
-                </a:solidFill>
-                <a:latin typeface="+mn-lt"/>
-                <a:ea typeface="+mn-ea"/>
-                <a:cs typeface="+mn-cs"/>
-              </a:defRPr>
-            </a:lvl2pPr>
-            <a:lvl3pPr marL="1143000" indent="-228600" algn="l" defTabSz="914400" rtl="0" eaLnBrk="1" latinLnBrk="0" hangingPunct="1">
-              <a:spcBef>
-                <a:spcPct val="20000"/>
-              </a:spcBef>
-              <a:buFont typeface="Arial" panose="020B0604020202020204" pitchFamily="34" charset="0"/>
-              <a:buChar char="•"/>
-              <a:defRPr sz="2400" kern="1200">
-                <a:solidFill>
-                  <a:schemeClr val="tx1"/>
-                </a:solidFill>
-                <a:latin typeface="+mn-lt"/>
-                <a:ea typeface="+mn-ea"/>
-                <a:cs typeface="+mn-cs"/>
-              </a:defRPr>
-            </a:lvl3pPr>
-            <a:lvl4pPr marL="1600200" indent="-228600" algn="l" defTabSz="914400" rtl="0" eaLnBrk="1" latinLnBrk="0" hangingPunct="1">
-              <a:spcBef>
-                <a:spcPct val="20000"/>
-              </a:spcBef>
-              <a:buFont typeface="Arial" panose="020B0604020202020204" pitchFamily="34" charset="0"/>
-              <a:buChar char="–"/>
-              <a:defRPr sz="2000" kern="1200">
-                <a:solidFill>
-                  <a:schemeClr val="tx1"/>
-                </a:solidFill>
-                <a:latin typeface="+mn-lt"/>
-                <a:ea typeface="+mn-ea"/>
-                <a:cs typeface="+mn-cs"/>
-              </a:defRPr>
-            </a:lvl4pPr>
-            <a:lvl5pPr marL="2057400" indent="-228600" algn="l" defTabSz="914400" rtl="0" eaLnBrk="1" latinLnBrk="0" hangingPunct="1">
-              <a:spcBef>
-                <a:spcPct val="20000"/>
-              </a:spcBef>
-              <a:buFont typeface="Arial" panose="020B0604020202020204" pitchFamily="34" charset="0"/>
-              <a:buChar char="»"/>
-              <a:defRPr sz="2000" kern="1200">
-                <a:solidFill>
-                  <a:schemeClr val="tx1"/>
-                </a:solidFill>
-                <a:latin typeface="+mn-lt"/>
-                <a:ea typeface="+mn-ea"/>
-                <a:cs typeface="+mn-cs"/>
-              </a:defRPr>
-            </a:lvl5pPr>
-            <a:lvl6pPr marL="2514600" indent="-228600" algn="l" defTabSz="914400" rtl="0" eaLnBrk="1" latinLnBrk="0" hangingPunct="1">
-              <a:spcBef>
-                <a:spcPct val="20000"/>
-              </a:spcBef>
-              <a:buFont typeface="Arial" panose="020B0604020202020204" pitchFamily="34" charset="0"/>
-              <a:buChar char="•"/>
-              <a:defRPr sz="2000" kern="1200">
-                <a:solidFill>
-                  <a:schemeClr val="tx1"/>
-                </a:solidFill>
-                <a:latin typeface="+mn-lt"/>
-                <a:ea typeface="+mn-ea"/>
-                <a:cs typeface="+mn-cs"/>
-              </a:defRPr>
-            </a:lvl6pPr>
-            <a:lvl7pPr marL="2971800" indent="-228600" algn="l" defTabSz="914400" rtl="0" eaLnBrk="1" latinLnBrk="0" hangingPunct="1">
-              <a:spcBef>
-                <a:spcPct val="20000"/>
-              </a:spcBef>
-              <a:buFont typeface="Arial" panose="020B0604020202020204" pitchFamily="34" charset="0"/>
-              <a:buChar char="•"/>
-              <a:defRPr sz="2000" kern="1200">
-                <a:solidFill>
-                  <a:schemeClr val="tx1"/>
-                </a:solidFill>
-                <a:latin typeface="+mn-lt"/>
-                <a:ea typeface="+mn-ea"/>
-                <a:cs typeface="+mn-cs"/>
-              </a:defRPr>
-            </a:lvl7pPr>
-            <a:lvl8pPr marL="3429000" indent="-228600" algn="l" defTabSz="914400" rtl="0" eaLnBrk="1" latinLnBrk="0" hangingPunct="1">
-              <a:spcBef>
-                <a:spcPct val="20000"/>
-              </a:spcBef>
-              <a:buFont typeface="Arial" panose="020B0604020202020204" pitchFamily="34" charset="0"/>
-              <a:buChar char="•"/>
-              <a:defRPr sz="2000" kern="1200">
-                <a:solidFill>
-                  <a:schemeClr val="tx1"/>
-                </a:solidFill>
-                <a:latin typeface="+mn-lt"/>
-                <a:ea typeface="+mn-ea"/>
-                <a:cs typeface="+mn-cs"/>
-              </a:defRPr>
-            </a:lvl8pPr>
-            <a:lvl9pPr marL="3886200" indent="-228600" algn="l" defTabSz="914400" rtl="0" eaLnBrk="1" latinLnBrk="0" hangingPunct="1">
-              <a:spcBef>
-                <a:spcPct val="20000"/>
-              </a:spcBef>
-              <a:buFont typeface="Arial" panose="020B0604020202020204" pitchFamily="34" charset="0"/>
-              <a:buChar char="•"/>
-              <a:defRPr sz="2000" kern="1200">
-                <a:solidFill>
-                  <a:schemeClr val="tx1"/>
-                </a:solidFill>
-                <a:latin typeface="+mn-lt"/>
-                <a:ea typeface="+mn-ea"/>
-                <a:cs typeface="+mn-cs"/>
-              </a:defRPr>
-            </a:lvl9pPr>
-          </a:lstStyle>
-          <a:p>
-            <a:pPr marL="0" indent="0">
-              <a:buNone/>
-            </a:pPr>
-            <a:r>
-              <a:rPr lang="en-US" sz="1600" dirty="0">
-                <a:solidFill>
-                  <a:schemeClr val="bg1"/>
-                </a:solidFill>
-              </a:rPr>
-              <a:t>8</a:t>
-            </a:r>
-            <a:r>
-              <a:rPr lang="cs-CZ" sz="1600" dirty="0">
-                <a:solidFill>
-                  <a:schemeClr val="bg1"/>
-                </a:solidFill>
-              </a:rPr>
-              <a:t>/</a:t>
-            </a:r>
-            <a:r>
-              <a:rPr lang="en-US" sz="1600" dirty="0">
-                <a:solidFill>
-                  <a:schemeClr val="bg1"/>
-                </a:solidFill>
-              </a:rPr>
-              <a:t>9</a:t>
-            </a:r>
-          </a:p>
-        </p:txBody>
-      </p:sp>
-    </p:spTree>
-    <p:extLst>
-      <p:ext uri="{BB962C8B-B14F-4D97-AF65-F5344CB8AC3E}">
-        <p14:creationId xmlns:p14="http://schemas.microsoft.com/office/powerpoint/2010/main" val="1506632442"/>
-      </p:ext>
-    </p:extLst>
-  </p:cSld>
-  <p:clrMapOvr>
-    <a:masterClrMapping/>
-  </p:clrMapOvr>
-</p:sld>
-</file>
-
-<file path=ppt/slides/slide15.xml><?xml version="1.0" encoding="utf-8"?>
-<p:sld xmlns:a="http://schemas.openxmlformats.org/drawingml/2006/main" xmlns:r="http://schemas.openxmlformats.org/officeDocument/2006/relationships" xmlns:p="http://schemas.openxmlformats.org/presentationml/2006/main">
-  <p:cSld>
-    <p:spTree>
-      <p:nvGrpSpPr>
-        <p:cNvPr id="1" name=""/>
-        <p:cNvGrpSpPr/>
-        <p:nvPr/>
-      </p:nvGrpSpPr>
-      <p:grpSpPr>
-        <a:xfrm>
-          <a:off x="0" y="0"/>
-          <a:ext cx="0" cy="0"/>
-          <a:chOff x="0" y="0"/>
-          <a:chExt cx="0" cy="0"/>
-        </a:xfrm>
-      </p:grpSpPr>
-      <p:sp>
-        <p:nvSpPr>
-          <p:cNvPr id="2" name="Title 1">
-            <a:extLst>
-              <a:ext uri="{FF2B5EF4-FFF2-40B4-BE49-F238E27FC236}">
                 <a16:creationId xmlns:a16="http://schemas.microsoft.com/office/drawing/2014/main" id="{D19FAB46-F338-4B38-9579-2953DBA03866}"/>
               </a:ext>
             </a:extLst>
@@ -4497,7 +3865,12 @@
             <p:ph idx="1"/>
           </p:nvPr>
         </p:nvSpPr>
-        <p:spPr/>
+        <p:spPr>
+          <a:xfrm>
+            <a:off x="457200" y="1268760"/>
+            <a:ext cx="8229600" cy="5040560"/>
+          </a:xfrm>
+        </p:spPr>
         <p:txBody>
           <a:bodyPr/>
           <a:lstStyle/>
@@ -4553,30 +3926,11 @@
               <a:buChar char="•"/>
             </a:pPr>
             <a:r>
-              <a:rPr lang="cs-CZ" sz="2000" dirty="0"/>
-              <a:t>Úplný a ucelený grafický </a:t>
-            </a:r>
-            <a:r>
-              <a:rPr lang="en-US" sz="2000" dirty="0"/>
-              <a:t>n</a:t>
-            </a:r>
-            <a:r>
-              <a:rPr lang="cs-CZ" sz="2000" dirty="0"/>
-              <a:t>ástroj</a:t>
-            </a:r>
-            <a:endParaRPr lang="en-US" sz="2000" dirty="0"/>
-          </a:p>
-          <a:p>
-            <a:pPr marL="457200" indent="-457200" algn="l">
-              <a:buFont typeface="Arial" panose="020B0604020202020204" pitchFamily="34" charset="0"/>
-              <a:buChar char="•"/>
-            </a:pPr>
-            <a:r>
-              <a:rPr lang="en-US" sz="2000" dirty="0"/>
+              <a:rPr lang="en-US" sz="2000" b="1" dirty="0"/>
               <a:t>Nez</a:t>
             </a:r>
             <a:r>
-              <a:rPr lang="cs-CZ" sz="2000" dirty="0"/>
+              <a:rPr lang="cs-CZ" sz="2000" b="1" dirty="0"/>
               <a:t>ávislost na modelu (layoutu) skladu</a:t>
             </a:r>
           </a:p>
@@ -4588,10 +3942,7 @@
             <a:endParaRPr lang="cs-CZ" sz="2000" dirty="0"/>
           </a:p>
           <a:p>
-            <a:pPr marL="457200" indent="-457200" algn="l">
-              <a:buFont typeface="Arial" panose="020B0604020202020204" pitchFamily="34" charset="0"/>
-              <a:buChar char="•"/>
-            </a:pPr>
+            <a:pPr algn="l"/>
             <a:endParaRPr lang="cs-CZ" sz="2000" dirty="0"/>
           </a:p>
           <a:p>
@@ -4637,6 +3988,25 @@
             <a:r>
               <a:rPr lang="cs-CZ" sz="2000" dirty="0"/>
               <a:t>Optimalizace layoutu skladu – CGP (Cartesian Genetic Programming)</a:t>
+            </a:r>
+            <a:endParaRPr lang="en-US" sz="2000" dirty="0"/>
+          </a:p>
+          <a:p>
+            <a:pPr marL="1200150" lvl="1" indent="-457200">
+              <a:buFont typeface="Arial" panose="020B0604020202020204" pitchFamily="34" charset="0"/>
+              <a:buChar char="•"/>
+            </a:pPr>
+            <a:r>
+              <a:rPr lang="cs-CZ" sz="2000" dirty="0"/>
+              <a:t>Další přístupy - </a:t>
+            </a:r>
+            <a:r>
+              <a:rPr lang="en-US" sz="2000" dirty="0" err="1"/>
+              <a:t>Neuronov</a:t>
+            </a:r>
+            <a:r>
+              <a:rPr lang="cs-CZ" sz="2000" dirty="0"/>
+              <a:t>é sítě</a:t>
             </a:r>
           </a:p>
           <a:p>
@@ -4847,7 +4217,7 @@
 </p:sld>
 </file>
 
-<file path=ppt/slides/slide16.xml><?xml version="1.0" encoding="utf-8"?>
+<file path=ppt/slides/slide15.xml><?xml version="1.0" encoding="utf-8"?>
 <p:sld xmlns:a="http://schemas.openxmlformats.org/drawingml/2006/main" xmlns:r="http://schemas.openxmlformats.org/officeDocument/2006/relationships" xmlns:p="http://schemas.openxmlformats.org/presentationml/2006/main">
   <p:cSld>
     <p:spTree>
@@ -4996,42 +4366,6 @@
           </a:p>
         </p:txBody>
       </p:sp>
-      <p:pic>
-        <p:nvPicPr>
-          <p:cNvPr id="5" name="Content Placeholder 4" descr="A picture containing LEGO, toy&#10;&#10;Description automatically generated">
-            <a:extLst>
-              <a:ext uri="{FF2B5EF4-FFF2-40B4-BE49-F238E27FC236}">
-                <a16:creationId xmlns:a16="http://schemas.microsoft.com/office/drawing/2014/main" id="{18A67560-B449-45F2-A593-C8CA1F9CB6B9}"/>
-              </a:ext>
-            </a:extLst>
-          </p:cNvPr>
-          <p:cNvPicPr>
-            <a:picLocks noGrp="1" noChangeAspect="1"/>
-          </p:cNvPicPr>
-          <p:nvPr>
-            <p:ph idx="1"/>
-          </p:nvPr>
-        </p:nvPicPr>
-        <p:blipFill>
-          <a:blip r:embed="rId2">
-            <a:extLst>
-              <a:ext uri="{28A0092B-C50C-407E-A947-70E740481C1C}">
-                <a14:useLocalDpi xmlns:a14="http://schemas.microsoft.com/office/drawing/2010/main" val="0"/>
-              </a:ext>
-            </a:extLst>
-          </a:blip>
-          <a:stretch>
-            <a:fillRect/>
-          </a:stretch>
-        </p:blipFill>
-        <p:spPr>
-          <a:xfrm>
-            <a:off x="1594392" y="1600200"/>
-            <a:ext cx="5955215" cy="4525963"/>
-          </a:xfrm>
-          <a:noFill/>
-        </p:spPr>
-      </p:pic>
       <p:sp>
         <p:nvSpPr>
           <p:cNvPr id="7" name="Text Placeholder 6">
@@ -5217,6 +4551,41 @@
           </a:p>
         </p:txBody>
       </p:sp>
+      <p:pic>
+        <p:nvPicPr>
+          <p:cNvPr id="6" name="Content Placeholder 5">
+            <a:extLst>
+              <a:ext uri="{FF2B5EF4-FFF2-40B4-BE49-F238E27FC236}">
+                <a16:creationId xmlns:a16="http://schemas.microsoft.com/office/drawing/2014/main" id="{96E92C82-278D-4F9A-9A42-8C567A106088}"/>
+              </a:ext>
+            </a:extLst>
+          </p:cNvPr>
+          <p:cNvPicPr>
+            <a:picLocks noGrp="1" noChangeAspect="1"/>
+          </p:cNvPicPr>
+          <p:nvPr>
+            <p:ph idx="1"/>
+          </p:nvPr>
+        </p:nvPicPr>
+        <p:blipFill>
+          <a:blip r:embed="rId2">
+            <a:extLst>
+              <a:ext uri="{28A0092B-C50C-407E-A947-70E740481C1C}">
+                <a14:useLocalDpi xmlns:a14="http://schemas.microsoft.com/office/drawing/2010/main" val="0"/>
+              </a:ext>
+            </a:extLst>
+          </a:blip>
+          <a:stretch>
+            <a:fillRect/>
+          </a:stretch>
+        </p:blipFill>
+        <p:spPr>
+          <a:xfrm>
+            <a:off x="1554691" y="1600200"/>
+            <a:ext cx="6034617" cy="4525963"/>
+          </a:xfrm>
+        </p:spPr>
+      </p:pic>
     </p:spTree>
     <p:extLst>
       <p:ext uri="{BB962C8B-B14F-4D97-AF65-F5344CB8AC3E}">
@@ -5281,73 +4650,6 @@
       </p:sp>
       <p:sp>
         <p:nvSpPr>
-          <p:cNvPr id="3" name="Content Placeholder 2">
-            <a:extLst>
-              <a:ext uri="{FF2B5EF4-FFF2-40B4-BE49-F238E27FC236}">
-                <a16:creationId xmlns:a16="http://schemas.microsoft.com/office/drawing/2014/main" id="{CA5519A8-0A75-4B35-A384-25657426D639}"/>
-              </a:ext>
-            </a:extLst>
-          </p:cNvPr>
-          <p:cNvSpPr>
-            <a:spLocks noGrp="1"/>
-          </p:cNvSpPr>
-          <p:nvPr>
-            <p:ph idx="1"/>
-          </p:nvPr>
-        </p:nvSpPr>
-        <p:spPr>
-          <a:xfrm>
-            <a:off x="457200" y="1417638"/>
-            <a:ext cx="8229600" cy="1802811"/>
-          </a:xfrm>
-        </p:spPr>
-        <p:txBody>
-          <a:bodyPr/>
-          <a:lstStyle/>
-          <a:p>
-            <a:pPr marL="457200" indent="-457200" algn="l">
-              <a:buFont typeface="Arial" panose="020B0604020202020204" pitchFamily="34" charset="0"/>
-              <a:buChar char="•"/>
-            </a:pPr>
-            <a:r>
-              <a:rPr lang="cs-CZ" sz="2000" dirty="0"/>
-              <a:t>Konfigurátor GUI</a:t>
-            </a:r>
-          </a:p>
-          <a:p>
-            <a:pPr marL="457200" indent="-457200" algn="l">
-              <a:buFont typeface="Arial" panose="020B0604020202020204" pitchFamily="34" charset="0"/>
-              <a:buChar char="•"/>
-            </a:pPr>
-            <a:r>
-              <a:rPr lang="cs-CZ" sz="2000" dirty="0"/>
-              <a:t>Generátor (GUI + TUI)</a:t>
-            </a:r>
-          </a:p>
-          <a:p>
-            <a:pPr marL="457200" indent="-457200" algn="l">
-              <a:buFont typeface="Arial" panose="020B0604020202020204" pitchFamily="34" charset="0"/>
-              <a:buChar char="•"/>
-            </a:pPr>
-            <a:r>
-              <a:rPr lang="cs-CZ" sz="2000" dirty="0"/>
-              <a:t>Simulátor (GUI + TUI)</a:t>
-            </a:r>
-          </a:p>
-          <a:p>
-            <a:pPr marL="457200" indent="-457200" algn="l">
-              <a:buFont typeface="Arial" panose="020B0604020202020204" pitchFamily="34" charset="0"/>
-              <a:buChar char="•"/>
-            </a:pPr>
-            <a:r>
-              <a:rPr lang="cs-CZ" sz="2000" dirty="0"/>
-              <a:t>Optimalizátor (GUI + TUI)</a:t>
-            </a:r>
-          </a:p>
-        </p:txBody>
-      </p:sp>
-      <p:sp>
-        <p:nvSpPr>
           <p:cNvPr id="4" name="Text Placeholder 6">
             <a:extLst>
               <a:ext uri="{FF2B5EF4-FFF2-40B4-BE49-F238E27FC236}">
@@ -5555,8 +4857,8 @@
         </p:nvSpPr>
         <p:spPr>
           <a:xfrm>
-            <a:off x="463114" y="3429000"/>
-            <a:ext cx="8229600" cy="2519685"/>
+            <a:off x="457200" y="1268760"/>
+            <a:ext cx="8229600" cy="4824536"/>
           </a:xfrm>
           <a:prstGeom prst="rect">
             <a:avLst/>
@@ -5702,73 +5004,43 @@
             </a:lvl9pPr>
           </a:lstStyle>
           <a:p>
+            <a:pPr marL="0" indent="0">
+              <a:buNone/>
+            </a:pPr>
+            <a:endParaRPr lang="en-US" sz="2000" b="1" dirty="0"/>
+          </a:p>
+          <a:p>
             <a:r>
               <a:rPr lang="cs-CZ" sz="2000" b="1" dirty="0"/>
-              <a:t>Workflow:</a:t>
-            </a:r>
-            <a:endParaRPr lang="en-US" sz="2000" b="1" dirty="0"/>
+              <a:t>Konfigurátor</a:t>
+            </a:r>
+            <a:endParaRPr lang="cs-CZ" sz="2000" dirty="0"/>
+          </a:p>
+          <a:p>
+            <a:r>
+              <a:rPr lang="cs-CZ" sz="2000" b="1" dirty="0"/>
+              <a:t>Generátor</a:t>
+            </a:r>
+            <a:endParaRPr lang="cs-CZ" sz="2000" dirty="0"/>
+          </a:p>
+          <a:p>
+            <a:r>
+              <a:rPr lang="cs-CZ" sz="2000" b="1" dirty="0"/>
+              <a:t>Simulátor</a:t>
+            </a:r>
+          </a:p>
+          <a:p>
+            <a:r>
+              <a:rPr lang="cs-CZ" sz="2000" b="1" dirty="0"/>
+              <a:t>Optimalizátor</a:t>
+            </a:r>
+            <a:endParaRPr lang="cs-CZ" sz="2000" dirty="0"/>
           </a:p>
           <a:p>
             <a:r>
               <a:rPr lang="cs-CZ" sz="2000" dirty="0"/>
-              <a:t>Vytvoření modelu skladu</a:t>
-            </a:r>
-          </a:p>
-          <a:p>
-            <a:r>
-              <a:rPr lang="cs-CZ" sz="2000" dirty="0"/>
-              <a:t>Importování historických (popř. vygenerování) objednávek, </a:t>
-            </a:r>
-            <a:r>
-              <a:rPr lang="en-US" sz="2000" dirty="0" err="1"/>
-              <a:t>produkt</a:t>
-            </a:r>
-            <a:r>
-              <a:rPr lang="cs-CZ" sz="2000" dirty="0"/>
-              <a:t>ů</a:t>
-            </a:r>
-          </a:p>
-          <a:p>
-            <a:r>
-              <a:rPr lang="cs-CZ" sz="2000" dirty="0"/>
-              <a:t>Odsimulování průchodu skladem (identifikace </a:t>
-            </a:r>
-            <a:r>
-              <a:rPr lang="cs-CZ" sz="2000" i="1" dirty="0"/>
-              <a:t>bottlenecků)</a:t>
-            </a:r>
-          </a:p>
-          <a:p>
-            <a:r>
-              <a:rPr lang="cs-CZ" sz="2000" dirty="0"/>
-              <a:t>Spuštění optimalizace skladu (výstupem je </a:t>
-            </a:r>
-            <a:r>
-              <a:rPr lang="en-US" sz="2000" dirty="0"/>
-              <a:t>“</a:t>
-            </a:r>
-            <a:r>
-              <a:rPr lang="en-US" sz="2000" dirty="0" err="1"/>
-              <a:t>i</a:t>
-            </a:r>
-            <a:r>
-              <a:rPr lang="cs-CZ" sz="2000" dirty="0"/>
-              <a:t>deální</a:t>
-            </a:r>
-            <a:r>
-              <a:rPr lang="en-US" sz="2000" dirty="0"/>
-              <a:t>”</a:t>
-            </a:r>
-            <a:r>
-              <a:rPr lang="cs-CZ" sz="2000" dirty="0"/>
-              <a:t> distribuce produktů ve skladu)</a:t>
-            </a:r>
-            <a:endParaRPr lang="en-US" sz="2000" dirty="0"/>
-          </a:p>
-          <a:p>
-            <a:endParaRPr lang="cs-CZ" sz="2000" dirty="0"/>
-          </a:p>
-          <a:p>
+              <a:t>Implementováno v C++ / Qt 5</a:t>
+            </a:r>
             <a:endParaRPr lang="en-US" sz="2000" dirty="0"/>
           </a:p>
         </p:txBody>
@@ -5873,16 +5145,6 @@
               <a:buChar char="•"/>
             </a:pPr>
             <a:r>
-              <a:rPr lang="cs-CZ" dirty="0"/>
-              <a:t>C++ / Qt</a:t>
-            </a:r>
-          </a:p>
-          <a:p>
-            <a:pPr marL="342900" indent="-342900">
-              <a:buFont typeface="Arial" panose="020B0604020202020204" pitchFamily="34" charset="0"/>
-              <a:buChar char="•"/>
-            </a:pPr>
-            <a:r>
               <a:rPr lang="en-US" dirty="0"/>
               <a:t>Tvorba </a:t>
             </a:r>
@@ -6152,42 +5414,6 @@
           </a:p>
         </p:txBody>
       </p:sp>
-      <p:pic>
-        <p:nvPicPr>
-          <p:cNvPr id="6" name="Picture 5">
-            <a:extLst>
-              <a:ext uri="{FF2B5EF4-FFF2-40B4-BE49-F238E27FC236}">
-                <a16:creationId xmlns:a16="http://schemas.microsoft.com/office/drawing/2014/main" id="{6014E9C8-DE66-4556-B08B-6C853C6BE927}"/>
-              </a:ext>
-            </a:extLst>
-          </p:cNvPr>
-          <p:cNvPicPr>
-            <a:picLocks noChangeAspect="1"/>
-          </p:cNvPicPr>
-          <p:nvPr/>
-        </p:nvPicPr>
-        <p:blipFill>
-          <a:blip r:embed="rId2">
-            <a:extLst>
-              <a:ext uri="{28A0092B-C50C-407E-A947-70E740481C1C}">
-                <a14:useLocalDpi xmlns:a14="http://schemas.microsoft.com/office/drawing/2010/main" val="0"/>
-              </a:ext>
-            </a:extLst>
-          </a:blip>
-          <a:stretch>
-            <a:fillRect/>
-          </a:stretch>
-        </p:blipFill>
-        <p:spPr>
-          <a:xfrm>
-            <a:off x="0" y="1268760"/>
-            <a:ext cx="9144000" cy="4848225"/>
-          </a:xfrm>
-          <a:prstGeom prst="rect">
-            <a:avLst/>
-          </a:prstGeom>
-        </p:spPr>
-      </p:pic>
       <p:sp>
         <p:nvSpPr>
           <p:cNvPr id="7" name="Text Placeholder 6">
@@ -6381,6 +5607,36 @@
           </a:p>
         </p:txBody>
       </p:sp>
+      <p:pic>
+        <p:nvPicPr>
+          <p:cNvPr id="4" name="Picture 3">
+            <a:extLst>
+              <a:ext uri="{FF2B5EF4-FFF2-40B4-BE49-F238E27FC236}">
+                <a16:creationId xmlns:a16="http://schemas.microsoft.com/office/drawing/2014/main" id="{1BF63FCC-0BF5-4EB1-B2E4-275D71A81A5F}"/>
+              </a:ext>
+            </a:extLst>
+          </p:cNvPr>
+          <p:cNvPicPr>
+            <a:picLocks noChangeAspect="1"/>
+          </p:cNvPicPr>
+          <p:nvPr/>
+        </p:nvPicPr>
+        <p:blipFill>
+          <a:blip r:embed="rId2"/>
+          <a:stretch>
+            <a:fillRect/>
+          </a:stretch>
+        </p:blipFill>
+        <p:spPr>
+          <a:xfrm>
+            <a:off x="0" y="1011146"/>
+            <a:ext cx="9144000" cy="4835708"/>
+          </a:xfrm>
+          <a:prstGeom prst="rect">
+            <a:avLst/>
+          </a:prstGeom>
+        </p:spPr>
+      </p:pic>
     </p:spTree>
     <p:extLst>
       <p:ext uri="{BB962C8B-B14F-4D97-AF65-F5344CB8AC3E}">
@@ -6485,9 +5741,22 @@
               <a:buChar char="•"/>
             </a:pPr>
             <a:r>
-              <a:rPr lang="cs-CZ" dirty="0"/>
-              <a:t>Potřeba dvou sad</a:t>
-            </a:r>
+              <a:rPr lang="en-US" sz="2000" dirty="0" err="1"/>
+              <a:t>Vygenerov</a:t>
+            </a:r>
+            <a:r>
+              <a:rPr lang="cs-CZ" sz="2000" dirty="0"/>
+              <a:t>ání</a:t>
+            </a:r>
+            <a:r>
+              <a:rPr lang="en-US" sz="2000" dirty="0"/>
+              <a:t> </a:t>
+            </a:r>
+            <a:r>
+              <a:rPr lang="cs-CZ" sz="2000" dirty="0"/>
+              <a:t>objednávek (vstup evolučního  algoritmu)</a:t>
+            </a:r>
+            <a:endParaRPr lang="cs-CZ" dirty="0"/>
           </a:p>
           <a:p>
             <a:pPr marL="1085850" lvl="1" indent="-342900">
@@ -6523,16 +5792,6 @@
             <a:r>
               <a:rPr lang="cs-CZ" sz="1800" dirty="0"/>
               <a:t> data společnosti</a:t>
-            </a:r>
-          </a:p>
-          <a:p>
-            <a:pPr marL="342900" indent="-342900">
-              <a:buFont typeface="Arial" panose="020B0604020202020204" pitchFamily="34" charset="0"/>
-              <a:buChar char="•"/>
-            </a:pPr>
-            <a:r>
-              <a:rPr lang="cs-CZ" dirty="0"/>
-              <a:t>Data generována na základě mat. modelů</a:t>
             </a:r>
           </a:p>
         </p:txBody>
@@ -7115,6 +6374,17 @@
               <a:buChar char="•"/>
             </a:pPr>
             <a:r>
+              <a:rPr lang="cs-CZ" sz="2000" dirty="0"/>
+              <a:t>Odsimulování průchodu objednávek skladem (aproximace objektivní funkce evolučního algoritmu)</a:t>
+            </a:r>
+            <a:endParaRPr lang="cs-CZ" dirty="0"/>
+          </a:p>
+          <a:p>
+            <a:pPr marL="342900" indent="-342900">
+              <a:buFont typeface="Arial" panose="020B0604020202020204" pitchFamily="34" charset="0"/>
+              <a:buChar char="•"/>
+            </a:pPr>
+            <a:r>
               <a:rPr lang="cs-CZ" dirty="0"/>
               <a:t>Diskrétní události</a:t>
             </a:r>
@@ -7126,27 +6396,7 @@
             </a:pPr>
             <a:r>
               <a:rPr lang="cs-CZ" dirty="0"/>
-              <a:t>C++</a:t>
-            </a:r>
-          </a:p>
-          <a:p>
-            <a:pPr marL="342900" indent="-342900">
-              <a:buFont typeface="Arial" panose="020B0604020202020204" pitchFamily="34" charset="0"/>
-              <a:buChar char="•"/>
-            </a:pPr>
-            <a:r>
-              <a:rPr lang="cs-CZ" dirty="0"/>
-              <a:t>SIMLIB/C++</a:t>
-            </a:r>
-          </a:p>
-          <a:p>
-            <a:pPr marL="342900" indent="-342900">
-              <a:buFont typeface="Arial" panose="020B0604020202020204" pitchFamily="34" charset="0"/>
-              <a:buChar char="•"/>
-            </a:pPr>
-            <a:r>
-              <a:rPr lang="cs-CZ" dirty="0"/>
-              <a:t>Důraz na realističnost (replenishment)</a:t>
+              <a:t>Důraz na realističnost</a:t>
             </a:r>
             <a:endParaRPr lang="en-US" dirty="0"/>
           </a:p>

--- a/doc/xkocic01.pptx
+++ b/doc/xkocic01.pptx
@@ -5,7 +5,7 @@
     <p:sldMasterId id="2147483648" r:id="rId1"/>
   </p:sldMasterIdLst>
   <p:notesMasterIdLst>
-    <p:notesMasterId r:id="rId17"/>
+    <p:notesMasterId r:id="rId20"/>
   </p:notesMasterIdLst>
   <p:sldIdLst>
     <p:sldId id="285" r:id="rId2"/>
@@ -19,10 +19,13 @@
     <p:sldId id="297" r:id="rId10"/>
     <p:sldId id="291" r:id="rId11"/>
     <p:sldId id="298" r:id="rId12"/>
-    <p:sldId id="292" r:id="rId13"/>
-    <p:sldId id="299" r:id="rId14"/>
-    <p:sldId id="294" r:id="rId15"/>
-    <p:sldId id="282" r:id="rId16"/>
+    <p:sldId id="300" r:id="rId13"/>
+    <p:sldId id="301" r:id="rId14"/>
+    <p:sldId id="302" r:id="rId15"/>
+    <p:sldId id="292" r:id="rId16"/>
+    <p:sldId id="299" r:id="rId17"/>
+    <p:sldId id="294" r:id="rId18"/>
+    <p:sldId id="282" r:id="rId19"/>
   </p:sldIdLst>
   <p:sldSz cx="9144000" cy="6858000" type="screen4x3"/>
   <p:notesSz cx="6858000" cy="9144000"/>
@@ -222,7 +225,7 @@
           <a:p>
             <a:fld id="{8A47B827-01B0-40C7-BA68-3ACC7CEACCE7}" type="datetimeFigureOut">
               <a:rPr lang="cs-CZ" smtClean="0"/>
-              <a:t>28.01.2021</a:t>
+              <a:t>18.05.2021</a:t>
             </a:fld>
             <a:endParaRPr lang="cs-CZ"/>
           </a:p>
@@ -638,7 +641,7 @@
           <a:p>
             <a:fld id="{EE1BD250-9BF5-4AE8-86BD-080F3A22271A}" type="slidenum">
               <a:rPr lang="cs-CZ" smtClean="0"/>
-              <a:t>15</a:t>
+              <a:t>18</a:t>
             </a:fld>
             <a:endParaRPr lang="cs-CZ"/>
           </a:p>
@@ -2051,7 +2054,7 @@
           <a:p>
             <a:r>
               <a:rPr lang="cs-CZ" dirty="0"/>
-              <a:t>Konzultant SeaComp: Ing. Daniel Chalupa</a:t>
+              <a:t>Konzultant: Ing. Daniel Chalupa</a:t>
             </a:r>
           </a:p>
           <a:p>
@@ -2076,7 +2079,23 @@
           <a:p>
             <a:r>
               <a:rPr lang="cs-CZ" dirty="0"/>
-              <a:t>28. leden 2021</a:t>
+              <a:t>2</a:t>
+            </a:r>
+            <a:r>
+              <a:rPr lang="en-US" dirty="0"/>
+              <a:t>1</a:t>
+            </a:r>
+            <a:r>
+              <a:rPr lang="cs-CZ" dirty="0"/>
+              <a:t>. </a:t>
+            </a:r>
+            <a:r>
+              <a:rPr lang="en-US" dirty="0"/>
+              <a:t>06. </a:t>
+            </a:r>
+            <a:r>
+              <a:rPr lang="cs-CZ" dirty="0"/>
+              <a:t>2021</a:t>
             </a:r>
           </a:p>
         </p:txBody>
@@ -2102,7 +2121,7 @@
           <a:lstStyle/>
           <a:p>
             <a:r>
-              <a:rPr lang="en-US" b="1" i="0" dirty="0" err="1">
+              <a:rPr lang="en-US" sz="3200" b="1" i="0" dirty="0" err="1">
                 <a:solidFill>
                   <a:srgbClr val="222222"/>
                 </a:solidFill>
@@ -2112,7 +2131,7 @@
               <a:t>Simulace</a:t>
             </a:r>
             <a:r>
-              <a:rPr lang="en-US" b="1" i="0" dirty="0">
+              <a:rPr lang="en-US" sz="3200" b="1" i="0" dirty="0">
                 <a:solidFill>
                   <a:srgbClr val="222222"/>
                 </a:solidFill>
@@ -2122,7 +2141,7 @@
               <a:t> </a:t>
             </a:r>
             <a:r>
-              <a:rPr lang="en-US" b="1" i="0" dirty="0" err="1">
+              <a:rPr lang="en-US" sz="3200" b="1" i="0" dirty="0" err="1">
                 <a:solidFill>
                   <a:srgbClr val="222222"/>
                 </a:solidFill>
@@ -2132,7 +2151,7 @@
               <a:t>skladu</a:t>
             </a:r>
             <a:r>
-              <a:rPr lang="en-US" b="1" i="0" dirty="0">
+              <a:rPr lang="en-US" sz="3200" b="1" i="0" dirty="0">
                 <a:solidFill>
                   <a:srgbClr val="222222"/>
                 </a:solidFill>
@@ -2142,7 +2161,7 @@
               <a:t> a </a:t>
             </a:r>
             <a:r>
-              <a:rPr lang="en-US" b="1" i="0" dirty="0" err="1">
+              <a:rPr lang="en-US" sz="3200" b="1" i="0" dirty="0" err="1">
                 <a:solidFill>
                   <a:srgbClr val="222222"/>
                 </a:solidFill>
@@ -2152,7 +2171,7 @@
               <a:t>optimalizace</a:t>
             </a:r>
             <a:r>
-              <a:rPr lang="en-US" b="1" i="0" dirty="0">
+              <a:rPr lang="en-US" sz="3200" b="1" i="0" dirty="0">
                 <a:solidFill>
                   <a:srgbClr val="222222"/>
                 </a:solidFill>
@@ -2162,7 +2181,7 @@
               <a:t> </a:t>
             </a:r>
             <a:r>
-              <a:rPr lang="en-US" b="1" i="0" dirty="0" err="1">
+              <a:rPr lang="en-US" sz="3200" b="1" i="0" dirty="0" err="1">
                 <a:solidFill>
                   <a:srgbClr val="222222"/>
                 </a:solidFill>
@@ -2172,7 +2191,7 @@
               <a:t>rozmístění</a:t>
             </a:r>
             <a:r>
-              <a:rPr lang="en-US" b="1" i="0" dirty="0">
+              <a:rPr lang="en-US" sz="3200" b="1" i="0" dirty="0">
                 <a:solidFill>
                   <a:srgbClr val="222222"/>
                 </a:solidFill>
@@ -2182,7 +2201,7 @@
               <a:t> </a:t>
             </a:r>
             <a:r>
-              <a:rPr lang="en-US" b="1" i="0" dirty="0" err="1">
+              <a:rPr lang="en-US" sz="3200" b="1" i="0" dirty="0" err="1">
                 <a:solidFill>
                   <a:srgbClr val="222222"/>
                 </a:solidFill>
@@ -2192,7 +2211,7 @@
               <a:t>produktů</a:t>
             </a:r>
             <a:r>
-              <a:rPr lang="en-US" b="1" i="0" dirty="0">
+              <a:rPr lang="en-US" sz="3200" b="1" i="0" dirty="0">
                 <a:solidFill>
                   <a:srgbClr val="222222"/>
                 </a:solidFill>
@@ -2202,7 +2221,7 @@
               <a:t> za </a:t>
             </a:r>
             <a:r>
-              <a:rPr lang="en-US" b="1" i="0" dirty="0" err="1">
+              <a:rPr lang="en-US" sz="3200" b="1" i="0" dirty="0" err="1">
                 <a:solidFill>
                   <a:srgbClr val="222222"/>
                 </a:solidFill>
@@ -2212,7 +2231,7 @@
               <a:t>účelem</a:t>
             </a:r>
             <a:r>
-              <a:rPr lang="en-US" b="1" i="0" dirty="0">
+              <a:rPr lang="en-US" sz="3200" b="1" i="0" dirty="0">
                 <a:solidFill>
                   <a:srgbClr val="222222"/>
                 </a:solidFill>
@@ -2222,7 +2241,7 @@
               <a:t> </a:t>
             </a:r>
             <a:r>
-              <a:rPr lang="en-US" b="1" i="0" dirty="0" err="1">
+              <a:rPr lang="en-US" sz="3200" b="1" i="0" dirty="0" err="1">
                 <a:solidFill>
                   <a:srgbClr val="222222"/>
                 </a:solidFill>
@@ -2232,7 +2251,7 @@
               <a:t>zvýšení</a:t>
             </a:r>
             <a:r>
-              <a:rPr lang="en-US" b="1" i="0" dirty="0">
+              <a:rPr lang="en-US" sz="3200" b="1" i="0" dirty="0">
                 <a:solidFill>
                   <a:srgbClr val="222222"/>
                 </a:solidFill>
@@ -2242,7 +2261,7 @@
               <a:t> </a:t>
             </a:r>
             <a:r>
-              <a:rPr lang="en-US" b="1" i="0" dirty="0" err="1">
+              <a:rPr lang="en-US" sz="3200" b="1" i="0" dirty="0" err="1">
                 <a:solidFill>
                   <a:srgbClr val="222222"/>
                 </a:solidFill>
@@ -2252,7 +2271,7 @@
               <a:t>propustnosti</a:t>
             </a:r>
             <a:r>
-              <a:rPr lang="en-US" b="1" i="0" dirty="0">
+              <a:rPr lang="en-US" sz="3200" b="1" i="0" dirty="0">
                 <a:solidFill>
                   <a:srgbClr val="222222"/>
                 </a:solidFill>
@@ -2262,7 +2281,7 @@
               <a:t> </a:t>
             </a:r>
             <a:r>
-              <a:rPr lang="en-US" b="1" i="0" dirty="0" err="1">
+              <a:rPr lang="en-US" sz="3200" b="1" i="0" dirty="0" err="1">
                 <a:solidFill>
                   <a:srgbClr val="222222"/>
                 </a:solidFill>
@@ -2271,7 +2290,7 @@
               </a:rPr>
               <a:t>skladu</a:t>
             </a:r>
-            <a:endParaRPr lang="en-US" b="1" i="0" dirty="0">
+            <a:endParaRPr lang="en-US" sz="3200" b="1" i="0" dirty="0">
               <a:solidFill>
                 <a:srgbClr val="222222"/>
               </a:solidFill>
@@ -2333,10 +2352,10 @@
           <a:lstStyle/>
           <a:p>
             <a:r>
-              <a:rPr lang="cs-CZ" dirty="0"/>
-              <a:t>Optimalizátor</a:t>
-            </a:r>
-            <a:endParaRPr lang="en-US" dirty="0"/>
+              <a:rPr lang="cs-CZ" sz="3200" dirty="0"/>
+              <a:t>Optimalizátor rozložení produktů</a:t>
+            </a:r>
+            <a:endParaRPr lang="en-US" sz="3200" dirty="0"/>
           </a:p>
         </p:txBody>
       </p:sp>
@@ -2358,8 +2377,8 @@
         </p:nvSpPr>
         <p:spPr>
           <a:xfrm>
-            <a:off x="468313" y="1628775"/>
-            <a:ext cx="8218487" cy="4679950"/>
+            <a:off x="468313" y="1417639"/>
+            <a:ext cx="8218487" cy="4891086"/>
           </a:xfrm>
         </p:spPr>
         <p:txBody>
@@ -2372,15 +2391,16 @@
             </a:pPr>
             <a:r>
               <a:rPr lang="cs-CZ" sz="2000" dirty="0"/>
-              <a:t>Nalezení optimálního rozložení produktů ve skladu</a:t>
-            </a:r>
+              <a:t>Optimalizace rozložení produktů pro zvýšení propustnosti skladu</a:t>
+            </a:r>
+            <a:endParaRPr lang="en-US" sz="2000" dirty="0"/>
           </a:p>
           <a:p>
             <a:pPr marL="342900" indent="-342900">
               <a:buFont typeface="Arial" panose="020B0604020202020204" pitchFamily="34" charset="0"/>
               <a:buChar char="•"/>
             </a:pPr>
-            <a:endParaRPr lang="cs-CZ" dirty="0"/>
+            <a:endParaRPr lang="cs-CZ" sz="2000" dirty="0"/>
           </a:p>
           <a:p>
             <a:pPr marL="342900" indent="-342900">
@@ -2388,75 +2408,44 @@
               <a:buChar char="•"/>
             </a:pPr>
             <a:r>
-              <a:rPr lang="cs-CZ" dirty="0"/>
+              <a:rPr lang="cs-CZ" sz="2000" dirty="0"/>
               <a:t>Implementace čtyř evolučních algoritmů</a:t>
             </a:r>
           </a:p>
           <a:p>
-            <a:pPr marL="1085850" lvl="1" indent="-342900">
-              <a:buFont typeface="Arial" panose="020B0604020202020204" pitchFamily="34" charset="0"/>
-              <a:buChar char="•"/>
+            <a:pPr marL="742950" lvl="1" indent="0">
+              <a:buNone/>
             </a:pPr>
             <a:r>
-              <a:rPr lang="cs-CZ" sz="1800" dirty="0"/>
+              <a:rPr lang="cs-CZ" sz="1600" dirty="0"/>
               <a:t>Genetické algoritmy (GA)</a:t>
             </a:r>
           </a:p>
           <a:p>
-            <a:pPr marL="1085850" lvl="1" indent="-342900">
-              <a:buFont typeface="Arial" panose="020B0604020202020204" pitchFamily="34" charset="0"/>
-              <a:buChar char="•"/>
+            <a:pPr marL="742950" lvl="1" indent="0">
+              <a:buNone/>
             </a:pPr>
             <a:r>
-              <a:rPr lang="cs-CZ" sz="1800" dirty="0"/>
+              <a:rPr lang="cs-CZ" sz="1600" dirty="0"/>
               <a:t>Diferenční evoluce (DE)</a:t>
             </a:r>
           </a:p>
           <a:p>
-            <a:pPr marL="1085850" lvl="1" indent="-342900">
-              <a:buFont typeface="Arial" panose="020B0604020202020204" pitchFamily="34" charset="0"/>
-              <a:buChar char="•"/>
+            <a:pPr marL="742950" lvl="1" indent="0">
+              <a:buNone/>
             </a:pPr>
             <a:r>
-              <a:rPr lang="cs-CZ" sz="1800" dirty="0"/>
+              <a:rPr lang="cs-CZ" sz="1600" dirty="0"/>
               <a:t>Algoritmus umělých včelstev (ABC)</a:t>
             </a:r>
           </a:p>
           <a:p>
-            <a:pPr marL="1085850" lvl="1" indent="-342900">
-              <a:buFont typeface="Arial" panose="020B0604020202020204" pitchFamily="34" charset="0"/>
-              <a:buChar char="•"/>
+            <a:pPr marL="742950" lvl="1" indent="0">
+              <a:buNone/>
             </a:pPr>
             <a:r>
-              <a:rPr lang="cs-CZ" sz="1800" dirty="0"/>
+              <a:rPr lang="cs-CZ" sz="1600" dirty="0"/>
               <a:t>Optimalizace rojem částic (PSO)</a:t>
-            </a:r>
-          </a:p>
-          <a:p>
-            <a:pPr marL="1085850" lvl="1" indent="-342900">
-              <a:buFont typeface="Arial" panose="020B0604020202020204" pitchFamily="34" charset="0"/>
-              <a:buChar char="•"/>
-            </a:pPr>
-            <a:endParaRPr lang="cs-CZ" sz="1800" dirty="0"/>
-          </a:p>
-          <a:p>
-            <a:pPr marL="171450" indent="-171450">
-              <a:buFont typeface="Arial" panose="020B0604020202020204" pitchFamily="34" charset="0"/>
-              <a:buChar char="•"/>
-            </a:pPr>
-            <a:r>
-              <a:rPr lang="cs-CZ" dirty="0"/>
-              <a:t>Redefinice výše zmíněných pro diskrétní prostor</a:t>
-            </a:r>
-          </a:p>
-          <a:p>
-            <a:pPr marL="914400" lvl="1" indent="-171450">
-              <a:buFont typeface="Arial" panose="020B0604020202020204" pitchFamily="34" charset="0"/>
-              <a:buChar char="•"/>
-            </a:pPr>
-            <a:r>
-              <a:rPr lang="cs-CZ" sz="1800" dirty="0"/>
-              <a:t>Problém obchodního cestujícího (TSP)</a:t>
             </a:r>
           </a:p>
         </p:txBody>
@@ -2628,28 +2617,20 @@
               <a:buNone/>
             </a:pPr>
             <a:r>
+              <a:rPr lang="cs-CZ" sz="1600" dirty="0">
+                <a:solidFill>
+                  <a:schemeClr val="bg1"/>
+                </a:solidFill>
+              </a:rPr>
+              <a:t>9/</a:t>
+            </a:r>
+            <a:r>
               <a:rPr lang="en-US" sz="1600" dirty="0">
                 <a:solidFill>
                   <a:schemeClr val="bg1"/>
                 </a:solidFill>
               </a:rPr>
-              <a:t>6</a:t>
-            </a:r>
-            <a:r>
-              <a:rPr lang="cs-CZ" sz="1600" dirty="0">
-                <a:solidFill>
-                  <a:schemeClr val="bg1"/>
-                </a:solidFill>
-              </a:rPr>
-              <a:t>/</a:t>
-            </a:r>
-            <a:r>
-              <a:rPr lang="en-US" sz="1600" dirty="0">
-                <a:solidFill>
-                  <a:schemeClr val="bg1"/>
-                </a:solidFill>
-              </a:rPr>
-              <a:t>9</a:t>
+              <a:t>16</a:t>
             </a:r>
           </a:p>
         </p:txBody>
@@ -2706,49 +2687,13 @@
           <a:lstStyle/>
           <a:p>
             <a:r>
-              <a:rPr lang="cs-CZ" dirty="0"/>
-              <a:t>Optimalizátor</a:t>
-            </a:r>
-            <a:endParaRPr lang="en-US" dirty="0"/>
+              <a:rPr lang="cs-CZ" sz="3200" dirty="0"/>
+              <a:t>Optimalizátor rozložení produktů</a:t>
+            </a:r>
+            <a:endParaRPr lang="en-US" sz="3200" dirty="0"/>
           </a:p>
         </p:txBody>
       </p:sp>
-      <p:pic>
-        <p:nvPicPr>
-          <p:cNvPr id="6" name="Picture 5" descr="A picture containing graphical user interface&#10;&#10;Description automatically generated">
-            <a:extLst>
-              <a:ext uri="{FF2B5EF4-FFF2-40B4-BE49-F238E27FC236}">
-                <a16:creationId xmlns:a16="http://schemas.microsoft.com/office/drawing/2014/main" id="{18C025F7-6E32-4A71-AFFD-9EAE59E0DA2C}"/>
-              </a:ext>
-            </a:extLst>
-          </p:cNvPr>
-          <p:cNvPicPr>
-            <a:picLocks noChangeAspect="1"/>
-          </p:cNvPicPr>
-          <p:nvPr/>
-        </p:nvPicPr>
-        <p:blipFill>
-          <a:blip r:embed="rId2">
-            <a:extLst>
-              <a:ext uri="{28A0092B-C50C-407E-A947-70E740481C1C}">
-                <a14:useLocalDpi xmlns:a14="http://schemas.microsoft.com/office/drawing/2010/main" val="0"/>
-              </a:ext>
-            </a:extLst>
-          </a:blip>
-          <a:stretch>
-            <a:fillRect/>
-          </a:stretch>
-        </p:blipFill>
-        <p:spPr>
-          <a:xfrm>
-            <a:off x="0" y="1340768"/>
-            <a:ext cx="9144000" cy="4848225"/>
-          </a:xfrm>
-          <a:prstGeom prst="rect">
-            <a:avLst/>
-          </a:prstGeom>
-        </p:spPr>
-      </p:pic>
       <p:sp>
         <p:nvSpPr>
           <p:cNvPr id="7" name="Text Placeholder 6">
@@ -2916,32 +2861,60 @@
               <a:buNone/>
             </a:pPr>
             <a:r>
+              <a:rPr lang="cs-CZ" sz="1600" dirty="0">
+                <a:solidFill>
+                  <a:schemeClr val="bg1"/>
+                </a:solidFill>
+              </a:rPr>
+              <a:t>10/</a:t>
+            </a:r>
+            <a:r>
               <a:rPr lang="en-US" sz="1600" dirty="0">
                 <a:solidFill>
                   <a:schemeClr val="bg1"/>
                 </a:solidFill>
               </a:rPr>
-              <a:t>6</a:t>
-            </a:r>
-            <a:r>
-              <a:rPr lang="cs-CZ" sz="1600" dirty="0">
-                <a:solidFill>
-                  <a:schemeClr val="bg1"/>
-                </a:solidFill>
-              </a:rPr>
-              <a:t>/</a:t>
-            </a:r>
-            <a:r>
-              <a:rPr lang="en-US" sz="1600" dirty="0">
-                <a:solidFill>
-                  <a:schemeClr val="bg1"/>
-                </a:solidFill>
-              </a:rPr>
-              <a:t>9</a:t>
+              <a:t>16</a:t>
             </a:r>
           </a:p>
         </p:txBody>
       </p:sp>
+      <p:pic>
+        <p:nvPicPr>
+          <p:cNvPr id="5" name="Picture 4" descr="A picture containing text, black&#10;&#10;Description automatically generated">
+            <a:extLst>
+              <a:ext uri="{FF2B5EF4-FFF2-40B4-BE49-F238E27FC236}">
+                <a16:creationId xmlns:a16="http://schemas.microsoft.com/office/drawing/2014/main" id="{388A3233-FBB5-4515-8CFC-F7595FC9DA8B}"/>
+              </a:ext>
+            </a:extLst>
+          </p:cNvPr>
+          <p:cNvPicPr>
+            <a:picLocks noChangeAspect="1"/>
+          </p:cNvPicPr>
+          <p:nvPr/>
+        </p:nvPicPr>
+        <p:blipFill>
+          <a:blip r:embed="rId2">
+            <a:extLst>
+              <a:ext uri="{28A0092B-C50C-407E-A947-70E740481C1C}">
+                <a14:useLocalDpi xmlns:a14="http://schemas.microsoft.com/office/drawing/2010/main" val="0"/>
+              </a:ext>
+            </a:extLst>
+          </a:blip>
+          <a:stretch>
+            <a:fillRect/>
+          </a:stretch>
+        </p:blipFill>
+        <p:spPr>
+          <a:xfrm>
+            <a:off x="0" y="1340768"/>
+            <a:ext cx="9144000" cy="4843462"/>
+          </a:xfrm>
+          <a:prstGeom prst="rect">
+            <a:avLst/>
+          </a:prstGeom>
+        </p:spPr>
+      </p:pic>
     </p:spTree>
     <p:extLst>
       <p:ext uri="{BB962C8B-B14F-4D97-AF65-F5344CB8AC3E}">
@@ -2977,7 +2950,7 @@
           <p:cNvPr id="2" name="Title 1">
             <a:extLst>
               <a:ext uri="{FF2B5EF4-FFF2-40B4-BE49-F238E27FC236}">
-                <a16:creationId xmlns:a16="http://schemas.microsoft.com/office/drawing/2014/main" id="{435F6CF7-80CB-4A82-B93D-D246B3148E28}"/>
+                <a16:creationId xmlns:a16="http://schemas.microsoft.com/office/drawing/2014/main" id="{9315239D-16AE-446D-A562-ABBC08C33E1F}"/>
               </a:ext>
             </a:extLst>
           </p:cNvPr>
@@ -2990,25 +2963,284 @@
         </p:nvSpPr>
         <p:spPr/>
         <p:txBody>
-          <a:bodyPr>
-            <a:normAutofit/>
-          </a:bodyPr>
+          <a:bodyPr/>
           <a:lstStyle/>
           <a:p>
             <a:r>
-              <a:rPr lang="cs-CZ" dirty="0"/>
-              <a:t>Výsledky</a:t>
+              <a:rPr lang="cs-CZ" sz="4400" dirty="0"/>
+              <a:t>Paralelizace optimalizace</a:t>
             </a:r>
             <a:endParaRPr lang="en-US" dirty="0"/>
           </a:p>
         </p:txBody>
       </p:sp>
+      <p:pic>
+        <p:nvPicPr>
+          <p:cNvPr id="5" name="Picture 4">
+            <a:extLst>
+              <a:ext uri="{FF2B5EF4-FFF2-40B4-BE49-F238E27FC236}">
+                <a16:creationId xmlns:a16="http://schemas.microsoft.com/office/drawing/2014/main" id="{EE85FA51-4E5F-4AA0-95C5-1B80B532E0F4}"/>
+              </a:ext>
+            </a:extLst>
+          </p:cNvPr>
+          <p:cNvPicPr>
+            <a:picLocks noChangeAspect="1"/>
+          </p:cNvPicPr>
+          <p:nvPr/>
+        </p:nvPicPr>
+        <p:blipFill>
+          <a:blip r:embed="rId2"/>
+          <a:stretch>
+            <a:fillRect/>
+          </a:stretch>
+        </p:blipFill>
+        <p:spPr>
+          <a:xfrm>
+            <a:off x="1528415" y="1700808"/>
+            <a:ext cx="6087170" cy="4121184"/>
+          </a:xfrm>
+          <a:prstGeom prst="rect">
+            <a:avLst/>
+          </a:prstGeom>
+        </p:spPr>
+      </p:pic>
       <p:sp>
         <p:nvSpPr>
-          <p:cNvPr id="9" name="Content Placeholder 8">
+          <p:cNvPr id="6" name="Text Placeholder 6">
             <a:extLst>
               <a:ext uri="{FF2B5EF4-FFF2-40B4-BE49-F238E27FC236}">
-                <a16:creationId xmlns:a16="http://schemas.microsoft.com/office/drawing/2014/main" id="{5B8FC0EF-8357-4310-BE76-7736BE28C3A7}"/>
+                <a16:creationId xmlns:a16="http://schemas.microsoft.com/office/drawing/2014/main" id="{1361D86C-D3B7-4783-B9CC-E98A4B5510C3}"/>
+              </a:ext>
+            </a:extLst>
+          </p:cNvPr>
+          <p:cNvSpPr txBox="1">
+            <a:spLocks/>
+          </p:cNvSpPr>
+          <p:nvPr/>
+        </p:nvSpPr>
+        <p:spPr>
+          <a:xfrm>
+            <a:off x="8388424" y="6450130"/>
+            <a:ext cx="863575" cy="431800"/>
+          </a:xfrm>
+          <a:prstGeom prst="rect">
+            <a:avLst/>
+          </a:prstGeom>
+        </p:spPr>
+        <p:txBody>
+          <a:bodyPr/>
+          <a:lstStyle>
+            <a:lvl1pPr marL="342900" indent="-342900" algn="l" defTabSz="914400" rtl="0" eaLnBrk="1" latinLnBrk="0" hangingPunct="1">
+              <a:spcBef>
+                <a:spcPct val="20000"/>
+              </a:spcBef>
+              <a:buFont typeface="Arial" panose="020B0604020202020204" pitchFamily="34" charset="0"/>
+              <a:buChar char="•"/>
+              <a:defRPr sz="3200" kern="1200">
+                <a:solidFill>
+                  <a:schemeClr val="tx1"/>
+                </a:solidFill>
+                <a:latin typeface="+mn-lt"/>
+                <a:ea typeface="+mn-ea"/>
+                <a:cs typeface="+mn-cs"/>
+              </a:defRPr>
+            </a:lvl1pPr>
+            <a:lvl2pPr marL="742950" indent="-285750" algn="l" defTabSz="914400" rtl="0" eaLnBrk="1" latinLnBrk="0" hangingPunct="1">
+              <a:spcBef>
+                <a:spcPct val="20000"/>
+              </a:spcBef>
+              <a:buFont typeface="Arial" panose="020B0604020202020204" pitchFamily="34" charset="0"/>
+              <a:buChar char="–"/>
+              <a:defRPr sz="2800" kern="1200">
+                <a:solidFill>
+                  <a:schemeClr val="tx1"/>
+                </a:solidFill>
+                <a:latin typeface="+mn-lt"/>
+                <a:ea typeface="+mn-ea"/>
+                <a:cs typeface="+mn-cs"/>
+              </a:defRPr>
+            </a:lvl2pPr>
+            <a:lvl3pPr marL="1143000" indent="-228600" algn="l" defTabSz="914400" rtl="0" eaLnBrk="1" latinLnBrk="0" hangingPunct="1">
+              <a:spcBef>
+                <a:spcPct val="20000"/>
+              </a:spcBef>
+              <a:buFont typeface="Arial" panose="020B0604020202020204" pitchFamily="34" charset="0"/>
+              <a:buChar char="•"/>
+              <a:defRPr sz="2400" kern="1200">
+                <a:solidFill>
+                  <a:schemeClr val="tx1"/>
+                </a:solidFill>
+                <a:latin typeface="+mn-lt"/>
+                <a:ea typeface="+mn-ea"/>
+                <a:cs typeface="+mn-cs"/>
+              </a:defRPr>
+            </a:lvl3pPr>
+            <a:lvl4pPr marL="1600200" indent="-228600" algn="l" defTabSz="914400" rtl="0" eaLnBrk="1" latinLnBrk="0" hangingPunct="1">
+              <a:spcBef>
+                <a:spcPct val="20000"/>
+              </a:spcBef>
+              <a:buFont typeface="Arial" panose="020B0604020202020204" pitchFamily="34" charset="0"/>
+              <a:buChar char="–"/>
+              <a:defRPr sz="2000" kern="1200">
+                <a:solidFill>
+                  <a:schemeClr val="tx1"/>
+                </a:solidFill>
+                <a:latin typeface="+mn-lt"/>
+                <a:ea typeface="+mn-ea"/>
+                <a:cs typeface="+mn-cs"/>
+              </a:defRPr>
+            </a:lvl4pPr>
+            <a:lvl5pPr marL="2057400" indent="-228600" algn="l" defTabSz="914400" rtl="0" eaLnBrk="1" latinLnBrk="0" hangingPunct="1">
+              <a:spcBef>
+                <a:spcPct val="20000"/>
+              </a:spcBef>
+              <a:buFont typeface="Arial" panose="020B0604020202020204" pitchFamily="34" charset="0"/>
+              <a:buChar char="»"/>
+              <a:defRPr sz="2000" kern="1200">
+                <a:solidFill>
+                  <a:schemeClr val="tx1"/>
+                </a:solidFill>
+                <a:latin typeface="+mn-lt"/>
+                <a:ea typeface="+mn-ea"/>
+                <a:cs typeface="+mn-cs"/>
+              </a:defRPr>
+            </a:lvl5pPr>
+            <a:lvl6pPr marL="2514600" indent="-228600" algn="l" defTabSz="914400" rtl="0" eaLnBrk="1" latinLnBrk="0" hangingPunct="1">
+              <a:spcBef>
+                <a:spcPct val="20000"/>
+              </a:spcBef>
+              <a:buFont typeface="Arial" panose="020B0604020202020204" pitchFamily="34" charset="0"/>
+              <a:buChar char="•"/>
+              <a:defRPr sz="2000" kern="1200">
+                <a:solidFill>
+                  <a:schemeClr val="tx1"/>
+                </a:solidFill>
+                <a:latin typeface="+mn-lt"/>
+                <a:ea typeface="+mn-ea"/>
+                <a:cs typeface="+mn-cs"/>
+              </a:defRPr>
+            </a:lvl6pPr>
+            <a:lvl7pPr marL="2971800" indent="-228600" algn="l" defTabSz="914400" rtl="0" eaLnBrk="1" latinLnBrk="0" hangingPunct="1">
+              <a:spcBef>
+                <a:spcPct val="20000"/>
+              </a:spcBef>
+              <a:buFont typeface="Arial" panose="020B0604020202020204" pitchFamily="34" charset="0"/>
+              <a:buChar char="•"/>
+              <a:defRPr sz="2000" kern="1200">
+                <a:solidFill>
+                  <a:schemeClr val="tx1"/>
+                </a:solidFill>
+                <a:latin typeface="+mn-lt"/>
+                <a:ea typeface="+mn-ea"/>
+                <a:cs typeface="+mn-cs"/>
+              </a:defRPr>
+            </a:lvl7pPr>
+            <a:lvl8pPr marL="3429000" indent="-228600" algn="l" defTabSz="914400" rtl="0" eaLnBrk="1" latinLnBrk="0" hangingPunct="1">
+              <a:spcBef>
+                <a:spcPct val="20000"/>
+              </a:spcBef>
+              <a:buFont typeface="Arial" panose="020B0604020202020204" pitchFamily="34" charset="0"/>
+              <a:buChar char="•"/>
+              <a:defRPr sz="2000" kern="1200">
+                <a:solidFill>
+                  <a:schemeClr val="tx1"/>
+                </a:solidFill>
+                <a:latin typeface="+mn-lt"/>
+                <a:ea typeface="+mn-ea"/>
+                <a:cs typeface="+mn-cs"/>
+              </a:defRPr>
+            </a:lvl8pPr>
+            <a:lvl9pPr marL="3886200" indent="-228600" algn="l" defTabSz="914400" rtl="0" eaLnBrk="1" latinLnBrk="0" hangingPunct="1">
+              <a:spcBef>
+                <a:spcPct val="20000"/>
+              </a:spcBef>
+              <a:buFont typeface="Arial" panose="020B0604020202020204" pitchFamily="34" charset="0"/>
+              <a:buChar char="•"/>
+              <a:defRPr sz="2000" kern="1200">
+                <a:solidFill>
+                  <a:schemeClr val="tx1"/>
+                </a:solidFill>
+                <a:latin typeface="+mn-lt"/>
+                <a:ea typeface="+mn-ea"/>
+                <a:cs typeface="+mn-cs"/>
+              </a:defRPr>
+            </a:lvl9pPr>
+          </a:lstStyle>
+          <a:p>
+            <a:pPr marL="0" indent="0">
+              <a:buNone/>
+            </a:pPr>
+            <a:r>
+              <a:rPr lang="cs-CZ" sz="1600" dirty="0">
+                <a:solidFill>
+                  <a:schemeClr val="bg1"/>
+                </a:solidFill>
+              </a:rPr>
+              <a:t>1</a:t>
+            </a:r>
+            <a:r>
+              <a:rPr lang="en-US" sz="1600" dirty="0">
+                <a:solidFill>
+                  <a:schemeClr val="bg1"/>
+                </a:solidFill>
+              </a:rPr>
+              <a:t>1</a:t>
+            </a:r>
+            <a:r>
+              <a:rPr lang="cs-CZ" sz="1600" dirty="0">
+                <a:solidFill>
+                  <a:schemeClr val="bg1"/>
+                </a:solidFill>
+              </a:rPr>
+              <a:t>/</a:t>
+            </a:r>
+            <a:r>
+              <a:rPr lang="en-US" sz="1600" dirty="0">
+                <a:solidFill>
+                  <a:schemeClr val="bg1"/>
+                </a:solidFill>
+              </a:rPr>
+              <a:t>16</a:t>
+            </a:r>
+          </a:p>
+        </p:txBody>
+      </p:sp>
+    </p:spTree>
+    <p:extLst>
+      <p:ext uri="{BB962C8B-B14F-4D97-AF65-F5344CB8AC3E}">
+        <p14:creationId xmlns:p14="http://schemas.microsoft.com/office/powerpoint/2010/main" val="642386417"/>
+      </p:ext>
+    </p:extLst>
+  </p:cSld>
+  <p:clrMapOvr>
+    <a:masterClrMapping/>
+  </p:clrMapOvr>
+</p:sld>
+</file>
+
+<file path=ppt/slides/slide13.xml><?xml version="1.0" encoding="utf-8"?>
+<p:sld xmlns:a="http://schemas.openxmlformats.org/drawingml/2006/main" xmlns:r="http://schemas.openxmlformats.org/officeDocument/2006/relationships" xmlns:p="http://schemas.openxmlformats.org/presentationml/2006/main">
+  <p:cSld>
+    <p:spTree>
+      <p:nvGrpSpPr>
+        <p:cNvPr id="1" name=""/>
+        <p:cNvGrpSpPr/>
+        <p:nvPr/>
+      </p:nvGrpSpPr>
+      <p:grpSpPr>
+        <a:xfrm>
+          <a:off x="0" y="0"/>
+          <a:ext cx="0" cy="0"/>
+          <a:chOff x="0" y="0"/>
+          <a:chExt cx="0" cy="0"/>
+        </a:xfrm>
+      </p:grpSpPr>
+      <p:sp>
+        <p:nvSpPr>
+          <p:cNvPr id="2" name="Title 1">
+            <a:extLst>
+              <a:ext uri="{FF2B5EF4-FFF2-40B4-BE49-F238E27FC236}">
+                <a16:creationId xmlns:a16="http://schemas.microsoft.com/office/drawing/2014/main" id="{062E139D-1A13-4F77-8DE1-7264D195D3F5}"/>
               </a:ext>
             </a:extLst>
           </p:cNvPr>
@@ -3016,88 +3248,599 @@
             <a:spLocks noGrp="1"/>
           </p:cNvSpPr>
           <p:nvPr>
-            <p:ph sz="half" idx="2"/>
+            <p:ph type="title"/>
+          </p:nvPr>
+        </p:nvSpPr>
+        <p:spPr/>
+        <p:txBody>
+          <a:bodyPr/>
+          <a:lstStyle/>
+          <a:p>
+            <a:r>
+              <a:rPr lang="cs-CZ" sz="4400" dirty="0"/>
+              <a:t>Pathfinder</a:t>
+            </a:r>
+            <a:endParaRPr lang="en-US" dirty="0"/>
+          </a:p>
+        </p:txBody>
+      </p:sp>
+      <p:sp>
+        <p:nvSpPr>
+          <p:cNvPr id="3" name="Text Placeholder 2">
+            <a:extLst>
+              <a:ext uri="{FF2B5EF4-FFF2-40B4-BE49-F238E27FC236}">
+                <a16:creationId xmlns:a16="http://schemas.microsoft.com/office/drawing/2014/main" id="{93783A6F-8757-43DB-AFDA-51E1F4D2FD0F}"/>
+              </a:ext>
+            </a:extLst>
+          </p:cNvPr>
+          <p:cNvSpPr>
+            <a:spLocks noGrp="1"/>
+          </p:cNvSpPr>
+          <p:nvPr>
+            <p:ph type="body" sz="quarter" idx="10"/>
           </p:nvPr>
         </p:nvSpPr>
         <p:spPr>
           <a:xfrm>
-            <a:off x="193567" y="1695810"/>
-            <a:ext cx="2578233" cy="3951288"/>
+            <a:off x="468313" y="1628775"/>
+            <a:ext cx="8218487" cy="4679950"/>
           </a:xfrm>
         </p:spPr>
         <p:txBody>
           <a:bodyPr/>
           <a:lstStyle/>
           <a:p>
+            <a:pPr marL="342900" indent="-342900">
+              <a:buFont typeface="Arial" panose="020B0604020202020204" pitchFamily="34" charset="0"/>
+              <a:buChar char="•"/>
+            </a:pPr>
+            <a:r>
+              <a:rPr lang="en-US" sz="2000" dirty="0" err="1"/>
+              <a:t>Nalezení</a:t>
+            </a:r>
+            <a:r>
+              <a:rPr lang="en-US" sz="2000" dirty="0"/>
+              <a:t> </a:t>
+            </a:r>
+            <a:r>
+              <a:rPr lang="en-US" sz="2000" dirty="0" err="1"/>
+              <a:t>optimální</a:t>
+            </a:r>
+            <a:r>
+              <a:rPr lang="en-US" sz="2000" dirty="0"/>
+              <a:t> </a:t>
+            </a:r>
+            <a:r>
+              <a:rPr lang="en-US" sz="2000" dirty="0" err="1"/>
+              <a:t>cesty</a:t>
+            </a:r>
+            <a:r>
+              <a:rPr lang="en-US" sz="2000" dirty="0"/>
+              <a:t> </a:t>
+            </a:r>
+            <a:r>
+              <a:rPr lang="en-US" sz="2000" dirty="0" err="1"/>
+              <a:t>objednávky</a:t>
+            </a:r>
+            <a:r>
+              <a:rPr lang="en-US" sz="2000" dirty="0"/>
+              <a:t> </a:t>
+            </a:r>
+            <a:r>
+              <a:rPr lang="en-US" sz="2000" dirty="0" err="1"/>
+              <a:t>skrze</a:t>
+            </a:r>
+            <a:r>
+              <a:rPr lang="en-US" sz="2000" dirty="0"/>
+              <a:t> </a:t>
+            </a:r>
+            <a:r>
+              <a:rPr lang="en-US" sz="2000" dirty="0" err="1"/>
+              <a:t>sklad</a:t>
+            </a:r>
+            <a:endParaRPr lang="cs-CZ" sz="2000" dirty="0"/>
+          </a:p>
+          <a:p>
+            <a:pPr marL="342900" indent="-342900">
+              <a:buFont typeface="Arial" panose="020B0604020202020204" pitchFamily="34" charset="0"/>
+              <a:buChar char="•"/>
+            </a:pPr>
+            <a:endParaRPr lang="en-US" sz="2000" dirty="0"/>
+          </a:p>
+          <a:p>
+            <a:pPr marL="342900" indent="-342900">
+              <a:buFont typeface="Arial" panose="020B0604020202020204" pitchFamily="34" charset="0"/>
+              <a:buChar char="•"/>
+            </a:pPr>
+            <a:r>
+              <a:rPr lang="en-US" sz="2000" dirty="0" err="1"/>
+              <a:t>Implementace</a:t>
+            </a:r>
+            <a:r>
+              <a:rPr lang="en-US" sz="2000" dirty="0"/>
+              <a:t> </a:t>
+            </a:r>
+            <a:r>
+              <a:rPr lang="en-US" sz="2000" dirty="0" err="1"/>
+              <a:t>pomoc</a:t>
+            </a:r>
+            <a:r>
+              <a:rPr lang="cs-CZ" sz="2000" dirty="0"/>
+              <a:t>í</a:t>
+            </a:r>
+            <a:r>
+              <a:rPr lang="en-US" sz="2000" dirty="0"/>
+              <a:t> </a:t>
+            </a:r>
+            <a:r>
+              <a:rPr lang="en-US" sz="2000" dirty="0" err="1"/>
+              <a:t>evolučního</a:t>
+            </a:r>
+            <a:r>
+              <a:rPr lang="en-US" sz="2000" dirty="0"/>
+              <a:t> </a:t>
+            </a:r>
+            <a:r>
+              <a:rPr lang="en-US" sz="2000" dirty="0" err="1"/>
+              <a:t>algoritmu</a:t>
+            </a:r>
+            <a:r>
+              <a:rPr lang="en-US" sz="2000" dirty="0"/>
+              <a:t> MIN–MAX Ant System</a:t>
+            </a:r>
+          </a:p>
+        </p:txBody>
+      </p:sp>
+      <p:sp>
+        <p:nvSpPr>
+          <p:cNvPr id="5" name="Text Placeholder 6">
+            <a:extLst>
+              <a:ext uri="{FF2B5EF4-FFF2-40B4-BE49-F238E27FC236}">
+                <a16:creationId xmlns:a16="http://schemas.microsoft.com/office/drawing/2014/main" id="{470BB1A7-F94A-42B2-A49A-B0F46178D180}"/>
+              </a:ext>
+            </a:extLst>
+          </p:cNvPr>
+          <p:cNvSpPr txBox="1">
+            <a:spLocks/>
+          </p:cNvSpPr>
+          <p:nvPr/>
+        </p:nvSpPr>
+        <p:spPr>
+          <a:xfrm>
+            <a:off x="8388424" y="6450130"/>
+            <a:ext cx="863575" cy="431800"/>
+          </a:xfrm>
+          <a:prstGeom prst="rect">
+            <a:avLst/>
+          </a:prstGeom>
+        </p:spPr>
+        <p:txBody>
+          <a:bodyPr/>
+          <a:lstStyle>
+            <a:lvl1pPr marL="342900" indent="-342900" algn="l" defTabSz="914400" rtl="0" eaLnBrk="1" latinLnBrk="0" hangingPunct="1">
+              <a:spcBef>
+                <a:spcPct val="20000"/>
+              </a:spcBef>
+              <a:buFont typeface="Arial" panose="020B0604020202020204" pitchFamily="34" charset="0"/>
+              <a:buChar char="•"/>
+              <a:defRPr sz="3200" kern="1200">
+                <a:solidFill>
+                  <a:schemeClr val="tx1"/>
+                </a:solidFill>
+                <a:latin typeface="+mn-lt"/>
+                <a:ea typeface="+mn-ea"/>
+                <a:cs typeface="+mn-cs"/>
+              </a:defRPr>
+            </a:lvl1pPr>
+            <a:lvl2pPr marL="742950" indent="-285750" algn="l" defTabSz="914400" rtl="0" eaLnBrk="1" latinLnBrk="0" hangingPunct="1">
+              <a:spcBef>
+                <a:spcPct val="20000"/>
+              </a:spcBef>
+              <a:buFont typeface="Arial" panose="020B0604020202020204" pitchFamily="34" charset="0"/>
+              <a:buChar char="–"/>
+              <a:defRPr sz="2800" kern="1200">
+                <a:solidFill>
+                  <a:schemeClr val="tx1"/>
+                </a:solidFill>
+                <a:latin typeface="+mn-lt"/>
+                <a:ea typeface="+mn-ea"/>
+                <a:cs typeface="+mn-cs"/>
+              </a:defRPr>
+            </a:lvl2pPr>
+            <a:lvl3pPr marL="1143000" indent="-228600" algn="l" defTabSz="914400" rtl="0" eaLnBrk="1" latinLnBrk="0" hangingPunct="1">
+              <a:spcBef>
+                <a:spcPct val="20000"/>
+              </a:spcBef>
+              <a:buFont typeface="Arial" panose="020B0604020202020204" pitchFamily="34" charset="0"/>
+              <a:buChar char="•"/>
+              <a:defRPr sz="2400" kern="1200">
+                <a:solidFill>
+                  <a:schemeClr val="tx1"/>
+                </a:solidFill>
+                <a:latin typeface="+mn-lt"/>
+                <a:ea typeface="+mn-ea"/>
+                <a:cs typeface="+mn-cs"/>
+              </a:defRPr>
+            </a:lvl3pPr>
+            <a:lvl4pPr marL="1600200" indent="-228600" algn="l" defTabSz="914400" rtl="0" eaLnBrk="1" latinLnBrk="0" hangingPunct="1">
+              <a:spcBef>
+                <a:spcPct val="20000"/>
+              </a:spcBef>
+              <a:buFont typeface="Arial" panose="020B0604020202020204" pitchFamily="34" charset="0"/>
+              <a:buChar char="–"/>
+              <a:defRPr sz="2000" kern="1200">
+                <a:solidFill>
+                  <a:schemeClr val="tx1"/>
+                </a:solidFill>
+                <a:latin typeface="+mn-lt"/>
+                <a:ea typeface="+mn-ea"/>
+                <a:cs typeface="+mn-cs"/>
+              </a:defRPr>
+            </a:lvl4pPr>
+            <a:lvl5pPr marL="2057400" indent="-228600" algn="l" defTabSz="914400" rtl="0" eaLnBrk="1" latinLnBrk="0" hangingPunct="1">
+              <a:spcBef>
+                <a:spcPct val="20000"/>
+              </a:spcBef>
+              <a:buFont typeface="Arial" panose="020B0604020202020204" pitchFamily="34" charset="0"/>
+              <a:buChar char="»"/>
+              <a:defRPr sz="2000" kern="1200">
+                <a:solidFill>
+                  <a:schemeClr val="tx1"/>
+                </a:solidFill>
+                <a:latin typeface="+mn-lt"/>
+                <a:ea typeface="+mn-ea"/>
+                <a:cs typeface="+mn-cs"/>
+              </a:defRPr>
+            </a:lvl5pPr>
+            <a:lvl6pPr marL="2514600" indent="-228600" algn="l" defTabSz="914400" rtl="0" eaLnBrk="1" latinLnBrk="0" hangingPunct="1">
+              <a:spcBef>
+                <a:spcPct val="20000"/>
+              </a:spcBef>
+              <a:buFont typeface="Arial" panose="020B0604020202020204" pitchFamily="34" charset="0"/>
+              <a:buChar char="•"/>
+              <a:defRPr sz="2000" kern="1200">
+                <a:solidFill>
+                  <a:schemeClr val="tx1"/>
+                </a:solidFill>
+                <a:latin typeface="+mn-lt"/>
+                <a:ea typeface="+mn-ea"/>
+                <a:cs typeface="+mn-cs"/>
+              </a:defRPr>
+            </a:lvl6pPr>
+            <a:lvl7pPr marL="2971800" indent="-228600" algn="l" defTabSz="914400" rtl="0" eaLnBrk="1" latinLnBrk="0" hangingPunct="1">
+              <a:spcBef>
+                <a:spcPct val="20000"/>
+              </a:spcBef>
+              <a:buFont typeface="Arial" panose="020B0604020202020204" pitchFamily="34" charset="0"/>
+              <a:buChar char="•"/>
+              <a:defRPr sz="2000" kern="1200">
+                <a:solidFill>
+                  <a:schemeClr val="tx1"/>
+                </a:solidFill>
+                <a:latin typeface="+mn-lt"/>
+                <a:ea typeface="+mn-ea"/>
+                <a:cs typeface="+mn-cs"/>
+              </a:defRPr>
+            </a:lvl7pPr>
+            <a:lvl8pPr marL="3429000" indent="-228600" algn="l" defTabSz="914400" rtl="0" eaLnBrk="1" latinLnBrk="0" hangingPunct="1">
+              <a:spcBef>
+                <a:spcPct val="20000"/>
+              </a:spcBef>
+              <a:buFont typeface="Arial" panose="020B0604020202020204" pitchFamily="34" charset="0"/>
+              <a:buChar char="•"/>
+              <a:defRPr sz="2000" kern="1200">
+                <a:solidFill>
+                  <a:schemeClr val="tx1"/>
+                </a:solidFill>
+                <a:latin typeface="+mn-lt"/>
+                <a:ea typeface="+mn-ea"/>
+                <a:cs typeface="+mn-cs"/>
+              </a:defRPr>
+            </a:lvl8pPr>
+            <a:lvl9pPr marL="3886200" indent="-228600" algn="l" defTabSz="914400" rtl="0" eaLnBrk="1" latinLnBrk="0" hangingPunct="1">
+              <a:spcBef>
+                <a:spcPct val="20000"/>
+              </a:spcBef>
+              <a:buFont typeface="Arial" panose="020B0604020202020204" pitchFamily="34" charset="0"/>
+              <a:buChar char="•"/>
+              <a:defRPr sz="2000" kern="1200">
+                <a:solidFill>
+                  <a:schemeClr val="tx1"/>
+                </a:solidFill>
+                <a:latin typeface="+mn-lt"/>
+                <a:ea typeface="+mn-ea"/>
+                <a:cs typeface="+mn-cs"/>
+              </a:defRPr>
+            </a:lvl9pPr>
+          </a:lstStyle>
+          <a:p>
             <a:pPr marL="0" indent="0">
               <a:buNone/>
             </a:pPr>
             <a:r>
-              <a:rPr lang="en-US" sz="1400" dirty="0" err="1"/>
-              <a:t>Produkt</a:t>
-            </a:r>
-            <a:r>
-              <a:rPr lang="cs-CZ" sz="1400" dirty="0"/>
-              <a:t>ů</a:t>
-            </a:r>
-            <a:r>
-              <a:rPr lang="en-US" sz="1400" dirty="0"/>
-              <a:t> = 150</a:t>
-            </a:r>
-            <a:endParaRPr lang="cs-CZ" sz="1400" dirty="0"/>
-          </a:p>
+              <a:rPr lang="en-US" sz="1600" dirty="0">
+                <a:solidFill>
+                  <a:schemeClr val="bg1"/>
+                </a:solidFill>
+              </a:rPr>
+              <a:t>12</a:t>
+            </a:r>
+            <a:r>
+              <a:rPr lang="cs-CZ" sz="1600" dirty="0">
+                <a:solidFill>
+                  <a:schemeClr val="bg1"/>
+                </a:solidFill>
+              </a:rPr>
+              <a:t>/</a:t>
+            </a:r>
+            <a:r>
+              <a:rPr lang="en-US" sz="1600" dirty="0">
+                <a:solidFill>
+                  <a:schemeClr val="bg1"/>
+                </a:solidFill>
+              </a:rPr>
+              <a:t>16</a:t>
+            </a:r>
+          </a:p>
+        </p:txBody>
+      </p:sp>
+    </p:spTree>
+    <p:extLst>
+      <p:ext uri="{BB962C8B-B14F-4D97-AF65-F5344CB8AC3E}">
+        <p14:creationId xmlns:p14="http://schemas.microsoft.com/office/powerpoint/2010/main" val="4146949779"/>
+      </p:ext>
+    </p:extLst>
+  </p:cSld>
+  <p:clrMapOvr>
+    <a:masterClrMapping/>
+  </p:clrMapOvr>
+</p:sld>
+</file>
+
+<file path=ppt/slides/slide14.xml><?xml version="1.0" encoding="utf-8"?>
+<p:sld xmlns:a="http://schemas.openxmlformats.org/drawingml/2006/main" xmlns:r="http://schemas.openxmlformats.org/officeDocument/2006/relationships" xmlns:p="http://schemas.openxmlformats.org/presentationml/2006/main">
+  <p:cSld>
+    <p:spTree>
+      <p:nvGrpSpPr>
+        <p:cNvPr id="1" name=""/>
+        <p:cNvGrpSpPr/>
+        <p:nvPr/>
+      </p:nvGrpSpPr>
+      <p:grpSpPr>
+        <a:xfrm>
+          <a:off x="0" y="0"/>
+          <a:ext cx="0" cy="0"/>
+          <a:chOff x="0" y="0"/>
+          <a:chExt cx="0" cy="0"/>
+        </a:xfrm>
+      </p:grpSpPr>
+      <p:sp>
+        <p:nvSpPr>
+          <p:cNvPr id="2" name="Title 1">
+            <a:extLst>
+              <a:ext uri="{FF2B5EF4-FFF2-40B4-BE49-F238E27FC236}">
+                <a16:creationId xmlns:a16="http://schemas.microsoft.com/office/drawing/2014/main" id="{39710645-56C7-4C77-929E-B9F6D3D1C171}"/>
+              </a:ext>
+            </a:extLst>
+          </p:cNvPr>
+          <p:cNvSpPr>
+            <a:spLocks noGrp="1"/>
+          </p:cNvSpPr>
+          <p:nvPr>
+            <p:ph type="title"/>
+          </p:nvPr>
+        </p:nvSpPr>
+        <p:spPr/>
+        <p:txBody>
+          <a:bodyPr/>
+          <a:lstStyle/>
+          <a:p>
+            <a:r>
+              <a:rPr lang="en-US" dirty="0"/>
+              <a:t>Pathfinder</a:t>
+            </a:r>
+          </a:p>
+        </p:txBody>
+      </p:sp>
+      <p:sp>
+        <p:nvSpPr>
+          <p:cNvPr id="9" name="Text Placeholder 6">
+            <a:extLst>
+              <a:ext uri="{FF2B5EF4-FFF2-40B4-BE49-F238E27FC236}">
+                <a16:creationId xmlns:a16="http://schemas.microsoft.com/office/drawing/2014/main" id="{1C28ACA7-2A2D-49F9-842D-042C9751876D}"/>
+              </a:ext>
+            </a:extLst>
+          </p:cNvPr>
+          <p:cNvSpPr txBox="1">
+            <a:spLocks/>
+          </p:cNvSpPr>
+          <p:nvPr/>
+        </p:nvSpPr>
+        <p:spPr>
+          <a:xfrm>
+            <a:off x="8388424" y="6450130"/>
+            <a:ext cx="863575" cy="431800"/>
+          </a:xfrm>
+          <a:prstGeom prst="rect">
+            <a:avLst/>
+          </a:prstGeom>
+        </p:spPr>
+        <p:txBody>
+          <a:bodyPr/>
+          <a:lstStyle>
+            <a:lvl1pPr marL="342900" indent="-342900" algn="l" defTabSz="914400" rtl="0" eaLnBrk="1" latinLnBrk="0" hangingPunct="1">
+              <a:spcBef>
+                <a:spcPct val="20000"/>
+              </a:spcBef>
+              <a:buFont typeface="Arial" panose="020B0604020202020204" pitchFamily="34" charset="0"/>
+              <a:buChar char="•"/>
+              <a:defRPr sz="3200" kern="1200">
+                <a:solidFill>
+                  <a:schemeClr val="tx1"/>
+                </a:solidFill>
+                <a:latin typeface="+mn-lt"/>
+                <a:ea typeface="+mn-ea"/>
+                <a:cs typeface="+mn-cs"/>
+              </a:defRPr>
+            </a:lvl1pPr>
+            <a:lvl2pPr marL="742950" indent="-285750" algn="l" defTabSz="914400" rtl="0" eaLnBrk="1" latinLnBrk="0" hangingPunct="1">
+              <a:spcBef>
+                <a:spcPct val="20000"/>
+              </a:spcBef>
+              <a:buFont typeface="Arial" panose="020B0604020202020204" pitchFamily="34" charset="0"/>
+              <a:buChar char="–"/>
+              <a:defRPr sz="2800" kern="1200">
+                <a:solidFill>
+                  <a:schemeClr val="tx1"/>
+                </a:solidFill>
+                <a:latin typeface="+mn-lt"/>
+                <a:ea typeface="+mn-ea"/>
+                <a:cs typeface="+mn-cs"/>
+              </a:defRPr>
+            </a:lvl2pPr>
+            <a:lvl3pPr marL="1143000" indent="-228600" algn="l" defTabSz="914400" rtl="0" eaLnBrk="1" latinLnBrk="0" hangingPunct="1">
+              <a:spcBef>
+                <a:spcPct val="20000"/>
+              </a:spcBef>
+              <a:buFont typeface="Arial" panose="020B0604020202020204" pitchFamily="34" charset="0"/>
+              <a:buChar char="•"/>
+              <a:defRPr sz="2400" kern="1200">
+                <a:solidFill>
+                  <a:schemeClr val="tx1"/>
+                </a:solidFill>
+                <a:latin typeface="+mn-lt"/>
+                <a:ea typeface="+mn-ea"/>
+                <a:cs typeface="+mn-cs"/>
+              </a:defRPr>
+            </a:lvl3pPr>
+            <a:lvl4pPr marL="1600200" indent="-228600" algn="l" defTabSz="914400" rtl="0" eaLnBrk="1" latinLnBrk="0" hangingPunct="1">
+              <a:spcBef>
+                <a:spcPct val="20000"/>
+              </a:spcBef>
+              <a:buFont typeface="Arial" panose="020B0604020202020204" pitchFamily="34" charset="0"/>
+              <a:buChar char="–"/>
+              <a:defRPr sz="2000" kern="1200">
+                <a:solidFill>
+                  <a:schemeClr val="tx1"/>
+                </a:solidFill>
+                <a:latin typeface="+mn-lt"/>
+                <a:ea typeface="+mn-ea"/>
+                <a:cs typeface="+mn-cs"/>
+              </a:defRPr>
+            </a:lvl4pPr>
+            <a:lvl5pPr marL="2057400" indent="-228600" algn="l" defTabSz="914400" rtl="0" eaLnBrk="1" latinLnBrk="0" hangingPunct="1">
+              <a:spcBef>
+                <a:spcPct val="20000"/>
+              </a:spcBef>
+              <a:buFont typeface="Arial" panose="020B0604020202020204" pitchFamily="34" charset="0"/>
+              <a:buChar char="»"/>
+              <a:defRPr sz="2000" kern="1200">
+                <a:solidFill>
+                  <a:schemeClr val="tx1"/>
+                </a:solidFill>
+                <a:latin typeface="+mn-lt"/>
+                <a:ea typeface="+mn-ea"/>
+                <a:cs typeface="+mn-cs"/>
+              </a:defRPr>
+            </a:lvl5pPr>
+            <a:lvl6pPr marL="2514600" indent="-228600" algn="l" defTabSz="914400" rtl="0" eaLnBrk="1" latinLnBrk="0" hangingPunct="1">
+              <a:spcBef>
+                <a:spcPct val="20000"/>
+              </a:spcBef>
+              <a:buFont typeface="Arial" panose="020B0604020202020204" pitchFamily="34" charset="0"/>
+              <a:buChar char="•"/>
+              <a:defRPr sz="2000" kern="1200">
+                <a:solidFill>
+                  <a:schemeClr val="tx1"/>
+                </a:solidFill>
+                <a:latin typeface="+mn-lt"/>
+                <a:ea typeface="+mn-ea"/>
+                <a:cs typeface="+mn-cs"/>
+              </a:defRPr>
+            </a:lvl6pPr>
+            <a:lvl7pPr marL="2971800" indent="-228600" algn="l" defTabSz="914400" rtl="0" eaLnBrk="1" latinLnBrk="0" hangingPunct="1">
+              <a:spcBef>
+                <a:spcPct val="20000"/>
+              </a:spcBef>
+              <a:buFont typeface="Arial" panose="020B0604020202020204" pitchFamily="34" charset="0"/>
+              <a:buChar char="•"/>
+              <a:defRPr sz="2000" kern="1200">
+                <a:solidFill>
+                  <a:schemeClr val="tx1"/>
+                </a:solidFill>
+                <a:latin typeface="+mn-lt"/>
+                <a:ea typeface="+mn-ea"/>
+                <a:cs typeface="+mn-cs"/>
+              </a:defRPr>
+            </a:lvl7pPr>
+            <a:lvl8pPr marL="3429000" indent="-228600" algn="l" defTabSz="914400" rtl="0" eaLnBrk="1" latinLnBrk="0" hangingPunct="1">
+              <a:spcBef>
+                <a:spcPct val="20000"/>
+              </a:spcBef>
+              <a:buFont typeface="Arial" panose="020B0604020202020204" pitchFamily="34" charset="0"/>
+              <a:buChar char="•"/>
+              <a:defRPr sz="2000" kern="1200">
+                <a:solidFill>
+                  <a:schemeClr val="tx1"/>
+                </a:solidFill>
+                <a:latin typeface="+mn-lt"/>
+                <a:ea typeface="+mn-ea"/>
+                <a:cs typeface="+mn-cs"/>
+              </a:defRPr>
+            </a:lvl8pPr>
+            <a:lvl9pPr marL="3886200" indent="-228600" algn="l" defTabSz="914400" rtl="0" eaLnBrk="1" latinLnBrk="0" hangingPunct="1">
+              <a:spcBef>
+                <a:spcPct val="20000"/>
+              </a:spcBef>
+              <a:buFont typeface="Arial" panose="020B0604020202020204" pitchFamily="34" charset="0"/>
+              <a:buChar char="•"/>
+              <a:defRPr sz="2000" kern="1200">
+                <a:solidFill>
+                  <a:schemeClr val="tx1"/>
+                </a:solidFill>
+                <a:latin typeface="+mn-lt"/>
+                <a:ea typeface="+mn-ea"/>
+                <a:cs typeface="+mn-cs"/>
+              </a:defRPr>
+            </a:lvl9pPr>
+          </a:lstStyle>
           <a:p>
             <a:pPr marL="0" indent="0">
               <a:buNone/>
             </a:pPr>
             <a:r>
-              <a:rPr lang="cs-CZ" sz="1400" dirty="0"/>
-              <a:t>Úložných prostor </a:t>
-            </a:r>
-            <a:r>
-              <a:rPr lang="en-US" sz="1400" dirty="0"/>
-              <a:t>=</a:t>
-            </a:r>
-            <a:r>
-              <a:rPr lang="cs-CZ" sz="1400" dirty="0"/>
-              <a:t> 200</a:t>
-            </a:r>
-          </a:p>
-          <a:p>
-            <a:pPr marL="0" indent="0">
-              <a:buNone/>
-            </a:pPr>
-            <a:endParaRPr lang="cs-CZ" sz="1400" dirty="0"/>
-          </a:p>
-          <a:p>
-            <a:pPr marL="0" indent="0">
-              <a:buNone/>
-            </a:pPr>
-            <a:r>
-              <a:rPr lang="cs-CZ" sz="1400" dirty="0"/>
-              <a:t>V(150,200) </a:t>
-            </a:r>
-            <a:r>
-              <a:rPr lang="en-US" sz="1400" dirty="0"/>
-              <a:t>=</a:t>
-            </a:r>
-            <a:r>
-              <a:rPr lang="cs-CZ" sz="1400" dirty="0"/>
-              <a:t> </a:t>
-            </a:r>
-            <a:r>
-              <a:rPr lang="en-US" sz="1400" dirty="0"/>
-              <a:t>2.593067e+310</a:t>
+              <a:rPr lang="en-US" sz="1600" dirty="0">
+                <a:solidFill>
+                  <a:schemeClr val="bg1"/>
+                </a:solidFill>
+              </a:rPr>
+              <a:t>13</a:t>
+            </a:r>
+            <a:r>
+              <a:rPr lang="cs-CZ" sz="1600" dirty="0">
+                <a:solidFill>
+                  <a:schemeClr val="bg1"/>
+                </a:solidFill>
+              </a:rPr>
+              <a:t>/</a:t>
+            </a:r>
+            <a:r>
+              <a:rPr lang="en-US" sz="1600" dirty="0">
+                <a:solidFill>
+                  <a:schemeClr val="bg1"/>
+                </a:solidFill>
+              </a:rPr>
+              <a:t>16</a:t>
             </a:r>
           </a:p>
         </p:txBody>
       </p:sp>
       <p:pic>
         <p:nvPicPr>
-          <p:cNvPr id="6" name="Picture 5" descr="Chart, line chart&#10;&#10;Description automatically generated">
+          <p:cNvPr id="6" name="Picture 5" descr="A picture containing text, scoreboard&#10;&#10;Description automatically generated">
             <a:extLst>
               <a:ext uri="{FF2B5EF4-FFF2-40B4-BE49-F238E27FC236}">
-                <a16:creationId xmlns:a16="http://schemas.microsoft.com/office/drawing/2014/main" id="{63F3A839-B19E-4C3D-BA2C-D8918FBD43FC}"/>
+                <a16:creationId xmlns:a16="http://schemas.microsoft.com/office/drawing/2014/main" id="{00535981-BE2F-4CD2-96D3-EF218B0FB4F0}"/>
               </a:ext>
             </a:extLst>
           </p:cNvPr>
@@ -3120,15 +3863,135 @@
         </p:blipFill>
         <p:spPr>
           <a:xfrm>
-            <a:off x="2915816" y="1695810"/>
-            <a:ext cx="6034617" cy="4525963"/>
+            <a:off x="0" y="1414922"/>
+            <a:ext cx="9144000" cy="4838700"/>
           </a:xfrm>
           <a:prstGeom prst="rect">
             <a:avLst/>
           </a:prstGeom>
-          <a:noFill/>
         </p:spPr>
       </p:pic>
+    </p:spTree>
+    <p:extLst>
+      <p:ext uri="{BB962C8B-B14F-4D97-AF65-F5344CB8AC3E}">
+        <p14:creationId xmlns:p14="http://schemas.microsoft.com/office/powerpoint/2010/main" val="2149825508"/>
+      </p:ext>
+    </p:extLst>
+  </p:cSld>
+  <p:clrMapOvr>
+    <a:masterClrMapping/>
+  </p:clrMapOvr>
+</p:sld>
+</file>
+
+<file path=ppt/slides/slide15.xml><?xml version="1.0" encoding="utf-8"?>
+<p:sld xmlns:a="http://schemas.openxmlformats.org/drawingml/2006/main" xmlns:r="http://schemas.openxmlformats.org/officeDocument/2006/relationships" xmlns:p="http://schemas.openxmlformats.org/presentationml/2006/main">
+  <p:cSld>
+    <p:spTree>
+      <p:nvGrpSpPr>
+        <p:cNvPr id="1" name=""/>
+        <p:cNvGrpSpPr/>
+        <p:nvPr/>
+      </p:nvGrpSpPr>
+      <p:grpSpPr>
+        <a:xfrm>
+          <a:off x="0" y="0"/>
+          <a:ext cx="0" cy="0"/>
+          <a:chOff x="0" y="0"/>
+          <a:chExt cx="0" cy="0"/>
+        </a:xfrm>
+      </p:grpSpPr>
+      <p:sp>
+        <p:nvSpPr>
+          <p:cNvPr id="2" name="Title 1">
+            <a:extLst>
+              <a:ext uri="{FF2B5EF4-FFF2-40B4-BE49-F238E27FC236}">
+                <a16:creationId xmlns:a16="http://schemas.microsoft.com/office/drawing/2014/main" id="{435F6CF7-80CB-4A82-B93D-D246B3148E28}"/>
+              </a:ext>
+            </a:extLst>
+          </p:cNvPr>
+          <p:cNvSpPr>
+            <a:spLocks noGrp="1"/>
+          </p:cNvSpPr>
+          <p:nvPr>
+            <p:ph type="title"/>
+          </p:nvPr>
+        </p:nvSpPr>
+        <p:spPr/>
+        <p:txBody>
+          <a:bodyPr>
+            <a:noAutofit/>
+          </a:bodyPr>
+          <a:lstStyle/>
+          <a:p>
+            <a:r>
+              <a:rPr lang="cs-CZ" sz="3600" dirty="0"/>
+              <a:t>Výsledky (optimalizace rozložení produktů)</a:t>
+            </a:r>
+            <a:endParaRPr lang="en-US" sz="3600" dirty="0"/>
+          </a:p>
+        </p:txBody>
+      </p:sp>
+      <p:sp>
+        <p:nvSpPr>
+          <p:cNvPr id="9" name="Content Placeholder 8">
+            <a:extLst>
+              <a:ext uri="{FF2B5EF4-FFF2-40B4-BE49-F238E27FC236}">
+                <a16:creationId xmlns:a16="http://schemas.microsoft.com/office/drawing/2014/main" id="{5B8FC0EF-8357-4310-BE76-7736BE28C3A7}"/>
+              </a:ext>
+            </a:extLst>
+          </p:cNvPr>
+          <p:cNvSpPr>
+            <a:spLocks noGrp="1"/>
+          </p:cNvSpPr>
+          <p:nvPr>
+            <p:ph sz="half" idx="2"/>
+          </p:nvPr>
+        </p:nvSpPr>
+        <p:spPr>
+          <a:xfrm>
+            <a:off x="193567" y="1695810"/>
+            <a:ext cx="5674577" cy="3951288"/>
+          </a:xfrm>
+        </p:spPr>
+        <p:txBody>
+          <a:bodyPr/>
+          <a:lstStyle/>
+          <a:p>
+            <a:pPr>
+              <a:buFont typeface="Arial" panose="020B0604020202020204" pitchFamily="34" charset="0"/>
+              <a:buChar char="•"/>
+            </a:pPr>
+            <a:r>
+              <a:rPr lang="cs-CZ" sz="1400" dirty="0"/>
+              <a:t>Produktů:    150                 V150(200) </a:t>
+            </a:r>
+            <a:r>
+              <a:rPr lang="en-US" sz="1400" dirty="0"/>
+              <a:t>= 2.59</a:t>
+            </a:r>
+            <a:r>
+              <a:rPr lang="cs-CZ" sz="1400" dirty="0"/>
+              <a:t>e+</a:t>
+            </a:r>
+            <a:r>
+              <a:rPr lang="en-US" sz="1400" dirty="0"/>
+              <a:t>310</a:t>
+            </a:r>
+            <a:endParaRPr lang="cs-CZ" sz="1400" dirty="0"/>
+          </a:p>
+          <a:p>
+            <a:pPr>
+              <a:buFont typeface="Arial" panose="020B0604020202020204" pitchFamily="34" charset="0"/>
+              <a:buChar char="•"/>
+            </a:pPr>
+            <a:r>
+              <a:rPr lang="cs-CZ" sz="1400" dirty="0"/>
+              <a:t>Slotů:          200</a:t>
+            </a:r>
+          </a:p>
+        </p:txBody>
+      </p:sp>
       <p:sp>
         <p:nvSpPr>
           <p:cNvPr id="7" name="Text Placeholder 6">
@@ -3301,7 +4164,7 @@
                   <a:schemeClr val="bg1"/>
                 </a:solidFill>
               </a:rPr>
-              <a:t>7</a:t>
+              <a:t>14</a:t>
             </a:r>
             <a:r>
               <a:rPr lang="cs-CZ" sz="1600" dirty="0">
@@ -3317,11 +4180,71 @@
                   <a:schemeClr val="bg1"/>
                 </a:solidFill>
               </a:rPr>
-              <a:t>9</a:t>
+              <a:t>16</a:t>
             </a:r>
           </a:p>
         </p:txBody>
       </p:sp>
+      <p:pic>
+        <p:nvPicPr>
+          <p:cNvPr id="8" name="Picture 7">
+            <a:extLst>
+              <a:ext uri="{FF2B5EF4-FFF2-40B4-BE49-F238E27FC236}">
+                <a16:creationId xmlns:a16="http://schemas.microsoft.com/office/drawing/2014/main" id="{816CEB00-097D-453E-BE27-CF24C67CBA4B}"/>
+              </a:ext>
+            </a:extLst>
+          </p:cNvPr>
+          <p:cNvPicPr>
+            <a:picLocks noChangeAspect="1"/>
+          </p:cNvPicPr>
+          <p:nvPr/>
+        </p:nvPicPr>
+        <p:blipFill>
+          <a:blip r:embed="rId2"/>
+          <a:stretch>
+            <a:fillRect/>
+          </a:stretch>
+        </p:blipFill>
+        <p:spPr>
+          <a:xfrm>
+            <a:off x="151011" y="2989740"/>
+            <a:ext cx="4330404" cy="2935530"/>
+          </a:xfrm>
+          <a:prstGeom prst="rect">
+            <a:avLst/>
+          </a:prstGeom>
+        </p:spPr>
+      </p:pic>
+      <p:pic>
+        <p:nvPicPr>
+          <p:cNvPr id="10" name="Picture 9">
+            <a:extLst>
+              <a:ext uri="{FF2B5EF4-FFF2-40B4-BE49-F238E27FC236}">
+                <a16:creationId xmlns:a16="http://schemas.microsoft.com/office/drawing/2014/main" id="{3A747DE3-67D3-4C99-BF1A-9DBCBBA30D62}"/>
+              </a:ext>
+            </a:extLst>
+          </p:cNvPr>
+          <p:cNvPicPr>
+            <a:picLocks noChangeAspect="1"/>
+          </p:cNvPicPr>
+          <p:nvPr/>
+        </p:nvPicPr>
+        <p:blipFill>
+          <a:blip r:embed="rId3"/>
+          <a:stretch>
+            <a:fillRect/>
+          </a:stretch>
+        </p:blipFill>
+        <p:spPr>
+          <a:xfrm>
+            <a:off x="4620029" y="2988902"/>
+            <a:ext cx="4372960" cy="2936368"/>
+          </a:xfrm>
+          <a:prstGeom prst="rect">
+            <a:avLst/>
+          </a:prstGeom>
+        </p:spPr>
+      </p:pic>
     </p:spTree>
     <p:extLst>
       <p:ext uri="{BB962C8B-B14F-4D97-AF65-F5344CB8AC3E}">
@@ -3335,7 +4258,7 @@
 </p:sld>
 </file>
 
-<file path=ppt/slides/slide13.xml><?xml version="1.0" encoding="utf-8"?>
+<file path=ppt/slides/slide16.xml><?xml version="1.0" encoding="utf-8"?>
 <p:sld xmlns:a="http://schemas.openxmlformats.org/drawingml/2006/main" xmlns:r="http://schemas.openxmlformats.org/officeDocument/2006/relationships" xmlns:p="http://schemas.openxmlformats.org/presentationml/2006/main">
   <p:cSld>
     <p:spTree>
@@ -3374,229 +4297,13 @@
           <a:lstStyle/>
           <a:p>
             <a:r>
-              <a:rPr lang="en-US" dirty="0" err="1"/>
-              <a:t>Experimenty</a:t>
+              <a:rPr lang="cs-CZ" sz="4400" dirty="0"/>
+              <a:t>Výsledky (kombinace optimalizací)</a:t>
             </a:r>
             <a:endParaRPr lang="en-US" dirty="0"/>
           </a:p>
         </p:txBody>
       </p:sp>
-      <p:pic>
-        <p:nvPicPr>
-          <p:cNvPr id="8" name="Picture 7" descr="Chart, line chart&#10;&#10;Description automatically generated">
-            <a:extLst>
-              <a:ext uri="{FF2B5EF4-FFF2-40B4-BE49-F238E27FC236}">
-                <a16:creationId xmlns:a16="http://schemas.microsoft.com/office/drawing/2014/main" id="{BCC198F4-C106-4954-AFBB-2EA9BFCD4BDC}"/>
-              </a:ext>
-            </a:extLst>
-          </p:cNvPr>
-          <p:cNvPicPr>
-            <a:picLocks noChangeAspect="1"/>
-          </p:cNvPicPr>
-          <p:nvPr/>
-        </p:nvPicPr>
-        <p:blipFill>
-          <a:blip r:embed="rId2">
-            <a:extLst>
-              <a:ext uri="{28A0092B-C50C-407E-A947-70E740481C1C}">
-                <a14:useLocalDpi xmlns:a14="http://schemas.microsoft.com/office/drawing/2010/main" val="0"/>
-              </a:ext>
-            </a:extLst>
-          </a:blip>
-          <a:stretch>
-            <a:fillRect/>
-          </a:stretch>
-        </p:blipFill>
-        <p:spPr>
-          <a:xfrm>
-            <a:off x="3085533" y="1404256"/>
-            <a:ext cx="2926086" cy="2194565"/>
-          </a:xfrm>
-          <a:prstGeom prst="rect">
-            <a:avLst/>
-          </a:prstGeom>
-        </p:spPr>
-      </p:pic>
-      <p:pic>
-        <p:nvPicPr>
-          <p:cNvPr id="10" name="Picture 9" descr="Chart, line chart&#10;&#10;Description automatically generated">
-            <a:extLst>
-              <a:ext uri="{FF2B5EF4-FFF2-40B4-BE49-F238E27FC236}">
-                <a16:creationId xmlns:a16="http://schemas.microsoft.com/office/drawing/2014/main" id="{CAEDE647-BFFA-4156-8D3F-035DD699F05B}"/>
-              </a:ext>
-            </a:extLst>
-          </p:cNvPr>
-          <p:cNvPicPr>
-            <a:picLocks noChangeAspect="1"/>
-          </p:cNvPicPr>
-          <p:nvPr/>
-        </p:nvPicPr>
-        <p:blipFill>
-          <a:blip r:embed="rId3">
-            <a:extLst>
-              <a:ext uri="{28A0092B-C50C-407E-A947-70E740481C1C}">
-                <a14:useLocalDpi xmlns:a14="http://schemas.microsoft.com/office/drawing/2010/main" val="0"/>
-              </a:ext>
-            </a:extLst>
-          </a:blip>
-          <a:stretch>
-            <a:fillRect/>
-          </a:stretch>
-        </p:blipFill>
-        <p:spPr>
-          <a:xfrm>
-            <a:off x="61737" y="1409976"/>
-            <a:ext cx="2926087" cy="2194565"/>
-          </a:xfrm>
-          <a:prstGeom prst="rect">
-            <a:avLst/>
-          </a:prstGeom>
-        </p:spPr>
-      </p:pic>
-      <p:pic>
-        <p:nvPicPr>
-          <p:cNvPr id="12" name="Picture 11" descr="Chart, line chart&#10;&#10;Description automatically generated">
-            <a:extLst>
-              <a:ext uri="{FF2B5EF4-FFF2-40B4-BE49-F238E27FC236}">
-                <a16:creationId xmlns:a16="http://schemas.microsoft.com/office/drawing/2014/main" id="{8BCC6B44-4FC6-4EB8-B76E-2A86BEBCCCE8}"/>
-              </a:ext>
-            </a:extLst>
-          </p:cNvPr>
-          <p:cNvPicPr>
-            <a:picLocks noChangeAspect="1"/>
-          </p:cNvPicPr>
-          <p:nvPr/>
-        </p:nvPicPr>
-        <p:blipFill>
-          <a:blip r:embed="rId4">
-            <a:extLst>
-              <a:ext uri="{28A0092B-C50C-407E-A947-70E740481C1C}">
-                <a14:useLocalDpi xmlns:a14="http://schemas.microsoft.com/office/drawing/2010/main" val="0"/>
-              </a:ext>
-            </a:extLst>
-          </a:blip>
-          <a:stretch>
-            <a:fillRect/>
-          </a:stretch>
-        </p:blipFill>
-        <p:spPr>
-          <a:xfrm>
-            <a:off x="6109329" y="1404257"/>
-            <a:ext cx="2926086" cy="2194565"/>
-          </a:xfrm>
-          <a:prstGeom prst="rect">
-            <a:avLst/>
-          </a:prstGeom>
-        </p:spPr>
-      </p:pic>
-      <p:pic>
-        <p:nvPicPr>
-          <p:cNvPr id="14" name="Picture 13" descr="Chart, line chart&#10;&#10;Description automatically generated">
-            <a:extLst>
-              <a:ext uri="{FF2B5EF4-FFF2-40B4-BE49-F238E27FC236}">
-                <a16:creationId xmlns:a16="http://schemas.microsoft.com/office/drawing/2014/main" id="{3C955874-418F-4666-B5F8-533C7713C73D}"/>
-              </a:ext>
-            </a:extLst>
-          </p:cNvPr>
-          <p:cNvPicPr>
-            <a:picLocks noChangeAspect="1"/>
-          </p:cNvPicPr>
-          <p:nvPr/>
-        </p:nvPicPr>
-        <p:blipFill>
-          <a:blip r:embed="rId5">
-            <a:extLst>
-              <a:ext uri="{28A0092B-C50C-407E-A947-70E740481C1C}">
-                <a14:useLocalDpi xmlns:a14="http://schemas.microsoft.com/office/drawing/2010/main" val="0"/>
-              </a:ext>
-            </a:extLst>
-          </a:blip>
-          <a:stretch>
-            <a:fillRect/>
-          </a:stretch>
-        </p:blipFill>
-        <p:spPr>
-          <a:xfrm>
-            <a:off x="61738" y="3789040"/>
-            <a:ext cx="2926086" cy="2194565"/>
-          </a:xfrm>
-          <a:prstGeom prst="rect">
-            <a:avLst/>
-          </a:prstGeom>
-        </p:spPr>
-      </p:pic>
-      <p:pic>
-        <p:nvPicPr>
-          <p:cNvPr id="16" name="Picture 15" descr="Chart, line chart&#10;&#10;Description automatically generated">
-            <a:extLst>
-              <a:ext uri="{FF2B5EF4-FFF2-40B4-BE49-F238E27FC236}">
-                <a16:creationId xmlns:a16="http://schemas.microsoft.com/office/drawing/2014/main" id="{760A9458-1B3B-4FB9-A55C-CC3BD289EE2E}"/>
-              </a:ext>
-            </a:extLst>
-          </p:cNvPr>
-          <p:cNvPicPr>
-            <a:picLocks noChangeAspect="1"/>
-          </p:cNvPicPr>
-          <p:nvPr/>
-        </p:nvPicPr>
-        <p:blipFill>
-          <a:blip r:embed="rId6">
-            <a:extLst>
-              <a:ext uri="{28A0092B-C50C-407E-A947-70E740481C1C}">
-                <a14:useLocalDpi xmlns:a14="http://schemas.microsoft.com/office/drawing/2010/main" val="0"/>
-              </a:ext>
-            </a:extLst>
-          </a:blip>
-          <a:stretch>
-            <a:fillRect/>
-          </a:stretch>
-        </p:blipFill>
-        <p:spPr>
-          <a:xfrm>
-            <a:off x="3085533" y="3788295"/>
-            <a:ext cx="2926087" cy="2194565"/>
-          </a:xfrm>
-          <a:prstGeom prst="rect">
-            <a:avLst/>
-          </a:prstGeom>
-        </p:spPr>
-      </p:pic>
-      <p:pic>
-        <p:nvPicPr>
-          <p:cNvPr id="18" name="Picture 17" descr="Chart, line chart&#10;&#10;Description automatically generated">
-            <a:extLst>
-              <a:ext uri="{FF2B5EF4-FFF2-40B4-BE49-F238E27FC236}">
-                <a16:creationId xmlns:a16="http://schemas.microsoft.com/office/drawing/2014/main" id="{4380C17B-06FD-4D93-973B-7EC86B832825}"/>
-              </a:ext>
-            </a:extLst>
-          </p:cNvPr>
-          <p:cNvPicPr>
-            <a:picLocks noChangeAspect="1"/>
-          </p:cNvPicPr>
-          <p:nvPr/>
-        </p:nvPicPr>
-        <p:blipFill>
-          <a:blip r:embed="rId7">
-            <a:extLst>
-              <a:ext uri="{28A0092B-C50C-407E-A947-70E740481C1C}">
-                <a14:useLocalDpi xmlns:a14="http://schemas.microsoft.com/office/drawing/2010/main" val="0"/>
-              </a:ext>
-            </a:extLst>
-          </a:blip>
-          <a:stretch>
-            <a:fillRect/>
-          </a:stretch>
-        </p:blipFill>
-        <p:spPr>
-          <a:xfrm>
-            <a:off x="6109328" y="3788295"/>
-            <a:ext cx="2926087" cy="2194565"/>
-          </a:xfrm>
-          <a:prstGeom prst="rect">
-            <a:avLst/>
-          </a:prstGeom>
-        </p:spPr>
-      </p:pic>
       <p:sp>
         <p:nvSpPr>
           <p:cNvPr id="19" name="Text Placeholder 6">
@@ -3769,7 +4476,7 @@
                   <a:schemeClr val="bg1"/>
                 </a:solidFill>
               </a:rPr>
-              <a:t>8</a:t>
+              <a:t>15</a:t>
             </a:r>
             <a:r>
               <a:rPr lang="cs-CZ" sz="1600" dirty="0">
@@ -3785,11 +4492,41 @@
                   <a:schemeClr val="bg1"/>
                 </a:solidFill>
               </a:rPr>
-              <a:t>9</a:t>
+              <a:t>16</a:t>
             </a:r>
           </a:p>
         </p:txBody>
       </p:sp>
+      <p:pic>
+        <p:nvPicPr>
+          <p:cNvPr id="11" name="Picture 10">
+            <a:extLst>
+              <a:ext uri="{FF2B5EF4-FFF2-40B4-BE49-F238E27FC236}">
+                <a16:creationId xmlns:a16="http://schemas.microsoft.com/office/drawing/2014/main" id="{22472FC2-9147-4F54-B82F-B8635EF2C8D3}"/>
+              </a:ext>
+            </a:extLst>
+          </p:cNvPr>
+          <p:cNvPicPr>
+            <a:picLocks noChangeAspect="1"/>
+          </p:cNvPicPr>
+          <p:nvPr/>
+        </p:nvPicPr>
+        <p:blipFill>
+          <a:blip r:embed="rId2"/>
+          <a:stretch>
+            <a:fillRect/>
+          </a:stretch>
+        </p:blipFill>
+        <p:spPr>
+          <a:xfrm>
+            <a:off x="2071274" y="2492896"/>
+            <a:ext cx="5001451" cy="3399755"/>
+          </a:xfrm>
+          <a:prstGeom prst="rect">
+            <a:avLst/>
+          </a:prstGeom>
+        </p:spPr>
+      </p:pic>
     </p:spTree>
     <p:extLst>
       <p:ext uri="{BB962C8B-B14F-4D97-AF65-F5344CB8AC3E}">
@@ -3803,7 +4540,7 @@
 </p:sld>
 </file>
 
-<file path=ppt/slides/slide14.xml><?xml version="1.0" encoding="utf-8"?>
+<file path=ppt/slides/slide17.xml><?xml version="1.0" encoding="utf-8"?>
 <p:sld xmlns:a="http://schemas.openxmlformats.org/drawingml/2006/main" xmlns:r="http://schemas.openxmlformats.org/officeDocument/2006/relationships" xmlns:p="http://schemas.openxmlformats.org/presentationml/2006/main">
   <p:cSld>
     <p:spTree>
@@ -3917,7 +4654,17 @@
             </a:pPr>
             <a:r>
               <a:rPr lang="cs-CZ" sz="2000" dirty="0"/>
-              <a:t>Velmi dobré výsledky optimalizace</a:t>
+              <a:t>Velmi dobré výsledky optimalizace propustnosti skladu</a:t>
+            </a:r>
+          </a:p>
+          <a:p>
+            <a:pPr marL="457200" indent="-457200" algn="l">
+              <a:buFont typeface="Arial" panose="020B0604020202020204" pitchFamily="34" charset="0"/>
+              <a:buChar char="•"/>
+            </a:pPr>
+            <a:r>
+              <a:rPr lang="cs-CZ" sz="2000" dirty="0"/>
+              <a:t>Velké množství konfigurovatelných parametrů pro experimentování</a:t>
             </a:r>
           </a:p>
           <a:p>
@@ -3946,6 +4693,18 @@
             <a:endParaRPr lang="cs-CZ" sz="2000" dirty="0"/>
           </a:p>
           <a:p>
+            <a:pPr algn="l"/>
+            <a:endParaRPr lang="cs-CZ" sz="2000" dirty="0"/>
+          </a:p>
+          <a:p>
+            <a:pPr algn="l"/>
+            <a:endParaRPr lang="cs-CZ" sz="2000" dirty="0"/>
+          </a:p>
+          <a:p>
+            <a:pPr algn="l"/>
+            <a:endParaRPr lang="cs-CZ" sz="2000" dirty="0"/>
+          </a:p>
+          <a:p>
             <a:pPr marL="457200" indent="-457200" algn="l">
               <a:buFont typeface="Arial" panose="020B0604020202020204" pitchFamily="34" charset="0"/>
               <a:buChar char="•"/>
@@ -3961,60 +4720,9 @@
               <a:buChar char="•"/>
             </a:pPr>
             <a:r>
-              <a:rPr lang="cs-CZ" sz="2000" dirty="0"/>
-              <a:t>Další experimentování</a:t>
-            </a:r>
-          </a:p>
-          <a:p>
-            <a:pPr marL="1200150" lvl="1" indent="-457200">
-              <a:buFont typeface="Arial" panose="020B0604020202020204" pitchFamily="34" charset="0"/>
-              <a:buChar char="•"/>
-            </a:pPr>
-            <a:r>
-              <a:rPr lang="cs-CZ" sz="2000" dirty="0"/>
-              <a:t>Formalní důkaz SLAP – T</a:t>
-            </a:r>
-            <a:r>
-              <a:rPr lang="en-US" sz="2000" dirty="0"/>
-              <a:t>SP</a:t>
-            </a:r>
-            <a:endParaRPr lang="cs-CZ" sz="2000" dirty="0"/>
-          </a:p>
-          <a:p>
-            <a:pPr marL="1200150" lvl="1" indent="-457200">
-              <a:buFont typeface="Arial" panose="020B0604020202020204" pitchFamily="34" charset="0"/>
-              <a:buChar char="•"/>
-            </a:pPr>
-            <a:r>
-              <a:rPr lang="cs-CZ" sz="2000" dirty="0"/>
+              <a:rPr lang="cs-CZ" sz="1600" dirty="0"/>
               <a:t>Optimalizace layoutu skladu – CGP (Cartesian Genetic Programming)</a:t>
             </a:r>
-            <a:endParaRPr lang="en-US" sz="2000" dirty="0"/>
-          </a:p>
-          <a:p>
-            <a:pPr marL="1200150" lvl="1" indent="-457200">
-              <a:buFont typeface="Arial" panose="020B0604020202020204" pitchFamily="34" charset="0"/>
-              <a:buChar char="•"/>
-            </a:pPr>
-            <a:r>
-              <a:rPr lang="cs-CZ" sz="2000" dirty="0"/>
-              <a:t>Další přístupy - </a:t>
-            </a:r>
-            <a:r>
-              <a:rPr lang="en-US" sz="2000" dirty="0" err="1"/>
-              <a:t>Neuronov</a:t>
-            </a:r>
-            <a:r>
-              <a:rPr lang="cs-CZ" sz="2000" dirty="0"/>
-              <a:t>é sítě</a:t>
-            </a:r>
-          </a:p>
-          <a:p>
-            <a:pPr marL="1200150" lvl="1" indent="-457200">
-              <a:buFont typeface="Arial" panose="020B0604020202020204" pitchFamily="34" charset="0"/>
-              <a:buChar char="•"/>
-            </a:pPr>
-            <a:endParaRPr lang="cs-CZ" sz="2000" dirty="0"/>
           </a:p>
           <a:p>
             <a:pPr algn="l"/>
@@ -4189,18 +4897,13 @@
               <a:buNone/>
             </a:pPr>
             <a:r>
-              <a:rPr lang="en-US" sz="1600">
+              <a:rPr lang="en-US" sz="1600" dirty="0">
                 <a:solidFill>
                   <a:schemeClr val="bg1"/>
                 </a:solidFill>
               </a:rPr>
-              <a:t>9/9</a:t>
-            </a:r>
-            <a:endParaRPr lang="en-US" sz="1600" dirty="0">
-              <a:solidFill>
-                <a:schemeClr val="bg1"/>
-              </a:solidFill>
-            </a:endParaRPr>
+              <a:t>16/16</a:t>
+            </a:r>
           </a:p>
         </p:txBody>
       </p:sp>
@@ -4217,7 +4920,7 @@
 </p:sld>
 </file>
 
-<file path=ppt/slides/slide15.xml><?xml version="1.0" encoding="utf-8"?>
+<file path=ppt/slides/slide18.xml><?xml version="1.0" encoding="utf-8"?>
 <p:sld xmlns:a="http://schemas.openxmlformats.org/drawingml/2006/main" xmlns:r="http://schemas.openxmlformats.org/officeDocument/2006/relationships" xmlns:p="http://schemas.openxmlformats.org/presentationml/2006/main">
   <p:cSld>
     <p:spTree>
@@ -4546,7 +5249,7 @@
                   <a:schemeClr val="bg1"/>
                 </a:solidFill>
               </a:rPr>
-              <a:t>9</a:t>
+              <a:t>16</a:t>
             </a:r>
           </a:p>
         </p:txBody>
@@ -4820,23 +5523,7 @@
                   <a:schemeClr val="bg1"/>
                 </a:solidFill>
               </a:rPr>
-              <a:t>2</a:t>
-            </a:r>
-            <a:r>
-              <a:rPr lang="cs-CZ" sz="1600" dirty="0">
-                <a:solidFill>
-                  <a:schemeClr val="bg1"/>
-                </a:solidFill>
-              </a:rPr>
-              <a:t>/</a:t>
-            </a:r>
-            <a:r>
-              <a:rPr lang="en-US" sz="1600" dirty="0">
-                <a:solidFill>
-                  <a:schemeClr val="bg1"/>
-                </a:solidFill>
-              </a:rPr>
-              <a:t>9</a:t>
+              <a:t>2/16</a:t>
             </a:r>
           </a:p>
         </p:txBody>
@@ -5005,43 +5692,110 @@
           </a:lstStyle>
           <a:p>
             <a:pPr marL="0" indent="0">
+              <a:buFont typeface="Titillium Web Light"/>
               <a:buNone/>
             </a:pPr>
-            <a:endParaRPr lang="en-US" sz="2000" b="1" dirty="0"/>
-          </a:p>
-          <a:p>
             <a:r>
               <a:rPr lang="cs-CZ" sz="2000" b="1" dirty="0"/>
-              <a:t>Konfigurátor</a:t>
-            </a:r>
+              <a:t>Sada pěti </a:t>
+            </a:r>
+            <a:r>
+              <a:rPr lang="en-US" sz="2000" b="1" dirty="0"/>
+              <a:t>“</a:t>
+            </a:r>
+            <a:r>
+              <a:rPr lang="cs-CZ" sz="2000" b="1" dirty="0"/>
+              <a:t>kooperujících</a:t>
+            </a:r>
+            <a:r>
+              <a:rPr lang="en-US" sz="2000" b="1" dirty="0"/>
+              <a:t>”</a:t>
+            </a:r>
+            <a:r>
+              <a:rPr lang="cs-CZ" sz="2000" b="1" dirty="0"/>
+              <a:t> nástrojů:</a:t>
+            </a:r>
+          </a:p>
+          <a:p>
+            <a:pPr marL="0" indent="0">
+              <a:buFont typeface="Titillium Web Light"/>
+              <a:buNone/>
+            </a:pPr>
+            <a:endParaRPr lang="cs-CZ" sz="2000" b="1" dirty="0"/>
+          </a:p>
+          <a:p>
+            <a:pPr>
+              <a:buFont typeface="Arial" panose="020B0604020202020204" pitchFamily="34" charset="0"/>
+              <a:buChar char="•"/>
+            </a:pPr>
+            <a:r>
+              <a:rPr lang="cs-CZ" sz="2000" dirty="0"/>
+              <a:t>Editor skladu (2D)</a:t>
+            </a:r>
+          </a:p>
+          <a:p>
+            <a:pPr>
+              <a:buFont typeface="Arial" panose="020B0604020202020204" pitchFamily="34" charset="0"/>
+              <a:buChar char="•"/>
+            </a:pPr>
+            <a:r>
+              <a:rPr lang="cs-CZ" sz="2000" dirty="0"/>
+              <a:t>Generátor objednávek</a:t>
+            </a:r>
+          </a:p>
+          <a:p>
+            <a:pPr>
+              <a:buFont typeface="Arial" panose="020B0604020202020204" pitchFamily="34" charset="0"/>
+              <a:buChar char="•"/>
+            </a:pPr>
+            <a:r>
+              <a:rPr lang="cs-CZ" sz="2000" dirty="0"/>
+              <a:t>Simulátor skladu</a:t>
+            </a:r>
+          </a:p>
+          <a:p>
+            <a:pPr>
+              <a:buFont typeface="Arial" panose="020B0604020202020204" pitchFamily="34" charset="0"/>
+              <a:buChar char="•"/>
+            </a:pPr>
+            <a:r>
+              <a:rPr lang="cs-CZ" sz="2000" dirty="0"/>
+              <a:t>Optimalizátor rozložení produktů</a:t>
+            </a:r>
+          </a:p>
+          <a:p>
+            <a:pPr>
+              <a:buFont typeface="Arial" panose="020B0604020202020204" pitchFamily="34" charset="0"/>
+              <a:buChar char="•"/>
+            </a:pPr>
+            <a:r>
+              <a:rPr lang="cs-CZ" sz="2000" dirty="0"/>
+              <a:t>Pathfinder (hledač optimální cesty)</a:t>
+            </a:r>
+          </a:p>
+          <a:p>
+            <a:pPr>
+              <a:buFont typeface="Arial" panose="020B0604020202020204" pitchFamily="34" charset="0"/>
+              <a:buChar char="•"/>
+            </a:pPr>
             <a:endParaRPr lang="cs-CZ" sz="2000" dirty="0"/>
           </a:p>
           <a:p>
-            <a:r>
-              <a:rPr lang="cs-CZ" sz="2000" b="1" dirty="0"/>
-              <a:t>Generátor</a:t>
-            </a:r>
+            <a:pPr>
+              <a:buFont typeface="Arial" panose="020B0604020202020204" pitchFamily="34" charset="0"/>
+              <a:buChar char="•"/>
+            </a:pPr>
             <a:endParaRPr lang="cs-CZ" sz="2000" dirty="0"/>
           </a:p>
           <a:p>
-            <a:r>
-              <a:rPr lang="cs-CZ" sz="2000" b="1" dirty="0"/>
-              <a:t>Simulátor</a:t>
-            </a:r>
-          </a:p>
-          <a:p>
-            <a:r>
-              <a:rPr lang="cs-CZ" sz="2000" b="1" dirty="0"/>
-              <a:t>Optimalizátor</a:t>
-            </a:r>
-            <a:endParaRPr lang="cs-CZ" sz="2000" dirty="0"/>
-          </a:p>
-          <a:p>
+            <a:pPr>
+              <a:buFont typeface="Arial" panose="020B0604020202020204" pitchFamily="34" charset="0"/>
+              <a:buChar char="•"/>
+            </a:pPr>
             <a:r>
               <a:rPr lang="cs-CZ" sz="2000" dirty="0"/>
-              <a:t>Implementováno v C++ / Qt 5</a:t>
-            </a:r>
-            <a:endParaRPr lang="en-US" sz="2000" dirty="0"/>
+              <a:t>Implementace: C++, Qt5, SIMLIB/C++</a:t>
+            </a:r>
           </a:p>
         </p:txBody>
       </p:sp>
@@ -5097,8 +5851,16 @@
           <a:lstStyle/>
           <a:p>
             <a:r>
+              <a:rPr lang="en-US" dirty="0"/>
+              <a:t>Editor </a:t>
+            </a:r>
+            <a:r>
+              <a:rPr lang="en-US" dirty="0" err="1"/>
+              <a:t>skladu</a:t>
+            </a:r>
+            <a:r>
               <a:rPr lang="cs-CZ" dirty="0"/>
-              <a:t>Konfigurátor</a:t>
+              <a:t> (2D)</a:t>
             </a:r>
             <a:endParaRPr lang="en-US" dirty="0"/>
           </a:p>
@@ -5152,6 +5914,38 @@
               <a:rPr lang="cs-CZ" dirty="0"/>
               <a:t>modelu skladu uživatelem</a:t>
             </a:r>
+            <a:endParaRPr lang="en-US" dirty="0"/>
+          </a:p>
+          <a:p>
+            <a:pPr marL="342900" indent="-342900">
+              <a:buFont typeface="Arial" panose="020B0604020202020204" pitchFamily="34" charset="0"/>
+              <a:buChar char="•"/>
+            </a:pPr>
+            <a:r>
+              <a:rPr lang="en-US" dirty="0" err="1"/>
+              <a:t>Serializace</a:t>
+            </a:r>
+            <a:r>
+              <a:rPr lang="en-US" dirty="0"/>
+              <a:t> a </a:t>
+            </a:r>
+            <a:r>
+              <a:rPr lang="en-US" dirty="0" err="1"/>
+              <a:t>deserializace</a:t>
+            </a:r>
+            <a:r>
+              <a:rPr lang="en-US" dirty="0"/>
+              <a:t> </a:t>
+            </a:r>
+            <a:r>
+              <a:rPr lang="en-US" dirty="0" err="1"/>
+              <a:t>modelu</a:t>
+            </a:r>
+            <a:r>
+              <a:rPr lang="en-US" dirty="0"/>
+              <a:t> (XML)</a:t>
+            </a:r>
+            <a:endParaRPr lang="cs-CZ" dirty="0"/>
           </a:p>
           <a:p>
             <a:pPr marL="342900" indent="-342900">
@@ -5350,7 +6144,7 @@
                   <a:schemeClr val="bg1"/>
                 </a:solidFill>
               </a:rPr>
-              <a:t>9</a:t>
+              <a:t>16</a:t>
             </a:r>
           </a:p>
         </p:txBody>
@@ -5407,8 +6201,16 @@
           <a:lstStyle/>
           <a:p>
             <a:r>
+              <a:rPr lang="en-US" dirty="0"/>
+              <a:t>Editor </a:t>
+            </a:r>
+            <a:r>
+              <a:rPr lang="en-US" dirty="0" err="1"/>
+              <a:t>skladu</a:t>
+            </a:r>
+            <a:r>
               <a:rPr lang="cs-CZ" dirty="0"/>
-              <a:t>Konfigurátor</a:t>
+              <a:t> (2D)</a:t>
             </a:r>
             <a:endParaRPr lang="en-US" dirty="0"/>
           </a:p>
@@ -5581,38 +6383,30 @@
               <a:buNone/>
             </a:pPr>
             <a:r>
+              <a:rPr lang="cs-CZ" sz="1600" dirty="0">
+                <a:solidFill>
+                  <a:schemeClr val="bg1"/>
+                </a:solidFill>
+              </a:rPr>
+              <a:t>4/</a:t>
+            </a:r>
+            <a:r>
               <a:rPr lang="en-US" sz="1600" dirty="0">
                 <a:solidFill>
                   <a:schemeClr val="bg1"/>
                 </a:solidFill>
               </a:rPr>
-              <a:t>3</a:t>
-            </a:r>
-            <a:r>
-              <a:rPr lang="cs-CZ" sz="1600" dirty="0">
-                <a:solidFill>
-                  <a:schemeClr val="bg1"/>
-                </a:solidFill>
-              </a:rPr>
-              <a:t>/</a:t>
-            </a:r>
-            <a:r>
-              <a:rPr lang="en-US" sz="1600" dirty="0">
-                <a:solidFill>
-                  <a:schemeClr val="bg1"/>
-                </a:solidFill>
-              </a:rPr>
-              <a:t>9</a:t>
+              <a:t>16</a:t>
             </a:r>
           </a:p>
         </p:txBody>
       </p:sp>
       <p:pic>
         <p:nvPicPr>
-          <p:cNvPr id="4" name="Picture 3">
+          <p:cNvPr id="5" name="Picture 4" descr="A picture containing text, black, scoreboard, screenshot&#10;&#10;Description automatically generated">
             <a:extLst>
               <a:ext uri="{FF2B5EF4-FFF2-40B4-BE49-F238E27FC236}">
-                <a16:creationId xmlns:a16="http://schemas.microsoft.com/office/drawing/2014/main" id="{1BF63FCC-0BF5-4EB1-B2E4-275D71A81A5F}"/>
+                <a16:creationId xmlns:a16="http://schemas.microsoft.com/office/drawing/2014/main" id="{3189EE4F-EFDD-4CE5-B768-A84F3198074C}"/>
               </a:ext>
             </a:extLst>
           </p:cNvPr>
@@ -5622,15 +6416,21 @@
           <p:nvPr/>
         </p:nvPicPr>
         <p:blipFill>
-          <a:blip r:embed="rId2"/>
+          <a:blip r:embed="rId2">
+            <a:extLst>
+              <a:ext uri="{28A0092B-C50C-407E-A947-70E740481C1C}">
+                <a14:useLocalDpi xmlns:a14="http://schemas.microsoft.com/office/drawing/2010/main" val="0"/>
+              </a:ext>
+            </a:extLst>
+          </a:blip>
           <a:stretch>
             <a:fillRect/>
           </a:stretch>
         </p:blipFill>
         <p:spPr>
           <a:xfrm>
-            <a:off x="0" y="1011146"/>
-            <a:ext cx="9144000" cy="4835708"/>
+            <a:off x="0" y="1268760"/>
+            <a:ext cx="9144000" cy="4843462"/>
           </a:xfrm>
           <a:prstGeom prst="rect">
             <a:avLst/>
@@ -5689,12 +6489,8 @@
           <a:lstStyle/>
           <a:p>
             <a:r>
-              <a:rPr lang="en-US" dirty="0" err="1"/>
-              <a:t>Gener</a:t>
-            </a:r>
-            <a:r>
               <a:rPr lang="cs-CZ" dirty="0"/>
-              <a:t>átor</a:t>
+              <a:t>Generátor objednávek</a:t>
             </a:r>
             <a:endParaRPr lang="en-US" dirty="0"/>
           </a:p>
@@ -5732,67 +6528,105 @@
             </a:pPr>
             <a:r>
               <a:rPr lang="cs-CZ" dirty="0"/>
-              <a:t>Nutnost syntetických dat</a:t>
-            </a:r>
+              <a:t>Nutnost</a:t>
+            </a:r>
+            <a:r>
+              <a:rPr lang="en-US" dirty="0"/>
+              <a:t> </a:t>
+            </a:r>
+            <a:r>
+              <a:rPr lang="cs-CZ" dirty="0"/>
+              <a:t>syntetických zákaznických objednávek</a:t>
+            </a:r>
+            <a:endParaRPr lang="en-US" dirty="0"/>
           </a:p>
           <a:p>
             <a:pPr marL="342900" indent="-342900">
               <a:buFont typeface="Arial" panose="020B0604020202020204" pitchFamily="34" charset="0"/>
               <a:buChar char="•"/>
             </a:pPr>
-            <a:r>
-              <a:rPr lang="en-US" sz="2000" dirty="0" err="1"/>
+            <a:endParaRPr lang="en-US" dirty="0"/>
+          </a:p>
+          <a:p>
+            <a:pPr marL="342900" indent="-342900">
+              <a:buFont typeface="Arial" panose="020B0604020202020204" pitchFamily="34" charset="0"/>
+              <a:buChar char="•"/>
+            </a:pPr>
+            <a:r>
+              <a:rPr lang="cs-CZ" dirty="0"/>
+              <a:t>Použití uživatelem definovaných pravděpodobnostních modelů</a:t>
+            </a:r>
+            <a:endParaRPr lang="en-US" dirty="0"/>
+          </a:p>
+          <a:p>
+            <a:pPr marL="342900" indent="-342900">
+              <a:buFont typeface="Arial" panose="020B0604020202020204" pitchFamily="34" charset="0"/>
+              <a:buChar char="•"/>
+            </a:pPr>
+            <a:endParaRPr lang="cs-CZ" dirty="0"/>
+          </a:p>
+          <a:p>
+            <a:pPr marL="342900" indent="-342900">
+              <a:buFont typeface="Arial" panose="020B0604020202020204" pitchFamily="34" charset="0"/>
+              <a:buChar char="•"/>
+            </a:pPr>
+            <a:r>
+              <a:rPr lang="en-US" dirty="0" err="1"/>
               <a:t>Vygenerov</a:t>
             </a:r>
             <a:r>
-              <a:rPr lang="cs-CZ" sz="2000" dirty="0"/>
+              <a:rPr lang="cs-CZ" dirty="0"/>
               <a:t>ání</a:t>
             </a:r>
             <a:r>
-              <a:rPr lang="en-US" sz="2000" dirty="0"/>
+              <a:rPr lang="en-US" dirty="0"/>
               <a:t> </a:t>
             </a:r>
             <a:r>
-              <a:rPr lang="cs-CZ" sz="2000" dirty="0"/>
+              <a:rPr lang="cs-CZ" dirty="0"/>
               <a:t>objednávek (vstup evolučního  algoritmu)</a:t>
             </a:r>
-            <a:endParaRPr lang="cs-CZ" dirty="0"/>
-          </a:p>
-          <a:p>
-            <a:pPr marL="1085850" lvl="1" indent="-342900">
-              <a:buFont typeface="Arial" panose="020B0604020202020204" pitchFamily="34" charset="0"/>
-              <a:buChar char="•"/>
+          </a:p>
+          <a:p>
+            <a:pPr marL="742950" lvl="1" indent="0">
+              <a:buNone/>
             </a:pPr>
-            <a:r>
-              <a:rPr lang="cs-CZ" sz="1800" dirty="0"/>
+            <a:endParaRPr lang="cs-CZ" sz="1600" dirty="0"/>
+          </a:p>
+          <a:p>
+            <a:pPr marL="742950" lvl="1" indent="0">
+              <a:buNone/>
+            </a:pPr>
+            <a:r>
+              <a:rPr lang="cs-CZ" sz="1600" dirty="0"/>
               <a:t>Trénovací – reprezentuje historická data společnosti</a:t>
             </a:r>
           </a:p>
           <a:p>
-            <a:pPr marL="1085850" lvl="1" indent="-342900">
-              <a:buFont typeface="Arial" panose="020B0604020202020204" pitchFamily="34" charset="0"/>
-              <a:buChar char="•"/>
+            <a:pPr marL="742950" lvl="1" indent="0">
+              <a:buNone/>
             </a:pPr>
             <a:r>
-              <a:rPr lang="cs-CZ" sz="1800" dirty="0"/>
+              <a:rPr lang="cs-CZ" sz="1600" dirty="0"/>
               <a:t>Testovací – reprezentuje </a:t>
             </a:r>
             <a:r>
-              <a:rPr lang="en-US" sz="1800" dirty="0"/>
+              <a:rPr lang="en-US" sz="1600" dirty="0"/>
               <a:t>“</a:t>
             </a:r>
             <a:r>
-              <a:rPr lang="cs-CZ" sz="1800" dirty="0"/>
+              <a:rPr lang="cs-CZ" sz="1600" dirty="0"/>
               <a:t>budoucí</a:t>
             </a:r>
             <a:r>
-              <a:rPr lang="en-US" sz="1800" dirty="0"/>
+              <a:rPr lang="en-US" sz="1600" dirty="0"/>
               <a:t>”</a:t>
             </a:r>
             <a:r>
-              <a:rPr lang="cs-CZ" sz="1800" dirty="0"/>
+              <a:rPr lang="cs-CZ" sz="1600" dirty="0"/>
               <a:t> data společnosti</a:t>
             </a:r>
+            <a:endParaRPr lang="cs-CZ" sz="2400" dirty="0"/>
           </a:p>
         </p:txBody>
       </p:sp>
@@ -5963,28 +6797,20 @@
               <a:buNone/>
             </a:pPr>
             <a:r>
+              <a:rPr lang="cs-CZ" sz="1600" dirty="0">
+                <a:solidFill>
+                  <a:schemeClr val="bg1"/>
+                </a:solidFill>
+              </a:rPr>
+              <a:t>5/</a:t>
+            </a:r>
+            <a:r>
               <a:rPr lang="en-US" sz="1600" dirty="0">
                 <a:solidFill>
                   <a:schemeClr val="bg1"/>
                 </a:solidFill>
               </a:rPr>
-              <a:t>4</a:t>
-            </a:r>
-            <a:r>
-              <a:rPr lang="cs-CZ" sz="1600" dirty="0">
-                <a:solidFill>
-                  <a:schemeClr val="bg1"/>
-                </a:solidFill>
-              </a:rPr>
-              <a:t>/</a:t>
-            </a:r>
-            <a:r>
-              <a:rPr lang="en-US" sz="1600" dirty="0">
-                <a:solidFill>
-                  <a:schemeClr val="bg1"/>
-                </a:solidFill>
-              </a:rPr>
-              <a:t>9</a:t>
+              <a:t>16</a:t>
             </a:r>
           </a:p>
         </p:txBody>
@@ -6051,46 +6877,18 @@
               <a:rPr lang="cs-CZ" dirty="0"/>
               <a:t>Generátor</a:t>
             </a:r>
+            <a:r>
+              <a:rPr lang="en-US" dirty="0"/>
+              <a:t> </a:t>
+            </a:r>
+            <a:r>
+              <a:rPr lang="cs-CZ" dirty="0"/>
+              <a:t>objednávek</a:t>
+            </a:r>
             <a:endParaRPr lang="en-US" dirty="0"/>
           </a:p>
         </p:txBody>
       </p:sp>
-      <p:pic>
-        <p:nvPicPr>
-          <p:cNvPr id="8" name="Picture 7" descr="A screenshot of a computer&#10;&#10;Description automatically generated">
-            <a:extLst>
-              <a:ext uri="{FF2B5EF4-FFF2-40B4-BE49-F238E27FC236}">
-                <a16:creationId xmlns:a16="http://schemas.microsoft.com/office/drawing/2014/main" id="{86CF7213-4E57-4F3D-8336-427AA764565B}"/>
-              </a:ext>
-            </a:extLst>
-          </p:cNvPr>
-          <p:cNvPicPr>
-            <a:picLocks noChangeAspect="1"/>
-          </p:cNvPicPr>
-          <p:nvPr/>
-        </p:nvPicPr>
-        <p:blipFill>
-          <a:blip r:embed="rId2">
-            <a:extLst>
-              <a:ext uri="{28A0092B-C50C-407E-A947-70E740481C1C}">
-                <a14:useLocalDpi xmlns:a14="http://schemas.microsoft.com/office/drawing/2010/main" val="0"/>
-              </a:ext>
-            </a:extLst>
-          </a:blip>
-          <a:stretch>
-            <a:fillRect/>
-          </a:stretch>
-        </p:blipFill>
-        <p:spPr>
-          <a:xfrm>
-            <a:off x="3944" y="1268760"/>
-            <a:ext cx="9144000" cy="4848225"/>
-          </a:xfrm>
-          <a:prstGeom prst="rect">
-            <a:avLst/>
-          </a:prstGeom>
-        </p:spPr>
-      </p:pic>
       <p:sp>
         <p:nvSpPr>
           <p:cNvPr id="9" name="Text Placeholder 6">
@@ -6258,32 +7056,60 @@
               <a:buNone/>
             </a:pPr>
             <a:r>
+              <a:rPr lang="cs-CZ" sz="1600" dirty="0">
+                <a:solidFill>
+                  <a:schemeClr val="bg1"/>
+                </a:solidFill>
+              </a:rPr>
+              <a:t>6/</a:t>
+            </a:r>
+            <a:r>
               <a:rPr lang="en-US" sz="1600" dirty="0">
                 <a:solidFill>
                   <a:schemeClr val="bg1"/>
                 </a:solidFill>
               </a:rPr>
-              <a:t>4</a:t>
-            </a:r>
-            <a:r>
-              <a:rPr lang="cs-CZ" sz="1600" dirty="0">
-                <a:solidFill>
-                  <a:schemeClr val="bg1"/>
-                </a:solidFill>
-              </a:rPr>
-              <a:t>/</a:t>
-            </a:r>
-            <a:r>
-              <a:rPr lang="en-US" sz="1600" dirty="0">
-                <a:solidFill>
-                  <a:schemeClr val="bg1"/>
-                </a:solidFill>
-              </a:rPr>
-              <a:t>9</a:t>
+              <a:t>16</a:t>
             </a:r>
           </a:p>
         </p:txBody>
       </p:sp>
+      <p:pic>
+        <p:nvPicPr>
+          <p:cNvPr id="5" name="Picture 4" descr="A picture containing graphical user interface&#10;&#10;Description automatically generated">
+            <a:extLst>
+              <a:ext uri="{FF2B5EF4-FFF2-40B4-BE49-F238E27FC236}">
+                <a16:creationId xmlns:a16="http://schemas.microsoft.com/office/drawing/2014/main" id="{4679AD09-8405-467E-A0C6-B3554F5766E4}"/>
+              </a:ext>
+            </a:extLst>
+          </p:cNvPr>
+          <p:cNvPicPr>
+            <a:picLocks noChangeAspect="1"/>
+          </p:cNvPicPr>
+          <p:nvPr/>
+        </p:nvPicPr>
+        <p:blipFill>
+          <a:blip r:embed="rId2">
+            <a:extLst>
+              <a:ext uri="{28A0092B-C50C-407E-A947-70E740481C1C}">
+                <a14:useLocalDpi xmlns:a14="http://schemas.microsoft.com/office/drawing/2010/main" val="0"/>
+              </a:ext>
+            </a:extLst>
+          </a:blip>
+          <a:stretch>
+            <a:fillRect/>
+          </a:stretch>
+        </p:blipFill>
+        <p:spPr>
+          <a:xfrm>
+            <a:off x="0" y="1268760"/>
+            <a:ext cx="9144000" cy="4843462"/>
+          </a:xfrm>
+          <a:prstGeom prst="rect">
+            <a:avLst/>
+          </a:prstGeom>
+        </p:spPr>
+      </p:pic>
     </p:spTree>
     <p:extLst>
       <p:ext uri="{BB962C8B-B14F-4D97-AF65-F5344CB8AC3E}">
@@ -6336,8 +7162,16 @@
           <a:lstStyle/>
           <a:p>
             <a:r>
-              <a:rPr lang="cs-CZ" dirty="0"/>
+              <a:rPr lang="cs-CZ" sz="4400" dirty="0"/>
               <a:t>Simulátor</a:t>
+            </a:r>
+            <a:r>
+              <a:rPr lang="en-US" sz="4400" dirty="0"/>
+              <a:t> </a:t>
+            </a:r>
+            <a:r>
+              <a:rPr lang="en-US" sz="4400" dirty="0" err="1"/>
+              <a:t>skladu</a:t>
             </a:r>
             <a:endParaRPr lang="en-US" dirty="0"/>
           </a:p>
@@ -6375,30 +7209,138 @@
             </a:pPr>
             <a:r>
               <a:rPr lang="cs-CZ" sz="2000" dirty="0"/>
-              <a:t>Odsimulování průchodu objednávek skladem (aproximace objektivní funkce evolučního algoritmu)</a:t>
-            </a:r>
-            <a:endParaRPr lang="cs-CZ" dirty="0"/>
+              <a:t>Odsimulování průchodu objednávek skladem</a:t>
+            </a:r>
           </a:p>
           <a:p>
             <a:pPr marL="342900" indent="-342900">
               <a:buFont typeface="Arial" panose="020B0604020202020204" pitchFamily="34" charset="0"/>
               <a:buChar char="•"/>
             </a:pPr>
-            <a:r>
-              <a:rPr lang="cs-CZ" dirty="0"/>
+            <a:endParaRPr lang="cs-CZ" sz="2000" dirty="0"/>
+          </a:p>
+          <a:p>
+            <a:pPr marL="342900" indent="-342900">
+              <a:buFont typeface="Arial" panose="020B0604020202020204" pitchFamily="34" charset="0"/>
+              <a:buChar char="•"/>
+            </a:pPr>
+            <a:r>
+              <a:rPr lang="cs-CZ" sz="2000" dirty="0"/>
+              <a:t>Aproximace</a:t>
+            </a:r>
+            <a:r>
+              <a:rPr lang="en-US" sz="2000" dirty="0"/>
+              <a:t> </a:t>
+            </a:r>
+            <a:r>
+              <a:rPr lang="en-US" sz="2000" dirty="0" err="1"/>
+              <a:t>kvality</a:t>
+            </a:r>
+            <a:r>
+              <a:rPr lang="en-US" sz="2000" dirty="0"/>
+              <a:t> </a:t>
+            </a:r>
+            <a:r>
+              <a:rPr lang="en-US" sz="2000" dirty="0" err="1"/>
+              <a:t>řešení</a:t>
+            </a:r>
+            <a:r>
+              <a:rPr lang="en-US" sz="2000" dirty="0"/>
+              <a:t> v </a:t>
+            </a:r>
+            <a:r>
+              <a:rPr lang="en-US" sz="2000" dirty="0" err="1"/>
+              <a:t>optimalizátoru</a:t>
+            </a:r>
+            <a:r>
+              <a:rPr lang="en-US" sz="2000" dirty="0"/>
+              <a:t> (= </a:t>
+            </a:r>
+            <a:r>
+              <a:rPr lang="cs-CZ" sz="2000" dirty="0"/>
+              <a:t>loss funkce)</a:t>
+            </a:r>
+          </a:p>
+          <a:p>
+            <a:pPr marL="0" indent="0">
+              <a:buNone/>
+            </a:pPr>
+            <a:endParaRPr lang="cs-CZ" sz="2000" dirty="0"/>
+          </a:p>
+          <a:p>
+            <a:pPr marL="342900" indent="-342900">
+              <a:buFont typeface="Arial" panose="020B0604020202020204" pitchFamily="34" charset="0"/>
+              <a:buChar char="•"/>
+            </a:pPr>
+            <a:r>
+              <a:rPr lang="cs-CZ" sz="2000" dirty="0"/>
               <a:t>Diskrétní události</a:t>
             </a:r>
+            <a:r>
+              <a:rPr lang="en-US" sz="2000" dirty="0"/>
+              <a:t>, d</a:t>
+            </a:r>
+            <a:r>
+              <a:rPr lang="cs-CZ" sz="2000" dirty="0"/>
+              <a:t>ůraz na realističnost</a:t>
+            </a:r>
           </a:p>
           <a:p>
             <a:pPr marL="342900" indent="-342900">
               <a:buFont typeface="Arial" panose="020B0604020202020204" pitchFamily="34" charset="0"/>
               <a:buChar char="•"/>
             </a:pPr>
-            <a:r>
-              <a:rPr lang="cs-CZ" dirty="0"/>
-              <a:t>Důraz na realističnost</a:t>
-            </a:r>
-            <a:endParaRPr lang="en-US" dirty="0"/>
+            <a:endParaRPr lang="en-US" sz="2000" dirty="0"/>
+          </a:p>
+          <a:p>
+            <a:pPr marL="342900" indent="-342900">
+              <a:buFont typeface="Arial" panose="020B0604020202020204" pitchFamily="34" charset="0"/>
+              <a:buChar char="•"/>
+            </a:pPr>
+            <a:r>
+              <a:rPr lang="en-US" sz="2000" dirty="0" err="1"/>
+              <a:t>Zvýraznění</a:t>
+            </a:r>
+            <a:r>
+              <a:rPr lang="en-US" sz="2000" dirty="0"/>
+              <a:t> </a:t>
+            </a:r>
+            <a:r>
+              <a:rPr lang="en-US" sz="2000" dirty="0" err="1"/>
+              <a:t>zatížených</a:t>
+            </a:r>
+            <a:r>
+              <a:rPr lang="en-US" sz="2000" dirty="0"/>
+              <a:t> </a:t>
+            </a:r>
+            <a:r>
+              <a:rPr lang="en-US" sz="2000" dirty="0" err="1"/>
+              <a:t>prvků</a:t>
+            </a:r>
+            <a:r>
+              <a:rPr lang="en-US" sz="2000" dirty="0"/>
+              <a:t>, </a:t>
+            </a:r>
+            <a:r>
+              <a:rPr lang="en-US" sz="2000" dirty="0" err="1"/>
+              <a:t>rozsáhlé</a:t>
+            </a:r>
+            <a:r>
+              <a:rPr lang="en-US" sz="2000" dirty="0"/>
+              <a:t> </a:t>
+            </a:r>
+            <a:r>
+              <a:rPr lang="en-US" sz="2000" dirty="0" err="1"/>
+              <a:t>statistiky</a:t>
+            </a:r>
+            <a:r>
+              <a:rPr lang="en-US" dirty="0"/>
+              <a:t>, </a:t>
+            </a:r>
+            <a:r>
+              <a:rPr lang="en-US" sz="2000" dirty="0"/>
+              <a:t>…</a:t>
+            </a:r>
           </a:p>
         </p:txBody>
       </p:sp>
@@ -6569,28 +7511,20 @@
               <a:buNone/>
             </a:pPr>
             <a:r>
+              <a:rPr lang="cs-CZ" sz="1600" dirty="0">
+                <a:solidFill>
+                  <a:schemeClr val="bg1"/>
+                </a:solidFill>
+              </a:rPr>
+              <a:t>7/</a:t>
+            </a:r>
+            <a:r>
               <a:rPr lang="en-US" sz="1600" dirty="0">
                 <a:solidFill>
                   <a:schemeClr val="bg1"/>
                 </a:solidFill>
               </a:rPr>
-              <a:t>5</a:t>
-            </a:r>
-            <a:r>
-              <a:rPr lang="cs-CZ" sz="1600" dirty="0">
-                <a:solidFill>
-                  <a:schemeClr val="bg1"/>
-                </a:solidFill>
-              </a:rPr>
-              <a:t>/</a:t>
-            </a:r>
-            <a:r>
-              <a:rPr lang="en-US" sz="1600" dirty="0">
-                <a:solidFill>
-                  <a:schemeClr val="bg1"/>
-                </a:solidFill>
-              </a:rPr>
-              <a:t>9</a:t>
+              <a:t>16</a:t>
             </a:r>
           </a:p>
         </p:txBody>
@@ -6648,48 +7582,12 @@
           <a:p>
             <a:r>
               <a:rPr lang="cs-CZ" dirty="0"/>
-              <a:t>Simulátor</a:t>
+              <a:t>Simulátor skladu</a:t>
             </a:r>
             <a:endParaRPr lang="en-US" dirty="0"/>
           </a:p>
         </p:txBody>
       </p:sp>
-      <p:pic>
-        <p:nvPicPr>
-          <p:cNvPr id="6" name="Picture 5">
-            <a:extLst>
-              <a:ext uri="{FF2B5EF4-FFF2-40B4-BE49-F238E27FC236}">
-                <a16:creationId xmlns:a16="http://schemas.microsoft.com/office/drawing/2014/main" id="{16DE3B0F-463F-4CA7-AD14-23D6523FBEBF}"/>
-              </a:ext>
-            </a:extLst>
-          </p:cNvPr>
-          <p:cNvPicPr>
-            <a:picLocks noChangeAspect="1"/>
-          </p:cNvPicPr>
-          <p:nvPr/>
-        </p:nvPicPr>
-        <p:blipFill>
-          <a:blip r:embed="rId2">
-            <a:extLst>
-              <a:ext uri="{28A0092B-C50C-407E-A947-70E740481C1C}">
-                <a14:useLocalDpi xmlns:a14="http://schemas.microsoft.com/office/drawing/2010/main" val="0"/>
-              </a:ext>
-            </a:extLst>
-          </a:blip>
-          <a:stretch>
-            <a:fillRect/>
-          </a:stretch>
-        </p:blipFill>
-        <p:spPr>
-          <a:xfrm>
-            <a:off x="0" y="1398612"/>
-            <a:ext cx="9144000" cy="4838700"/>
-          </a:xfrm>
-          <a:prstGeom prst="rect">
-            <a:avLst/>
-          </a:prstGeom>
-        </p:spPr>
-      </p:pic>
       <p:sp>
         <p:nvSpPr>
           <p:cNvPr id="9" name="Text Placeholder 6">
@@ -6857,32 +7755,60 @@
               <a:buNone/>
             </a:pPr>
             <a:r>
+              <a:rPr lang="cs-CZ" sz="1600" dirty="0">
+                <a:solidFill>
+                  <a:schemeClr val="bg1"/>
+                </a:solidFill>
+              </a:rPr>
+              <a:t>8/</a:t>
+            </a:r>
+            <a:r>
               <a:rPr lang="en-US" sz="1600" dirty="0">
                 <a:solidFill>
                   <a:schemeClr val="bg1"/>
                 </a:solidFill>
               </a:rPr>
-              <a:t>5</a:t>
-            </a:r>
-            <a:r>
-              <a:rPr lang="cs-CZ" sz="1600" dirty="0">
-                <a:solidFill>
-                  <a:schemeClr val="bg1"/>
-                </a:solidFill>
-              </a:rPr>
-              <a:t>/</a:t>
-            </a:r>
-            <a:r>
-              <a:rPr lang="en-US" sz="1600" dirty="0">
-                <a:solidFill>
-                  <a:schemeClr val="bg1"/>
-                </a:solidFill>
-              </a:rPr>
-              <a:t>9</a:t>
+              <a:t>16</a:t>
             </a:r>
           </a:p>
         </p:txBody>
       </p:sp>
+      <p:pic>
+        <p:nvPicPr>
+          <p:cNvPr id="5" name="Picture 4" descr="A picture containing text, black&#10;&#10;Description automatically generated">
+            <a:extLst>
+              <a:ext uri="{FF2B5EF4-FFF2-40B4-BE49-F238E27FC236}">
+                <a16:creationId xmlns:a16="http://schemas.microsoft.com/office/drawing/2014/main" id="{911F084D-AD3F-4B41-8979-81FCFF9277C0}"/>
+              </a:ext>
+            </a:extLst>
+          </p:cNvPr>
+          <p:cNvPicPr>
+            <a:picLocks noChangeAspect="1"/>
+          </p:cNvPicPr>
+          <p:nvPr/>
+        </p:nvPicPr>
+        <p:blipFill>
+          <a:blip r:embed="rId2">
+            <a:extLst>
+              <a:ext uri="{28A0092B-C50C-407E-A947-70E740481C1C}">
+                <a14:useLocalDpi xmlns:a14="http://schemas.microsoft.com/office/drawing/2010/main" val="0"/>
+              </a:ext>
+            </a:extLst>
+          </a:blip>
+          <a:stretch>
+            <a:fillRect/>
+          </a:stretch>
+        </p:blipFill>
+        <p:spPr>
+          <a:xfrm>
+            <a:off x="0" y="1340768"/>
+            <a:ext cx="9144000" cy="4838700"/>
+          </a:xfrm>
+          <a:prstGeom prst="rect">
+            <a:avLst/>
+          </a:prstGeom>
+        </p:spPr>
+      </p:pic>
     </p:spTree>
     <p:extLst>
       <p:ext uri="{BB962C8B-B14F-4D97-AF65-F5344CB8AC3E}">

--- a/doc/xkocic01.pptx
+++ b/doc/xkocic01.pptx
@@ -5,7 +5,7 @@
     <p:sldMasterId id="2147483648" r:id="rId1"/>
   </p:sldMasterIdLst>
   <p:notesMasterIdLst>
-    <p:notesMasterId r:id="rId20"/>
+    <p:notesMasterId r:id="rId23"/>
   </p:notesMasterIdLst>
   <p:sldIdLst>
     <p:sldId id="285" r:id="rId2"/>
@@ -26,6 +26,9 @@
     <p:sldId id="299" r:id="rId17"/>
     <p:sldId id="294" r:id="rId18"/>
     <p:sldId id="282" r:id="rId19"/>
+    <p:sldId id="304" r:id="rId20"/>
+    <p:sldId id="305" r:id="rId21"/>
+    <p:sldId id="303" r:id="rId22"/>
   </p:sldIdLst>
   <p:sldSz cx="9144000" cy="6858000" type="screen4x3"/>
   <p:notesSz cx="6858000" cy="9144000"/>
@@ -225,7 +228,7 @@
           <a:p>
             <a:fld id="{8A47B827-01B0-40C7-BA68-3ACC7CEACCE7}" type="datetimeFigureOut">
               <a:rPr lang="cs-CZ" smtClean="0"/>
-              <a:t>18.05.2021</a:t>
+              <a:t>08.06.2021</a:t>
             </a:fld>
             <a:endParaRPr lang="cs-CZ"/>
           </a:p>
@@ -2032,8 +2035,8 @@
         </p:nvSpPr>
         <p:spPr>
           <a:xfrm>
-            <a:off x="896938" y="5157191"/>
-            <a:ext cx="5043487" cy="936105"/>
+            <a:off x="896938" y="5445224"/>
+            <a:ext cx="5043487" cy="648072"/>
           </a:xfrm>
         </p:spPr>
         <p:txBody>
@@ -2050,15 +2053,6 @@
               <a:rPr lang="cs-CZ" dirty="0"/>
               <a:t>Vedoucí: Ing. Oldřich Kodym</a:t>
             </a:r>
-          </a:p>
-          <a:p>
-            <a:r>
-              <a:rPr lang="cs-CZ" dirty="0"/>
-              <a:t>Konzultant: Ing. Daniel Chalupa</a:t>
-            </a:r>
-          </a:p>
-          <a:p>
-            <a:endParaRPr lang="cs-CZ" dirty="0"/>
           </a:p>
         </p:txBody>
       </p:sp>
@@ -5015,6 +5009,303 @@
 </p:sld>
 </file>
 
+<file path=ppt/slides/slide19.xml><?xml version="1.0" encoding="utf-8"?>
+<p:sld xmlns:a="http://schemas.openxmlformats.org/drawingml/2006/main" xmlns:r="http://schemas.openxmlformats.org/officeDocument/2006/relationships" xmlns:p="http://schemas.openxmlformats.org/presentationml/2006/main">
+  <p:cSld>
+    <p:spTree>
+      <p:nvGrpSpPr>
+        <p:cNvPr id="1" name=""/>
+        <p:cNvGrpSpPr/>
+        <p:nvPr/>
+      </p:nvGrpSpPr>
+      <p:grpSpPr>
+        <a:xfrm>
+          <a:off x="0" y="0"/>
+          <a:ext cx="0" cy="0"/>
+          <a:chOff x="0" y="0"/>
+          <a:chExt cx="0" cy="0"/>
+        </a:xfrm>
+      </p:grpSpPr>
+      <p:sp>
+        <p:nvSpPr>
+          <p:cNvPr id="3" name="Content Placeholder 2">
+            <a:extLst>
+              <a:ext uri="{FF2B5EF4-FFF2-40B4-BE49-F238E27FC236}">
+                <a16:creationId xmlns:a16="http://schemas.microsoft.com/office/drawing/2014/main" id="{8E151255-0E6C-4318-ACF8-C40870E70390}"/>
+              </a:ext>
+            </a:extLst>
+          </p:cNvPr>
+          <p:cNvSpPr>
+            <a:spLocks noGrp="1"/>
+          </p:cNvSpPr>
+          <p:nvPr>
+            <p:ph idx="1"/>
+          </p:nvPr>
+        </p:nvSpPr>
+        <p:spPr>
+          <a:xfrm>
+            <a:off x="457200" y="1600200"/>
+            <a:ext cx="2890664" cy="4525963"/>
+          </a:xfrm>
+        </p:spPr>
+        <p:txBody>
+          <a:bodyPr/>
+          <a:lstStyle/>
+          <a:p>
+            <a:pPr marL="457200" indent="-457200" algn="l">
+              <a:buFont typeface="Arial" panose="020B0604020202020204" pitchFamily="34" charset="0"/>
+              <a:buChar char="•"/>
+            </a:pPr>
+            <a:r>
+              <a:rPr lang="en-US" sz="2000" b="0" i="0" dirty="0" err="1">
+                <a:solidFill>
+                  <a:srgbClr val="000000"/>
+                </a:solidFill>
+                <a:effectLst/>
+                <a:latin typeface="Arial (Body)"/>
+              </a:rPr>
+              <a:t>Mezi</a:t>
+            </a:r>
+            <a:r>
+              <a:rPr lang="en-US" sz="2000" b="0" i="0" dirty="0">
+                <a:solidFill>
+                  <a:srgbClr val="000000"/>
+                </a:solidFill>
+                <a:effectLst/>
+                <a:latin typeface="Arial (Body)"/>
+              </a:rPr>
+              <a:t> </a:t>
+            </a:r>
+            <a:r>
+              <a:rPr lang="en-US" sz="2000" b="0" i="0" dirty="0" err="1">
+                <a:solidFill>
+                  <a:srgbClr val="000000"/>
+                </a:solidFill>
+                <a:effectLst/>
+                <a:latin typeface="Arial (Body)"/>
+              </a:rPr>
+              <a:t>prvky</a:t>
+            </a:r>
+            <a:r>
+              <a:rPr lang="en-US" sz="2000" b="0" i="0" dirty="0">
+                <a:solidFill>
+                  <a:srgbClr val="000000"/>
+                </a:solidFill>
+                <a:effectLst/>
+                <a:latin typeface="Arial (Body)"/>
+              </a:rPr>
+              <a:t> </a:t>
+            </a:r>
+            <a:r>
+              <a:rPr lang="en-US" sz="2000" b="0" i="0" dirty="0" err="1">
+                <a:solidFill>
+                  <a:srgbClr val="000000"/>
+                </a:solidFill>
+                <a:effectLst/>
+                <a:latin typeface="Arial (Body)"/>
+              </a:rPr>
+              <a:t>skladu</a:t>
+            </a:r>
+            <a:r>
+              <a:rPr lang="en-US" sz="2000" b="0" i="0" dirty="0">
+                <a:solidFill>
+                  <a:srgbClr val="000000"/>
+                </a:solidFill>
+                <a:effectLst/>
+                <a:latin typeface="Arial (Body)"/>
+              </a:rPr>
+              <a:t> </a:t>
+            </a:r>
+            <a:r>
+              <a:rPr lang="en-US" sz="2000" b="0" i="0" dirty="0" err="1">
+                <a:solidFill>
+                  <a:srgbClr val="000000"/>
+                </a:solidFill>
+                <a:effectLst/>
+                <a:latin typeface="Arial (Body)"/>
+              </a:rPr>
+              <a:t>předpokládáte</a:t>
+            </a:r>
+            <a:r>
+              <a:rPr lang="en-US" sz="2000" b="0" i="0" dirty="0">
+                <a:solidFill>
+                  <a:srgbClr val="000000"/>
+                </a:solidFill>
+                <a:effectLst/>
+                <a:latin typeface="Arial (Body)"/>
+              </a:rPr>
+              <a:t> </a:t>
+            </a:r>
+            <a:r>
+              <a:rPr lang="en-US" sz="2000" b="0" i="0" dirty="0" err="1">
+                <a:solidFill>
+                  <a:srgbClr val="000000"/>
+                </a:solidFill>
+                <a:effectLst/>
+                <a:latin typeface="Arial (Body)"/>
+              </a:rPr>
+              <a:t>Manhattanskou</a:t>
+            </a:r>
+            <a:r>
+              <a:rPr lang="en-US" sz="2000" b="0" i="0" dirty="0">
+                <a:solidFill>
+                  <a:srgbClr val="000000"/>
+                </a:solidFill>
+                <a:effectLst/>
+                <a:latin typeface="Arial (Body)"/>
+              </a:rPr>
+              <a:t> </a:t>
+            </a:r>
+            <a:r>
+              <a:rPr lang="en-US" sz="2000" b="0" i="0" dirty="0" err="1">
+                <a:solidFill>
+                  <a:srgbClr val="000000"/>
+                </a:solidFill>
+                <a:effectLst/>
+                <a:latin typeface="Arial (Body)"/>
+              </a:rPr>
+              <a:t>vzdálenost</a:t>
+            </a:r>
+            <a:r>
+              <a:rPr lang="en-US" sz="2000" b="0" i="0" dirty="0">
+                <a:solidFill>
+                  <a:srgbClr val="000000"/>
+                </a:solidFill>
+                <a:effectLst/>
+                <a:latin typeface="Arial (Body)"/>
+              </a:rPr>
+              <a:t>. </a:t>
+            </a:r>
+            <a:r>
+              <a:rPr lang="en-US" sz="2000" b="0" i="0" dirty="0" err="1">
+                <a:solidFill>
+                  <a:srgbClr val="000000"/>
+                </a:solidFill>
+                <a:effectLst/>
+                <a:latin typeface="Arial (Body)"/>
+              </a:rPr>
+              <a:t>Proč</a:t>
+            </a:r>
+            <a:r>
+              <a:rPr lang="en-US" sz="2000" b="0" i="0" dirty="0">
+                <a:solidFill>
+                  <a:srgbClr val="000000"/>
+                </a:solidFill>
+                <a:effectLst/>
+                <a:latin typeface="Arial (Body)"/>
+              </a:rPr>
+              <a:t> ne </a:t>
+            </a:r>
+            <a:r>
+              <a:rPr lang="en-US" sz="2000" b="0" i="0" dirty="0" err="1">
+                <a:solidFill>
+                  <a:srgbClr val="000000"/>
+                </a:solidFill>
+                <a:effectLst/>
+                <a:latin typeface="Arial (Body)"/>
+              </a:rPr>
+              <a:t>Eulerovskou</a:t>
+            </a:r>
+            <a:r>
+              <a:rPr lang="en-US" sz="2000" b="0" i="0" dirty="0">
+                <a:solidFill>
+                  <a:srgbClr val="000000"/>
+                </a:solidFill>
+                <a:effectLst/>
+                <a:latin typeface="Arial (Body)"/>
+              </a:rPr>
+              <a:t>?</a:t>
+            </a:r>
+          </a:p>
+          <a:p>
+            <a:pPr algn="l"/>
+            <a:endParaRPr lang="en-US" sz="2000" dirty="0">
+              <a:latin typeface="Arial (Body)"/>
+            </a:endParaRPr>
+          </a:p>
+        </p:txBody>
+      </p:sp>
+      <p:sp>
+        <p:nvSpPr>
+          <p:cNvPr id="4" name="Title 1">
+            <a:extLst>
+              <a:ext uri="{FF2B5EF4-FFF2-40B4-BE49-F238E27FC236}">
+                <a16:creationId xmlns:a16="http://schemas.microsoft.com/office/drawing/2014/main" id="{DA398ABC-5070-421F-A1AE-EE6F8A331DF9}"/>
+              </a:ext>
+            </a:extLst>
+          </p:cNvPr>
+          <p:cNvSpPr>
+            <a:spLocks noGrp="1"/>
+          </p:cNvSpPr>
+          <p:nvPr>
+            <p:ph type="title"/>
+          </p:nvPr>
+        </p:nvSpPr>
+        <p:spPr>
+          <a:xfrm>
+            <a:off x="457200" y="274638"/>
+            <a:ext cx="8229600" cy="1143000"/>
+          </a:xfrm>
+        </p:spPr>
+        <p:txBody>
+          <a:bodyPr/>
+          <a:lstStyle/>
+          <a:p>
+            <a:r>
+              <a:rPr lang="en-US" dirty="0" err="1"/>
+              <a:t>Ot</a:t>
+            </a:r>
+            <a:r>
+              <a:rPr lang="cs-CZ" dirty="0"/>
+              <a:t>ázky k obhajobě 1/3</a:t>
+            </a:r>
+            <a:endParaRPr lang="en-US" dirty="0"/>
+          </a:p>
+        </p:txBody>
+      </p:sp>
+      <p:pic>
+        <p:nvPicPr>
+          <p:cNvPr id="6" name="Picture 5">
+            <a:extLst>
+              <a:ext uri="{FF2B5EF4-FFF2-40B4-BE49-F238E27FC236}">
+                <a16:creationId xmlns:a16="http://schemas.microsoft.com/office/drawing/2014/main" id="{98A123E7-5935-412A-91A8-B020BDC02C8D}"/>
+              </a:ext>
+            </a:extLst>
+          </p:cNvPr>
+          <p:cNvPicPr>
+            <a:picLocks noChangeAspect="1"/>
+          </p:cNvPicPr>
+          <p:nvPr/>
+        </p:nvPicPr>
+        <p:blipFill>
+          <a:blip r:embed="rId2"/>
+          <a:stretch>
+            <a:fillRect/>
+          </a:stretch>
+        </p:blipFill>
+        <p:spPr>
+          <a:xfrm>
+            <a:off x="3705939" y="1152299"/>
+            <a:ext cx="4978896" cy="4999757"/>
+          </a:xfrm>
+          <a:prstGeom prst="rect">
+            <a:avLst/>
+          </a:prstGeom>
+        </p:spPr>
+      </p:pic>
+    </p:spTree>
+    <p:extLst>
+      <p:ext uri="{BB962C8B-B14F-4D97-AF65-F5344CB8AC3E}">
+        <p14:creationId xmlns:p14="http://schemas.microsoft.com/office/powerpoint/2010/main" val="610302676"/>
+      </p:ext>
+    </p:extLst>
+  </p:cSld>
+  <p:clrMapOvr>
+    <a:masterClrMapping/>
+  </p:clrMapOvr>
+</p:sld>
+</file>
+
 <file path=ppt/slides/slide2.xml><?xml version="1.0" encoding="utf-8"?>
 <p:sld xmlns:a="http://schemas.openxmlformats.org/drawingml/2006/main" xmlns:r="http://schemas.openxmlformats.org/officeDocument/2006/relationships" xmlns:p="http://schemas.openxmlformats.org/presentationml/2006/main">
   <p:cSld>
@@ -5284,15 +5575,1415 @@
         </p:blipFill>
         <p:spPr>
           <a:xfrm>
-            <a:off x="1554691" y="1600200"/>
+            <a:off x="1554691" y="1351309"/>
             <a:ext cx="6034617" cy="4525963"/>
           </a:xfrm>
         </p:spPr>
       </p:pic>
+      <p:sp>
+        <p:nvSpPr>
+          <p:cNvPr id="5" name="Text Placeholder 4">
+            <a:extLst>
+              <a:ext uri="{FF2B5EF4-FFF2-40B4-BE49-F238E27FC236}">
+                <a16:creationId xmlns:a16="http://schemas.microsoft.com/office/drawing/2014/main" id="{4C1C6EF2-F449-4767-8E33-2B21D90EBAC7}"/>
+              </a:ext>
+            </a:extLst>
+          </p:cNvPr>
+          <p:cNvSpPr txBox="1">
+            <a:spLocks/>
+          </p:cNvSpPr>
+          <p:nvPr/>
+        </p:nvSpPr>
+        <p:spPr>
+          <a:xfrm>
+            <a:off x="-13813" y="6157984"/>
+            <a:ext cx="8218487" cy="360065"/>
+          </a:xfrm>
+          <a:prstGeom prst="rect">
+            <a:avLst/>
+          </a:prstGeom>
+        </p:spPr>
+        <p:txBody>
+          <a:bodyPr/>
+          <a:lstStyle>
+            <a:lvl1pPr marL="342900" indent="-342900" algn="l" defTabSz="914400" rtl="0" eaLnBrk="1" latinLnBrk="0" hangingPunct="1">
+              <a:spcBef>
+                <a:spcPct val="20000"/>
+              </a:spcBef>
+              <a:buFont typeface="Arial" panose="020B0604020202020204" pitchFamily="34" charset="0"/>
+              <a:buChar char="•"/>
+              <a:defRPr sz="3200" kern="1200">
+                <a:solidFill>
+                  <a:schemeClr val="tx1"/>
+                </a:solidFill>
+                <a:latin typeface="+mn-lt"/>
+                <a:ea typeface="+mn-ea"/>
+                <a:cs typeface="+mn-cs"/>
+              </a:defRPr>
+            </a:lvl1pPr>
+            <a:lvl2pPr marL="742950" indent="-285750" algn="l" defTabSz="914400" rtl="0" eaLnBrk="1" latinLnBrk="0" hangingPunct="1">
+              <a:spcBef>
+                <a:spcPct val="20000"/>
+              </a:spcBef>
+              <a:buFont typeface="Arial" panose="020B0604020202020204" pitchFamily="34" charset="0"/>
+              <a:buChar char="–"/>
+              <a:defRPr sz="2800" kern="1200">
+                <a:solidFill>
+                  <a:schemeClr val="tx1"/>
+                </a:solidFill>
+                <a:latin typeface="+mn-lt"/>
+                <a:ea typeface="+mn-ea"/>
+                <a:cs typeface="+mn-cs"/>
+              </a:defRPr>
+            </a:lvl2pPr>
+            <a:lvl3pPr marL="1143000" indent="-228600" algn="l" defTabSz="914400" rtl="0" eaLnBrk="1" latinLnBrk="0" hangingPunct="1">
+              <a:spcBef>
+                <a:spcPct val="20000"/>
+              </a:spcBef>
+              <a:buFont typeface="Arial" panose="020B0604020202020204" pitchFamily="34" charset="0"/>
+              <a:buChar char="•"/>
+              <a:defRPr sz="2400" kern="1200">
+                <a:solidFill>
+                  <a:schemeClr val="tx1"/>
+                </a:solidFill>
+                <a:latin typeface="+mn-lt"/>
+                <a:ea typeface="+mn-ea"/>
+                <a:cs typeface="+mn-cs"/>
+              </a:defRPr>
+            </a:lvl3pPr>
+            <a:lvl4pPr marL="1600200" indent="-228600" algn="l" defTabSz="914400" rtl="0" eaLnBrk="1" latinLnBrk="0" hangingPunct="1">
+              <a:spcBef>
+                <a:spcPct val="20000"/>
+              </a:spcBef>
+              <a:buFont typeface="Arial" panose="020B0604020202020204" pitchFamily="34" charset="0"/>
+              <a:buChar char="–"/>
+              <a:defRPr sz="2000" kern="1200">
+                <a:solidFill>
+                  <a:schemeClr val="tx1"/>
+                </a:solidFill>
+                <a:latin typeface="+mn-lt"/>
+                <a:ea typeface="+mn-ea"/>
+                <a:cs typeface="+mn-cs"/>
+              </a:defRPr>
+            </a:lvl4pPr>
+            <a:lvl5pPr marL="2057400" indent="-228600" algn="l" defTabSz="914400" rtl="0" eaLnBrk="1" latinLnBrk="0" hangingPunct="1">
+              <a:spcBef>
+                <a:spcPct val="20000"/>
+              </a:spcBef>
+              <a:buFont typeface="Arial" panose="020B0604020202020204" pitchFamily="34" charset="0"/>
+              <a:buChar char="»"/>
+              <a:defRPr sz="2000" kern="1200">
+                <a:solidFill>
+                  <a:schemeClr val="tx1"/>
+                </a:solidFill>
+                <a:latin typeface="+mn-lt"/>
+                <a:ea typeface="+mn-ea"/>
+                <a:cs typeface="+mn-cs"/>
+              </a:defRPr>
+            </a:lvl5pPr>
+            <a:lvl6pPr marL="2514600" indent="-228600" algn="l" defTabSz="914400" rtl="0" eaLnBrk="1" latinLnBrk="0" hangingPunct="1">
+              <a:spcBef>
+                <a:spcPct val="20000"/>
+              </a:spcBef>
+              <a:buFont typeface="Arial" panose="020B0604020202020204" pitchFamily="34" charset="0"/>
+              <a:buChar char="•"/>
+              <a:defRPr sz="2000" kern="1200">
+                <a:solidFill>
+                  <a:schemeClr val="tx1"/>
+                </a:solidFill>
+                <a:latin typeface="+mn-lt"/>
+                <a:ea typeface="+mn-ea"/>
+                <a:cs typeface="+mn-cs"/>
+              </a:defRPr>
+            </a:lvl6pPr>
+            <a:lvl7pPr marL="2971800" indent="-228600" algn="l" defTabSz="914400" rtl="0" eaLnBrk="1" latinLnBrk="0" hangingPunct="1">
+              <a:spcBef>
+                <a:spcPct val="20000"/>
+              </a:spcBef>
+              <a:buFont typeface="Arial" panose="020B0604020202020204" pitchFamily="34" charset="0"/>
+              <a:buChar char="•"/>
+              <a:defRPr sz="2000" kern="1200">
+                <a:solidFill>
+                  <a:schemeClr val="tx1"/>
+                </a:solidFill>
+                <a:latin typeface="+mn-lt"/>
+                <a:ea typeface="+mn-ea"/>
+                <a:cs typeface="+mn-cs"/>
+              </a:defRPr>
+            </a:lvl7pPr>
+            <a:lvl8pPr marL="3429000" indent="-228600" algn="l" defTabSz="914400" rtl="0" eaLnBrk="1" latinLnBrk="0" hangingPunct="1">
+              <a:spcBef>
+                <a:spcPct val="20000"/>
+              </a:spcBef>
+              <a:buFont typeface="Arial" panose="020B0604020202020204" pitchFamily="34" charset="0"/>
+              <a:buChar char="•"/>
+              <a:defRPr sz="2000" kern="1200">
+                <a:solidFill>
+                  <a:schemeClr val="tx1"/>
+                </a:solidFill>
+                <a:latin typeface="+mn-lt"/>
+                <a:ea typeface="+mn-ea"/>
+                <a:cs typeface="+mn-cs"/>
+              </a:defRPr>
+            </a:lvl8pPr>
+            <a:lvl9pPr marL="3886200" indent="-228600" algn="l" defTabSz="914400" rtl="0" eaLnBrk="1" latinLnBrk="0" hangingPunct="1">
+              <a:spcBef>
+                <a:spcPct val="20000"/>
+              </a:spcBef>
+              <a:buFont typeface="Arial" panose="020B0604020202020204" pitchFamily="34" charset="0"/>
+              <a:buChar char="•"/>
+              <a:defRPr sz="2000" kern="1200">
+                <a:solidFill>
+                  <a:schemeClr val="tx1"/>
+                </a:solidFill>
+                <a:latin typeface="+mn-lt"/>
+                <a:ea typeface="+mn-ea"/>
+                <a:cs typeface="+mn-cs"/>
+              </a:defRPr>
+            </a:lvl9pPr>
+          </a:lstStyle>
+          <a:p>
+            <a:pPr marL="0" indent="0">
+              <a:buNone/>
+            </a:pPr>
+            <a:r>
+              <a:rPr lang="cs-CZ" sz="1050" dirty="0"/>
+              <a:t>Zdroj obrázku: http://orderpickingfastfetch.blogspot.com/2013/01/what-is-pick-to-light-pick-to-light-or.html</a:t>
+            </a:r>
+          </a:p>
+        </p:txBody>
+      </p:sp>
     </p:spTree>
     <p:extLst>
       <p:ext uri="{BB962C8B-B14F-4D97-AF65-F5344CB8AC3E}">
         <p14:creationId xmlns:p14="http://schemas.microsoft.com/office/powerpoint/2010/main" val="3314595399"/>
+      </p:ext>
+    </p:extLst>
+  </p:cSld>
+  <p:clrMapOvr>
+    <a:masterClrMapping/>
+  </p:clrMapOvr>
+</p:sld>
+</file>
+
+<file path=ppt/slides/slide20.xml><?xml version="1.0" encoding="utf-8"?>
+<p:sld xmlns:a="http://schemas.openxmlformats.org/drawingml/2006/main" xmlns:r="http://schemas.openxmlformats.org/officeDocument/2006/relationships" xmlns:p="http://schemas.openxmlformats.org/presentationml/2006/main">
+  <p:cSld>
+    <p:spTree>
+      <p:nvGrpSpPr>
+        <p:cNvPr id="1" name=""/>
+        <p:cNvGrpSpPr/>
+        <p:nvPr/>
+      </p:nvGrpSpPr>
+      <p:grpSpPr>
+        <a:xfrm>
+          <a:off x="0" y="0"/>
+          <a:ext cx="0" cy="0"/>
+          <a:chOff x="0" y="0"/>
+          <a:chExt cx="0" cy="0"/>
+        </a:xfrm>
+      </p:grpSpPr>
+      <p:sp>
+        <p:nvSpPr>
+          <p:cNvPr id="3" name="Content Placeholder 2">
+            <a:extLst>
+              <a:ext uri="{FF2B5EF4-FFF2-40B4-BE49-F238E27FC236}">
+                <a16:creationId xmlns:a16="http://schemas.microsoft.com/office/drawing/2014/main" id="{8E151255-0E6C-4318-ACF8-C40870E70390}"/>
+              </a:ext>
+            </a:extLst>
+          </p:cNvPr>
+          <p:cNvSpPr>
+            <a:spLocks noGrp="1"/>
+          </p:cNvSpPr>
+          <p:nvPr>
+            <p:ph idx="1"/>
+          </p:nvPr>
+        </p:nvSpPr>
+        <p:spPr/>
+        <p:txBody>
+          <a:bodyPr/>
+          <a:lstStyle/>
+          <a:p>
+            <a:pPr marL="342900" indent="-342900" algn="l">
+              <a:buFont typeface="Arial" panose="020B0604020202020204" pitchFamily="34" charset="0"/>
+              <a:buChar char="•"/>
+            </a:pPr>
+            <a:r>
+              <a:rPr lang="en-US" sz="2000" b="0" i="0" dirty="0" err="1">
+                <a:solidFill>
+                  <a:srgbClr val="000000"/>
+                </a:solidFill>
+                <a:effectLst/>
+                <a:latin typeface="Arial (Body)"/>
+              </a:rPr>
+              <a:t>Ve</a:t>
+            </a:r>
+            <a:r>
+              <a:rPr lang="en-US" sz="2000" b="0" i="0" dirty="0">
+                <a:solidFill>
+                  <a:srgbClr val="000000"/>
+                </a:solidFill>
+                <a:effectLst/>
+                <a:latin typeface="Arial (Body)"/>
+              </a:rPr>
+              <a:t> </a:t>
+            </a:r>
+            <a:r>
+              <a:rPr lang="en-US" sz="2000" b="0" i="0" dirty="0" err="1">
+                <a:solidFill>
+                  <a:srgbClr val="000000"/>
+                </a:solidFill>
+                <a:effectLst/>
+                <a:latin typeface="Arial (Body)"/>
+              </a:rPr>
+              <a:t>skladech</a:t>
+            </a:r>
+            <a:r>
+              <a:rPr lang="en-US" sz="2000" b="0" i="0" dirty="0">
+                <a:solidFill>
+                  <a:srgbClr val="000000"/>
+                </a:solidFill>
+                <a:effectLst/>
+                <a:latin typeface="Arial (Body)"/>
+              </a:rPr>
+              <a:t> se </a:t>
+            </a:r>
+            <a:r>
+              <a:rPr lang="en-US" sz="2000" b="0" i="0" dirty="0" err="1">
+                <a:solidFill>
+                  <a:srgbClr val="000000"/>
+                </a:solidFill>
+                <a:effectLst/>
+                <a:latin typeface="Arial (Body)"/>
+              </a:rPr>
+              <a:t>položky</a:t>
+            </a:r>
+            <a:r>
+              <a:rPr lang="en-US" sz="2000" b="0" i="0" dirty="0">
+                <a:solidFill>
+                  <a:srgbClr val="000000"/>
+                </a:solidFill>
+                <a:effectLst/>
+                <a:latin typeface="Arial (Body)"/>
+              </a:rPr>
+              <a:t> </a:t>
+            </a:r>
+            <a:r>
+              <a:rPr lang="en-US" sz="2000" b="0" i="0" dirty="0" err="1">
+                <a:solidFill>
+                  <a:srgbClr val="000000"/>
+                </a:solidFill>
+                <a:effectLst/>
+                <a:latin typeface="Arial (Body)"/>
+              </a:rPr>
+              <a:t>pokládají</a:t>
+            </a:r>
+            <a:r>
+              <a:rPr lang="en-US" sz="2000" b="0" i="0" dirty="0">
+                <a:solidFill>
+                  <a:srgbClr val="000000"/>
+                </a:solidFill>
+                <a:effectLst/>
+                <a:latin typeface="Arial (Body)"/>
+              </a:rPr>
+              <a:t> </a:t>
+            </a:r>
+            <a:r>
+              <a:rPr lang="en-US" sz="2000" b="0" i="0" dirty="0" err="1">
+                <a:solidFill>
+                  <a:srgbClr val="000000"/>
+                </a:solidFill>
+                <a:effectLst/>
+                <a:latin typeface="Arial (Body)"/>
+              </a:rPr>
+              <a:t>nad</a:t>
+            </a:r>
+            <a:r>
+              <a:rPr lang="en-US" sz="2000" b="0" i="0" dirty="0">
+                <a:solidFill>
+                  <a:srgbClr val="000000"/>
+                </a:solidFill>
+                <a:effectLst/>
+                <a:latin typeface="Arial (Body)"/>
+              </a:rPr>
+              <a:t> </a:t>
+            </a:r>
+            <a:r>
+              <a:rPr lang="en-US" sz="2000" b="0" i="0" dirty="0" err="1">
+                <a:solidFill>
+                  <a:srgbClr val="000000"/>
+                </a:solidFill>
+                <a:effectLst/>
+                <a:latin typeface="Arial (Body)"/>
+              </a:rPr>
+              <a:t>sebe</a:t>
+            </a:r>
+            <a:r>
+              <a:rPr lang="en-US" sz="2000" b="0" i="0" dirty="0">
+                <a:solidFill>
+                  <a:srgbClr val="000000"/>
+                </a:solidFill>
+                <a:effectLst/>
+                <a:latin typeface="Arial (Body)"/>
+              </a:rPr>
+              <a:t> do </a:t>
+            </a:r>
+            <a:r>
+              <a:rPr lang="en-US" sz="2000" b="0" i="0" dirty="0" err="1">
+                <a:solidFill>
+                  <a:srgbClr val="000000"/>
+                </a:solidFill>
+                <a:effectLst/>
+                <a:latin typeface="Arial (Body)"/>
+              </a:rPr>
+              <a:t>polic</a:t>
+            </a:r>
+            <a:r>
+              <a:rPr lang="en-US" sz="2000" b="0" i="0" dirty="0">
+                <a:solidFill>
+                  <a:srgbClr val="000000"/>
+                </a:solidFill>
+                <a:effectLst/>
+                <a:latin typeface="Arial (Body)"/>
+              </a:rPr>
+              <a:t>. Jak by </a:t>
+            </a:r>
+            <a:r>
+              <a:rPr lang="en-US" sz="2000" b="0" i="0" dirty="0" err="1">
+                <a:solidFill>
+                  <a:srgbClr val="000000"/>
+                </a:solidFill>
+                <a:effectLst/>
+                <a:latin typeface="Arial (Body)"/>
+              </a:rPr>
+              <a:t>jste</a:t>
+            </a:r>
+            <a:r>
+              <a:rPr lang="en-US" sz="2000" b="0" i="0" dirty="0">
+                <a:solidFill>
+                  <a:srgbClr val="000000"/>
+                </a:solidFill>
+                <a:effectLst/>
+                <a:latin typeface="Arial (Body)"/>
+              </a:rPr>
+              <a:t> police </a:t>
+            </a:r>
+            <a:r>
+              <a:rPr lang="en-US" sz="2000" b="0" i="0" dirty="0" err="1">
+                <a:solidFill>
+                  <a:srgbClr val="000000"/>
+                </a:solidFill>
+                <a:effectLst/>
+                <a:latin typeface="Arial (Body)"/>
+              </a:rPr>
+              <a:t>simuloval</a:t>
+            </a:r>
+            <a:r>
+              <a:rPr lang="en-US" sz="2000" b="0" i="0" dirty="0">
+                <a:solidFill>
+                  <a:srgbClr val="000000"/>
+                </a:solidFill>
+                <a:effectLst/>
+                <a:latin typeface="Arial (Body)"/>
+              </a:rPr>
+              <a:t> </a:t>
+            </a:r>
+            <a:r>
+              <a:rPr lang="en-US" sz="2000" b="0" i="0" dirty="0" err="1">
+                <a:solidFill>
+                  <a:srgbClr val="000000"/>
+                </a:solidFill>
+                <a:effectLst/>
+                <a:latin typeface="Arial (Body)"/>
+              </a:rPr>
+              <a:t>ve</a:t>
+            </a:r>
+            <a:r>
+              <a:rPr lang="en-US" sz="2000" b="0" i="0" dirty="0">
+                <a:solidFill>
+                  <a:srgbClr val="000000"/>
+                </a:solidFill>
+                <a:effectLst/>
+                <a:latin typeface="Arial (Body)"/>
+              </a:rPr>
+              <a:t> </a:t>
+            </a:r>
+            <a:r>
+              <a:rPr lang="en-US" sz="2000" b="0" i="0" dirty="0" err="1">
+                <a:solidFill>
+                  <a:srgbClr val="000000"/>
+                </a:solidFill>
+                <a:effectLst/>
+                <a:latin typeface="Arial (Body)"/>
+              </a:rPr>
+              <a:t>Vaší</a:t>
+            </a:r>
+            <a:r>
+              <a:rPr lang="en-US" sz="2000" b="0" i="0" dirty="0">
+                <a:solidFill>
+                  <a:srgbClr val="000000"/>
+                </a:solidFill>
+                <a:effectLst/>
+                <a:latin typeface="Arial (Body)"/>
+              </a:rPr>
+              <a:t> 2D </a:t>
+            </a:r>
+            <a:r>
+              <a:rPr lang="en-US" sz="2000" b="0" i="0" dirty="0" err="1">
+                <a:solidFill>
+                  <a:srgbClr val="000000"/>
+                </a:solidFill>
+                <a:effectLst/>
+                <a:latin typeface="Arial (Body)"/>
+              </a:rPr>
+              <a:t>implementaci</a:t>
+            </a:r>
+            <a:r>
+              <a:rPr lang="en-US" sz="2000" b="0" i="0" dirty="0">
+                <a:solidFill>
+                  <a:srgbClr val="000000"/>
+                </a:solidFill>
+                <a:effectLst/>
+                <a:latin typeface="Arial (Body)"/>
+              </a:rPr>
+              <a:t>?</a:t>
+            </a:r>
+          </a:p>
+        </p:txBody>
+      </p:sp>
+      <p:sp>
+        <p:nvSpPr>
+          <p:cNvPr id="4" name="Title 1">
+            <a:extLst>
+              <a:ext uri="{FF2B5EF4-FFF2-40B4-BE49-F238E27FC236}">
+                <a16:creationId xmlns:a16="http://schemas.microsoft.com/office/drawing/2014/main" id="{DA398ABC-5070-421F-A1AE-EE6F8A331DF9}"/>
+              </a:ext>
+            </a:extLst>
+          </p:cNvPr>
+          <p:cNvSpPr>
+            <a:spLocks noGrp="1"/>
+          </p:cNvSpPr>
+          <p:nvPr>
+            <p:ph type="title"/>
+          </p:nvPr>
+        </p:nvSpPr>
+        <p:spPr>
+          <a:xfrm>
+            <a:off x="457200" y="274638"/>
+            <a:ext cx="8229600" cy="1143000"/>
+          </a:xfrm>
+        </p:spPr>
+        <p:txBody>
+          <a:bodyPr/>
+          <a:lstStyle/>
+          <a:p>
+            <a:r>
+              <a:rPr lang="en-US" dirty="0" err="1"/>
+              <a:t>Ot</a:t>
+            </a:r>
+            <a:r>
+              <a:rPr lang="cs-CZ" dirty="0"/>
+              <a:t>ázky k obhajobě 2/3</a:t>
+            </a:r>
+            <a:endParaRPr lang="en-US" dirty="0"/>
+          </a:p>
+        </p:txBody>
+      </p:sp>
+      <p:pic>
+        <p:nvPicPr>
+          <p:cNvPr id="5" name="Picture 4">
+            <a:extLst>
+              <a:ext uri="{FF2B5EF4-FFF2-40B4-BE49-F238E27FC236}">
+                <a16:creationId xmlns:a16="http://schemas.microsoft.com/office/drawing/2014/main" id="{D4A82D9B-305B-4138-9C12-CE4CE86D2E57}"/>
+              </a:ext>
+            </a:extLst>
+          </p:cNvPr>
+          <p:cNvPicPr>
+            <a:picLocks noChangeAspect="1"/>
+          </p:cNvPicPr>
+          <p:nvPr/>
+        </p:nvPicPr>
+        <p:blipFill>
+          <a:blip r:embed="rId2"/>
+          <a:stretch>
+            <a:fillRect/>
+          </a:stretch>
+        </p:blipFill>
+        <p:spPr>
+          <a:xfrm>
+            <a:off x="128300" y="2442624"/>
+            <a:ext cx="5019764" cy="3724341"/>
+          </a:xfrm>
+          <a:prstGeom prst="rect">
+            <a:avLst/>
+          </a:prstGeom>
+        </p:spPr>
+      </p:pic>
+      <p:pic>
+        <p:nvPicPr>
+          <p:cNvPr id="7" name="Picture 6">
+            <a:extLst>
+              <a:ext uri="{FF2B5EF4-FFF2-40B4-BE49-F238E27FC236}">
+                <a16:creationId xmlns:a16="http://schemas.microsoft.com/office/drawing/2014/main" id="{D06169C4-AF9D-4FD0-A608-2EEF5AE6F51C}"/>
+              </a:ext>
+            </a:extLst>
+          </p:cNvPr>
+          <p:cNvPicPr>
+            <a:picLocks noChangeAspect="1"/>
+          </p:cNvPicPr>
+          <p:nvPr/>
+        </p:nvPicPr>
+        <p:blipFill>
+          <a:blip r:embed="rId3"/>
+          <a:stretch>
+            <a:fillRect/>
+          </a:stretch>
+        </p:blipFill>
+        <p:spPr>
+          <a:xfrm>
+            <a:off x="5292080" y="2442624"/>
+            <a:ext cx="3700264" cy="2811670"/>
+          </a:xfrm>
+          <a:prstGeom prst="rect">
+            <a:avLst/>
+          </a:prstGeom>
+        </p:spPr>
+      </p:pic>
+      <p:pic>
+        <p:nvPicPr>
+          <p:cNvPr id="13" name="Picture 12">
+            <a:extLst>
+              <a:ext uri="{FF2B5EF4-FFF2-40B4-BE49-F238E27FC236}">
+                <a16:creationId xmlns:a16="http://schemas.microsoft.com/office/drawing/2014/main" id="{518299CF-0B65-4BAA-991B-96F40CD2646B}"/>
+              </a:ext>
+            </a:extLst>
+          </p:cNvPr>
+          <p:cNvPicPr>
+            <a:picLocks noChangeAspect="1"/>
+          </p:cNvPicPr>
+          <p:nvPr/>
+        </p:nvPicPr>
+        <p:blipFill>
+          <a:blip r:embed="rId4"/>
+          <a:stretch>
+            <a:fillRect/>
+          </a:stretch>
+        </p:blipFill>
+        <p:spPr>
+          <a:xfrm>
+            <a:off x="5290178" y="5532404"/>
+            <a:ext cx="3700264" cy="297343"/>
+          </a:xfrm>
+          <a:prstGeom prst="rect">
+            <a:avLst/>
+          </a:prstGeom>
+        </p:spPr>
+      </p:pic>
+      <p:sp>
+        <p:nvSpPr>
+          <p:cNvPr id="14" name="Text Placeholder 4">
+            <a:extLst>
+              <a:ext uri="{FF2B5EF4-FFF2-40B4-BE49-F238E27FC236}">
+                <a16:creationId xmlns:a16="http://schemas.microsoft.com/office/drawing/2014/main" id="{6697A30E-1589-424B-8DAF-56287CE406D8}"/>
+              </a:ext>
+            </a:extLst>
+          </p:cNvPr>
+          <p:cNvSpPr txBox="1">
+            <a:spLocks/>
+          </p:cNvSpPr>
+          <p:nvPr/>
+        </p:nvSpPr>
+        <p:spPr>
+          <a:xfrm>
+            <a:off x="-13813" y="6165304"/>
+            <a:ext cx="8218487" cy="360065"/>
+          </a:xfrm>
+          <a:prstGeom prst="rect">
+            <a:avLst/>
+          </a:prstGeom>
+        </p:spPr>
+        <p:txBody>
+          <a:bodyPr/>
+          <a:lstStyle>
+            <a:lvl1pPr marL="342900" indent="-342900" algn="l" defTabSz="914400" rtl="0" eaLnBrk="1" latinLnBrk="0" hangingPunct="1">
+              <a:spcBef>
+                <a:spcPct val="20000"/>
+              </a:spcBef>
+              <a:buFont typeface="Arial" panose="020B0604020202020204" pitchFamily="34" charset="0"/>
+              <a:buChar char="•"/>
+              <a:defRPr sz="3200" kern="1200">
+                <a:solidFill>
+                  <a:schemeClr val="tx1"/>
+                </a:solidFill>
+                <a:latin typeface="+mn-lt"/>
+                <a:ea typeface="+mn-ea"/>
+                <a:cs typeface="+mn-cs"/>
+              </a:defRPr>
+            </a:lvl1pPr>
+            <a:lvl2pPr marL="742950" indent="-285750" algn="l" defTabSz="914400" rtl="0" eaLnBrk="1" latinLnBrk="0" hangingPunct="1">
+              <a:spcBef>
+                <a:spcPct val="20000"/>
+              </a:spcBef>
+              <a:buFont typeface="Arial" panose="020B0604020202020204" pitchFamily="34" charset="0"/>
+              <a:buChar char="–"/>
+              <a:defRPr sz="2800" kern="1200">
+                <a:solidFill>
+                  <a:schemeClr val="tx1"/>
+                </a:solidFill>
+                <a:latin typeface="+mn-lt"/>
+                <a:ea typeface="+mn-ea"/>
+                <a:cs typeface="+mn-cs"/>
+              </a:defRPr>
+            </a:lvl2pPr>
+            <a:lvl3pPr marL="1143000" indent="-228600" algn="l" defTabSz="914400" rtl="0" eaLnBrk="1" latinLnBrk="0" hangingPunct="1">
+              <a:spcBef>
+                <a:spcPct val="20000"/>
+              </a:spcBef>
+              <a:buFont typeface="Arial" panose="020B0604020202020204" pitchFamily="34" charset="0"/>
+              <a:buChar char="•"/>
+              <a:defRPr sz="2400" kern="1200">
+                <a:solidFill>
+                  <a:schemeClr val="tx1"/>
+                </a:solidFill>
+                <a:latin typeface="+mn-lt"/>
+                <a:ea typeface="+mn-ea"/>
+                <a:cs typeface="+mn-cs"/>
+              </a:defRPr>
+            </a:lvl3pPr>
+            <a:lvl4pPr marL="1600200" indent="-228600" algn="l" defTabSz="914400" rtl="0" eaLnBrk="1" latinLnBrk="0" hangingPunct="1">
+              <a:spcBef>
+                <a:spcPct val="20000"/>
+              </a:spcBef>
+              <a:buFont typeface="Arial" panose="020B0604020202020204" pitchFamily="34" charset="0"/>
+              <a:buChar char="–"/>
+              <a:defRPr sz="2000" kern="1200">
+                <a:solidFill>
+                  <a:schemeClr val="tx1"/>
+                </a:solidFill>
+                <a:latin typeface="+mn-lt"/>
+                <a:ea typeface="+mn-ea"/>
+                <a:cs typeface="+mn-cs"/>
+              </a:defRPr>
+            </a:lvl4pPr>
+            <a:lvl5pPr marL="2057400" indent="-228600" algn="l" defTabSz="914400" rtl="0" eaLnBrk="1" latinLnBrk="0" hangingPunct="1">
+              <a:spcBef>
+                <a:spcPct val="20000"/>
+              </a:spcBef>
+              <a:buFont typeface="Arial" panose="020B0604020202020204" pitchFamily="34" charset="0"/>
+              <a:buChar char="»"/>
+              <a:defRPr sz="2000" kern="1200">
+                <a:solidFill>
+                  <a:schemeClr val="tx1"/>
+                </a:solidFill>
+                <a:latin typeface="+mn-lt"/>
+                <a:ea typeface="+mn-ea"/>
+                <a:cs typeface="+mn-cs"/>
+              </a:defRPr>
+            </a:lvl5pPr>
+            <a:lvl6pPr marL="2514600" indent="-228600" algn="l" defTabSz="914400" rtl="0" eaLnBrk="1" latinLnBrk="0" hangingPunct="1">
+              <a:spcBef>
+                <a:spcPct val="20000"/>
+              </a:spcBef>
+              <a:buFont typeface="Arial" panose="020B0604020202020204" pitchFamily="34" charset="0"/>
+              <a:buChar char="•"/>
+              <a:defRPr sz="2000" kern="1200">
+                <a:solidFill>
+                  <a:schemeClr val="tx1"/>
+                </a:solidFill>
+                <a:latin typeface="+mn-lt"/>
+                <a:ea typeface="+mn-ea"/>
+                <a:cs typeface="+mn-cs"/>
+              </a:defRPr>
+            </a:lvl6pPr>
+            <a:lvl7pPr marL="2971800" indent="-228600" algn="l" defTabSz="914400" rtl="0" eaLnBrk="1" latinLnBrk="0" hangingPunct="1">
+              <a:spcBef>
+                <a:spcPct val="20000"/>
+              </a:spcBef>
+              <a:buFont typeface="Arial" panose="020B0604020202020204" pitchFamily="34" charset="0"/>
+              <a:buChar char="•"/>
+              <a:defRPr sz="2000" kern="1200">
+                <a:solidFill>
+                  <a:schemeClr val="tx1"/>
+                </a:solidFill>
+                <a:latin typeface="+mn-lt"/>
+                <a:ea typeface="+mn-ea"/>
+                <a:cs typeface="+mn-cs"/>
+              </a:defRPr>
+            </a:lvl7pPr>
+            <a:lvl8pPr marL="3429000" indent="-228600" algn="l" defTabSz="914400" rtl="0" eaLnBrk="1" latinLnBrk="0" hangingPunct="1">
+              <a:spcBef>
+                <a:spcPct val="20000"/>
+              </a:spcBef>
+              <a:buFont typeface="Arial" panose="020B0604020202020204" pitchFamily="34" charset="0"/>
+              <a:buChar char="•"/>
+              <a:defRPr sz="2000" kern="1200">
+                <a:solidFill>
+                  <a:schemeClr val="tx1"/>
+                </a:solidFill>
+                <a:latin typeface="+mn-lt"/>
+                <a:ea typeface="+mn-ea"/>
+                <a:cs typeface="+mn-cs"/>
+              </a:defRPr>
+            </a:lvl8pPr>
+            <a:lvl9pPr marL="3886200" indent="-228600" algn="l" defTabSz="914400" rtl="0" eaLnBrk="1" latinLnBrk="0" hangingPunct="1">
+              <a:spcBef>
+                <a:spcPct val="20000"/>
+              </a:spcBef>
+              <a:buFont typeface="Arial" panose="020B0604020202020204" pitchFamily="34" charset="0"/>
+              <a:buChar char="•"/>
+              <a:defRPr sz="2000" kern="1200">
+                <a:solidFill>
+                  <a:schemeClr val="tx1"/>
+                </a:solidFill>
+                <a:latin typeface="+mn-lt"/>
+                <a:ea typeface="+mn-ea"/>
+                <a:cs typeface="+mn-cs"/>
+              </a:defRPr>
+            </a:lvl9pPr>
+          </a:lstStyle>
+          <a:p>
+            <a:pPr marL="0" indent="0">
+              <a:buNone/>
+            </a:pPr>
+            <a:r>
+              <a:rPr lang="cs-CZ" sz="1050" dirty="0"/>
+              <a:t>Zdroj obrázku</a:t>
+            </a:r>
+            <a:r>
+              <a:rPr lang="en-US" sz="1050" dirty="0"/>
+              <a:t> (</a:t>
+            </a:r>
+            <a:r>
+              <a:rPr lang="cs-CZ" sz="1050" dirty="0"/>
+              <a:t>upraveno</a:t>
+            </a:r>
+            <a:r>
+              <a:rPr lang="en-US" sz="1050" dirty="0"/>
+              <a:t>)</a:t>
+            </a:r>
+            <a:r>
+              <a:rPr lang="cs-CZ" sz="1050" dirty="0"/>
+              <a:t>: http://orderpickingfastfetch.blogspot.com/2013/01/what-is-pick-to-light-pick-to-light-or.html</a:t>
+            </a:r>
+          </a:p>
+        </p:txBody>
+      </p:sp>
+    </p:spTree>
+    <p:extLst>
+      <p:ext uri="{BB962C8B-B14F-4D97-AF65-F5344CB8AC3E}">
+        <p14:creationId xmlns:p14="http://schemas.microsoft.com/office/powerpoint/2010/main" val="2261542390"/>
+      </p:ext>
+    </p:extLst>
+  </p:cSld>
+  <p:clrMapOvr>
+    <a:masterClrMapping/>
+  </p:clrMapOvr>
+</p:sld>
+</file>
+
+<file path=ppt/slides/slide21.xml><?xml version="1.0" encoding="utf-8"?>
+<p:sld xmlns:a="http://schemas.openxmlformats.org/drawingml/2006/main" xmlns:r="http://schemas.openxmlformats.org/officeDocument/2006/relationships" xmlns:p="http://schemas.openxmlformats.org/presentationml/2006/main">
+  <p:cSld>
+    <p:spTree>
+      <p:nvGrpSpPr>
+        <p:cNvPr id="1" name=""/>
+        <p:cNvGrpSpPr/>
+        <p:nvPr/>
+      </p:nvGrpSpPr>
+      <p:grpSpPr>
+        <a:xfrm>
+          <a:off x="0" y="0"/>
+          <a:ext cx="0" cy="0"/>
+          <a:chOff x="0" y="0"/>
+          <a:chExt cx="0" cy="0"/>
+        </a:xfrm>
+      </p:grpSpPr>
+      <p:sp>
+        <p:nvSpPr>
+          <p:cNvPr id="2" name="Title 1">
+            <a:extLst>
+              <a:ext uri="{FF2B5EF4-FFF2-40B4-BE49-F238E27FC236}">
+                <a16:creationId xmlns:a16="http://schemas.microsoft.com/office/drawing/2014/main" id="{21B1281F-FD5E-4A5F-9C73-7E6A721E63F7}"/>
+              </a:ext>
+            </a:extLst>
+          </p:cNvPr>
+          <p:cNvSpPr>
+            <a:spLocks noGrp="1"/>
+          </p:cNvSpPr>
+          <p:nvPr>
+            <p:ph type="title"/>
+          </p:nvPr>
+        </p:nvSpPr>
+        <p:spPr/>
+        <p:txBody>
+          <a:bodyPr/>
+          <a:lstStyle/>
+          <a:p>
+            <a:r>
+              <a:rPr lang="en-US" dirty="0" err="1"/>
+              <a:t>Ot</a:t>
+            </a:r>
+            <a:r>
+              <a:rPr lang="cs-CZ" dirty="0"/>
+              <a:t>ázky k obhajobě 3/3</a:t>
+            </a:r>
+            <a:endParaRPr lang="en-US" dirty="0"/>
+          </a:p>
+        </p:txBody>
+      </p:sp>
+      <p:sp>
+        <p:nvSpPr>
+          <p:cNvPr id="3" name="Content Placeholder 2">
+            <a:extLst>
+              <a:ext uri="{FF2B5EF4-FFF2-40B4-BE49-F238E27FC236}">
+                <a16:creationId xmlns:a16="http://schemas.microsoft.com/office/drawing/2014/main" id="{4D8DDF11-EA83-4EFA-8B60-B002228EA530}"/>
+              </a:ext>
+            </a:extLst>
+          </p:cNvPr>
+          <p:cNvSpPr>
+            <a:spLocks noGrp="1"/>
+          </p:cNvSpPr>
+          <p:nvPr>
+            <p:ph idx="1"/>
+          </p:nvPr>
+        </p:nvSpPr>
+        <p:spPr>
+          <a:xfrm>
+            <a:off x="457200" y="1600201"/>
+            <a:ext cx="8229600" cy="820688"/>
+          </a:xfrm>
+        </p:spPr>
+        <p:txBody>
+          <a:bodyPr/>
+          <a:lstStyle/>
+          <a:p>
+            <a:pPr marL="457200" indent="-457200" algn="l">
+              <a:buFont typeface="Arial" panose="020B0604020202020204" pitchFamily="34" charset="0"/>
+              <a:buChar char="•"/>
+            </a:pPr>
+            <a:r>
+              <a:rPr lang="en-US" sz="2000" b="0" i="0" dirty="0" err="1">
+                <a:solidFill>
+                  <a:srgbClr val="000000"/>
+                </a:solidFill>
+                <a:effectLst/>
+                <a:latin typeface="Arial (Body)"/>
+              </a:rPr>
+              <a:t>Objednávky</a:t>
+            </a:r>
+            <a:r>
+              <a:rPr lang="en-US" sz="2000" b="0" i="0" dirty="0">
+                <a:solidFill>
+                  <a:srgbClr val="000000"/>
+                </a:solidFill>
+                <a:effectLst/>
+                <a:latin typeface="Arial (Body)"/>
+              </a:rPr>
+              <a:t> </a:t>
+            </a:r>
+            <a:r>
+              <a:rPr lang="en-US" sz="2000" b="0" i="0" dirty="0" err="1">
+                <a:solidFill>
+                  <a:srgbClr val="000000"/>
+                </a:solidFill>
+                <a:effectLst/>
+                <a:latin typeface="Arial (Body)"/>
+              </a:rPr>
+              <a:t>vytváříte</a:t>
+            </a:r>
+            <a:r>
+              <a:rPr lang="en-US" sz="2000" b="0" i="0" dirty="0">
+                <a:solidFill>
+                  <a:srgbClr val="000000"/>
+                </a:solidFill>
+                <a:effectLst/>
+                <a:latin typeface="Arial (Body)"/>
+              </a:rPr>
+              <a:t> v </a:t>
+            </a:r>
+            <a:r>
+              <a:rPr lang="en-US" sz="2000" b="0" i="0" dirty="0" err="1">
+                <a:solidFill>
+                  <a:srgbClr val="000000"/>
+                </a:solidFill>
+                <a:effectLst/>
+                <a:latin typeface="Arial (Body)"/>
+              </a:rPr>
+              <a:t>časových</a:t>
+            </a:r>
+            <a:r>
+              <a:rPr lang="en-US" sz="2000" b="0" i="0" dirty="0">
+                <a:solidFill>
+                  <a:srgbClr val="000000"/>
+                </a:solidFill>
+                <a:effectLst/>
+                <a:latin typeface="Arial (Body)"/>
+              </a:rPr>
+              <a:t> </a:t>
+            </a:r>
+            <a:r>
+              <a:rPr lang="en-US" sz="2000" b="0" i="0" dirty="0" err="1">
+                <a:solidFill>
+                  <a:srgbClr val="000000"/>
+                </a:solidFill>
+                <a:effectLst/>
+                <a:latin typeface="Arial (Body)"/>
+              </a:rPr>
+              <a:t>intervalech</a:t>
+            </a:r>
+            <a:r>
+              <a:rPr lang="en-US" sz="2000" b="0" i="0" dirty="0">
+                <a:solidFill>
+                  <a:srgbClr val="000000"/>
+                </a:solidFill>
+                <a:effectLst/>
+                <a:latin typeface="Arial (Body)"/>
+              </a:rPr>
+              <a:t> </a:t>
+            </a:r>
+            <a:r>
+              <a:rPr lang="en-US" sz="2000" b="0" i="0" dirty="0" err="1">
+                <a:solidFill>
+                  <a:srgbClr val="000000"/>
+                </a:solidFill>
+                <a:effectLst/>
+                <a:latin typeface="Arial (Body)"/>
+              </a:rPr>
+              <a:t>daných</a:t>
+            </a:r>
+            <a:r>
+              <a:rPr lang="en-US" sz="2000" b="0" i="0" dirty="0">
+                <a:solidFill>
+                  <a:srgbClr val="000000"/>
+                </a:solidFill>
+                <a:effectLst/>
+                <a:latin typeface="Arial (Body)"/>
+              </a:rPr>
+              <a:t> </a:t>
+            </a:r>
+            <a:r>
+              <a:rPr lang="en-US" sz="2000" b="0" i="0" dirty="0" err="1">
+                <a:solidFill>
+                  <a:srgbClr val="000000"/>
+                </a:solidFill>
+                <a:effectLst/>
+                <a:latin typeface="Arial (Body)"/>
+              </a:rPr>
+              <a:t>exponenciálním</a:t>
+            </a:r>
+            <a:r>
+              <a:rPr lang="en-US" sz="2000" b="0" i="0" dirty="0">
+                <a:solidFill>
+                  <a:srgbClr val="000000"/>
+                </a:solidFill>
+                <a:effectLst/>
+                <a:latin typeface="Arial (Body)"/>
+              </a:rPr>
+              <a:t> </a:t>
+            </a:r>
+            <a:r>
+              <a:rPr lang="en-US" sz="2000" b="0" i="0" dirty="0" err="1">
+                <a:solidFill>
+                  <a:srgbClr val="000000"/>
+                </a:solidFill>
+                <a:effectLst/>
+                <a:latin typeface="Arial (Body)"/>
+              </a:rPr>
+              <a:t>rozložením</a:t>
+            </a:r>
+            <a:r>
+              <a:rPr lang="en-US" sz="2000" b="0" i="0" dirty="0">
+                <a:solidFill>
+                  <a:srgbClr val="000000"/>
+                </a:solidFill>
+                <a:effectLst/>
+                <a:latin typeface="Arial (Body)"/>
+              </a:rPr>
+              <a:t>. </a:t>
+            </a:r>
+            <a:r>
+              <a:rPr lang="en-US" sz="2000" b="0" i="0" dirty="0" err="1">
+                <a:solidFill>
+                  <a:srgbClr val="000000"/>
+                </a:solidFill>
+                <a:effectLst/>
+                <a:latin typeface="Arial (Body)"/>
+              </a:rPr>
+              <a:t>Jaký</a:t>
+            </a:r>
+            <a:r>
+              <a:rPr lang="en-US" sz="2000" b="0" i="0" dirty="0">
+                <a:solidFill>
+                  <a:srgbClr val="000000"/>
+                </a:solidFill>
+                <a:effectLst/>
+                <a:latin typeface="Arial (Body)"/>
+              </a:rPr>
+              <a:t> model by </a:t>
+            </a:r>
+            <a:r>
+              <a:rPr lang="en-US" sz="2000" b="0" i="0" dirty="0" err="1">
+                <a:solidFill>
+                  <a:srgbClr val="000000"/>
+                </a:solidFill>
+                <a:effectLst/>
+                <a:latin typeface="Arial (Body)"/>
+              </a:rPr>
+              <a:t>mohl</a:t>
+            </a:r>
+            <a:r>
+              <a:rPr lang="en-US" sz="2000" b="0" i="0" dirty="0">
+                <a:solidFill>
+                  <a:srgbClr val="000000"/>
+                </a:solidFill>
+                <a:effectLst/>
+                <a:latin typeface="Arial (Body)"/>
+              </a:rPr>
+              <a:t> </a:t>
+            </a:r>
+            <a:r>
+              <a:rPr lang="en-US" sz="2000" b="0" i="0" dirty="0" err="1">
+                <a:solidFill>
+                  <a:srgbClr val="000000"/>
+                </a:solidFill>
+                <a:effectLst/>
+                <a:latin typeface="Arial (Body)"/>
+              </a:rPr>
+              <a:t>být</a:t>
+            </a:r>
+            <a:r>
+              <a:rPr lang="en-US" sz="2000" b="0" i="0" dirty="0">
+                <a:solidFill>
+                  <a:srgbClr val="000000"/>
+                </a:solidFill>
+                <a:effectLst/>
+                <a:latin typeface="Arial (Body)"/>
+              </a:rPr>
+              <a:t> </a:t>
+            </a:r>
+            <a:r>
+              <a:rPr lang="en-US" sz="2000" b="0" i="0" dirty="0" err="1">
+                <a:solidFill>
+                  <a:srgbClr val="000000"/>
+                </a:solidFill>
+                <a:effectLst/>
+                <a:latin typeface="Arial (Body)"/>
+              </a:rPr>
+              <a:t>bližší</a:t>
+            </a:r>
+            <a:r>
+              <a:rPr lang="en-US" sz="2000" b="0" i="0" dirty="0">
+                <a:solidFill>
+                  <a:srgbClr val="000000"/>
+                </a:solidFill>
+                <a:effectLst/>
+                <a:latin typeface="Arial (Body)"/>
+              </a:rPr>
+              <a:t> </a:t>
+            </a:r>
+            <a:r>
+              <a:rPr lang="en-US" sz="2000" b="0" i="0" dirty="0" err="1">
+                <a:solidFill>
+                  <a:srgbClr val="000000"/>
+                </a:solidFill>
+                <a:effectLst/>
+                <a:latin typeface="Arial (Body)"/>
+              </a:rPr>
+              <a:t>realitě</a:t>
+            </a:r>
+            <a:r>
+              <a:rPr lang="en-US" sz="2000" b="0" i="0" dirty="0">
+                <a:solidFill>
+                  <a:srgbClr val="000000"/>
+                </a:solidFill>
+                <a:effectLst/>
+                <a:latin typeface="Arial (Body)"/>
+              </a:rPr>
+              <a:t>?</a:t>
+            </a:r>
+            <a:endParaRPr lang="cs-CZ" sz="2000" dirty="0">
+              <a:solidFill>
+                <a:srgbClr val="000000"/>
+              </a:solidFill>
+              <a:latin typeface="Arial (Body)"/>
+            </a:endParaRPr>
+          </a:p>
+          <a:p>
+            <a:pPr algn="l"/>
+            <a:endParaRPr lang="en-US" sz="2000" b="0" i="0" dirty="0">
+              <a:solidFill>
+                <a:srgbClr val="000000"/>
+              </a:solidFill>
+              <a:effectLst/>
+              <a:latin typeface="Arial (Body)"/>
+            </a:endParaRPr>
+          </a:p>
+          <a:p>
+            <a:pPr marL="457200" indent="-457200">
+              <a:buFont typeface="Arial" panose="020B0604020202020204" pitchFamily="34" charset="0"/>
+              <a:buChar char="•"/>
+            </a:pPr>
+            <a:endParaRPr lang="en-US" dirty="0">
+              <a:latin typeface="Arial (Body)"/>
+            </a:endParaRPr>
+          </a:p>
+        </p:txBody>
+      </p:sp>
+      <p:pic>
+        <p:nvPicPr>
+          <p:cNvPr id="5" name="Picture 4">
+            <a:extLst>
+              <a:ext uri="{FF2B5EF4-FFF2-40B4-BE49-F238E27FC236}">
+                <a16:creationId xmlns:a16="http://schemas.microsoft.com/office/drawing/2014/main" id="{2A755D70-52BD-4ABE-9BBC-C9365282D0A1}"/>
+              </a:ext>
+            </a:extLst>
+          </p:cNvPr>
+          <p:cNvPicPr>
+            <a:picLocks noChangeAspect="1"/>
+          </p:cNvPicPr>
+          <p:nvPr/>
+        </p:nvPicPr>
+        <p:blipFill>
+          <a:blip r:embed="rId2"/>
+          <a:stretch>
+            <a:fillRect/>
+          </a:stretch>
+        </p:blipFill>
+        <p:spPr>
+          <a:xfrm>
+            <a:off x="5004048" y="2636912"/>
+            <a:ext cx="3834535" cy="3048155"/>
+          </a:xfrm>
+          <a:prstGeom prst="rect">
+            <a:avLst/>
+          </a:prstGeom>
+        </p:spPr>
+      </p:pic>
+      <p:sp>
+        <p:nvSpPr>
+          <p:cNvPr id="6" name="Content Placeholder 2">
+            <a:extLst>
+              <a:ext uri="{FF2B5EF4-FFF2-40B4-BE49-F238E27FC236}">
+                <a16:creationId xmlns:a16="http://schemas.microsoft.com/office/drawing/2014/main" id="{515146F2-9655-4D8B-9E7D-1CA2F0F741F2}"/>
+              </a:ext>
+            </a:extLst>
+          </p:cNvPr>
+          <p:cNvSpPr txBox="1">
+            <a:spLocks/>
+          </p:cNvSpPr>
+          <p:nvPr/>
+        </p:nvSpPr>
+        <p:spPr>
+          <a:xfrm>
+            <a:off x="478890" y="2636912"/>
+            <a:ext cx="4373376" cy="3048155"/>
+          </a:xfrm>
+          <a:prstGeom prst="rect">
+            <a:avLst/>
+          </a:prstGeom>
+        </p:spPr>
+        <p:txBody>
+          <a:bodyPr/>
+          <a:lstStyle>
+            <a:lvl1pPr marL="0" indent="0" algn="ctr" defTabSz="914400" rtl="0" eaLnBrk="1" latinLnBrk="0" hangingPunct="1">
+              <a:spcBef>
+                <a:spcPct val="20000"/>
+              </a:spcBef>
+              <a:buFont typeface="Wingdings" panose="05000000000000000000" pitchFamily="2" charset="2"/>
+              <a:buNone/>
+              <a:defRPr sz="2800" kern="1200" baseline="0">
+                <a:solidFill>
+                  <a:schemeClr val="tx1"/>
+                </a:solidFill>
+                <a:latin typeface="+mn-lt"/>
+                <a:ea typeface="+mn-ea"/>
+                <a:cs typeface="+mn-cs"/>
+              </a:defRPr>
+            </a:lvl1pPr>
+            <a:lvl2pPr marL="742950" indent="-285750" algn="l" defTabSz="914400" rtl="0" eaLnBrk="1" latinLnBrk="0" hangingPunct="1">
+              <a:spcBef>
+                <a:spcPct val="20000"/>
+              </a:spcBef>
+              <a:buFont typeface="Wingdings" panose="05000000000000000000" pitchFamily="2" charset="2"/>
+              <a:buChar char="§"/>
+              <a:defRPr sz="2400" kern="1200">
+                <a:solidFill>
+                  <a:schemeClr val="tx1"/>
+                </a:solidFill>
+                <a:latin typeface="+mn-lt"/>
+                <a:ea typeface="+mn-ea"/>
+                <a:cs typeface="+mn-cs"/>
+              </a:defRPr>
+            </a:lvl2pPr>
+            <a:lvl3pPr marL="1143000" indent="-228600" algn="l" defTabSz="914400" rtl="0" eaLnBrk="1" latinLnBrk="0" hangingPunct="1">
+              <a:spcBef>
+                <a:spcPct val="20000"/>
+              </a:spcBef>
+              <a:buFont typeface="Wingdings" panose="05000000000000000000" pitchFamily="2" charset="2"/>
+              <a:buChar char="§"/>
+              <a:defRPr sz="2000" kern="1200">
+                <a:solidFill>
+                  <a:schemeClr val="tx1"/>
+                </a:solidFill>
+                <a:latin typeface="+mn-lt"/>
+                <a:ea typeface="+mn-ea"/>
+                <a:cs typeface="+mn-cs"/>
+              </a:defRPr>
+            </a:lvl3pPr>
+            <a:lvl4pPr marL="1600200" indent="-228600" algn="l" defTabSz="914400" rtl="0" eaLnBrk="1" latinLnBrk="0" hangingPunct="1">
+              <a:spcBef>
+                <a:spcPct val="20000"/>
+              </a:spcBef>
+              <a:buFont typeface="Wingdings" panose="05000000000000000000" pitchFamily="2" charset="2"/>
+              <a:buChar char="§"/>
+              <a:defRPr sz="1800" kern="1200">
+                <a:solidFill>
+                  <a:schemeClr val="tx1"/>
+                </a:solidFill>
+                <a:latin typeface="+mn-lt"/>
+                <a:ea typeface="+mn-ea"/>
+                <a:cs typeface="+mn-cs"/>
+              </a:defRPr>
+            </a:lvl4pPr>
+            <a:lvl5pPr marL="2057400" indent="-228600" algn="l" defTabSz="914400" rtl="0" eaLnBrk="1" latinLnBrk="0" hangingPunct="1">
+              <a:spcBef>
+                <a:spcPct val="20000"/>
+              </a:spcBef>
+              <a:buFont typeface="Wingdings" panose="05000000000000000000" pitchFamily="2" charset="2"/>
+              <a:buChar char="§"/>
+              <a:defRPr sz="2800" kern="1200">
+                <a:solidFill>
+                  <a:schemeClr val="tx1"/>
+                </a:solidFill>
+                <a:latin typeface="+mn-lt"/>
+                <a:ea typeface="+mn-ea"/>
+                <a:cs typeface="+mn-cs"/>
+              </a:defRPr>
+            </a:lvl5pPr>
+            <a:lvl6pPr marL="2514600" indent="-228600" algn="l" defTabSz="914400" rtl="0" eaLnBrk="1" latinLnBrk="0" hangingPunct="1">
+              <a:spcBef>
+                <a:spcPct val="20000"/>
+              </a:spcBef>
+              <a:buFont typeface="Arial" panose="020B0604020202020204" pitchFamily="34" charset="0"/>
+              <a:buChar char="•"/>
+              <a:defRPr sz="2000" kern="1200">
+                <a:solidFill>
+                  <a:schemeClr val="tx1"/>
+                </a:solidFill>
+                <a:latin typeface="+mn-lt"/>
+                <a:ea typeface="+mn-ea"/>
+                <a:cs typeface="+mn-cs"/>
+              </a:defRPr>
+            </a:lvl6pPr>
+            <a:lvl7pPr marL="2971800" indent="-228600" algn="l" defTabSz="914400" rtl="0" eaLnBrk="1" latinLnBrk="0" hangingPunct="1">
+              <a:spcBef>
+                <a:spcPct val="20000"/>
+              </a:spcBef>
+              <a:buFont typeface="Arial" panose="020B0604020202020204" pitchFamily="34" charset="0"/>
+              <a:buChar char="•"/>
+              <a:defRPr sz="2000" kern="1200">
+                <a:solidFill>
+                  <a:schemeClr val="tx1"/>
+                </a:solidFill>
+                <a:latin typeface="+mn-lt"/>
+                <a:ea typeface="+mn-ea"/>
+                <a:cs typeface="+mn-cs"/>
+              </a:defRPr>
+            </a:lvl7pPr>
+            <a:lvl8pPr marL="3429000" indent="-228600" algn="l" defTabSz="914400" rtl="0" eaLnBrk="1" latinLnBrk="0" hangingPunct="1">
+              <a:spcBef>
+                <a:spcPct val="20000"/>
+              </a:spcBef>
+              <a:buFont typeface="Arial" panose="020B0604020202020204" pitchFamily="34" charset="0"/>
+              <a:buChar char="•"/>
+              <a:defRPr sz="2000" kern="1200">
+                <a:solidFill>
+                  <a:schemeClr val="tx1"/>
+                </a:solidFill>
+                <a:latin typeface="+mn-lt"/>
+                <a:ea typeface="+mn-ea"/>
+                <a:cs typeface="+mn-cs"/>
+              </a:defRPr>
+            </a:lvl8pPr>
+            <a:lvl9pPr marL="3886200" indent="-228600" algn="l" defTabSz="914400" rtl="0" eaLnBrk="1" latinLnBrk="0" hangingPunct="1">
+              <a:spcBef>
+                <a:spcPct val="20000"/>
+              </a:spcBef>
+              <a:buFont typeface="Arial" panose="020B0604020202020204" pitchFamily="34" charset="0"/>
+              <a:buChar char="•"/>
+              <a:defRPr sz="2000" kern="1200">
+                <a:solidFill>
+                  <a:schemeClr val="tx1"/>
+                </a:solidFill>
+                <a:latin typeface="+mn-lt"/>
+                <a:ea typeface="+mn-ea"/>
+                <a:cs typeface="+mn-cs"/>
+              </a:defRPr>
+            </a:lvl9pPr>
+          </a:lstStyle>
+          <a:p>
+            <a:pPr marL="457200" indent="-457200" algn="l">
+              <a:buFont typeface="Arial" panose="020B0604020202020204" pitchFamily="34" charset="0"/>
+              <a:buChar char="•"/>
+            </a:pPr>
+            <a:r>
+              <a:rPr lang="cs-CZ" sz="1800" dirty="0">
+                <a:solidFill>
+                  <a:srgbClr val="000000"/>
+                </a:solidFill>
+                <a:latin typeface="Arial (Body)"/>
+              </a:rPr>
+              <a:t>Exponenciální rozdělení je dle mého názoru nejvhodnější. Vyjadřuje rozdělení délky intervalu mezi náhodně se vyskytujícími událostmi, jejichž pravděpodobnost výskytu má Poissonovo rozdělení.</a:t>
+            </a:r>
+            <a:endParaRPr lang="en-US" sz="1800" dirty="0">
+              <a:solidFill>
+                <a:srgbClr val="000000"/>
+              </a:solidFill>
+              <a:latin typeface="Arial (Body)"/>
+            </a:endParaRPr>
+          </a:p>
+          <a:p>
+            <a:pPr marL="457200" indent="-457200" algn="l">
+              <a:buFont typeface="Arial" panose="020B0604020202020204" pitchFamily="34" charset="0"/>
+              <a:buChar char="•"/>
+            </a:pPr>
+            <a:r>
+              <a:rPr lang="cs-CZ" sz="1800" dirty="0">
+                <a:solidFill>
+                  <a:srgbClr val="000000"/>
+                </a:solidFill>
+                <a:latin typeface="Arial (Body)"/>
+              </a:rPr>
+              <a:t>Často se používá v systémech hromadné obsluhy.</a:t>
+            </a:r>
+          </a:p>
+          <a:p>
+            <a:pPr marL="457200" indent="-457200" algn="l">
+              <a:buFont typeface="Arial" panose="020B0604020202020204" pitchFamily="34" charset="0"/>
+              <a:buChar char="•"/>
+            </a:pPr>
+            <a:endParaRPr lang="en-US" sz="2000" dirty="0">
+              <a:solidFill>
+                <a:srgbClr val="000000"/>
+              </a:solidFill>
+              <a:latin typeface="Arial (Body)"/>
+            </a:endParaRPr>
+          </a:p>
+          <a:p>
+            <a:pPr marL="457200" indent="-457200">
+              <a:buFont typeface="Arial" panose="020B0604020202020204" pitchFamily="34" charset="0"/>
+              <a:buChar char="•"/>
+            </a:pPr>
+            <a:endParaRPr lang="en-US" dirty="0">
+              <a:latin typeface="Arial (Body)"/>
+            </a:endParaRPr>
+          </a:p>
+        </p:txBody>
+      </p:sp>
+    </p:spTree>
+    <p:extLst>
+      <p:ext uri="{BB962C8B-B14F-4D97-AF65-F5344CB8AC3E}">
+        <p14:creationId xmlns:p14="http://schemas.microsoft.com/office/powerpoint/2010/main" val="756289395"/>
       </p:ext>
     </p:extLst>
   </p:cSld>
@@ -7307,7 +8998,11 @@
             </a:r>
             <a:r>
               <a:rPr lang="en-US" sz="2000" dirty="0" err="1"/>
-              <a:t>zatížených</a:t>
+              <a:t>zatížen</a:t>
+            </a:r>
+            <a:r>
+              <a:rPr lang="cs-CZ" sz="2000" dirty="0"/>
+              <a:t>í</a:t>
             </a:r>
             <a:r>
               <a:rPr lang="en-US" sz="2000" dirty="0"/>

--- a/doc/xkocic01.pptx
+++ b/doc/xkocic01.pptx
@@ -6449,7 +6449,7 @@
         </p:nvSpPr>
         <p:spPr>
           <a:xfrm>
-            <a:off x="457200" y="1600201"/>
+            <a:off x="473051" y="1334906"/>
             <a:ext cx="8229600" cy="820688"/>
           </a:xfrm>
         </p:spPr>
@@ -6751,8 +6751,993 @@
         </p:blipFill>
         <p:spPr>
           <a:xfrm>
-            <a:off x="5004048" y="2636912"/>
-            <a:ext cx="3834535" cy="3048155"/>
+            <a:off x="5338450" y="2164258"/>
+            <a:ext cx="2626966" cy="2088232"/>
+          </a:xfrm>
+          <a:prstGeom prst="rect">
+            <a:avLst/>
+          </a:prstGeom>
+        </p:spPr>
+      </p:pic>
+      <mc:AlternateContent xmlns:mc="http://schemas.openxmlformats.org/markup-compatibility/2006">
+        <mc:Choice xmlns:a14="http://schemas.microsoft.com/office/drawing/2010/main" Requires="a14">
+          <p:sp>
+            <p:nvSpPr>
+              <p:cNvPr id="6" name="Content Placeholder 2">
+                <a:extLst>
+                  <a:ext uri="{FF2B5EF4-FFF2-40B4-BE49-F238E27FC236}">
+                    <a16:creationId xmlns:a16="http://schemas.microsoft.com/office/drawing/2014/main" id="{515146F2-9655-4D8B-9E7D-1CA2F0F741F2}"/>
+                  </a:ext>
+                </a:extLst>
+              </p:cNvPr>
+              <p:cNvSpPr txBox="1">
+                <a:spLocks/>
+              </p:cNvSpPr>
+              <p:nvPr/>
+            </p:nvSpPr>
+            <p:spPr>
+              <a:xfrm>
+                <a:off x="478890" y="2419491"/>
+                <a:ext cx="4765516" cy="3961837"/>
+              </a:xfrm>
+              <a:prstGeom prst="rect">
+                <a:avLst/>
+              </a:prstGeom>
+            </p:spPr>
+            <p:txBody>
+              <a:bodyPr/>
+              <a:lstStyle>
+                <a:lvl1pPr marL="0" indent="0" algn="ctr" defTabSz="914400" rtl="0" eaLnBrk="1" latinLnBrk="0" hangingPunct="1">
+                  <a:spcBef>
+                    <a:spcPct val="20000"/>
+                  </a:spcBef>
+                  <a:buFont typeface="Wingdings" panose="05000000000000000000" pitchFamily="2" charset="2"/>
+                  <a:buNone/>
+                  <a:defRPr sz="2800" kern="1200" baseline="0">
+                    <a:solidFill>
+                      <a:schemeClr val="tx1"/>
+                    </a:solidFill>
+                    <a:latin typeface="+mn-lt"/>
+                    <a:ea typeface="+mn-ea"/>
+                    <a:cs typeface="+mn-cs"/>
+                  </a:defRPr>
+                </a:lvl1pPr>
+                <a:lvl2pPr marL="742950" indent="-285750" algn="l" defTabSz="914400" rtl="0" eaLnBrk="1" latinLnBrk="0" hangingPunct="1">
+                  <a:spcBef>
+                    <a:spcPct val="20000"/>
+                  </a:spcBef>
+                  <a:buFont typeface="Wingdings" panose="05000000000000000000" pitchFamily="2" charset="2"/>
+                  <a:buChar char="§"/>
+                  <a:defRPr sz="2400" kern="1200">
+                    <a:solidFill>
+                      <a:schemeClr val="tx1"/>
+                    </a:solidFill>
+                    <a:latin typeface="+mn-lt"/>
+                    <a:ea typeface="+mn-ea"/>
+                    <a:cs typeface="+mn-cs"/>
+                  </a:defRPr>
+                </a:lvl2pPr>
+                <a:lvl3pPr marL="1143000" indent="-228600" algn="l" defTabSz="914400" rtl="0" eaLnBrk="1" latinLnBrk="0" hangingPunct="1">
+                  <a:spcBef>
+                    <a:spcPct val="20000"/>
+                  </a:spcBef>
+                  <a:buFont typeface="Wingdings" panose="05000000000000000000" pitchFamily="2" charset="2"/>
+                  <a:buChar char="§"/>
+                  <a:defRPr sz="2000" kern="1200">
+                    <a:solidFill>
+                      <a:schemeClr val="tx1"/>
+                    </a:solidFill>
+                    <a:latin typeface="+mn-lt"/>
+                    <a:ea typeface="+mn-ea"/>
+                    <a:cs typeface="+mn-cs"/>
+                  </a:defRPr>
+                </a:lvl3pPr>
+                <a:lvl4pPr marL="1600200" indent="-228600" algn="l" defTabSz="914400" rtl="0" eaLnBrk="1" latinLnBrk="0" hangingPunct="1">
+                  <a:spcBef>
+                    <a:spcPct val="20000"/>
+                  </a:spcBef>
+                  <a:buFont typeface="Wingdings" panose="05000000000000000000" pitchFamily="2" charset="2"/>
+                  <a:buChar char="§"/>
+                  <a:defRPr sz="1800" kern="1200">
+                    <a:solidFill>
+                      <a:schemeClr val="tx1"/>
+                    </a:solidFill>
+                    <a:latin typeface="+mn-lt"/>
+                    <a:ea typeface="+mn-ea"/>
+                    <a:cs typeface="+mn-cs"/>
+                  </a:defRPr>
+                </a:lvl4pPr>
+                <a:lvl5pPr marL="2057400" indent="-228600" algn="l" defTabSz="914400" rtl="0" eaLnBrk="1" latinLnBrk="0" hangingPunct="1">
+                  <a:spcBef>
+                    <a:spcPct val="20000"/>
+                  </a:spcBef>
+                  <a:buFont typeface="Wingdings" panose="05000000000000000000" pitchFamily="2" charset="2"/>
+                  <a:buChar char="§"/>
+                  <a:defRPr sz="2800" kern="1200">
+                    <a:solidFill>
+                      <a:schemeClr val="tx1"/>
+                    </a:solidFill>
+                    <a:latin typeface="+mn-lt"/>
+                    <a:ea typeface="+mn-ea"/>
+                    <a:cs typeface="+mn-cs"/>
+                  </a:defRPr>
+                </a:lvl5pPr>
+                <a:lvl6pPr marL="2514600" indent="-228600" algn="l" defTabSz="914400" rtl="0" eaLnBrk="1" latinLnBrk="0" hangingPunct="1">
+                  <a:spcBef>
+                    <a:spcPct val="20000"/>
+                  </a:spcBef>
+                  <a:buFont typeface="Arial" panose="020B0604020202020204" pitchFamily="34" charset="0"/>
+                  <a:buChar char="•"/>
+                  <a:defRPr sz="2000" kern="1200">
+                    <a:solidFill>
+                      <a:schemeClr val="tx1"/>
+                    </a:solidFill>
+                    <a:latin typeface="+mn-lt"/>
+                    <a:ea typeface="+mn-ea"/>
+                    <a:cs typeface="+mn-cs"/>
+                  </a:defRPr>
+                </a:lvl6pPr>
+                <a:lvl7pPr marL="2971800" indent="-228600" algn="l" defTabSz="914400" rtl="0" eaLnBrk="1" latinLnBrk="0" hangingPunct="1">
+                  <a:spcBef>
+                    <a:spcPct val="20000"/>
+                  </a:spcBef>
+                  <a:buFont typeface="Arial" panose="020B0604020202020204" pitchFamily="34" charset="0"/>
+                  <a:buChar char="•"/>
+                  <a:defRPr sz="2000" kern="1200">
+                    <a:solidFill>
+                      <a:schemeClr val="tx1"/>
+                    </a:solidFill>
+                    <a:latin typeface="+mn-lt"/>
+                    <a:ea typeface="+mn-ea"/>
+                    <a:cs typeface="+mn-cs"/>
+                  </a:defRPr>
+                </a:lvl7pPr>
+                <a:lvl8pPr marL="3429000" indent="-228600" algn="l" defTabSz="914400" rtl="0" eaLnBrk="1" latinLnBrk="0" hangingPunct="1">
+                  <a:spcBef>
+                    <a:spcPct val="20000"/>
+                  </a:spcBef>
+                  <a:buFont typeface="Arial" panose="020B0604020202020204" pitchFamily="34" charset="0"/>
+                  <a:buChar char="•"/>
+                  <a:defRPr sz="2000" kern="1200">
+                    <a:solidFill>
+                      <a:schemeClr val="tx1"/>
+                    </a:solidFill>
+                    <a:latin typeface="+mn-lt"/>
+                    <a:ea typeface="+mn-ea"/>
+                    <a:cs typeface="+mn-cs"/>
+                  </a:defRPr>
+                </a:lvl8pPr>
+                <a:lvl9pPr marL="3886200" indent="-228600" algn="l" defTabSz="914400" rtl="0" eaLnBrk="1" latinLnBrk="0" hangingPunct="1">
+                  <a:spcBef>
+                    <a:spcPct val="20000"/>
+                  </a:spcBef>
+                  <a:buFont typeface="Arial" panose="020B0604020202020204" pitchFamily="34" charset="0"/>
+                  <a:buChar char="•"/>
+                  <a:defRPr sz="2000" kern="1200">
+                    <a:solidFill>
+                      <a:schemeClr val="tx1"/>
+                    </a:solidFill>
+                    <a:latin typeface="+mn-lt"/>
+                    <a:ea typeface="+mn-ea"/>
+                    <a:cs typeface="+mn-cs"/>
+                  </a:defRPr>
+                </a:lvl9pPr>
+              </a:lstStyle>
+              <a:p>
+                <a:pPr marL="457200" indent="-457200" algn="l">
+                  <a:buFont typeface="Arial" panose="020B0604020202020204" pitchFamily="34" charset="0"/>
+                  <a:buChar char="•"/>
+                </a:pPr>
+                <a:r>
+                  <a:rPr lang="en-US" sz="1600" b="1" dirty="0">
+                    <a:solidFill>
+                      <a:srgbClr val="000000"/>
+                    </a:solidFill>
+                    <a:latin typeface="Arial (Body)"/>
+                  </a:rPr>
+                  <a:t>X</a:t>
+                </a:r>
+                <a:r>
+                  <a:rPr lang="cs-CZ" sz="1600" b="1" dirty="0">
+                    <a:solidFill>
+                      <a:srgbClr val="000000"/>
+                    </a:solidFill>
+                    <a:latin typeface="Arial (Body)"/>
+                  </a:rPr>
+                  <a:t> </a:t>
+                </a:r>
+                <a:r>
+                  <a:rPr lang="en-US" sz="1600" b="1" dirty="0">
+                    <a:solidFill>
+                      <a:srgbClr val="000000"/>
+                    </a:solidFill>
+                    <a:latin typeface="Arial (Body)"/>
+                  </a:rPr>
+                  <a:t>~</a:t>
+                </a:r>
+                <a:r>
+                  <a:rPr lang="cs-CZ" sz="1600" b="1" dirty="0">
+                    <a:solidFill>
+                      <a:srgbClr val="000000"/>
+                    </a:solidFill>
+                    <a:latin typeface="Arial (Body)"/>
+                  </a:rPr>
+                  <a:t> </a:t>
+                </a:r>
+                <a:r>
+                  <a:rPr lang="en-US" sz="1600" b="1" dirty="0">
+                    <a:solidFill>
+                      <a:srgbClr val="000000"/>
+                    </a:solidFill>
+                    <a:latin typeface="Arial (Body)"/>
+                  </a:rPr>
+                  <a:t>Exp(</a:t>
+                </a:r>
+                <a:r>
+                  <a:rPr lang="el-GR" sz="1600" b="1" dirty="0">
+                    <a:solidFill>
+                      <a:srgbClr val="000000"/>
+                    </a:solidFill>
+                    <a:latin typeface="Arial (Body)"/>
+                  </a:rPr>
+                  <a:t>λ</a:t>
+                </a:r>
+                <a:r>
+                  <a:rPr lang="en-US" sz="1600" b="1" dirty="0">
+                    <a:solidFill>
+                      <a:srgbClr val="000000"/>
+                    </a:solidFill>
+                    <a:latin typeface="Arial (Body)"/>
+                  </a:rPr>
+                  <a:t>)</a:t>
+                </a:r>
+              </a:p>
+              <a:p>
+                <a:pPr marL="457200" indent="-457200" algn="l">
+                  <a:buFont typeface="Arial" panose="020B0604020202020204" pitchFamily="34" charset="0"/>
+                  <a:buChar char="•"/>
+                </a:pPr>
+                <a:r>
+                  <a:rPr lang="en-US" sz="1600" dirty="0" err="1">
+                    <a:solidFill>
+                      <a:srgbClr val="000000"/>
+                    </a:solidFill>
+                    <a:latin typeface="Arial (Body)"/>
+                  </a:rPr>
+                  <a:t>Teorie</a:t>
+                </a:r>
+                <a:r>
+                  <a:rPr lang="en-US" sz="1600" dirty="0">
+                    <a:solidFill>
+                      <a:srgbClr val="000000"/>
+                    </a:solidFill>
+                    <a:latin typeface="Arial (Body)"/>
+                  </a:rPr>
+                  <a:t> </a:t>
+                </a:r>
+                <a:r>
+                  <a:rPr lang="en-US" sz="1600" dirty="0" err="1">
+                    <a:solidFill>
+                      <a:srgbClr val="000000"/>
+                    </a:solidFill>
+                    <a:latin typeface="Arial (Body)"/>
+                  </a:rPr>
+                  <a:t>hromadné</a:t>
+                </a:r>
+                <a:r>
+                  <a:rPr lang="en-US" sz="1600" dirty="0">
+                    <a:solidFill>
+                      <a:srgbClr val="000000"/>
+                    </a:solidFill>
+                    <a:latin typeface="Arial (Body)"/>
+                  </a:rPr>
+                  <a:t> </a:t>
+                </a:r>
+                <a:r>
+                  <a:rPr lang="en-US" sz="1600" dirty="0" err="1">
+                    <a:solidFill>
+                      <a:srgbClr val="000000"/>
+                    </a:solidFill>
+                    <a:latin typeface="Arial (Body)"/>
+                  </a:rPr>
+                  <a:t>obsluhy</a:t>
+                </a:r>
+                <a:endParaRPr lang="en-US" sz="1600" dirty="0">
+                  <a:solidFill>
+                    <a:srgbClr val="000000"/>
+                  </a:solidFill>
+                  <a:latin typeface="Arial (Body)"/>
+                </a:endParaRPr>
+              </a:p>
+              <a:p>
+                <a:pPr marL="457200" indent="-457200" algn="l">
+                  <a:buFont typeface="Arial" panose="020B0604020202020204" pitchFamily="34" charset="0"/>
+                  <a:buChar char="•"/>
+                </a:pPr>
+                <a:r>
+                  <a:rPr lang="cs-CZ" sz="1600" dirty="0">
+                    <a:solidFill>
+                      <a:srgbClr val="000000"/>
+                    </a:solidFill>
+                    <a:latin typeface="Arial (Body)"/>
+                  </a:rPr>
+                  <a:t>Modeluje dobu mezi dvěma událostmi</a:t>
+                </a:r>
+              </a:p>
+              <a:p>
+                <a:pPr marL="457200" indent="-457200" algn="l">
+                  <a:buFont typeface="Arial" panose="020B0604020202020204" pitchFamily="34" charset="0"/>
+                  <a:buChar char="•"/>
+                </a:pPr>
+                <a:endParaRPr lang="cs-CZ" sz="1600" dirty="0">
+                  <a:solidFill>
+                    <a:srgbClr val="000000"/>
+                  </a:solidFill>
+                  <a:latin typeface="Arial (Body)"/>
+                </a:endParaRPr>
+              </a:p>
+              <a:p>
+                <a:pPr marL="457200" indent="-457200" algn="l">
+                  <a:buFont typeface="Arial" panose="020B0604020202020204" pitchFamily="34" charset="0"/>
+                  <a:buChar char="•"/>
+                </a:pPr>
+                <a:endParaRPr lang="en-US" sz="1600" dirty="0">
+                  <a:solidFill>
+                    <a:srgbClr val="000000"/>
+                  </a:solidFill>
+                  <a:latin typeface="Arial (Body)"/>
+                </a:endParaRPr>
+              </a:p>
+              <a:p>
+                <a:pPr marL="457200" indent="-457200" algn="l">
+                  <a:buFont typeface="Arial" panose="020B0604020202020204" pitchFamily="34" charset="0"/>
+                  <a:buChar char="•"/>
+                </a:pPr>
+                <a:r>
+                  <a:rPr lang="en-US" sz="1600" b="1" dirty="0">
+                    <a:solidFill>
+                      <a:srgbClr val="000000"/>
+                    </a:solidFill>
+                    <a:latin typeface="Arial (Body)"/>
+                  </a:rPr>
+                  <a:t>X</a:t>
+                </a:r>
+                <a:r>
+                  <a:rPr lang="cs-CZ" sz="1600" b="1" dirty="0">
+                    <a:solidFill>
+                      <a:srgbClr val="000000"/>
+                    </a:solidFill>
+                    <a:latin typeface="Arial (Body)"/>
+                  </a:rPr>
+                  <a:t> </a:t>
+                </a:r>
+                <a:r>
+                  <a:rPr lang="en-US" sz="1600" b="1" dirty="0">
+                    <a:solidFill>
+                      <a:srgbClr val="000000"/>
+                    </a:solidFill>
+                    <a:latin typeface="Arial (Body)"/>
+                  </a:rPr>
+                  <a:t>~</a:t>
+                </a:r>
+                <a:r>
+                  <a:rPr lang="cs-CZ" sz="1600" b="1" dirty="0">
+                    <a:solidFill>
+                      <a:srgbClr val="000000"/>
+                    </a:solidFill>
+                    <a:latin typeface="Arial (Body)"/>
+                  </a:rPr>
+                  <a:t> </a:t>
+                </a:r>
+                <a:r>
+                  <a:rPr lang="en-US" sz="1600" b="1" dirty="0">
+                    <a:solidFill>
+                      <a:srgbClr val="000000"/>
+                    </a:solidFill>
+                    <a:latin typeface="Arial (Body)"/>
+                  </a:rPr>
+                  <a:t>N(</a:t>
+                </a:r>
+                <a:r>
+                  <a:rPr lang="el-GR" sz="1600" b="1" dirty="0">
+                    <a:solidFill>
+                      <a:srgbClr val="000000"/>
+                    </a:solidFill>
+                    <a:latin typeface="Arial (Body)"/>
+                  </a:rPr>
+                  <a:t>μ</a:t>
+                </a:r>
+                <a:r>
+                  <a:rPr lang="en-US" sz="1600" b="1" dirty="0">
+                    <a:solidFill>
+                      <a:srgbClr val="000000"/>
+                    </a:solidFill>
+                    <a:latin typeface="Arial (Body)"/>
+                  </a:rPr>
+                  <a:t>,</a:t>
+                </a:r>
+                <a:r>
+                  <a:rPr lang="el-GR" sz="1600" b="1" dirty="0">
+                    <a:solidFill>
+                      <a:srgbClr val="000000"/>
+                    </a:solidFill>
+                    <a:latin typeface="Arial (Body)"/>
+                  </a:rPr>
+                  <a:t> </a:t>
+                </a:r>
+                <a14:m>
+                  <m:oMath xmlns:m="http://schemas.openxmlformats.org/officeDocument/2006/math">
+                    <m:sSup>
+                      <m:sSupPr>
+                        <m:ctrlPr>
+                          <a:rPr lang="en-US" sz="1600" b="1" i="1" smtClean="0">
+                            <a:solidFill>
+                              <a:srgbClr val="000000"/>
+                            </a:solidFill>
+                            <a:latin typeface="Cambria Math" panose="02040503050406030204" pitchFamily="18" charset="0"/>
+                          </a:rPr>
+                        </m:ctrlPr>
+                      </m:sSupPr>
+                      <m:e>
+                        <m:r>
+                          <m:rPr>
+                            <m:nor/>
+                          </m:rPr>
+                          <a:rPr lang="el-GR" sz="1600" b="1" dirty="0">
+                            <a:solidFill>
+                              <a:srgbClr val="000000"/>
+                            </a:solidFill>
+                            <a:latin typeface="Arial (Body)"/>
+                          </a:rPr>
+                          <m:t>σ</m:t>
+                        </m:r>
+                      </m:e>
+                      <m:sup>
+                        <m:r>
+                          <a:rPr lang="en-US" sz="1600" b="1" i="1" smtClean="0">
+                            <a:solidFill>
+                              <a:srgbClr val="000000"/>
+                            </a:solidFill>
+                            <a:latin typeface="Cambria Math" panose="02040503050406030204" pitchFamily="18" charset="0"/>
+                          </a:rPr>
+                          <m:t>𝟐</m:t>
+                        </m:r>
+                      </m:sup>
+                    </m:sSup>
+                  </m:oMath>
+                </a14:m>
+                <a:r>
+                  <a:rPr lang="en-US" sz="1600" b="1" dirty="0">
+                    <a:solidFill>
+                      <a:srgbClr val="000000"/>
+                    </a:solidFill>
+                    <a:latin typeface="Arial (Body)"/>
+                  </a:rPr>
+                  <a:t>)</a:t>
+                </a:r>
+              </a:p>
+              <a:p>
+                <a:pPr marL="457200" indent="-457200" algn="l">
+                  <a:buFont typeface="Arial" panose="020B0604020202020204" pitchFamily="34" charset="0"/>
+                  <a:buChar char="•"/>
+                </a:pPr>
+                <a:r>
+                  <a:rPr lang="en-US" sz="1600" dirty="0" err="1">
+                    <a:solidFill>
+                      <a:srgbClr val="000000"/>
+                    </a:solidFill>
+                    <a:latin typeface="Arial (Body)"/>
+                  </a:rPr>
+                  <a:t>Nezávislost</a:t>
+                </a:r>
+                <a:r>
+                  <a:rPr lang="en-US" sz="1600" dirty="0">
+                    <a:solidFill>
+                      <a:srgbClr val="000000"/>
+                    </a:solidFill>
+                    <a:latin typeface="Arial (Body)"/>
+                  </a:rPr>
+                  <a:t> </a:t>
+                </a:r>
+                <a:r>
+                  <a:rPr lang="en-US" sz="1600" dirty="0" err="1">
+                    <a:solidFill>
+                      <a:srgbClr val="000000"/>
+                    </a:solidFill>
+                    <a:latin typeface="Arial (Body)"/>
+                  </a:rPr>
+                  <a:t>na</a:t>
+                </a:r>
+                <a:r>
+                  <a:rPr lang="en-US" sz="1600" dirty="0">
+                    <a:solidFill>
+                      <a:srgbClr val="000000"/>
+                    </a:solidFill>
+                    <a:latin typeface="Arial (Body)"/>
+                  </a:rPr>
+                  <a:t> </a:t>
+                </a:r>
+                <a:r>
+                  <a:rPr lang="en-US" sz="1600" dirty="0" err="1">
+                    <a:solidFill>
+                      <a:srgbClr val="000000"/>
+                    </a:solidFill>
+                    <a:latin typeface="Arial (Body)"/>
+                  </a:rPr>
+                  <a:t>sobě</a:t>
+                </a:r>
+                <a:r>
+                  <a:rPr lang="en-US" sz="1600" dirty="0">
+                    <a:solidFill>
+                      <a:srgbClr val="000000"/>
+                    </a:solidFill>
+                    <a:latin typeface="Arial (Body)"/>
+                  </a:rPr>
+                  <a:t> </a:t>
+                </a:r>
+                <a:r>
+                  <a:rPr lang="en-US" sz="1600" dirty="0" err="1">
+                    <a:solidFill>
+                      <a:srgbClr val="000000"/>
+                    </a:solidFill>
+                    <a:latin typeface="Arial (Body)"/>
+                  </a:rPr>
+                  <a:t>nastávajících</a:t>
+                </a:r>
+                <a:r>
+                  <a:rPr lang="en-US" sz="1600" dirty="0">
+                    <a:solidFill>
+                      <a:srgbClr val="000000"/>
+                    </a:solidFill>
+                    <a:latin typeface="Arial (Body)"/>
+                  </a:rPr>
+                  <a:t> </a:t>
+                </a:r>
+                <a:r>
+                  <a:rPr lang="en-US" sz="1600" dirty="0" err="1">
+                    <a:solidFill>
+                      <a:srgbClr val="000000"/>
+                    </a:solidFill>
+                    <a:latin typeface="Arial (Body)"/>
+                  </a:rPr>
+                  <a:t>jevů</a:t>
+                </a:r>
+                <a:endParaRPr lang="en-US" sz="1600" dirty="0">
+                  <a:solidFill>
+                    <a:srgbClr val="000000"/>
+                  </a:solidFill>
+                  <a:latin typeface="Arial (Body)"/>
+                </a:endParaRPr>
+              </a:p>
+              <a:p>
+                <a:pPr marL="457200" indent="-457200" algn="l">
+                  <a:buFont typeface="Arial" panose="020B0604020202020204" pitchFamily="34" charset="0"/>
+                  <a:buChar char="•"/>
+                </a:pPr>
+                <a:r>
+                  <a:rPr lang="cs-CZ" sz="1600" dirty="0">
+                    <a:solidFill>
+                      <a:srgbClr val="000000"/>
+                    </a:solidFill>
+                    <a:latin typeface="Arial (Body)"/>
+                  </a:rPr>
+                  <a:t>Možná a</a:t>
+                </a:r>
+                <a:r>
+                  <a:rPr lang="en-US" sz="1600" dirty="0" err="1">
+                    <a:solidFill>
+                      <a:srgbClr val="000000"/>
+                    </a:solidFill>
+                    <a:latin typeface="Arial (Body)"/>
+                  </a:rPr>
+                  <a:t>proximace</a:t>
+                </a:r>
+                <a:r>
+                  <a:rPr lang="en-US" sz="1600" dirty="0">
+                    <a:solidFill>
+                      <a:srgbClr val="000000"/>
+                    </a:solidFill>
+                    <a:latin typeface="Arial (Body)"/>
+                  </a:rPr>
+                  <a:t> </a:t>
+                </a:r>
+                <a:r>
+                  <a:rPr lang="cs-CZ" sz="1600" dirty="0">
+                    <a:solidFill>
+                      <a:srgbClr val="000000"/>
+                    </a:solidFill>
+                    <a:latin typeface="Arial (Body)"/>
+                  </a:rPr>
+                  <a:t>na základě CLV</a:t>
+                </a:r>
+              </a:p>
+              <a:p>
+                <a:pPr marL="457200" indent="-457200" algn="l">
+                  <a:buFont typeface="Arial" panose="020B0604020202020204" pitchFamily="34" charset="0"/>
+                  <a:buChar char="•"/>
+                </a:pPr>
+                <a:r>
+                  <a:rPr lang="cs-CZ" sz="1600" dirty="0">
+                    <a:solidFill>
+                      <a:srgbClr val="000000"/>
+                    </a:solidFill>
+                    <a:latin typeface="Arial (Body)"/>
+                  </a:rPr>
+                  <a:t>Nebezpečí záporných hodnot (3</a:t>
+                </a:r>
+                <a14:m>
+                  <m:oMath xmlns:m="http://schemas.openxmlformats.org/officeDocument/2006/math">
+                    <m:r>
+                      <m:rPr>
+                        <m:nor/>
+                      </m:rPr>
+                      <a:rPr lang="el-GR" sz="1600" dirty="0">
+                        <a:solidFill>
+                          <a:srgbClr val="000000"/>
+                        </a:solidFill>
+                        <a:latin typeface="Arial (Body)"/>
+                      </a:rPr>
+                      <m:t>σ</m:t>
+                    </m:r>
+                    <m:r>
+                      <m:rPr>
+                        <m:nor/>
+                      </m:rPr>
+                      <a:rPr lang="cs-CZ" sz="1600" b="0" i="0" dirty="0" smtClean="0">
+                        <a:solidFill>
+                          <a:srgbClr val="000000"/>
+                        </a:solidFill>
+                        <a:latin typeface="Arial (Body)"/>
+                      </a:rPr>
+                      <m:t>)</m:t>
+                    </m:r>
+                  </m:oMath>
+                </a14:m>
+                <a:endParaRPr lang="cs-CZ" sz="1600" dirty="0">
+                  <a:solidFill>
+                    <a:srgbClr val="000000"/>
+                  </a:solidFill>
+                  <a:latin typeface="Arial (Body)"/>
+                </a:endParaRPr>
+              </a:p>
+              <a:p>
+                <a:pPr marL="457200" indent="-457200" algn="l">
+                  <a:buFont typeface="Arial" panose="020B0604020202020204" pitchFamily="34" charset="0"/>
+                  <a:buChar char="•"/>
+                </a:pPr>
+                <a:endParaRPr lang="cs-CZ" sz="1600" dirty="0">
+                  <a:solidFill>
+                    <a:srgbClr val="000000"/>
+                  </a:solidFill>
+                  <a:latin typeface="Arial (Body)"/>
+                </a:endParaRPr>
+              </a:p>
+              <a:p>
+                <a:pPr algn="l"/>
+                <a:endParaRPr lang="cs-CZ" sz="1600" dirty="0">
+                  <a:solidFill>
+                    <a:srgbClr val="000000"/>
+                  </a:solidFill>
+                  <a:latin typeface="Arial (Body)"/>
+                </a:endParaRPr>
+              </a:p>
+              <a:p>
+                <a:pPr marL="457200" indent="-457200" algn="l">
+                  <a:buFont typeface="Arial" panose="020B0604020202020204" pitchFamily="34" charset="0"/>
+                  <a:buChar char="•"/>
+                </a:pPr>
+                <a:r>
+                  <a:rPr lang="en-US" sz="1400" b="0" i="0" dirty="0" err="1">
+                    <a:solidFill>
+                      <a:srgbClr val="1D1C1D"/>
+                    </a:solidFill>
+                    <a:effectLst/>
+                  </a:rPr>
+                  <a:t>Případně</a:t>
+                </a:r>
+                <a:r>
+                  <a:rPr lang="en-US" sz="1400" b="0" i="0" dirty="0">
+                    <a:solidFill>
+                      <a:srgbClr val="1D1C1D"/>
+                    </a:solidFill>
+                    <a:effectLst/>
+                  </a:rPr>
+                  <a:t> </a:t>
+                </a:r>
+                <a:r>
+                  <a:rPr lang="en-US" sz="1400" b="0" i="0" dirty="0" err="1">
+                    <a:solidFill>
+                      <a:srgbClr val="1D1C1D"/>
+                    </a:solidFill>
+                    <a:effectLst/>
+                  </a:rPr>
+                  <a:t>není</a:t>
+                </a:r>
+                <a:r>
+                  <a:rPr lang="en-US" sz="1400" b="0" i="0" dirty="0">
+                    <a:solidFill>
+                      <a:srgbClr val="1D1C1D"/>
+                    </a:solidFill>
+                    <a:effectLst/>
+                  </a:rPr>
+                  <a:t> </a:t>
+                </a:r>
+                <a:r>
+                  <a:rPr lang="en-US" sz="1400" b="0" i="0" dirty="0" err="1">
+                    <a:solidFill>
+                      <a:srgbClr val="1D1C1D"/>
+                    </a:solidFill>
+                    <a:effectLst/>
+                  </a:rPr>
+                  <a:t>problém</a:t>
+                </a:r>
+                <a:r>
+                  <a:rPr lang="en-US" sz="1400" b="0" i="0" dirty="0">
+                    <a:solidFill>
+                      <a:srgbClr val="1D1C1D"/>
+                    </a:solidFill>
+                    <a:effectLst/>
+                  </a:rPr>
+                  <a:t> </a:t>
+                </a:r>
+                <a:r>
+                  <a:rPr lang="en-US" sz="1400" b="0" i="0" dirty="0" err="1">
+                    <a:solidFill>
+                      <a:srgbClr val="1D1C1D"/>
+                    </a:solidFill>
+                    <a:effectLst/>
+                  </a:rPr>
+                  <a:t>daný</a:t>
+                </a:r>
+                <a:r>
+                  <a:rPr lang="en-US" sz="1400" b="0" i="0" dirty="0">
+                    <a:solidFill>
+                      <a:srgbClr val="1D1C1D"/>
+                    </a:solidFill>
+                    <a:effectLst/>
+                  </a:rPr>
+                  <a:t> model </a:t>
+                </a:r>
+                <a:r>
+                  <a:rPr lang="en-US" sz="1400" b="0" i="0" dirty="0" err="1">
+                    <a:solidFill>
+                      <a:srgbClr val="1D1C1D"/>
+                    </a:solidFill>
+                    <a:effectLst/>
+                  </a:rPr>
+                  <a:t>upravit</a:t>
+                </a:r>
+                <a:r>
+                  <a:rPr lang="en-US" sz="1400" b="0" i="0" dirty="0">
+                    <a:solidFill>
+                      <a:srgbClr val="1D1C1D"/>
+                    </a:solidFill>
+                    <a:effectLst/>
+                  </a:rPr>
+                  <a:t> </a:t>
+                </a:r>
+                <a:r>
+                  <a:rPr lang="en-US" sz="1400" b="0" i="0" dirty="0" err="1">
+                    <a:solidFill>
+                      <a:srgbClr val="1D1C1D"/>
+                    </a:solidFill>
+                    <a:effectLst/>
+                  </a:rPr>
+                  <a:t>na</a:t>
+                </a:r>
+                <a:r>
+                  <a:rPr lang="en-US" sz="1400" b="0" i="0" dirty="0">
+                    <a:solidFill>
+                      <a:srgbClr val="1D1C1D"/>
+                    </a:solidFill>
+                    <a:effectLst/>
+                  </a:rPr>
+                  <a:t> </a:t>
+                </a:r>
+                <a:r>
+                  <a:rPr lang="en-US" sz="1400" b="0" i="0" dirty="0" err="1">
+                    <a:solidFill>
+                      <a:srgbClr val="1D1C1D"/>
+                    </a:solidFill>
+                    <a:effectLst/>
+                  </a:rPr>
+                  <a:t>konkrétní</a:t>
+                </a:r>
+                <a:r>
+                  <a:rPr lang="en-US" sz="1400" b="0" i="0" dirty="0">
+                    <a:solidFill>
+                      <a:srgbClr val="1D1C1D"/>
+                    </a:solidFill>
+                    <a:effectLst/>
+                  </a:rPr>
+                  <a:t> </a:t>
+                </a:r>
+                <a:r>
+                  <a:rPr lang="en-US" sz="1400" b="0" i="0" dirty="0" err="1">
+                    <a:solidFill>
+                      <a:srgbClr val="1D1C1D"/>
+                    </a:solidFill>
+                    <a:effectLst/>
+                  </a:rPr>
+                  <a:t>požadavky</a:t>
+                </a:r>
+                <a:r>
+                  <a:rPr lang="en-US" sz="1400" b="0" i="0" dirty="0">
+                    <a:solidFill>
+                      <a:srgbClr val="1D1C1D"/>
+                    </a:solidFill>
+                    <a:effectLst/>
+                  </a:rPr>
+                  <a:t> </a:t>
+                </a:r>
+                <a:r>
+                  <a:rPr lang="en-US" sz="1400" b="0" i="0" dirty="0" err="1">
+                    <a:solidFill>
+                      <a:srgbClr val="1D1C1D"/>
+                    </a:solidFill>
+                    <a:effectLst/>
+                  </a:rPr>
+                  <a:t>provozu</a:t>
+                </a:r>
+                <a:r>
+                  <a:rPr lang="cs-CZ" sz="1400" b="0" i="0" dirty="0">
+                    <a:solidFill>
+                      <a:srgbClr val="1D1C1D"/>
+                    </a:solidFill>
+                    <a:effectLst/>
+                  </a:rPr>
+                  <a:t> (realizovat náhodný výběr a provést test o rozdělení – KS test / </a:t>
+                </a:r>
+                <a:r>
+                  <a:rPr lang="el-GR" sz="1050" b="1" i="0" dirty="0">
+                    <a:solidFill>
+                      <a:srgbClr val="202122"/>
+                    </a:solidFill>
+                    <a:effectLst/>
+                    <a:latin typeface="Nimbus Roman No9 L"/>
+                  </a:rPr>
+                  <a:t>χ</a:t>
+                </a:r>
+                <a:r>
+                  <a:rPr lang="el-GR" sz="1050" b="1" i="0" baseline="30000" dirty="0">
+                    <a:solidFill>
+                      <a:srgbClr val="202122"/>
+                    </a:solidFill>
+                    <a:effectLst/>
+                    <a:latin typeface="Nimbus Roman No9 L"/>
+                  </a:rPr>
+                  <a:t>2 </a:t>
+                </a:r>
+                <a:r>
+                  <a:rPr lang="cs-CZ" sz="1050" b="1" i="0" baseline="30000" dirty="0">
+                    <a:solidFill>
+                      <a:srgbClr val="202122"/>
+                    </a:solidFill>
+                    <a:effectLst/>
+                    <a:latin typeface="Nimbus Roman No9 L"/>
+                  </a:rPr>
+                  <a:t> </a:t>
+                </a:r>
+                <a:r>
+                  <a:rPr lang="cs-CZ" sz="1400" b="0" i="0" dirty="0">
+                    <a:solidFill>
+                      <a:srgbClr val="1D1C1D"/>
+                    </a:solidFill>
+                    <a:effectLst/>
+                  </a:rPr>
+                  <a:t>test)</a:t>
+                </a:r>
+                <a:endParaRPr lang="en-US" sz="2000" dirty="0">
+                  <a:solidFill>
+                    <a:srgbClr val="000000"/>
+                  </a:solidFill>
+                </a:endParaRPr>
+              </a:p>
+              <a:p>
+                <a:pPr marL="457200" indent="-457200" algn="l">
+                  <a:buFont typeface="Arial" panose="020B0604020202020204" pitchFamily="34" charset="0"/>
+                  <a:buChar char="•"/>
+                </a:pPr>
+                <a:endParaRPr lang="cs-CZ" sz="1600" dirty="0">
+                  <a:solidFill>
+                    <a:srgbClr val="000000"/>
+                  </a:solidFill>
+                  <a:latin typeface="Arial (Body)"/>
+                </a:endParaRPr>
+              </a:p>
+              <a:p>
+                <a:pPr marL="457200" indent="-457200" algn="l">
+                  <a:buFont typeface="Arial" panose="020B0604020202020204" pitchFamily="34" charset="0"/>
+                  <a:buChar char="•"/>
+                </a:pPr>
+                <a:endParaRPr lang="en-US" sz="1800" dirty="0">
+                  <a:solidFill>
+                    <a:srgbClr val="000000"/>
+                  </a:solidFill>
+                  <a:latin typeface="Arial (Body)"/>
+                </a:endParaRPr>
+              </a:p>
+              <a:p>
+                <a:pPr marL="457200" indent="-457200">
+                  <a:buFont typeface="Arial" panose="020B0604020202020204" pitchFamily="34" charset="0"/>
+                  <a:buChar char="•"/>
+                </a:pPr>
+                <a:endParaRPr lang="en-US" sz="2400" dirty="0">
+                  <a:latin typeface="Arial (Body)"/>
+                </a:endParaRPr>
+              </a:p>
+            </p:txBody>
+          </p:sp>
+        </mc:Choice>
+        <mc:Fallback>
+          <p:sp>
+            <p:nvSpPr>
+              <p:cNvPr id="6" name="Content Placeholder 2">
+                <a:extLst>
+                  <a:ext uri="{FF2B5EF4-FFF2-40B4-BE49-F238E27FC236}">
+                    <a16:creationId xmlns:a16="http://schemas.microsoft.com/office/drawing/2014/main" id="{515146F2-9655-4D8B-9E7D-1CA2F0F741F2}"/>
+                  </a:ext>
+                </a:extLst>
+              </p:cNvPr>
+              <p:cNvSpPr txBox="1">
+                <a:spLocks noRot="1" noChangeAspect="1" noMove="1" noResize="1" noEditPoints="1" noAdjustHandles="1" noChangeArrowheads="1" noChangeShapeType="1" noTextEdit="1"/>
+              </p:cNvSpPr>
+              <p:nvPr/>
+            </p:nvSpPr>
+            <p:spPr>
+              <a:xfrm>
+                <a:off x="478890" y="2419491"/>
+                <a:ext cx="4765516" cy="3961837"/>
+              </a:xfrm>
+              <a:prstGeom prst="rect">
+                <a:avLst/>
+              </a:prstGeom>
+              <a:blipFill>
+                <a:blip r:embed="rId3"/>
+                <a:stretch>
+                  <a:fillRect l="-512" t="-462" b="-1231"/>
+                </a:stretch>
+              </a:blipFill>
+            </p:spPr>
+            <p:txBody>
+              <a:bodyPr/>
+              <a:lstStyle/>
+              <a:p>
+                <a:r>
+                  <a:rPr lang="en-US">
+                    <a:noFill/>
+                  </a:rPr>
+                  <a:t> </a:t>
+                </a:r>
+              </a:p>
+            </p:txBody>
+          </p:sp>
+        </mc:Fallback>
+      </mc:AlternateContent>
+      <p:pic>
+        <p:nvPicPr>
+          <p:cNvPr id="7" name="Picture 6">
+            <a:extLst>
+              <a:ext uri="{FF2B5EF4-FFF2-40B4-BE49-F238E27FC236}">
+                <a16:creationId xmlns:a16="http://schemas.microsoft.com/office/drawing/2014/main" id="{22430A2F-093F-4A5B-A024-FB050DC4BF2A}"/>
+              </a:ext>
+            </a:extLst>
+          </p:cNvPr>
+          <p:cNvPicPr>
+            <a:picLocks noChangeAspect="1"/>
+          </p:cNvPicPr>
+          <p:nvPr/>
+        </p:nvPicPr>
+        <p:blipFill>
+          <a:blip r:embed="rId4"/>
+          <a:stretch>
+            <a:fillRect/>
+          </a:stretch>
+        </p:blipFill>
+        <p:spPr>
+          <a:xfrm>
+            <a:off x="5364088" y="4435715"/>
+            <a:ext cx="3515216" cy="1657581"/>
           </a:xfrm>
           <a:prstGeom prst="rect">
             <a:avLst/>
@@ -6761,10 +7746,10 @@
       </p:pic>
       <p:sp>
         <p:nvSpPr>
-          <p:cNvPr id="6" name="Content Placeholder 2">
+          <p:cNvPr id="8" name="Text Placeholder 4">
             <a:extLst>
               <a:ext uri="{FF2B5EF4-FFF2-40B4-BE49-F238E27FC236}">
-                <a16:creationId xmlns:a16="http://schemas.microsoft.com/office/drawing/2014/main" id="{515146F2-9655-4D8B-9E7D-1CA2F0F741F2}"/>
+                <a16:creationId xmlns:a16="http://schemas.microsoft.com/office/drawing/2014/main" id="{FD13CF7A-2D0A-455C-A5B3-57DD8BE7E539}"/>
               </a:ext>
             </a:extLst>
           </p:cNvPr>
@@ -6775,8 +7760,8 @@
         </p:nvSpPr>
         <p:spPr>
           <a:xfrm>
-            <a:off x="478890" y="2636912"/>
-            <a:ext cx="4373376" cy="3048155"/>
+            <a:off x="5364088" y="6165304"/>
+            <a:ext cx="2840586" cy="360065"/>
           </a:xfrm>
           <a:prstGeom prst="rect">
             <a:avLst/>
@@ -6785,13 +7770,13 @@
         <p:txBody>
           <a:bodyPr/>
           <a:lstStyle>
-            <a:lvl1pPr marL="0" indent="0" algn="ctr" defTabSz="914400" rtl="0" eaLnBrk="1" latinLnBrk="0" hangingPunct="1">
-              <a:spcBef>
-                <a:spcPct val="20000"/>
-              </a:spcBef>
-              <a:buFont typeface="Wingdings" panose="05000000000000000000" pitchFamily="2" charset="2"/>
-              <a:buNone/>
-              <a:defRPr sz="2800" kern="1200" baseline="0">
+            <a:lvl1pPr marL="342900" indent="-342900" algn="l" defTabSz="914400" rtl="0" eaLnBrk="1" latinLnBrk="0" hangingPunct="1">
+              <a:spcBef>
+                <a:spcPct val="20000"/>
+              </a:spcBef>
+              <a:buFont typeface="Arial" panose="020B0604020202020204" pitchFamily="34" charset="0"/>
+              <a:buChar char="•"/>
+              <a:defRPr sz="3200" kern="1200">
                 <a:solidFill>
                   <a:schemeClr val="tx1"/>
                 </a:solidFill>
@@ -6804,9 +7789,9 @@
               <a:spcBef>
                 <a:spcPct val="20000"/>
               </a:spcBef>
-              <a:buFont typeface="Wingdings" panose="05000000000000000000" pitchFamily="2" charset="2"/>
-              <a:buChar char="§"/>
-              <a:defRPr sz="2400" kern="1200">
+              <a:buFont typeface="Arial" panose="020B0604020202020204" pitchFamily="34" charset="0"/>
+              <a:buChar char="–"/>
+              <a:defRPr sz="2800" kern="1200">
                 <a:solidFill>
                   <a:schemeClr val="tx1"/>
                 </a:solidFill>
@@ -6819,9 +7804,9 @@
               <a:spcBef>
                 <a:spcPct val="20000"/>
               </a:spcBef>
-              <a:buFont typeface="Wingdings" panose="05000000000000000000" pitchFamily="2" charset="2"/>
-              <a:buChar char="§"/>
-              <a:defRPr sz="2000" kern="1200">
+              <a:buFont typeface="Arial" panose="020B0604020202020204" pitchFamily="34" charset="0"/>
+              <a:buChar char="•"/>
+              <a:defRPr sz="2400" kern="1200">
                 <a:solidFill>
                   <a:schemeClr val="tx1"/>
                 </a:solidFill>
@@ -6834,9 +7819,9 @@
               <a:spcBef>
                 <a:spcPct val="20000"/>
               </a:spcBef>
-              <a:buFont typeface="Wingdings" panose="05000000000000000000" pitchFamily="2" charset="2"/>
-              <a:buChar char="§"/>
-              <a:defRPr sz="1800" kern="1200">
+              <a:buFont typeface="Arial" panose="020B0604020202020204" pitchFamily="34" charset="0"/>
+              <a:buChar char="–"/>
+              <a:defRPr sz="2000" kern="1200">
                 <a:solidFill>
                   <a:schemeClr val="tx1"/>
                 </a:solidFill>
@@ -6849,9 +7834,9 @@
               <a:spcBef>
                 <a:spcPct val="20000"/>
               </a:spcBef>
-              <a:buFont typeface="Wingdings" panose="05000000000000000000" pitchFamily="2" charset="2"/>
-              <a:buChar char="§"/>
-              <a:defRPr sz="2800" kern="1200">
+              <a:buFont typeface="Arial" panose="020B0604020202020204" pitchFamily="34" charset="0"/>
+              <a:buChar char="»"/>
+              <a:defRPr sz="2000" kern="1200">
                 <a:solidFill>
                   <a:schemeClr val="tx1"/>
                 </a:solidFill>
@@ -6922,61 +7907,13 @@
             </a:lvl9pPr>
           </a:lstStyle>
           <a:p>
-            <a:pPr marL="457200" indent="-457200" algn="l">
-              <a:buFont typeface="Arial" panose="020B0604020202020204" pitchFamily="34" charset="0"/>
-              <a:buChar char="•"/>
+            <a:pPr marL="0" indent="0">
+              <a:buNone/>
             </a:pPr>
             <a:r>
-              <a:rPr lang="cs-CZ" sz="1800" dirty="0">
-                <a:solidFill>
-                  <a:srgbClr val="000000"/>
-                </a:solidFill>
-                <a:latin typeface="Arial (Body)"/>
-              </a:rPr>
-              <a:t>Exponenciální rozdělení je dle mého názoru nejvhodnější. Vyjadřuje rozdělení délky intervalu mezi náhodně se vyskytujícími událostmi, jejichž pravděpodobnost výskytu má Poissonovo rozdělení.</a:t>
-            </a:r>
-            <a:endParaRPr lang="en-US" sz="1800" dirty="0">
-              <a:solidFill>
-                <a:srgbClr val="000000"/>
-              </a:solidFill>
-              <a:latin typeface="Arial (Body)"/>
-            </a:endParaRPr>
-          </a:p>
-          <a:p>
-            <a:pPr marL="457200" indent="-457200" algn="l">
-              <a:buFont typeface="Arial" panose="020B0604020202020204" pitchFamily="34" charset="0"/>
-              <a:buChar char="•"/>
-            </a:pPr>
-            <a:r>
-              <a:rPr lang="cs-CZ" sz="1800" dirty="0">
-                <a:solidFill>
-                  <a:srgbClr val="000000"/>
-                </a:solidFill>
-                <a:latin typeface="Arial (Body)"/>
-              </a:rPr>
-              <a:t>Často se používá v systémech hromadné obsluhy.</a:t>
-            </a:r>
-          </a:p>
-          <a:p>
-            <a:pPr marL="457200" indent="-457200" algn="l">
-              <a:buFont typeface="Arial" panose="020B0604020202020204" pitchFamily="34" charset="0"/>
-              <a:buChar char="•"/>
-            </a:pPr>
-            <a:endParaRPr lang="en-US" sz="2000" dirty="0">
-              <a:solidFill>
-                <a:srgbClr val="000000"/>
-              </a:solidFill>
-              <a:latin typeface="Arial (Body)"/>
-            </a:endParaRPr>
-          </a:p>
-          <a:p>
-            <a:pPr marL="457200" indent="-457200">
-              <a:buFont typeface="Arial" panose="020B0604020202020204" pitchFamily="34" charset="0"/>
-              <a:buChar char="•"/>
-            </a:pPr>
-            <a:endParaRPr lang="en-US" dirty="0">
-              <a:latin typeface="Arial (Body)"/>
-            </a:endParaRPr>
+              <a:rPr lang="cs-CZ" sz="1050" dirty="0"/>
+              <a:t>Zdroj obrázků: Wikipedia.org</a:t>
+            </a:r>
           </a:p>
         </p:txBody>
       </p:sp>

--- a/doc/xkocic01.pptx
+++ b/doc/xkocic01.pptx
@@ -228,7 +228,7 @@
           <a:p>
             <a:fld id="{8A47B827-01B0-40C7-BA68-3ACC7CEACCE7}" type="datetimeFigureOut">
               <a:rPr lang="cs-CZ" smtClean="0"/>
-              <a:t>08.06.2021</a:t>
+              <a:t>16.06.2021</a:t>
             </a:fld>
             <a:endParaRPr lang="cs-CZ"/>
           </a:p>
@@ -2073,15 +2073,7 @@
           <a:p>
             <a:r>
               <a:rPr lang="cs-CZ" dirty="0"/>
-              <a:t>2</a:t>
-            </a:r>
-            <a:r>
-              <a:rPr lang="en-US" dirty="0"/>
-              <a:t>1</a:t>
-            </a:r>
-            <a:r>
-              <a:rPr lang="cs-CZ" dirty="0"/>
-              <a:t>. </a:t>
+              <a:t>22. </a:t>
             </a:r>
             <a:r>
               <a:rPr lang="en-US" dirty="0"/>
@@ -2387,7 +2379,18 @@
               <a:rPr lang="cs-CZ" sz="2000" dirty="0"/>
               <a:t>Optimalizace rozložení produktů pro zvýšení propustnosti skladu</a:t>
             </a:r>
-            <a:endParaRPr lang="en-US" sz="2000" dirty="0"/>
+            <a:r>
+              <a:rPr lang="en-US" sz="2000" dirty="0"/>
+              <a:t> (</a:t>
+            </a:r>
+            <a:r>
+              <a:rPr lang="cs-CZ" dirty="0"/>
+              <a:t>řešení SLAP</a:t>
+            </a:r>
+            <a:r>
+              <a:rPr lang="en-US" sz="2000" dirty="0"/>
+              <a:t>)</a:t>
+            </a:r>
           </a:p>
           <a:p>
             <a:pPr marL="342900" indent="-342900">
@@ -2407,8 +2410,9 @@
             </a:r>
           </a:p>
           <a:p>
-            <a:pPr marL="742950" lvl="1" indent="0">
-              <a:buNone/>
+            <a:pPr marL="1028700" lvl="1">
+              <a:buFont typeface="Courier New" panose="02070309020205020404" pitchFamily="49" charset="0"/>
+              <a:buChar char="o"/>
             </a:pPr>
             <a:r>
               <a:rPr lang="cs-CZ" sz="1600" dirty="0"/>
@@ -2416,8 +2420,9 @@
             </a:r>
           </a:p>
           <a:p>
-            <a:pPr marL="742950" lvl="1" indent="0">
-              <a:buNone/>
+            <a:pPr marL="1028700" lvl="1">
+              <a:buFont typeface="Courier New" panose="02070309020205020404" pitchFamily="49" charset="0"/>
+              <a:buChar char="o"/>
             </a:pPr>
             <a:r>
               <a:rPr lang="cs-CZ" sz="1600" dirty="0"/>
@@ -2425,8 +2430,9 @@
             </a:r>
           </a:p>
           <a:p>
-            <a:pPr marL="742950" lvl="1" indent="0">
-              <a:buNone/>
+            <a:pPr marL="1028700" lvl="1">
+              <a:buFont typeface="Courier New" panose="02070309020205020404" pitchFamily="49" charset="0"/>
+              <a:buChar char="o"/>
             </a:pPr>
             <a:r>
               <a:rPr lang="cs-CZ" sz="1600" dirty="0"/>
@@ -2434,8 +2440,9 @@
             </a:r>
           </a:p>
           <a:p>
-            <a:pPr marL="742950" lvl="1" indent="0">
-              <a:buNone/>
+            <a:pPr marL="1028700" lvl="1">
+              <a:buFont typeface="Courier New" panose="02070309020205020404" pitchFamily="49" charset="0"/>
+              <a:buChar char="o"/>
             </a:pPr>
             <a:r>
               <a:rPr lang="cs-CZ" sz="1600" dirty="0"/>
@@ -3332,7 +3339,10 @@
               <a:rPr lang="en-US" sz="2000" dirty="0" err="1"/>
               <a:t>sklad</a:t>
             </a:r>
-            <a:endParaRPr lang="cs-CZ" sz="2000" dirty="0"/>
+            <a:r>
+              <a:rPr lang="cs-CZ" sz="2000" dirty="0"/>
+              <a:t> (rozšíření)</a:t>
+            </a:r>
           </a:p>
           <a:p>
             <a:pPr marL="342900" indent="-342900">
@@ -4648,7 +4658,7 @@
             </a:pPr>
             <a:r>
               <a:rPr lang="cs-CZ" sz="2000" dirty="0"/>
-              <a:t>Velmi dobré výsledky optimalizace propustnosti skladu</a:t>
+              <a:t>Slibné výsledky optimalizace propustnosti skladu</a:t>
             </a:r>
           </a:p>
           <a:p>
@@ -4672,7 +4682,7 @@
             </a:r>
             <a:r>
               <a:rPr lang="cs-CZ" sz="2000" b="1" dirty="0"/>
-              <a:t>ávislost na modelu (layoutu) skladu</a:t>
+              <a:t>ávislost optimalizace na modelu (layoutu) skladu</a:t>
             </a:r>
           </a:p>
           <a:p>
@@ -5575,8 +5585,8 @@
         </p:blipFill>
         <p:spPr>
           <a:xfrm>
-            <a:off x="1554691" y="1351309"/>
-            <a:ext cx="6034617" cy="4525963"/>
+            <a:off x="4283968" y="1882813"/>
+            <a:ext cx="4690468" cy="3517851"/>
           </a:xfrm>
         </p:spPr>
       </p:pic>
@@ -5596,8 +5606,8 @@
         </p:nvSpPr>
         <p:spPr>
           <a:xfrm>
-            <a:off x="-13813" y="6157984"/>
-            <a:ext cx="8218487" cy="360065"/>
+            <a:off x="-13813" y="6021262"/>
+            <a:ext cx="8218487" cy="496788"/>
           </a:xfrm>
           <a:prstGeom prst="rect">
             <a:avLst/>
@@ -5748,8 +5758,250 @@
             </a:pPr>
             <a:r>
               <a:rPr lang="cs-CZ" sz="1050" dirty="0"/>
-              <a:t>Zdroj obrázku: http://orderpickingfastfetch.blogspot.com/2013/01/what-is-pick-to-light-pick-to-light-or.html</a:t>
-            </a:r>
+              <a:t>Zdroj</a:t>
+            </a:r>
+            <a:r>
+              <a:rPr lang="en-US" sz="1050" dirty="0"/>
+              <a:t>e</a:t>
+            </a:r>
+            <a:r>
+              <a:rPr lang="cs-CZ" sz="1050" dirty="0"/>
+              <a:t> obrázků: </a:t>
+            </a:r>
+            <a:r>
+              <a:rPr lang="cs-CZ" sz="1050" dirty="0">
+                <a:hlinkClick r:id="rId3"/>
+              </a:rPr>
+              <a:t>https://www.cbinsights.com/research/warehouse-tech-startups/</a:t>
+            </a:r>
+            <a:endParaRPr lang="cs-CZ" sz="1050" dirty="0"/>
+          </a:p>
+          <a:p>
+            <a:pPr marL="0" indent="0">
+              <a:buNone/>
+            </a:pPr>
+            <a:r>
+              <a:rPr lang="cs-CZ" sz="1050" dirty="0"/>
+              <a:t>                           </a:t>
+            </a:r>
+            <a:r>
+              <a:rPr lang="cs-CZ" sz="1050" dirty="0">
+                <a:hlinkClick r:id="rId4"/>
+              </a:rPr>
+              <a:t>http://orderpickingfastfetch.blogspot.com/2013/01/what-is-pick-to-light-pick-to-light-or.html</a:t>
+            </a:r>
+            <a:endParaRPr lang="cs-CZ" sz="1050" dirty="0"/>
+          </a:p>
+        </p:txBody>
+      </p:sp>
+      <p:pic>
+        <p:nvPicPr>
+          <p:cNvPr id="3" name="Picture 2">
+            <a:extLst>
+              <a:ext uri="{FF2B5EF4-FFF2-40B4-BE49-F238E27FC236}">
+                <a16:creationId xmlns:a16="http://schemas.microsoft.com/office/drawing/2014/main" id="{A35CF2B5-004B-41C9-9654-B517E82428FF}"/>
+              </a:ext>
+            </a:extLst>
+          </p:cNvPr>
+          <p:cNvPicPr>
+            <a:picLocks noChangeAspect="1"/>
+          </p:cNvPicPr>
+          <p:nvPr/>
+        </p:nvPicPr>
+        <p:blipFill>
+          <a:blip r:embed="rId5"/>
+          <a:stretch>
+            <a:fillRect/>
+          </a:stretch>
+        </p:blipFill>
+        <p:spPr>
+          <a:xfrm>
+            <a:off x="107504" y="1882813"/>
+            <a:ext cx="4070754" cy="3673273"/>
+          </a:xfrm>
+          <a:prstGeom prst="rect">
+            <a:avLst/>
+          </a:prstGeom>
+        </p:spPr>
+      </p:pic>
+      <p:sp>
+        <p:nvSpPr>
+          <p:cNvPr id="8" name="Text Placeholder 4">
+            <a:extLst>
+              <a:ext uri="{FF2B5EF4-FFF2-40B4-BE49-F238E27FC236}">
+                <a16:creationId xmlns:a16="http://schemas.microsoft.com/office/drawing/2014/main" id="{FDF9593E-FF8E-4946-91D2-5652A430311E}"/>
+              </a:ext>
+            </a:extLst>
+          </p:cNvPr>
+          <p:cNvSpPr txBox="1">
+            <a:spLocks/>
+          </p:cNvSpPr>
+          <p:nvPr/>
+        </p:nvSpPr>
+        <p:spPr>
+          <a:xfrm>
+            <a:off x="468313" y="1156437"/>
+            <a:ext cx="8218487" cy="1143000"/>
+          </a:xfrm>
+          <a:prstGeom prst="rect">
+            <a:avLst/>
+          </a:prstGeom>
+        </p:spPr>
+        <p:txBody>
+          <a:bodyPr/>
+          <a:lstStyle>
+            <a:lvl1pPr marL="342900" indent="-342900" algn="l" defTabSz="914400" rtl="0" eaLnBrk="1" latinLnBrk="0" hangingPunct="1">
+              <a:spcBef>
+                <a:spcPct val="20000"/>
+              </a:spcBef>
+              <a:buFont typeface="Arial" panose="020B0604020202020204" pitchFamily="34" charset="0"/>
+              <a:buChar char="•"/>
+              <a:defRPr sz="3200" kern="1200">
+                <a:solidFill>
+                  <a:schemeClr val="tx1"/>
+                </a:solidFill>
+                <a:latin typeface="+mn-lt"/>
+                <a:ea typeface="+mn-ea"/>
+                <a:cs typeface="+mn-cs"/>
+              </a:defRPr>
+            </a:lvl1pPr>
+            <a:lvl2pPr marL="742950" indent="-285750" algn="l" defTabSz="914400" rtl="0" eaLnBrk="1" latinLnBrk="0" hangingPunct="1">
+              <a:spcBef>
+                <a:spcPct val="20000"/>
+              </a:spcBef>
+              <a:buFont typeface="Arial" panose="020B0604020202020204" pitchFamily="34" charset="0"/>
+              <a:buChar char="–"/>
+              <a:defRPr sz="2800" kern="1200">
+                <a:solidFill>
+                  <a:schemeClr val="tx1"/>
+                </a:solidFill>
+                <a:latin typeface="+mn-lt"/>
+                <a:ea typeface="+mn-ea"/>
+                <a:cs typeface="+mn-cs"/>
+              </a:defRPr>
+            </a:lvl2pPr>
+            <a:lvl3pPr marL="1143000" indent="-228600" algn="l" defTabSz="914400" rtl="0" eaLnBrk="1" latinLnBrk="0" hangingPunct="1">
+              <a:spcBef>
+                <a:spcPct val="20000"/>
+              </a:spcBef>
+              <a:buFont typeface="Arial" panose="020B0604020202020204" pitchFamily="34" charset="0"/>
+              <a:buChar char="•"/>
+              <a:defRPr sz="2400" kern="1200">
+                <a:solidFill>
+                  <a:schemeClr val="tx1"/>
+                </a:solidFill>
+                <a:latin typeface="+mn-lt"/>
+                <a:ea typeface="+mn-ea"/>
+                <a:cs typeface="+mn-cs"/>
+              </a:defRPr>
+            </a:lvl3pPr>
+            <a:lvl4pPr marL="1600200" indent="-228600" algn="l" defTabSz="914400" rtl="0" eaLnBrk="1" latinLnBrk="0" hangingPunct="1">
+              <a:spcBef>
+                <a:spcPct val="20000"/>
+              </a:spcBef>
+              <a:buFont typeface="Arial" panose="020B0604020202020204" pitchFamily="34" charset="0"/>
+              <a:buChar char="–"/>
+              <a:defRPr sz="2000" kern="1200">
+                <a:solidFill>
+                  <a:schemeClr val="tx1"/>
+                </a:solidFill>
+                <a:latin typeface="+mn-lt"/>
+                <a:ea typeface="+mn-ea"/>
+                <a:cs typeface="+mn-cs"/>
+              </a:defRPr>
+            </a:lvl4pPr>
+            <a:lvl5pPr marL="2057400" indent="-228600" algn="l" defTabSz="914400" rtl="0" eaLnBrk="1" latinLnBrk="0" hangingPunct="1">
+              <a:spcBef>
+                <a:spcPct val="20000"/>
+              </a:spcBef>
+              <a:buFont typeface="Arial" panose="020B0604020202020204" pitchFamily="34" charset="0"/>
+              <a:buChar char="»"/>
+              <a:defRPr sz="2000" kern="1200">
+                <a:solidFill>
+                  <a:schemeClr val="tx1"/>
+                </a:solidFill>
+                <a:latin typeface="+mn-lt"/>
+                <a:ea typeface="+mn-ea"/>
+                <a:cs typeface="+mn-cs"/>
+              </a:defRPr>
+            </a:lvl5pPr>
+            <a:lvl6pPr marL="2514600" indent="-228600" algn="l" defTabSz="914400" rtl="0" eaLnBrk="1" latinLnBrk="0" hangingPunct="1">
+              <a:spcBef>
+                <a:spcPct val="20000"/>
+              </a:spcBef>
+              <a:buFont typeface="Arial" panose="020B0604020202020204" pitchFamily="34" charset="0"/>
+              <a:buChar char="•"/>
+              <a:defRPr sz="2000" kern="1200">
+                <a:solidFill>
+                  <a:schemeClr val="tx1"/>
+                </a:solidFill>
+                <a:latin typeface="+mn-lt"/>
+                <a:ea typeface="+mn-ea"/>
+                <a:cs typeface="+mn-cs"/>
+              </a:defRPr>
+            </a:lvl6pPr>
+            <a:lvl7pPr marL="2971800" indent="-228600" algn="l" defTabSz="914400" rtl="0" eaLnBrk="1" latinLnBrk="0" hangingPunct="1">
+              <a:spcBef>
+                <a:spcPct val="20000"/>
+              </a:spcBef>
+              <a:buFont typeface="Arial" panose="020B0604020202020204" pitchFamily="34" charset="0"/>
+              <a:buChar char="•"/>
+              <a:defRPr sz="2000" kern="1200">
+                <a:solidFill>
+                  <a:schemeClr val="tx1"/>
+                </a:solidFill>
+                <a:latin typeface="+mn-lt"/>
+                <a:ea typeface="+mn-ea"/>
+                <a:cs typeface="+mn-cs"/>
+              </a:defRPr>
+            </a:lvl7pPr>
+            <a:lvl8pPr marL="3429000" indent="-228600" algn="l" defTabSz="914400" rtl="0" eaLnBrk="1" latinLnBrk="0" hangingPunct="1">
+              <a:spcBef>
+                <a:spcPct val="20000"/>
+              </a:spcBef>
+              <a:buFont typeface="Arial" panose="020B0604020202020204" pitchFamily="34" charset="0"/>
+              <a:buChar char="•"/>
+              <a:defRPr sz="2000" kern="1200">
+                <a:solidFill>
+                  <a:schemeClr val="tx1"/>
+                </a:solidFill>
+                <a:latin typeface="+mn-lt"/>
+                <a:ea typeface="+mn-ea"/>
+                <a:cs typeface="+mn-cs"/>
+              </a:defRPr>
+            </a:lvl8pPr>
+            <a:lvl9pPr marL="3886200" indent="-228600" algn="l" defTabSz="914400" rtl="0" eaLnBrk="1" latinLnBrk="0" hangingPunct="1">
+              <a:spcBef>
+                <a:spcPct val="20000"/>
+              </a:spcBef>
+              <a:buFont typeface="Arial" panose="020B0604020202020204" pitchFamily="34" charset="0"/>
+              <a:buChar char="•"/>
+              <a:defRPr sz="2000" kern="1200">
+                <a:solidFill>
+                  <a:schemeClr val="tx1"/>
+                </a:solidFill>
+                <a:latin typeface="+mn-lt"/>
+                <a:ea typeface="+mn-ea"/>
+                <a:cs typeface="+mn-cs"/>
+              </a:defRPr>
+            </a:lvl9pPr>
+          </a:lstStyle>
+          <a:p>
+            <a:r>
+              <a:rPr lang="cs-CZ" sz="2000" dirty="0"/>
+              <a:t>Storage location assignment problem (SLAP</a:t>
+            </a:r>
+            <a:r>
+              <a:rPr lang="en-US" sz="2000" dirty="0"/>
+              <a:t>; </a:t>
+            </a:r>
+            <a:r>
+              <a:rPr lang="cs-CZ" sz="2000" dirty="0"/>
+              <a:t>NP-těžký problém)</a:t>
+            </a:r>
+          </a:p>
+          <a:p>
+            <a:endParaRPr lang="cs-CZ" sz="2000" dirty="0"/>
           </a:p>
         </p:txBody>
       </p:sp>
@@ -6363,8 +6615,19 @@
             </a:r>
             <a:r>
               <a:rPr lang="cs-CZ" sz="1050" dirty="0"/>
-              <a:t>: http://orderpickingfastfetch.blogspot.com/2013/01/what-is-pick-to-light-pick-to-light-or.html</a:t>
-            </a:r>
+              <a:t>:</a:t>
+            </a:r>
+            <a:r>
+              <a:rPr lang="en-US" sz="1050" dirty="0"/>
+              <a:t> </a:t>
+            </a:r>
+            <a:r>
+              <a:rPr lang="en-US" sz="1050" dirty="0">
+                <a:hlinkClick r:id="rId5"/>
+              </a:rPr>
+              <a:t>http://orderpickingfastfetch.blogspot.com/2013/01/what-is-pick-to-light-pick-to-light-or.html</a:t>
+            </a:r>
+            <a:endParaRPr lang="cs-CZ" sz="1050" dirty="0"/>
           </a:p>
         </p:txBody>
       </p:sp>
@@ -6449,7 +6712,7 @@
         </p:nvSpPr>
         <p:spPr>
           <a:xfrm>
-            <a:off x="473051" y="1334906"/>
+            <a:off x="457200" y="1106141"/>
             <a:ext cx="8229600" cy="820688"/>
           </a:xfrm>
         </p:spPr>
@@ -6729,44 +6992,334 @@
           </a:p>
         </p:txBody>
       </p:sp>
-      <p:pic>
-        <p:nvPicPr>
-          <p:cNvPr id="5" name="Picture 4">
+      <p:sp>
+        <p:nvSpPr>
+          <p:cNvPr id="6" name="Content Placeholder 2">
             <a:extLst>
               <a:ext uri="{FF2B5EF4-FFF2-40B4-BE49-F238E27FC236}">
-                <a16:creationId xmlns:a16="http://schemas.microsoft.com/office/drawing/2014/main" id="{2A755D70-52BD-4ABE-9BBC-C9365282D0A1}"/>
+                <a16:creationId xmlns:a16="http://schemas.microsoft.com/office/drawing/2014/main" id="{515146F2-9655-4D8B-9E7D-1CA2F0F741F2}"/>
               </a:ext>
             </a:extLst>
           </p:cNvPr>
-          <p:cNvPicPr>
-            <a:picLocks noChangeAspect="1"/>
-          </p:cNvPicPr>
+          <p:cNvSpPr txBox="1">
+            <a:spLocks/>
+          </p:cNvSpPr>
           <p:nvPr/>
-        </p:nvPicPr>
-        <p:blipFill>
-          <a:blip r:embed="rId2"/>
-          <a:stretch>
-            <a:fillRect/>
-          </a:stretch>
-        </p:blipFill>
+        </p:nvSpPr>
         <p:spPr>
           <a:xfrm>
-            <a:off x="5338450" y="2164258"/>
-            <a:ext cx="2626966" cy="2088232"/>
+            <a:off x="359672" y="2161086"/>
+            <a:ext cx="4098950" cy="1056684"/>
           </a:xfrm>
           <a:prstGeom prst="rect">
             <a:avLst/>
           </a:prstGeom>
         </p:spPr>
-      </p:pic>
-      <mc:AlternateContent xmlns:mc="http://schemas.openxmlformats.org/markup-compatibility/2006">
-        <mc:Choice xmlns:a14="http://schemas.microsoft.com/office/drawing/2010/main" Requires="a14">
+        <p:txBody>
+          <a:bodyPr/>
+          <a:lstStyle>
+            <a:lvl1pPr marL="0" indent="0" algn="ctr" defTabSz="914400" rtl="0" eaLnBrk="1" latinLnBrk="0" hangingPunct="1">
+              <a:spcBef>
+                <a:spcPct val="20000"/>
+              </a:spcBef>
+              <a:buFont typeface="Wingdings" panose="05000000000000000000" pitchFamily="2" charset="2"/>
+              <a:buNone/>
+              <a:defRPr sz="2800" kern="1200" baseline="0">
+                <a:solidFill>
+                  <a:schemeClr val="tx1"/>
+                </a:solidFill>
+                <a:latin typeface="+mn-lt"/>
+                <a:ea typeface="+mn-ea"/>
+                <a:cs typeface="+mn-cs"/>
+              </a:defRPr>
+            </a:lvl1pPr>
+            <a:lvl2pPr marL="742950" indent="-285750" algn="l" defTabSz="914400" rtl="0" eaLnBrk="1" latinLnBrk="0" hangingPunct="1">
+              <a:spcBef>
+                <a:spcPct val="20000"/>
+              </a:spcBef>
+              <a:buFont typeface="Wingdings" panose="05000000000000000000" pitchFamily="2" charset="2"/>
+              <a:buChar char="§"/>
+              <a:defRPr sz="2400" kern="1200">
+                <a:solidFill>
+                  <a:schemeClr val="tx1"/>
+                </a:solidFill>
+                <a:latin typeface="+mn-lt"/>
+                <a:ea typeface="+mn-ea"/>
+                <a:cs typeface="+mn-cs"/>
+              </a:defRPr>
+            </a:lvl2pPr>
+            <a:lvl3pPr marL="1143000" indent="-228600" algn="l" defTabSz="914400" rtl="0" eaLnBrk="1" latinLnBrk="0" hangingPunct="1">
+              <a:spcBef>
+                <a:spcPct val="20000"/>
+              </a:spcBef>
+              <a:buFont typeface="Wingdings" panose="05000000000000000000" pitchFamily="2" charset="2"/>
+              <a:buChar char="§"/>
+              <a:defRPr sz="2000" kern="1200">
+                <a:solidFill>
+                  <a:schemeClr val="tx1"/>
+                </a:solidFill>
+                <a:latin typeface="+mn-lt"/>
+                <a:ea typeface="+mn-ea"/>
+                <a:cs typeface="+mn-cs"/>
+              </a:defRPr>
+            </a:lvl3pPr>
+            <a:lvl4pPr marL="1600200" indent="-228600" algn="l" defTabSz="914400" rtl="0" eaLnBrk="1" latinLnBrk="0" hangingPunct="1">
+              <a:spcBef>
+                <a:spcPct val="20000"/>
+              </a:spcBef>
+              <a:buFont typeface="Wingdings" panose="05000000000000000000" pitchFamily="2" charset="2"/>
+              <a:buChar char="§"/>
+              <a:defRPr sz="1800" kern="1200">
+                <a:solidFill>
+                  <a:schemeClr val="tx1"/>
+                </a:solidFill>
+                <a:latin typeface="+mn-lt"/>
+                <a:ea typeface="+mn-ea"/>
+                <a:cs typeface="+mn-cs"/>
+              </a:defRPr>
+            </a:lvl4pPr>
+            <a:lvl5pPr marL="2057400" indent="-228600" algn="l" defTabSz="914400" rtl="0" eaLnBrk="1" latinLnBrk="0" hangingPunct="1">
+              <a:spcBef>
+                <a:spcPct val="20000"/>
+              </a:spcBef>
+              <a:buFont typeface="Wingdings" panose="05000000000000000000" pitchFamily="2" charset="2"/>
+              <a:buChar char="§"/>
+              <a:defRPr sz="2800" kern="1200">
+                <a:solidFill>
+                  <a:schemeClr val="tx1"/>
+                </a:solidFill>
+                <a:latin typeface="+mn-lt"/>
+                <a:ea typeface="+mn-ea"/>
+                <a:cs typeface="+mn-cs"/>
+              </a:defRPr>
+            </a:lvl5pPr>
+            <a:lvl6pPr marL="2514600" indent="-228600" algn="l" defTabSz="914400" rtl="0" eaLnBrk="1" latinLnBrk="0" hangingPunct="1">
+              <a:spcBef>
+                <a:spcPct val="20000"/>
+              </a:spcBef>
+              <a:buFont typeface="Arial" panose="020B0604020202020204" pitchFamily="34" charset="0"/>
+              <a:buChar char="•"/>
+              <a:defRPr sz="2000" kern="1200">
+                <a:solidFill>
+                  <a:schemeClr val="tx1"/>
+                </a:solidFill>
+                <a:latin typeface="+mn-lt"/>
+                <a:ea typeface="+mn-ea"/>
+                <a:cs typeface="+mn-cs"/>
+              </a:defRPr>
+            </a:lvl6pPr>
+            <a:lvl7pPr marL="2971800" indent="-228600" algn="l" defTabSz="914400" rtl="0" eaLnBrk="1" latinLnBrk="0" hangingPunct="1">
+              <a:spcBef>
+                <a:spcPct val="20000"/>
+              </a:spcBef>
+              <a:buFont typeface="Arial" panose="020B0604020202020204" pitchFamily="34" charset="0"/>
+              <a:buChar char="•"/>
+              <a:defRPr sz="2000" kern="1200">
+                <a:solidFill>
+                  <a:schemeClr val="tx1"/>
+                </a:solidFill>
+                <a:latin typeface="+mn-lt"/>
+                <a:ea typeface="+mn-ea"/>
+                <a:cs typeface="+mn-cs"/>
+              </a:defRPr>
+            </a:lvl7pPr>
+            <a:lvl8pPr marL="3429000" indent="-228600" algn="l" defTabSz="914400" rtl="0" eaLnBrk="1" latinLnBrk="0" hangingPunct="1">
+              <a:spcBef>
+                <a:spcPct val="20000"/>
+              </a:spcBef>
+              <a:buFont typeface="Arial" panose="020B0604020202020204" pitchFamily="34" charset="0"/>
+              <a:buChar char="•"/>
+              <a:defRPr sz="2000" kern="1200">
+                <a:solidFill>
+                  <a:schemeClr val="tx1"/>
+                </a:solidFill>
+                <a:latin typeface="+mn-lt"/>
+                <a:ea typeface="+mn-ea"/>
+                <a:cs typeface="+mn-cs"/>
+              </a:defRPr>
+            </a:lvl8pPr>
+            <a:lvl9pPr marL="3886200" indent="-228600" algn="l" defTabSz="914400" rtl="0" eaLnBrk="1" latinLnBrk="0" hangingPunct="1">
+              <a:spcBef>
+                <a:spcPct val="20000"/>
+              </a:spcBef>
+              <a:buFont typeface="Arial" panose="020B0604020202020204" pitchFamily="34" charset="0"/>
+              <a:buChar char="•"/>
+              <a:defRPr sz="2000" kern="1200">
+                <a:solidFill>
+                  <a:schemeClr val="tx1"/>
+                </a:solidFill>
+                <a:latin typeface="+mn-lt"/>
+                <a:ea typeface="+mn-ea"/>
+                <a:cs typeface="+mn-cs"/>
+              </a:defRPr>
+            </a:lvl9pPr>
+          </a:lstStyle>
+          <a:p>
+            <a:pPr marL="457200" indent="-457200" algn="l">
+              <a:buFont typeface="Arial" panose="020B0604020202020204" pitchFamily="34" charset="0"/>
+              <a:buChar char="•"/>
+            </a:pPr>
+            <a:r>
+              <a:rPr lang="en-US" sz="1600" b="1" dirty="0">
+                <a:solidFill>
+                  <a:srgbClr val="000000"/>
+                </a:solidFill>
+                <a:latin typeface="Arial (Body)"/>
+              </a:rPr>
+              <a:t>X</a:t>
+            </a:r>
+            <a:r>
+              <a:rPr lang="cs-CZ" sz="1600" b="1" dirty="0">
+                <a:solidFill>
+                  <a:srgbClr val="000000"/>
+                </a:solidFill>
+                <a:latin typeface="Arial (Body)"/>
+              </a:rPr>
+              <a:t> </a:t>
+            </a:r>
+            <a:r>
+              <a:rPr lang="en-US" sz="1600" b="1" dirty="0">
+                <a:solidFill>
+                  <a:srgbClr val="000000"/>
+                </a:solidFill>
+                <a:latin typeface="Arial (Body)"/>
+              </a:rPr>
+              <a:t>~</a:t>
+            </a:r>
+            <a:r>
+              <a:rPr lang="cs-CZ" sz="1600" b="1" dirty="0">
+                <a:solidFill>
+                  <a:srgbClr val="000000"/>
+                </a:solidFill>
+                <a:latin typeface="Arial (Body)"/>
+              </a:rPr>
+              <a:t> </a:t>
+            </a:r>
+            <a:r>
+              <a:rPr lang="en-US" sz="1600" b="1" dirty="0">
+                <a:solidFill>
+                  <a:srgbClr val="000000"/>
+                </a:solidFill>
+                <a:latin typeface="Arial (Body)"/>
+              </a:rPr>
+              <a:t>Exp(</a:t>
+            </a:r>
+            <a:r>
+              <a:rPr lang="el-GR" sz="1600" b="1" dirty="0">
+                <a:solidFill>
+                  <a:srgbClr val="000000"/>
+                </a:solidFill>
+                <a:latin typeface="Arial (Body)"/>
+              </a:rPr>
+              <a:t>λ</a:t>
+            </a:r>
+            <a:r>
+              <a:rPr lang="en-US" sz="1600" b="1" dirty="0">
+                <a:solidFill>
+                  <a:srgbClr val="000000"/>
+                </a:solidFill>
+                <a:latin typeface="Arial (Body)"/>
+              </a:rPr>
+              <a:t>)</a:t>
+            </a:r>
+          </a:p>
+          <a:p>
+            <a:pPr marL="457200" indent="-457200" algn="l">
+              <a:buFont typeface="Arial" panose="020B0604020202020204" pitchFamily="34" charset="0"/>
+              <a:buChar char="•"/>
+            </a:pPr>
+            <a:r>
+              <a:rPr lang="en-US" sz="1600" dirty="0" err="1">
+                <a:solidFill>
+                  <a:srgbClr val="000000"/>
+                </a:solidFill>
+                <a:latin typeface="Arial (Body)"/>
+              </a:rPr>
+              <a:t>Teorie</a:t>
+            </a:r>
+            <a:r>
+              <a:rPr lang="en-US" sz="1600" dirty="0">
+                <a:solidFill>
+                  <a:srgbClr val="000000"/>
+                </a:solidFill>
+                <a:latin typeface="Arial (Body)"/>
+              </a:rPr>
+              <a:t> </a:t>
+            </a:r>
+            <a:r>
+              <a:rPr lang="en-US" sz="1600" dirty="0" err="1">
+                <a:solidFill>
+                  <a:srgbClr val="000000"/>
+                </a:solidFill>
+                <a:latin typeface="Arial (Body)"/>
+              </a:rPr>
+              <a:t>hromadné</a:t>
+            </a:r>
+            <a:r>
+              <a:rPr lang="en-US" sz="1600" dirty="0">
+                <a:solidFill>
+                  <a:srgbClr val="000000"/>
+                </a:solidFill>
+                <a:latin typeface="Arial (Body)"/>
+              </a:rPr>
+              <a:t> </a:t>
+            </a:r>
+            <a:r>
+              <a:rPr lang="en-US" sz="1600" dirty="0" err="1">
+                <a:solidFill>
+                  <a:srgbClr val="000000"/>
+                </a:solidFill>
+                <a:latin typeface="Arial (Body)"/>
+              </a:rPr>
+              <a:t>obsluhy</a:t>
+            </a:r>
+            <a:endParaRPr lang="en-US" sz="1600" dirty="0">
+              <a:solidFill>
+                <a:srgbClr val="000000"/>
+              </a:solidFill>
+              <a:latin typeface="Arial (Body)"/>
+            </a:endParaRPr>
+          </a:p>
+          <a:p>
+            <a:pPr marL="457200" indent="-457200" algn="l">
+              <a:buFont typeface="Arial" panose="020B0604020202020204" pitchFamily="34" charset="0"/>
+              <a:buChar char="•"/>
+            </a:pPr>
+            <a:r>
+              <a:rPr lang="cs-CZ" sz="1600" dirty="0">
+                <a:solidFill>
+                  <a:srgbClr val="000000"/>
+                </a:solidFill>
+                <a:latin typeface="Arial (Body)"/>
+              </a:rPr>
+              <a:t>Modeluje dobu mezi dvěma událostmi</a:t>
+            </a:r>
+            <a:endParaRPr lang="en-US" sz="1800" dirty="0">
+              <a:solidFill>
+                <a:srgbClr val="000000"/>
+              </a:solidFill>
+              <a:latin typeface="Arial (Body)"/>
+            </a:endParaRPr>
+          </a:p>
+          <a:p>
+            <a:pPr marL="457200" indent="-457200">
+              <a:buFont typeface="Arial" panose="020B0604020202020204" pitchFamily="34" charset="0"/>
+              <a:buChar char="•"/>
+            </a:pPr>
+            <a:endParaRPr lang="en-US" sz="2400" dirty="0">
+              <a:latin typeface="Arial (Body)"/>
+            </a:endParaRPr>
+          </a:p>
+        </p:txBody>
+      </p:sp>
+      <mc:AlternateContent xmlns:mc="http://schemas.openxmlformats.org/markup-compatibility/2006" xmlns:a14="http://schemas.microsoft.com/office/drawing/2010/main">
+        <mc:Choice Requires="a14">
           <p:sp>
             <p:nvSpPr>
-              <p:cNvPr id="6" name="Content Placeholder 2">
+              <p:cNvPr id="10" name="Content Placeholder 2">
                 <a:extLst>
                   <a:ext uri="{FF2B5EF4-FFF2-40B4-BE49-F238E27FC236}">
-                    <a16:creationId xmlns:a16="http://schemas.microsoft.com/office/drawing/2014/main" id="{515146F2-9655-4D8B-9E7D-1CA2F0F741F2}"/>
+                    <a16:creationId xmlns:a16="http://schemas.microsoft.com/office/drawing/2014/main" id="{4CE45046-8518-4CED-8689-E6D7EC19AAF1}"/>
                   </a:ext>
                 </a:extLst>
               </p:cNvPr>
@@ -6777,8 +7330,8 @@
             </p:nvSpPr>
             <p:spPr>
               <a:xfrm>
-                <a:off x="478890" y="2419491"/>
-                <a:ext cx="4765516" cy="3961837"/>
+                <a:off x="4541363" y="2156021"/>
+                <a:ext cx="4242965" cy="1267914"/>
               </a:xfrm>
               <a:prstGeom prst="rect">
                 <a:avLst/>
@@ -6923,171 +7476,6 @@
                   </a:defRPr>
                 </a:lvl9pPr>
               </a:lstStyle>
-              <a:p>
-                <a:pPr marL="457200" indent="-457200" algn="l">
-                  <a:buFont typeface="Arial" panose="020B0604020202020204" pitchFamily="34" charset="0"/>
-                  <a:buChar char="•"/>
-                </a:pPr>
-                <a:r>
-                  <a:rPr lang="en-US" sz="1600" b="1" dirty="0">
-                    <a:solidFill>
-                      <a:srgbClr val="000000"/>
-                    </a:solidFill>
-                    <a:latin typeface="Arial (Body)"/>
-                  </a:rPr>
-                  <a:t>X</a:t>
-                </a:r>
-                <a:r>
-                  <a:rPr lang="cs-CZ" sz="1600" b="1" dirty="0">
-                    <a:solidFill>
-                      <a:srgbClr val="000000"/>
-                    </a:solidFill>
-                    <a:latin typeface="Arial (Body)"/>
-                  </a:rPr>
-                  <a:t> </a:t>
-                </a:r>
-                <a:r>
-                  <a:rPr lang="en-US" sz="1600" b="1" dirty="0">
-                    <a:solidFill>
-                      <a:srgbClr val="000000"/>
-                    </a:solidFill>
-                    <a:latin typeface="Arial (Body)"/>
-                  </a:rPr>
-                  <a:t>~</a:t>
-                </a:r>
-                <a:r>
-                  <a:rPr lang="cs-CZ" sz="1600" b="1" dirty="0">
-                    <a:solidFill>
-                      <a:srgbClr val="000000"/>
-                    </a:solidFill>
-                    <a:latin typeface="Arial (Body)"/>
-                  </a:rPr>
-                  <a:t> </a:t>
-                </a:r>
-                <a:r>
-                  <a:rPr lang="en-US" sz="1600" b="1" dirty="0">
-                    <a:solidFill>
-                      <a:srgbClr val="000000"/>
-                    </a:solidFill>
-                    <a:latin typeface="Arial (Body)"/>
-                  </a:rPr>
-                  <a:t>Exp(</a:t>
-                </a:r>
-                <a:r>
-                  <a:rPr lang="el-GR" sz="1600" b="1" dirty="0">
-                    <a:solidFill>
-                      <a:srgbClr val="000000"/>
-                    </a:solidFill>
-                    <a:latin typeface="Arial (Body)"/>
-                  </a:rPr>
-                  <a:t>λ</a:t>
-                </a:r>
-                <a:r>
-                  <a:rPr lang="en-US" sz="1600" b="1" dirty="0">
-                    <a:solidFill>
-                      <a:srgbClr val="000000"/>
-                    </a:solidFill>
-                    <a:latin typeface="Arial (Body)"/>
-                  </a:rPr>
-                  <a:t>)</a:t>
-                </a:r>
-              </a:p>
-              <a:p>
-                <a:pPr marL="457200" indent="-457200" algn="l">
-                  <a:buFont typeface="Arial" panose="020B0604020202020204" pitchFamily="34" charset="0"/>
-                  <a:buChar char="•"/>
-                </a:pPr>
-                <a:r>
-                  <a:rPr lang="en-US" sz="1600" dirty="0" err="1">
-                    <a:solidFill>
-                      <a:srgbClr val="000000"/>
-                    </a:solidFill>
-                    <a:latin typeface="Arial (Body)"/>
-                  </a:rPr>
-                  <a:t>Teorie</a:t>
-                </a:r>
-                <a:r>
-                  <a:rPr lang="en-US" sz="1600" dirty="0">
-                    <a:solidFill>
-                      <a:srgbClr val="000000"/>
-                    </a:solidFill>
-                    <a:latin typeface="Arial (Body)"/>
-                  </a:rPr>
-                  <a:t> </a:t>
-                </a:r>
-                <a:r>
-                  <a:rPr lang="en-US" sz="1600" dirty="0" err="1">
-                    <a:solidFill>
-                      <a:srgbClr val="000000"/>
-                    </a:solidFill>
-                    <a:latin typeface="Arial (Body)"/>
-                  </a:rPr>
-                  <a:t>hromadné</a:t>
-                </a:r>
-                <a:r>
-                  <a:rPr lang="en-US" sz="1600" dirty="0">
-                    <a:solidFill>
-                      <a:srgbClr val="000000"/>
-                    </a:solidFill>
-                    <a:latin typeface="Arial (Body)"/>
-                  </a:rPr>
-                  <a:t> </a:t>
-                </a:r>
-                <a:r>
-                  <a:rPr lang="en-US" sz="1600" dirty="0" err="1">
-                    <a:solidFill>
-                      <a:srgbClr val="000000"/>
-                    </a:solidFill>
-                    <a:latin typeface="Arial (Body)"/>
-                  </a:rPr>
-                  <a:t>obsluhy</a:t>
-                </a:r>
-                <a:endParaRPr lang="en-US" sz="1600" dirty="0">
-                  <a:solidFill>
-                    <a:srgbClr val="000000"/>
-                  </a:solidFill>
-                  <a:latin typeface="Arial (Body)"/>
-                </a:endParaRPr>
-              </a:p>
-              <a:p>
-                <a:pPr marL="457200" indent="-457200" algn="l">
-                  <a:buFont typeface="Arial" panose="020B0604020202020204" pitchFamily="34" charset="0"/>
-                  <a:buChar char="•"/>
-                </a:pPr>
-                <a:r>
-                  <a:rPr lang="cs-CZ" sz="1600" dirty="0">
-                    <a:solidFill>
-                      <a:srgbClr val="000000"/>
-                    </a:solidFill>
-                    <a:latin typeface="Arial (Body)"/>
-                  </a:rPr>
-                  <a:t>Modeluje dobu mezi dvěma událostmi</a:t>
-                </a:r>
-              </a:p>
-              <a:p>
-                <a:pPr marL="457200" indent="-457200" algn="l">
-                  <a:buFont typeface="Arial" panose="020B0604020202020204" pitchFamily="34" charset="0"/>
-                  <a:buChar char="•"/>
-                </a:pPr>
-                <a:endParaRPr lang="cs-CZ" sz="1600" dirty="0">
-                  <a:solidFill>
-                    <a:srgbClr val="000000"/>
-                  </a:solidFill>
-                  <a:latin typeface="Arial (Body)"/>
-                </a:endParaRPr>
-              </a:p>
-              <a:p>
-                <a:pPr marL="457200" indent="-457200" algn="l">
-                  <a:buFont typeface="Arial" panose="020B0604020202020204" pitchFamily="34" charset="0"/>
-                  <a:buChar char="•"/>
-                </a:pPr>
-                <a:endParaRPr lang="en-US" sz="1600" dirty="0">
-                  <a:solidFill>
-                    <a:srgbClr val="000000"/>
-                  </a:solidFill>
-                  <a:latin typeface="Arial (Body)"/>
-                </a:endParaRPr>
-              </a:p>
               <a:p>
                 <a:pPr marL="457200" indent="-457200" algn="l">
                   <a:buFont typeface="Arial" panose="020B0604020202020204" pitchFamily="34" charset="0"/>
@@ -7405,251 +7793,6 @@
                   <a:buFont typeface="Arial" panose="020B0604020202020204" pitchFamily="34" charset="0"/>
                   <a:buChar char="•"/>
                 </a:pPr>
-                <a:endParaRPr lang="cs-CZ" sz="1600" dirty="0">
-                  <a:solidFill>
-                    <a:srgbClr val="000000"/>
-                  </a:solidFill>
-                  <a:latin typeface="Arial (Body)"/>
-                </a:endParaRPr>
-              </a:p>
-              <a:p>
-                <a:pPr algn="l"/>
-                <a:endParaRPr lang="cs-CZ" sz="1600" dirty="0">
-                  <a:solidFill>
-                    <a:srgbClr val="000000"/>
-                  </a:solidFill>
-                  <a:latin typeface="Arial (Body)"/>
-                </a:endParaRPr>
-              </a:p>
-              <a:p>
-                <a:pPr marL="457200" indent="-457200" algn="l">
-                  <a:buFont typeface="Arial" panose="020B0604020202020204" pitchFamily="34" charset="0"/>
-                  <a:buChar char="•"/>
-                </a:pPr>
-                <a:r>
-                  <a:rPr lang="en-US" sz="1400" b="0" i="0" dirty="0" err="1">
-                    <a:solidFill>
-                      <a:srgbClr val="1D1C1D"/>
-                    </a:solidFill>
-                    <a:effectLst/>
-                  </a:rPr>
-                  <a:t>Případně</a:t>
-                </a:r>
-                <a:r>
-                  <a:rPr lang="en-US" sz="1400" b="0" i="0" dirty="0">
-                    <a:solidFill>
-                      <a:srgbClr val="1D1C1D"/>
-                    </a:solidFill>
-                    <a:effectLst/>
-                  </a:rPr>
-                  <a:t> </a:t>
-                </a:r>
-                <a:r>
-                  <a:rPr lang="en-US" sz="1400" b="0" i="0" dirty="0" err="1">
-                    <a:solidFill>
-                      <a:srgbClr val="1D1C1D"/>
-                    </a:solidFill>
-                    <a:effectLst/>
-                  </a:rPr>
-                  <a:t>není</a:t>
-                </a:r>
-                <a:r>
-                  <a:rPr lang="en-US" sz="1400" b="0" i="0" dirty="0">
-                    <a:solidFill>
-                      <a:srgbClr val="1D1C1D"/>
-                    </a:solidFill>
-                    <a:effectLst/>
-                  </a:rPr>
-                  <a:t> </a:t>
-                </a:r>
-                <a:r>
-                  <a:rPr lang="en-US" sz="1400" b="0" i="0" dirty="0" err="1">
-                    <a:solidFill>
-                      <a:srgbClr val="1D1C1D"/>
-                    </a:solidFill>
-                    <a:effectLst/>
-                  </a:rPr>
-                  <a:t>problém</a:t>
-                </a:r>
-                <a:r>
-                  <a:rPr lang="en-US" sz="1400" b="0" i="0" dirty="0">
-                    <a:solidFill>
-                      <a:srgbClr val="1D1C1D"/>
-                    </a:solidFill>
-                    <a:effectLst/>
-                  </a:rPr>
-                  <a:t> </a:t>
-                </a:r>
-                <a:r>
-                  <a:rPr lang="en-US" sz="1400" b="0" i="0" dirty="0" err="1">
-                    <a:solidFill>
-                      <a:srgbClr val="1D1C1D"/>
-                    </a:solidFill>
-                    <a:effectLst/>
-                  </a:rPr>
-                  <a:t>daný</a:t>
-                </a:r>
-                <a:r>
-                  <a:rPr lang="en-US" sz="1400" b="0" i="0" dirty="0">
-                    <a:solidFill>
-                      <a:srgbClr val="1D1C1D"/>
-                    </a:solidFill>
-                    <a:effectLst/>
-                  </a:rPr>
-                  <a:t> model </a:t>
-                </a:r>
-                <a:r>
-                  <a:rPr lang="en-US" sz="1400" b="0" i="0" dirty="0" err="1">
-                    <a:solidFill>
-                      <a:srgbClr val="1D1C1D"/>
-                    </a:solidFill>
-                    <a:effectLst/>
-                  </a:rPr>
-                  <a:t>upravit</a:t>
-                </a:r>
-                <a:r>
-                  <a:rPr lang="en-US" sz="1400" b="0" i="0" dirty="0">
-                    <a:solidFill>
-                      <a:srgbClr val="1D1C1D"/>
-                    </a:solidFill>
-                    <a:effectLst/>
-                  </a:rPr>
-                  <a:t> </a:t>
-                </a:r>
-                <a:r>
-                  <a:rPr lang="en-US" sz="1400" b="0" i="0" dirty="0" err="1">
-                    <a:solidFill>
-                      <a:srgbClr val="1D1C1D"/>
-                    </a:solidFill>
-                    <a:effectLst/>
-                  </a:rPr>
-                  <a:t>na</a:t>
-                </a:r>
-                <a:r>
-                  <a:rPr lang="en-US" sz="1400" b="0" i="0" dirty="0">
-                    <a:solidFill>
-                      <a:srgbClr val="1D1C1D"/>
-                    </a:solidFill>
-                    <a:effectLst/>
-                  </a:rPr>
-                  <a:t> </a:t>
-                </a:r>
-                <a:r>
-                  <a:rPr lang="en-US" sz="1400" b="0" i="0" dirty="0" err="1">
-                    <a:solidFill>
-                      <a:srgbClr val="1D1C1D"/>
-                    </a:solidFill>
-                    <a:effectLst/>
-                  </a:rPr>
-                  <a:t>konkrétní</a:t>
-                </a:r>
-                <a:r>
-                  <a:rPr lang="en-US" sz="1400" b="0" i="0" dirty="0">
-                    <a:solidFill>
-                      <a:srgbClr val="1D1C1D"/>
-                    </a:solidFill>
-                    <a:effectLst/>
-                  </a:rPr>
-                  <a:t> </a:t>
-                </a:r>
-                <a:r>
-                  <a:rPr lang="en-US" sz="1400" b="0" i="0" dirty="0" err="1">
-                    <a:solidFill>
-                      <a:srgbClr val="1D1C1D"/>
-                    </a:solidFill>
-                    <a:effectLst/>
-                  </a:rPr>
-                  <a:t>požadavky</a:t>
-                </a:r>
-                <a:r>
-                  <a:rPr lang="en-US" sz="1400" b="0" i="0" dirty="0">
-                    <a:solidFill>
-                      <a:srgbClr val="1D1C1D"/>
-                    </a:solidFill>
-                    <a:effectLst/>
-                  </a:rPr>
-                  <a:t> </a:t>
-                </a:r>
-                <a:r>
-                  <a:rPr lang="en-US" sz="1400" b="0" i="0" dirty="0" err="1">
-                    <a:solidFill>
-                      <a:srgbClr val="1D1C1D"/>
-                    </a:solidFill>
-                    <a:effectLst/>
-                  </a:rPr>
-                  <a:t>provozu</a:t>
-                </a:r>
-                <a:r>
-                  <a:rPr lang="cs-CZ" sz="1400" b="0" i="0" dirty="0">
-                    <a:solidFill>
-                      <a:srgbClr val="1D1C1D"/>
-                    </a:solidFill>
-                    <a:effectLst/>
-                  </a:rPr>
-                  <a:t> (realizovat náhodný výběr a provést test o rozdělení – KS test / </a:t>
-                </a:r>
-                <a:r>
-                  <a:rPr lang="el-GR" sz="1050" b="1" i="0" dirty="0">
-                    <a:solidFill>
-                      <a:srgbClr val="202122"/>
-                    </a:solidFill>
-                    <a:effectLst/>
-                    <a:latin typeface="Nimbus Roman No9 L"/>
-                  </a:rPr>
-                  <a:t>χ</a:t>
-                </a:r>
-                <a:r>
-                  <a:rPr lang="el-GR" sz="1050" b="1" i="0" baseline="30000" dirty="0">
-                    <a:solidFill>
-                      <a:srgbClr val="202122"/>
-                    </a:solidFill>
-                    <a:effectLst/>
-                    <a:latin typeface="Nimbus Roman No9 L"/>
-                  </a:rPr>
-                  <a:t>2 </a:t>
-                </a:r>
-                <a:r>
-                  <a:rPr lang="cs-CZ" sz="1050" b="1" i="0" baseline="30000" dirty="0">
-                    <a:solidFill>
-                      <a:srgbClr val="202122"/>
-                    </a:solidFill>
-                    <a:effectLst/>
-                    <a:latin typeface="Nimbus Roman No9 L"/>
-                  </a:rPr>
-                  <a:t> </a:t>
-                </a:r>
-                <a:r>
-                  <a:rPr lang="cs-CZ" sz="1400" b="0" i="0" dirty="0">
-                    <a:solidFill>
-                      <a:srgbClr val="1D1C1D"/>
-                    </a:solidFill>
-                    <a:effectLst/>
-                  </a:rPr>
-                  <a:t>test)</a:t>
-                </a:r>
-                <a:endParaRPr lang="en-US" sz="2000" dirty="0">
-                  <a:solidFill>
-                    <a:srgbClr val="000000"/>
-                  </a:solidFill>
-                </a:endParaRPr>
-              </a:p>
-              <a:p>
-                <a:pPr marL="457200" indent="-457200" algn="l">
-                  <a:buFont typeface="Arial" panose="020B0604020202020204" pitchFamily="34" charset="0"/>
-                  <a:buChar char="•"/>
-                </a:pPr>
-                <a:endParaRPr lang="cs-CZ" sz="1600" dirty="0">
-                  <a:solidFill>
-                    <a:srgbClr val="000000"/>
-                  </a:solidFill>
-                  <a:latin typeface="Arial (Body)"/>
-                </a:endParaRPr>
-              </a:p>
-              <a:p>
-                <a:pPr marL="457200" indent="-457200" algn="l">
-                  <a:buFont typeface="Arial" panose="020B0604020202020204" pitchFamily="34" charset="0"/>
-                  <a:buChar char="•"/>
-                </a:pPr>
                 <a:endParaRPr lang="en-US" sz="1800" dirty="0">
                   <a:solidFill>
                     <a:srgbClr val="000000"/>
@@ -7669,13 +7812,13 @@
             </p:txBody>
           </p:sp>
         </mc:Choice>
-        <mc:Fallback>
+        <mc:Fallback xmlns="">
           <p:sp>
             <p:nvSpPr>
-              <p:cNvPr id="6" name="Content Placeholder 2">
+              <p:cNvPr id="10" name="Content Placeholder 2">
                 <a:extLst>
                   <a:ext uri="{FF2B5EF4-FFF2-40B4-BE49-F238E27FC236}">
-                    <a16:creationId xmlns:a16="http://schemas.microsoft.com/office/drawing/2014/main" id="{515146F2-9655-4D8B-9E7D-1CA2F0F741F2}"/>
+                    <a16:creationId xmlns:a16="http://schemas.microsoft.com/office/drawing/2014/main" id="{4CE45046-8518-4CED-8689-E6D7EC19AAF1}"/>
                   </a:ext>
                 </a:extLst>
               </p:cNvPr>
@@ -7686,16 +7829,16 @@
             </p:nvSpPr>
             <p:spPr>
               <a:xfrm>
-                <a:off x="478890" y="2419491"/>
-                <a:ext cx="4765516" cy="3961837"/>
+                <a:off x="4541363" y="2156021"/>
+                <a:ext cx="4242965" cy="1267914"/>
               </a:xfrm>
               <a:prstGeom prst="rect">
                 <a:avLst/>
               </a:prstGeom>
               <a:blipFill>
-                <a:blip r:embed="rId3"/>
+                <a:blip r:embed="rId2"/>
                 <a:stretch>
-                  <a:fillRect l="-512" t="-462" b="-1231"/>
+                  <a:fillRect l="-575" t="-962" b="-2404"/>
                 </a:stretch>
               </a:blipFill>
             </p:spPr>
@@ -7716,10 +7859,10 @@
       </mc:AlternateContent>
       <p:pic>
         <p:nvPicPr>
-          <p:cNvPr id="7" name="Picture 6">
+          <p:cNvPr id="12" name="Picture 11" descr="Graphical user interface, text, application, email&#10;&#10;Description automatically generated">
             <a:extLst>
               <a:ext uri="{FF2B5EF4-FFF2-40B4-BE49-F238E27FC236}">
-                <a16:creationId xmlns:a16="http://schemas.microsoft.com/office/drawing/2014/main" id="{22430A2F-093F-4A5B-A024-FB050DC4BF2A}"/>
+                <a16:creationId xmlns:a16="http://schemas.microsoft.com/office/drawing/2014/main" id="{F3FEAF19-4FC1-4992-A210-5E47E1133490}"/>
               </a:ext>
             </a:extLst>
           </p:cNvPr>
@@ -7729,194 +7872,27 @@
           <p:nvPr/>
         </p:nvPicPr>
         <p:blipFill>
-          <a:blip r:embed="rId4"/>
+          <a:blip r:embed="rId3" cstate="print">
+            <a:extLst>
+              <a:ext uri="{28A0092B-C50C-407E-A947-70E740481C1C}">
+                <a14:useLocalDpi xmlns:a14="http://schemas.microsoft.com/office/drawing/2010/main" val="0"/>
+              </a:ext>
+            </a:extLst>
+          </a:blip>
           <a:stretch>
             <a:fillRect/>
           </a:stretch>
         </p:blipFill>
         <p:spPr>
           <a:xfrm>
-            <a:off x="5364088" y="4435715"/>
-            <a:ext cx="3515216" cy="1657581"/>
+            <a:off x="753118" y="3520503"/>
+            <a:ext cx="7637764" cy="2821338"/>
           </a:xfrm>
           <a:prstGeom prst="rect">
             <a:avLst/>
           </a:prstGeom>
         </p:spPr>
       </p:pic>
-      <p:sp>
-        <p:nvSpPr>
-          <p:cNvPr id="8" name="Text Placeholder 4">
-            <a:extLst>
-              <a:ext uri="{FF2B5EF4-FFF2-40B4-BE49-F238E27FC236}">
-                <a16:creationId xmlns:a16="http://schemas.microsoft.com/office/drawing/2014/main" id="{FD13CF7A-2D0A-455C-A5B3-57DD8BE7E539}"/>
-              </a:ext>
-            </a:extLst>
-          </p:cNvPr>
-          <p:cNvSpPr txBox="1">
-            <a:spLocks/>
-          </p:cNvSpPr>
-          <p:nvPr/>
-        </p:nvSpPr>
-        <p:spPr>
-          <a:xfrm>
-            <a:off x="5364088" y="6165304"/>
-            <a:ext cx="2840586" cy="360065"/>
-          </a:xfrm>
-          <a:prstGeom prst="rect">
-            <a:avLst/>
-          </a:prstGeom>
-        </p:spPr>
-        <p:txBody>
-          <a:bodyPr/>
-          <a:lstStyle>
-            <a:lvl1pPr marL="342900" indent="-342900" algn="l" defTabSz="914400" rtl="0" eaLnBrk="1" latinLnBrk="0" hangingPunct="1">
-              <a:spcBef>
-                <a:spcPct val="20000"/>
-              </a:spcBef>
-              <a:buFont typeface="Arial" panose="020B0604020202020204" pitchFamily="34" charset="0"/>
-              <a:buChar char="•"/>
-              <a:defRPr sz="3200" kern="1200">
-                <a:solidFill>
-                  <a:schemeClr val="tx1"/>
-                </a:solidFill>
-                <a:latin typeface="+mn-lt"/>
-                <a:ea typeface="+mn-ea"/>
-                <a:cs typeface="+mn-cs"/>
-              </a:defRPr>
-            </a:lvl1pPr>
-            <a:lvl2pPr marL="742950" indent="-285750" algn="l" defTabSz="914400" rtl="0" eaLnBrk="1" latinLnBrk="0" hangingPunct="1">
-              <a:spcBef>
-                <a:spcPct val="20000"/>
-              </a:spcBef>
-              <a:buFont typeface="Arial" panose="020B0604020202020204" pitchFamily="34" charset="0"/>
-              <a:buChar char="–"/>
-              <a:defRPr sz="2800" kern="1200">
-                <a:solidFill>
-                  <a:schemeClr val="tx1"/>
-                </a:solidFill>
-                <a:latin typeface="+mn-lt"/>
-                <a:ea typeface="+mn-ea"/>
-                <a:cs typeface="+mn-cs"/>
-              </a:defRPr>
-            </a:lvl2pPr>
-            <a:lvl3pPr marL="1143000" indent="-228600" algn="l" defTabSz="914400" rtl="0" eaLnBrk="1" latinLnBrk="0" hangingPunct="1">
-              <a:spcBef>
-                <a:spcPct val="20000"/>
-              </a:spcBef>
-              <a:buFont typeface="Arial" panose="020B0604020202020204" pitchFamily="34" charset="0"/>
-              <a:buChar char="•"/>
-              <a:defRPr sz="2400" kern="1200">
-                <a:solidFill>
-                  <a:schemeClr val="tx1"/>
-                </a:solidFill>
-                <a:latin typeface="+mn-lt"/>
-                <a:ea typeface="+mn-ea"/>
-                <a:cs typeface="+mn-cs"/>
-              </a:defRPr>
-            </a:lvl3pPr>
-            <a:lvl4pPr marL="1600200" indent="-228600" algn="l" defTabSz="914400" rtl="0" eaLnBrk="1" latinLnBrk="0" hangingPunct="1">
-              <a:spcBef>
-                <a:spcPct val="20000"/>
-              </a:spcBef>
-              <a:buFont typeface="Arial" panose="020B0604020202020204" pitchFamily="34" charset="0"/>
-              <a:buChar char="–"/>
-              <a:defRPr sz="2000" kern="1200">
-                <a:solidFill>
-                  <a:schemeClr val="tx1"/>
-                </a:solidFill>
-                <a:latin typeface="+mn-lt"/>
-                <a:ea typeface="+mn-ea"/>
-                <a:cs typeface="+mn-cs"/>
-              </a:defRPr>
-            </a:lvl4pPr>
-            <a:lvl5pPr marL="2057400" indent="-228600" algn="l" defTabSz="914400" rtl="0" eaLnBrk="1" latinLnBrk="0" hangingPunct="1">
-              <a:spcBef>
-                <a:spcPct val="20000"/>
-              </a:spcBef>
-              <a:buFont typeface="Arial" panose="020B0604020202020204" pitchFamily="34" charset="0"/>
-              <a:buChar char="»"/>
-              <a:defRPr sz="2000" kern="1200">
-                <a:solidFill>
-                  <a:schemeClr val="tx1"/>
-                </a:solidFill>
-                <a:latin typeface="+mn-lt"/>
-                <a:ea typeface="+mn-ea"/>
-                <a:cs typeface="+mn-cs"/>
-              </a:defRPr>
-            </a:lvl5pPr>
-            <a:lvl6pPr marL="2514600" indent="-228600" algn="l" defTabSz="914400" rtl="0" eaLnBrk="1" latinLnBrk="0" hangingPunct="1">
-              <a:spcBef>
-                <a:spcPct val="20000"/>
-              </a:spcBef>
-              <a:buFont typeface="Arial" panose="020B0604020202020204" pitchFamily="34" charset="0"/>
-              <a:buChar char="•"/>
-              <a:defRPr sz="2000" kern="1200">
-                <a:solidFill>
-                  <a:schemeClr val="tx1"/>
-                </a:solidFill>
-                <a:latin typeface="+mn-lt"/>
-                <a:ea typeface="+mn-ea"/>
-                <a:cs typeface="+mn-cs"/>
-              </a:defRPr>
-            </a:lvl6pPr>
-            <a:lvl7pPr marL="2971800" indent="-228600" algn="l" defTabSz="914400" rtl="0" eaLnBrk="1" latinLnBrk="0" hangingPunct="1">
-              <a:spcBef>
-                <a:spcPct val="20000"/>
-              </a:spcBef>
-              <a:buFont typeface="Arial" panose="020B0604020202020204" pitchFamily="34" charset="0"/>
-              <a:buChar char="•"/>
-              <a:defRPr sz="2000" kern="1200">
-                <a:solidFill>
-                  <a:schemeClr val="tx1"/>
-                </a:solidFill>
-                <a:latin typeface="+mn-lt"/>
-                <a:ea typeface="+mn-ea"/>
-                <a:cs typeface="+mn-cs"/>
-              </a:defRPr>
-            </a:lvl7pPr>
-            <a:lvl8pPr marL="3429000" indent="-228600" algn="l" defTabSz="914400" rtl="0" eaLnBrk="1" latinLnBrk="0" hangingPunct="1">
-              <a:spcBef>
-                <a:spcPct val="20000"/>
-              </a:spcBef>
-              <a:buFont typeface="Arial" panose="020B0604020202020204" pitchFamily="34" charset="0"/>
-              <a:buChar char="•"/>
-              <a:defRPr sz="2000" kern="1200">
-                <a:solidFill>
-                  <a:schemeClr val="tx1"/>
-                </a:solidFill>
-                <a:latin typeface="+mn-lt"/>
-                <a:ea typeface="+mn-ea"/>
-                <a:cs typeface="+mn-cs"/>
-              </a:defRPr>
-            </a:lvl8pPr>
-            <a:lvl9pPr marL="3886200" indent="-228600" algn="l" defTabSz="914400" rtl="0" eaLnBrk="1" latinLnBrk="0" hangingPunct="1">
-              <a:spcBef>
-                <a:spcPct val="20000"/>
-              </a:spcBef>
-              <a:buFont typeface="Arial" panose="020B0604020202020204" pitchFamily="34" charset="0"/>
-              <a:buChar char="•"/>
-              <a:defRPr sz="2000" kern="1200">
-                <a:solidFill>
-                  <a:schemeClr val="tx1"/>
-                </a:solidFill>
-                <a:latin typeface="+mn-lt"/>
-                <a:ea typeface="+mn-ea"/>
-                <a:cs typeface="+mn-cs"/>
-              </a:defRPr>
-            </a:lvl9pPr>
-          </a:lstStyle>
-          <a:p>
-            <a:pPr marL="0" indent="0">
-              <a:buNone/>
-            </a:pPr>
-            <a:r>
-              <a:rPr lang="cs-CZ" sz="1050" dirty="0"/>
-              <a:t>Zdroj obrázků: Wikipedia.org</a:t>
-            </a:r>
-          </a:p>
-        </p:txBody>
-      </p:sp>
     </p:spTree>
     <p:extLst>
       <p:ext uri="{BB962C8B-B14F-4D97-AF65-F5344CB8AC3E}">
@@ -8325,23 +8301,19 @@
             </a:pPr>
             <a:r>
               <a:rPr lang="cs-CZ" sz="2000" b="1" dirty="0"/>
-              <a:t>Sada pěti </a:t>
+              <a:t>S</a:t>
+            </a:r>
+            <a:r>
+              <a:rPr lang="en-US" sz="2000" b="1" dirty="0" err="1"/>
+              <a:t>ada</a:t>
             </a:r>
             <a:r>
               <a:rPr lang="en-US" sz="2000" b="1" dirty="0"/>
-              <a:t>“</a:t>
+              <a:t> </a:t>
             </a:r>
             <a:r>
               <a:rPr lang="cs-CZ" sz="2000" b="1" dirty="0"/>
-              <a:t>kooperujících</a:t>
-            </a:r>
-            <a:r>
-              <a:rPr lang="en-US" sz="2000" b="1" dirty="0"/>
-              <a:t>”</a:t>
-            </a:r>
-            <a:r>
-              <a:rPr lang="cs-CZ" sz="2000" b="1" dirty="0"/>
-              <a:t> nástrojů:</a:t>
+              <a:t>pěti nástrojů:</a:t>
             </a:r>
           </a:p>
           <a:p>
@@ -8390,6 +8362,11 @@
               <a:rPr lang="cs-CZ" sz="2000" dirty="0"/>
               <a:t>Optimalizátor rozložení produktů</a:t>
             </a:r>
+            <a:r>
+              <a:rPr lang="en-US" sz="2000" dirty="0"/>
+              <a:t> (SLAP)</a:t>
+            </a:r>
+            <a:endParaRPr lang="cs-CZ" sz="2000" dirty="0"/>
           </a:p>
           <a:p>
             <a:pPr>
@@ -8398,7 +8375,19 @@
             </a:pPr>
             <a:r>
               <a:rPr lang="cs-CZ" sz="2000" dirty="0"/>
-              <a:t>Pathfinder (hledač optimální cesty)</a:t>
+              <a:t>Pathfinder (hledání optimální cesty</a:t>
+            </a:r>
+            <a:r>
+              <a:rPr lang="en-US" sz="2000" dirty="0"/>
+              <a:t> </a:t>
+            </a:r>
+            <a:r>
+              <a:rPr lang="en-US" sz="2000" dirty="0" err="1"/>
+              <a:t>skladem</a:t>
+            </a:r>
+            <a:r>
+              <a:rPr lang="cs-CZ" sz="2000" dirty="0"/>
+              <a:t>)</a:t>
             </a:r>
           </a:p>
           <a:p>
@@ -8407,6 +8396,20 @@
               <a:buChar char="•"/>
             </a:pPr>
             <a:endParaRPr lang="cs-CZ" sz="2000" dirty="0"/>
+          </a:p>
+          <a:p>
+            <a:pPr>
+              <a:buFont typeface="Arial" panose="020B0604020202020204" pitchFamily="34" charset="0"/>
+              <a:buChar char="•"/>
+            </a:pPr>
+            <a:endParaRPr lang="en-US" sz="2000" dirty="0"/>
+          </a:p>
+          <a:p>
+            <a:pPr>
+              <a:buFont typeface="Arial" panose="020B0604020202020204" pitchFamily="34" charset="0"/>
+              <a:buChar char="•"/>
+            </a:pPr>
+            <a:endParaRPr lang="en-US" sz="2000" dirty="0"/>
           </a:p>
           <a:p>
             <a:pPr>
@@ -9212,18 +9215,13 @@
             </a:r>
             <a:r>
               <a:rPr lang="cs-CZ" dirty="0"/>
-              <a:t>objednávek (vstup evolučního  algoritmu)</a:t>
-            </a:r>
-          </a:p>
-          <a:p>
-            <a:pPr marL="742950" lvl="1" indent="0">
-              <a:buNone/>
-            </a:pPr>
-            <a:endParaRPr lang="cs-CZ" sz="1600" dirty="0"/>
-          </a:p>
-          <a:p>
-            <a:pPr marL="742950" lvl="1" indent="0">
-              <a:buNone/>
+              <a:t>objednávek (vstup evolučního algoritmu)</a:t>
+            </a:r>
+          </a:p>
+          <a:p>
+            <a:pPr marL="1028700" lvl="1">
+              <a:buFont typeface="Courier New" panose="02070309020205020404" pitchFamily="49" charset="0"/>
+              <a:buChar char="o"/>
             </a:pPr>
             <a:r>
               <a:rPr lang="cs-CZ" sz="1600" dirty="0"/>
@@ -9231,8 +9229,9 @@
             </a:r>
           </a:p>
           <a:p>
-            <a:pPr marL="742950" lvl="1" indent="0">
-              <a:buNone/>
+            <a:pPr marL="1028700" lvl="1">
+              <a:buFont typeface="Courier New" panose="02070309020205020404" pitchFamily="49" charset="0"/>
+              <a:buChar char="o"/>
             </a:pPr>
             <a:r>
               <a:rPr lang="cs-CZ" sz="1600" dirty="0"/>
@@ -9886,7 +9885,7 @@
             </a:r>
             <a:r>
               <a:rPr lang="cs-CZ" sz="2000" dirty="0"/>
-              <a:t>loss funkce)</a:t>
+              <a:t>loss/fitness funkce)</a:t>
             </a:r>
           </a:p>
           <a:p>
